--- a/0119Canvas_Design/Canvas_Design.pptx
+++ b/0119Canvas_Design/Canvas_Design.pptx
@@ -3067,7 +3067,7 @@
         </p:nvGrpSpPr>
         <p:grpSpPr>
           <a:xfrm>
-            <a:off x="720180" y="404664"/>
+            <a:off x="72108" y="404662"/>
             <a:ext cx="4104456" cy="1944218"/>
             <a:chOff x="4926749" y="1484784"/>
             <a:chExt cx="2185953" cy="680424"/>
@@ -3204,7 +3204,7 @@
         </p:nvSpPr>
         <p:spPr>
           <a:xfrm>
-            <a:off x="1685872" y="792595"/>
+            <a:off x="1037800" y="792593"/>
             <a:ext cx="2088232" cy="288032"/>
           </a:xfrm>
           <a:prstGeom prst="flowChartTerminator">
@@ -3257,8 +3257,8 @@
         </p:nvSpPr>
         <p:spPr>
           <a:xfrm>
-            <a:off x="12097644" y="0"/>
-            <a:ext cx="2304156" cy="1292662"/>
+            <a:off x="10585276" y="620688"/>
+            <a:ext cx="2304356" cy="1292662"/>
           </a:xfrm>
           <a:prstGeom prst="rect">
             <a:avLst/>
@@ -3284,47 +3284,35 @@
           </a:p>
           <a:p>
             <a:r>
-              <a:rPr lang="en-US" altLang="ko-KR" sz="1400" dirty="0" smtClean="0"/>
-              <a:t>Color </a:t>
-            </a:r>
-            <a:r>
-              <a:rPr lang="en-US" altLang="ko-KR" sz="1400" dirty="0" smtClean="0"/>
-              <a:t>: </a:t>
-            </a:r>
-            <a:r>
-              <a:rPr lang="en-US" altLang="ko-KR" sz="1400" dirty="0" smtClean="0"/>
-              <a:t>String </a:t>
-            </a:r>
-          </a:p>
-          <a:p>
-            <a:r>
-              <a:rPr lang="en-US" altLang="ko-KR" sz="1400" dirty="0" smtClean="0"/>
-              <a:t>Interval : Integer </a:t>
-            </a:r>
-          </a:p>
-          <a:p>
-            <a:r>
-              <a:rPr lang="en-US" altLang="ko-KR" sz="1400" dirty="0" smtClean="0"/>
-              <a:t>Size : Integer</a:t>
-            </a:r>
-          </a:p>
-          <a:p>
-            <a:r>
               <a:rPr lang="en-US" altLang="ko-KR" sz="1400" dirty="0" err="1" smtClean="0"/>
               <a:t>CircleArray</a:t>
             </a:r>
             <a:r>
               <a:rPr lang="en-US" altLang="ko-KR" sz="1400" dirty="0" smtClean="0"/>
-              <a:t> : array </a:t>
+              <a:t> </a:t>
             </a:r>
             <a:r>
               <a:rPr lang="en-US" altLang="ko-KR" sz="1400" dirty="0" smtClean="0"/>
-              <a:t>of </a:t>
-            </a:r>
-            <a:r>
-              <a:rPr lang="ko-KR" altLang="en-US" sz="1400" dirty="0" smtClean="0"/>
-              <a:t>객체</a:t>
-            </a:r>
+              <a:t>: array </a:t>
+            </a:r>
+            <a:r>
+              <a:rPr lang="en-US" altLang="ko-KR" sz="1400" dirty="0" smtClean="0"/>
+              <a:t>of object </a:t>
+            </a:r>
+          </a:p>
+          <a:p>
+            <a:r>
+              <a:rPr lang="en-US" altLang="ko-KR" sz="1400" dirty="0" smtClean="0"/>
+              <a:t>Size, Interval : Integer</a:t>
+            </a:r>
+          </a:p>
+          <a:p>
+            <a:r>
+              <a:rPr lang="en-US" altLang="ko-KR" sz="1400" dirty="0" smtClean="0"/>
+              <a:t>Color : String</a:t>
+            </a:r>
+          </a:p>
+          <a:p>
             <a:endParaRPr lang="en-US" altLang="ko-KR" sz="1400" dirty="0" smtClean="0"/>
           </a:p>
           <a:p>
@@ -3340,7 +3328,7 @@
         </p:nvSpPr>
         <p:spPr>
           <a:xfrm>
-            <a:off x="1440260" y="3140968"/>
+            <a:off x="792188" y="3140966"/>
             <a:ext cx="216024" cy="153888"/>
           </a:xfrm>
           <a:prstGeom prst="rect">
@@ -3370,7 +3358,7 @@
         </p:nvSpPr>
         <p:spPr>
           <a:xfrm rot="10800000" flipV="1">
-            <a:off x="1754304" y="1387124"/>
+            <a:off x="1106232" y="1387122"/>
             <a:ext cx="1944216" cy="234318"/>
           </a:xfrm>
           <a:prstGeom prst="rect">
@@ -3431,10 +3419,10 @@
         </p:nvGrpSpPr>
         <p:grpSpPr>
           <a:xfrm>
-            <a:off x="5040660" y="476672"/>
-            <a:ext cx="3600400" cy="5904656"/>
+            <a:off x="4320580" y="72332"/>
+            <a:ext cx="4320480" cy="3212653"/>
             <a:chOff x="4926749" y="1484782"/>
-            <a:chExt cx="2185953" cy="2041268"/>
+            <a:chExt cx="2185953" cy="994939"/>
           </a:xfrm>
         </p:grpSpPr>
         <p:sp>
@@ -3446,7 +3434,7 @@
           <p:spPr>
             <a:xfrm rot="10800000" flipV="1">
               <a:off x="4926749" y="1484784"/>
-              <a:ext cx="2185952" cy="2041266"/>
+              <a:ext cx="2185952" cy="994937"/>
             </a:xfrm>
             <a:prstGeom prst="rect">
               <a:avLst/>
@@ -3525,7 +3513,7 @@
                     <a:schemeClr val="tx1"/>
                   </a:solidFill>
                 </a:rPr>
-                <a:t>StoreCircle</a:t>
+                <a:t>StoreCircleObject</a:t>
               </a:r>
               <a:r>
                 <a:rPr lang="en-US" altLang="ko-KR" sz="1200" dirty="0" smtClean="0">
@@ -3533,7 +3521,7 @@
                     <a:schemeClr val="tx1"/>
                   </a:solidFill>
                 </a:rPr>
-                <a:t>(String : </a:t>
+                <a:t>(</a:t>
               </a:r>
               <a:r>
                 <a:rPr lang="en-US" altLang="ko-KR" sz="1200" dirty="0" err="1" smtClean="0">
@@ -3541,7 +3529,47 @@
                     <a:schemeClr val="tx1"/>
                   </a:solidFill>
                 </a:rPr>
-                <a:t>aName</a:t>
+                <a:t>var</a:t>
+              </a:r>
+              <a:r>
+                <a:rPr lang="en-US" altLang="ko-KR" sz="1200" dirty="0" smtClean="0">
+                  <a:solidFill>
+                    <a:schemeClr val="tx1"/>
+                  </a:solidFill>
+                </a:rPr>
+                <a:t> </a:t>
+              </a:r>
+              <a:r>
+                <a:rPr lang="en-US" altLang="ko-KR" sz="1200" dirty="0" err="1" smtClean="0">
+                  <a:solidFill>
+                    <a:schemeClr val="tx1"/>
+                  </a:solidFill>
+                </a:rPr>
+                <a:t>aObject</a:t>
+              </a:r>
+              <a:r>
+                <a:rPr lang="en-US" altLang="ko-KR" sz="1200" dirty="0" smtClean="0">
+                  <a:solidFill>
+                    <a:schemeClr val="tx1"/>
+                  </a:solidFill>
+                </a:rPr>
+                <a:t> : Object, </a:t>
+              </a:r>
+              <a:r>
+                <a:rPr lang="en-US" altLang="ko-KR" sz="1200" dirty="0" err="1" smtClean="0">
+                  <a:solidFill>
+                    <a:schemeClr val="tx1"/>
+                  </a:solidFill>
+                </a:rPr>
+                <a:t>aCreateTime</a:t>
+              </a:r>
+              <a:r>
+                <a:rPr lang="en-US" altLang="ko-KR" sz="1200" dirty="0" smtClean="0">
+                  <a:solidFill>
+                    <a:schemeClr val="tx1"/>
+                  </a:solidFill>
+                </a:rPr>
+                <a:t> : Time</a:t>
               </a:r>
               <a:r>
                 <a:rPr lang="en-US" altLang="ko-KR" sz="1200" dirty="0" smtClean="0">
@@ -3568,7 +3596,7 @@
         </p:nvSpPr>
         <p:spPr>
           <a:xfrm>
-            <a:off x="1685872" y="2034560"/>
+            <a:off x="1037800" y="2034558"/>
             <a:ext cx="2088232" cy="288032"/>
           </a:xfrm>
           <a:prstGeom prst="flowChartTerminator">
@@ -3621,7 +3649,7 @@
         </p:nvGrpSpPr>
         <p:grpSpPr>
           <a:xfrm>
-            <a:off x="720180" y="2420888"/>
+            <a:off x="72108" y="2420886"/>
             <a:ext cx="4104456" cy="1944218"/>
             <a:chOff x="4926749" y="1484784"/>
             <a:chExt cx="2185953" cy="680424"/>
@@ -3675,6 +3703,310 @@
         <p:sp>
           <p:nvSpPr>
             <p:cNvPr id="64" name="직사각형 63"/>
+            <p:cNvSpPr/>
+            <p:nvPr/>
+          </p:nvSpPr>
+          <p:spPr>
+            <a:xfrm rot="10800000" flipV="1">
+              <a:off x="4926752" y="1484784"/>
+              <a:ext cx="2185950" cy="122688"/>
+            </a:xfrm>
+            <a:prstGeom prst="rect">
+              <a:avLst/>
+            </a:prstGeom>
+            <a:noFill/>
+          </p:spPr>
+          <p:style>
+            <a:lnRef idx="2">
+              <a:schemeClr val="accent1">
+                <a:shade val="50000"/>
+              </a:schemeClr>
+            </a:lnRef>
+            <a:fillRef idx="1">
+              <a:schemeClr val="accent1"/>
+            </a:fillRef>
+            <a:effectRef idx="0">
+              <a:schemeClr val="accent1"/>
+            </a:effectRef>
+            <a:fontRef idx="minor">
+              <a:schemeClr val="lt1"/>
+            </a:fontRef>
+          </p:style>
+          <p:txBody>
+            <a:bodyPr lIns="0" tIns="0" rIns="0" bIns="0" rtlCol="0" anchor="ctr"/>
+            <a:lstStyle/>
+            <a:p>
+              <a:pPr algn="ctr"/>
+              <a:r>
+                <a:rPr lang="en-US" altLang="ko-KR" sz="1200" dirty="0" err="1" smtClean="0">
+                  <a:solidFill>
+                    <a:schemeClr val="tx1"/>
+                  </a:solidFill>
+                </a:rPr>
+                <a:t>SetSize</a:t>
+              </a:r>
+              <a:r>
+                <a:rPr lang="en-US" altLang="ko-KR" sz="1200" dirty="0" smtClean="0">
+                  <a:solidFill>
+                    <a:schemeClr val="tx1"/>
+                  </a:solidFill>
+                </a:rPr>
+                <a:t>(</a:t>
+              </a:r>
+              <a:r>
+                <a:rPr lang="en-US" altLang="ko-KR" sz="1200" dirty="0" err="1" smtClean="0">
+                  <a:solidFill>
+                    <a:schemeClr val="tx1"/>
+                  </a:solidFill>
+                </a:rPr>
+                <a:t>aUpDown</a:t>
+              </a:r>
+              <a:r>
+                <a:rPr lang="en-US" altLang="ko-KR" sz="1200" dirty="0" smtClean="0">
+                  <a:solidFill>
+                    <a:schemeClr val="tx1"/>
+                  </a:solidFill>
+                </a:rPr>
+                <a:t> </a:t>
+              </a:r>
+              <a:r>
+                <a:rPr lang="en-US" altLang="ko-KR" sz="1200" dirty="0" smtClean="0">
+                  <a:solidFill>
+                    <a:schemeClr val="tx1"/>
+                  </a:solidFill>
+                </a:rPr>
+                <a:t>: Boolean)</a:t>
+              </a:r>
+              <a:endParaRPr lang="ko-KR" altLang="en-US" sz="1200" dirty="0">
+                <a:solidFill>
+                  <a:schemeClr val="tx1"/>
+                </a:solidFill>
+              </a:endParaRPr>
+            </a:p>
+          </p:txBody>
+        </p:sp>
+      </p:grpSp>
+      <p:sp>
+        <p:nvSpPr>
+          <p:cNvPr id="65" name="순서도: 수행의 시작/종료 64"/>
+          <p:cNvSpPr/>
+          <p:nvPr/>
+        </p:nvSpPr>
+        <p:spPr>
+          <a:xfrm>
+            <a:off x="1037800" y="2808817"/>
+            <a:ext cx="2088232" cy="288032"/>
+          </a:xfrm>
+          <a:prstGeom prst="flowChartTerminator">
+            <a:avLst/>
+          </a:prstGeom>
+          <a:noFill/>
+        </p:spPr>
+        <p:style>
+          <a:lnRef idx="2">
+            <a:schemeClr val="accent1">
+              <a:shade val="50000"/>
+            </a:schemeClr>
+          </a:lnRef>
+          <a:fillRef idx="1">
+            <a:schemeClr val="accent1"/>
+          </a:fillRef>
+          <a:effectRef idx="0">
+            <a:schemeClr val="accent1"/>
+          </a:effectRef>
+          <a:fontRef idx="minor">
+            <a:schemeClr val="lt1"/>
+          </a:fontRef>
+        </p:style>
+        <p:txBody>
+          <a:bodyPr lIns="0" tIns="0" rIns="0" bIns="0" rtlCol="0" anchor="ctr"/>
+          <a:lstStyle/>
+          <a:p>
+            <a:pPr algn="ctr"/>
+            <a:r>
+              <a:rPr lang="en-US" altLang="ko-KR" sz="1000" dirty="0" smtClean="0">
+                <a:solidFill>
+                  <a:schemeClr val="tx1"/>
+                </a:solidFill>
+              </a:rPr>
+              <a:t>START</a:t>
+            </a:r>
+            <a:endParaRPr lang="ko-KR" altLang="en-US" sz="1000" dirty="0">
+              <a:solidFill>
+                <a:schemeClr val="tx1"/>
+              </a:solidFill>
+            </a:endParaRPr>
+          </a:p>
+        </p:txBody>
+      </p:sp>
+      <p:sp>
+        <p:nvSpPr>
+          <p:cNvPr id="66" name="직사각형 65"/>
+          <p:cNvSpPr/>
+          <p:nvPr/>
+        </p:nvSpPr>
+        <p:spPr>
+          <a:xfrm rot="10800000" flipV="1">
+            <a:off x="90396" y="3627871"/>
+            <a:ext cx="1944216" cy="234318"/>
+          </a:xfrm>
+          <a:prstGeom prst="rect">
+            <a:avLst/>
+          </a:prstGeom>
+          <a:noFill/>
+        </p:spPr>
+        <p:style>
+          <a:lnRef idx="2">
+            <a:schemeClr val="accent1">
+              <a:shade val="50000"/>
+            </a:schemeClr>
+          </a:lnRef>
+          <a:fillRef idx="1">
+            <a:schemeClr val="accent1"/>
+          </a:fillRef>
+          <a:effectRef idx="0">
+            <a:schemeClr val="accent1"/>
+          </a:effectRef>
+          <a:fontRef idx="minor">
+            <a:schemeClr val="lt1"/>
+          </a:fontRef>
+        </p:style>
+        <p:txBody>
+          <a:bodyPr lIns="0" tIns="0" rIns="0" bIns="0" rtlCol="0" anchor="ctr"/>
+          <a:lstStyle/>
+          <a:p>
+            <a:pPr algn="ctr"/>
+            <a:r>
+              <a:rPr lang="en-US" altLang="ko-KR" sz="1000" dirty="0" smtClean="0">
+                <a:solidFill>
+                  <a:schemeClr val="tx1"/>
+                </a:solidFill>
+              </a:rPr>
+              <a:t>Size = Size+1</a:t>
+            </a:r>
+            <a:endParaRPr lang="ko-KR" altLang="en-US" sz="1000" dirty="0">
+              <a:solidFill>
+                <a:schemeClr val="tx1"/>
+              </a:solidFill>
+            </a:endParaRPr>
+          </a:p>
+        </p:txBody>
+      </p:sp>
+      <p:sp>
+        <p:nvSpPr>
+          <p:cNvPr id="67" name="순서도: 수행의 시작/종료 66"/>
+          <p:cNvSpPr/>
+          <p:nvPr/>
+        </p:nvSpPr>
+        <p:spPr>
+          <a:xfrm>
+            <a:off x="1037800" y="4050782"/>
+            <a:ext cx="2088232" cy="288032"/>
+          </a:xfrm>
+          <a:prstGeom prst="flowChartTerminator">
+            <a:avLst/>
+          </a:prstGeom>
+          <a:noFill/>
+        </p:spPr>
+        <p:style>
+          <a:lnRef idx="2">
+            <a:schemeClr val="accent1">
+              <a:shade val="50000"/>
+            </a:schemeClr>
+          </a:lnRef>
+          <a:fillRef idx="1">
+            <a:schemeClr val="accent1"/>
+          </a:fillRef>
+          <a:effectRef idx="0">
+            <a:schemeClr val="accent1"/>
+          </a:effectRef>
+          <a:fontRef idx="minor">
+            <a:schemeClr val="lt1"/>
+          </a:fontRef>
+        </p:style>
+        <p:txBody>
+          <a:bodyPr lIns="0" tIns="0" rIns="0" bIns="0" rtlCol="0" anchor="ctr"/>
+          <a:lstStyle/>
+          <a:p>
+            <a:pPr algn="ctr"/>
+            <a:r>
+              <a:rPr lang="en-US" altLang="ko-KR" sz="1000" dirty="0" smtClean="0">
+                <a:solidFill>
+                  <a:schemeClr val="tx1"/>
+                </a:solidFill>
+              </a:rPr>
+              <a:t>END</a:t>
+            </a:r>
+            <a:endParaRPr lang="ko-KR" altLang="en-US" sz="1000" dirty="0">
+              <a:solidFill>
+                <a:schemeClr val="tx1"/>
+              </a:solidFill>
+            </a:endParaRPr>
+          </a:p>
+        </p:txBody>
+      </p:sp>
+      <p:grpSp>
+        <p:nvGrpSpPr>
+          <p:cNvPr id="68" name="그룹 20"/>
+          <p:cNvGrpSpPr/>
+          <p:nvPr/>
+        </p:nvGrpSpPr>
+        <p:grpSpPr>
+          <a:xfrm>
+            <a:off x="72108" y="4509118"/>
+            <a:ext cx="4104456" cy="1944218"/>
+            <a:chOff x="4926749" y="1484784"/>
+            <a:chExt cx="2185953" cy="680424"/>
+          </a:xfrm>
+        </p:grpSpPr>
+        <p:sp>
+          <p:nvSpPr>
+            <p:cNvPr id="69" name="직사각형 68"/>
+            <p:cNvSpPr/>
+            <p:nvPr/>
+          </p:nvSpPr>
+          <p:spPr>
+            <a:xfrm rot="10800000" flipV="1">
+              <a:off x="4926749" y="1484784"/>
+              <a:ext cx="2185952" cy="680424"/>
+            </a:xfrm>
+            <a:prstGeom prst="rect">
+              <a:avLst/>
+            </a:prstGeom>
+            <a:noFill/>
+          </p:spPr>
+          <p:style>
+            <a:lnRef idx="2">
+              <a:schemeClr val="accent1">
+                <a:shade val="50000"/>
+              </a:schemeClr>
+            </a:lnRef>
+            <a:fillRef idx="1">
+              <a:schemeClr val="accent1"/>
+            </a:fillRef>
+            <a:effectRef idx="0">
+              <a:schemeClr val="accent1"/>
+            </a:effectRef>
+            <a:fontRef idx="minor">
+              <a:schemeClr val="lt1"/>
+            </a:fontRef>
+          </p:style>
+          <p:txBody>
+            <a:bodyPr lIns="0" tIns="0" rIns="0" bIns="0" rtlCol="0" anchor="ctr"/>
+            <a:lstStyle/>
+            <a:p>
+              <a:pPr algn="ctr"/>
+              <a:endParaRPr lang="ko-KR" altLang="en-US" sz="1200" dirty="0">
+                <a:solidFill>
+                  <a:schemeClr val="tx1"/>
+                </a:solidFill>
+              </a:endParaRPr>
+            </a:p>
+          </p:txBody>
+        </p:sp>
+        <p:sp>
+          <p:nvSpPr>
+            <p:cNvPr id="70" name="직사각형 69"/>
             <p:cNvSpPr/>
             <p:nvPr/>
           </p:nvSpPr>
@@ -3739,7 +4071,15 @@
                     <a:schemeClr val="tx1"/>
                   </a:solidFill>
                 </a:rPr>
-                <a:t> : Boolean)</a:t>
+                <a:t> </a:t>
+              </a:r>
+              <a:r>
+                <a:rPr lang="en-US" altLang="ko-KR" sz="1200" dirty="0" smtClean="0">
+                  <a:solidFill>
+                    <a:schemeClr val="tx1"/>
+                  </a:solidFill>
+                </a:rPr>
+                <a:t>: Boolean)</a:t>
               </a:r>
               <a:endParaRPr lang="ko-KR" altLang="en-US" sz="1200" dirty="0">
                 <a:solidFill>
@@ -3752,13 +4092,13 @@
       </p:grpSp>
       <p:sp>
         <p:nvSpPr>
-          <p:cNvPr id="65" name="순서도: 수행의 시작/종료 64"/>
+          <p:cNvPr id="71" name="순서도: 수행의 시작/종료 70"/>
           <p:cNvSpPr/>
           <p:nvPr/>
         </p:nvSpPr>
         <p:spPr>
           <a:xfrm>
-            <a:off x="1685872" y="2808819"/>
+            <a:off x="1037800" y="4915337"/>
             <a:ext cx="2088232" cy="288032"/>
           </a:xfrm>
           <a:prstGeom prst="flowChartTerminator">
@@ -3805,16 +4145,16 @@
       </p:sp>
       <p:sp>
         <p:nvSpPr>
-          <p:cNvPr id="66" name="직사각형 65"/>
+          <p:cNvPr id="73" name="순서도: 수행의 시작/종료 72"/>
           <p:cNvSpPr/>
           <p:nvPr/>
         </p:nvSpPr>
         <p:spPr>
-          <a:xfrm rot="10800000" flipV="1">
-            <a:off x="738468" y="3627873"/>
-            <a:ext cx="1944216" cy="234318"/>
-          </a:xfrm>
-          <a:prstGeom prst="rect">
+          <a:xfrm>
+            <a:off x="1037800" y="6139014"/>
+            <a:ext cx="2088232" cy="288032"/>
+          </a:xfrm>
+          <a:prstGeom prst="flowChartTerminator">
             <a:avLst/>
           </a:prstGeom>
           <a:noFill/>
@@ -3846,15 +4186,7 @@
                   <a:schemeClr val="tx1"/>
                 </a:solidFill>
               </a:rPr>
-              <a:t>Size</a:t>
-            </a:r>
-            <a:r>
-              <a:rPr lang="en-US" altLang="ko-KR" sz="1000" dirty="0" smtClean="0">
-                <a:solidFill>
-                  <a:schemeClr val="tx1"/>
-                </a:solidFill>
-              </a:rPr>
-              <a:t> = Size+1</a:t>
+              <a:t>END</a:t>
             </a:r>
             <a:endParaRPr lang="ko-KR" altLang="en-US" sz="1000" dirty="0">
               <a:solidFill>
@@ -3866,16 +4198,16 @@
       </p:sp>
       <p:sp>
         <p:nvSpPr>
-          <p:cNvPr id="67" name="순서도: 수행의 시작/종료 66"/>
+          <p:cNvPr id="74" name="순서도: 판단 73"/>
           <p:cNvSpPr/>
           <p:nvPr/>
         </p:nvSpPr>
         <p:spPr>
           <a:xfrm>
-            <a:off x="1685872" y="4050784"/>
-            <a:ext cx="2088232" cy="288032"/>
-          </a:xfrm>
-          <a:prstGeom prst="flowChartTerminator">
+            <a:off x="1061464" y="3219384"/>
+            <a:ext cx="2044124" cy="373062"/>
+          </a:xfrm>
+          <a:prstGeom prst="flowChartDecision">
             <a:avLst/>
           </a:prstGeom>
           <a:noFill/>
@@ -3897,17 +4229,25 @@
           </a:fontRef>
         </p:style>
         <p:txBody>
-          <a:bodyPr lIns="0" tIns="0" rIns="0" bIns="0" rtlCol="0" anchor="ctr"/>
+          <a:bodyPr lIns="0" tIns="9578" rIns="0" bIns="9578" rtlCol="0" anchor="ctr"/>
           <a:lstStyle/>
           <a:p>
             <a:pPr algn="ctr"/>
             <a:r>
+              <a:rPr lang="en-US" altLang="ko-KR" sz="1000" dirty="0" err="1" smtClean="0">
+                <a:solidFill>
+                  <a:schemeClr val="tx1"/>
+                </a:solidFill>
+              </a:rPr>
+              <a:t>aUpDown</a:t>
+            </a:r>
+            <a:r>
               <a:rPr lang="en-US" altLang="ko-KR" sz="1000" dirty="0" smtClean="0">
                 <a:solidFill>
                   <a:schemeClr val="tx1"/>
                 </a:solidFill>
               </a:rPr>
-              <a:t>END</a:t>
+              <a:t> = True</a:t>
             </a:r>
             <a:endParaRPr lang="ko-KR" altLang="en-US" sz="1000" dirty="0">
               <a:solidFill>
@@ -3917,30 +4257,963 @@
           </a:p>
         </p:txBody>
       </p:sp>
+      <p:sp>
+        <p:nvSpPr>
+          <p:cNvPr id="75" name="직사각형 74"/>
+          <p:cNvSpPr/>
+          <p:nvPr/>
+        </p:nvSpPr>
+        <p:spPr>
+          <a:xfrm rot="10800000" flipV="1">
+            <a:off x="2132908" y="3627871"/>
+            <a:ext cx="1944216" cy="234318"/>
+          </a:xfrm>
+          <a:prstGeom prst="rect">
+            <a:avLst/>
+          </a:prstGeom>
+          <a:noFill/>
+        </p:spPr>
+        <p:style>
+          <a:lnRef idx="2">
+            <a:schemeClr val="accent1">
+              <a:shade val="50000"/>
+            </a:schemeClr>
+          </a:lnRef>
+          <a:fillRef idx="1">
+            <a:schemeClr val="accent1"/>
+          </a:fillRef>
+          <a:effectRef idx="0">
+            <a:schemeClr val="accent1"/>
+          </a:effectRef>
+          <a:fontRef idx="minor">
+            <a:schemeClr val="lt1"/>
+          </a:fontRef>
+        </p:style>
+        <p:txBody>
+          <a:bodyPr lIns="0" tIns="0" rIns="0" bIns="0" rtlCol="0" anchor="ctr"/>
+          <a:lstStyle/>
+          <a:p>
+            <a:pPr algn="ctr"/>
+            <a:r>
+              <a:rPr lang="en-US" altLang="ko-KR" sz="1000" dirty="0" smtClean="0">
+                <a:solidFill>
+                  <a:schemeClr val="tx1"/>
+                </a:solidFill>
+              </a:rPr>
+              <a:t>Size = Size-1</a:t>
+            </a:r>
+            <a:endParaRPr lang="ko-KR" altLang="en-US" sz="1000" dirty="0">
+              <a:solidFill>
+                <a:schemeClr val="tx1"/>
+              </a:solidFill>
+            </a:endParaRPr>
+          </a:p>
+        </p:txBody>
+      </p:sp>
+      <p:sp>
+        <p:nvSpPr>
+          <p:cNvPr id="76" name="TextBox 75"/>
+          <p:cNvSpPr txBox="1"/>
+          <p:nvPr/>
+        </p:nvSpPr>
+        <p:spPr>
+          <a:xfrm>
+            <a:off x="3168452" y="3140966"/>
+            <a:ext cx="216024" cy="153888"/>
+          </a:xfrm>
+          <a:prstGeom prst="rect">
+            <a:avLst/>
+          </a:prstGeom>
+          <a:noFill/>
+        </p:spPr>
+        <p:txBody>
+          <a:bodyPr wrap="square" lIns="0" tIns="0" rIns="0" bIns="0" rtlCol="0">
+            <a:spAutoFit/>
+          </a:bodyPr>
+          <a:lstStyle/>
+          <a:p>
+            <a:r>
+              <a:rPr lang="en-US" altLang="ko-KR" sz="1000" dirty="0" smtClean="0"/>
+              <a:t>No</a:t>
+            </a:r>
+            <a:endParaRPr lang="ko-KR" altLang="en-US" sz="1000" dirty="0"/>
+          </a:p>
+        </p:txBody>
+      </p:sp>
+      <p:cxnSp>
+        <p:nvCxnSpPr>
+          <p:cNvPr id="82" name="직선 화살표 연결선 81"/>
+          <p:cNvCxnSpPr>
+            <a:stCxn id="74" idx="1"/>
+            <a:endCxn id="66" idx="0"/>
+          </p:cNvCxnSpPr>
+          <p:nvPr/>
+        </p:nvCxnSpPr>
+        <p:spPr>
+          <a:xfrm>
+            <a:off x="1061464" y="3405915"/>
+            <a:ext cx="1040" cy="221956"/>
+          </a:xfrm>
+          <a:prstGeom prst="straightConnector1">
+            <a:avLst/>
+          </a:prstGeom>
+          <a:ln>
+            <a:tailEnd type="arrow"/>
+          </a:ln>
+        </p:spPr>
+        <p:style>
+          <a:lnRef idx="1">
+            <a:schemeClr val="accent1"/>
+          </a:lnRef>
+          <a:fillRef idx="0">
+            <a:schemeClr val="accent1"/>
+          </a:fillRef>
+          <a:effectRef idx="0">
+            <a:schemeClr val="accent1"/>
+          </a:effectRef>
+          <a:fontRef idx="minor">
+            <a:schemeClr val="tx1"/>
+          </a:fontRef>
+        </p:style>
+      </p:cxnSp>
+      <p:cxnSp>
+        <p:nvCxnSpPr>
+          <p:cNvPr id="84" name="직선 화살표 연결선 83"/>
+          <p:cNvCxnSpPr>
+            <a:stCxn id="74" idx="3"/>
+            <a:endCxn id="75" idx="0"/>
+          </p:cNvCxnSpPr>
+          <p:nvPr/>
+        </p:nvCxnSpPr>
+        <p:spPr>
+          <a:xfrm flipH="1">
+            <a:off x="3105016" y="3405915"/>
+            <a:ext cx="572" cy="221956"/>
+          </a:xfrm>
+          <a:prstGeom prst="straightConnector1">
+            <a:avLst/>
+          </a:prstGeom>
+          <a:ln>
+            <a:tailEnd type="arrow"/>
+          </a:ln>
+        </p:spPr>
+        <p:style>
+          <a:lnRef idx="1">
+            <a:schemeClr val="accent1"/>
+          </a:lnRef>
+          <a:fillRef idx="0">
+            <a:schemeClr val="accent1"/>
+          </a:fillRef>
+          <a:effectRef idx="0">
+            <a:schemeClr val="accent1"/>
+          </a:effectRef>
+          <a:fontRef idx="minor">
+            <a:schemeClr val="tx1"/>
+          </a:fontRef>
+        </p:style>
+      </p:cxnSp>
+      <p:sp>
+        <p:nvSpPr>
+          <p:cNvPr id="85" name="TextBox 84"/>
+          <p:cNvSpPr txBox="1"/>
+          <p:nvPr/>
+        </p:nvSpPr>
+        <p:spPr>
+          <a:xfrm>
+            <a:off x="810476" y="5310357"/>
+            <a:ext cx="216024" cy="153888"/>
+          </a:xfrm>
+          <a:prstGeom prst="rect">
+            <a:avLst/>
+          </a:prstGeom>
+          <a:noFill/>
+        </p:spPr>
+        <p:txBody>
+          <a:bodyPr wrap="square" lIns="0" tIns="0" rIns="0" bIns="0" rtlCol="0">
+            <a:spAutoFit/>
+          </a:bodyPr>
+          <a:lstStyle/>
+          <a:p>
+            <a:r>
+              <a:rPr lang="en-US" altLang="ko-KR" sz="1000" dirty="0" smtClean="0"/>
+              <a:t>Yes</a:t>
+            </a:r>
+            <a:endParaRPr lang="ko-KR" altLang="en-US" sz="1000" dirty="0"/>
+          </a:p>
+        </p:txBody>
+      </p:sp>
+      <p:sp>
+        <p:nvSpPr>
+          <p:cNvPr id="86" name="직사각형 85"/>
+          <p:cNvSpPr/>
+          <p:nvPr/>
+        </p:nvSpPr>
+        <p:spPr>
+          <a:xfrm rot="10800000" flipV="1">
+            <a:off x="81252" y="5733254"/>
+            <a:ext cx="1944216" cy="234318"/>
+          </a:xfrm>
+          <a:prstGeom prst="rect">
+            <a:avLst/>
+          </a:prstGeom>
+          <a:noFill/>
+        </p:spPr>
+        <p:style>
+          <a:lnRef idx="2">
+            <a:schemeClr val="accent1">
+              <a:shade val="50000"/>
+            </a:schemeClr>
+          </a:lnRef>
+          <a:fillRef idx="1">
+            <a:schemeClr val="accent1"/>
+          </a:fillRef>
+          <a:effectRef idx="0">
+            <a:schemeClr val="accent1"/>
+          </a:effectRef>
+          <a:fontRef idx="minor">
+            <a:schemeClr val="lt1"/>
+          </a:fontRef>
+        </p:style>
+        <p:txBody>
+          <a:bodyPr lIns="0" tIns="0" rIns="0" bIns="0" rtlCol="0" anchor="ctr"/>
+          <a:lstStyle/>
+          <a:p>
+            <a:pPr algn="ctr"/>
+            <a:r>
+              <a:rPr lang="en-US" altLang="ko-KR" sz="1000" dirty="0" smtClean="0">
+                <a:solidFill>
+                  <a:schemeClr val="tx1"/>
+                </a:solidFill>
+              </a:rPr>
+              <a:t>Interval = Interval+1</a:t>
+            </a:r>
+            <a:endParaRPr lang="ko-KR" altLang="en-US" sz="1000" dirty="0">
+              <a:solidFill>
+                <a:schemeClr val="tx1"/>
+              </a:solidFill>
+            </a:endParaRPr>
+          </a:p>
+        </p:txBody>
+      </p:sp>
+      <p:sp>
+        <p:nvSpPr>
+          <p:cNvPr id="87" name="순서도: 판단 86"/>
+          <p:cNvSpPr/>
+          <p:nvPr/>
+        </p:nvSpPr>
+        <p:spPr>
+          <a:xfrm>
+            <a:off x="1061464" y="5324767"/>
+            <a:ext cx="2044124" cy="373062"/>
+          </a:xfrm>
+          <a:prstGeom prst="flowChartDecision">
+            <a:avLst/>
+          </a:prstGeom>
+          <a:noFill/>
+        </p:spPr>
+        <p:style>
+          <a:lnRef idx="2">
+            <a:schemeClr val="accent1">
+              <a:shade val="50000"/>
+            </a:schemeClr>
+          </a:lnRef>
+          <a:fillRef idx="1">
+            <a:schemeClr val="accent1"/>
+          </a:fillRef>
+          <a:effectRef idx="0">
+            <a:schemeClr val="accent1"/>
+          </a:effectRef>
+          <a:fontRef idx="minor">
+            <a:schemeClr val="lt1"/>
+          </a:fontRef>
+        </p:style>
+        <p:txBody>
+          <a:bodyPr lIns="0" tIns="9578" rIns="0" bIns="9578" rtlCol="0" anchor="ctr"/>
+          <a:lstStyle/>
+          <a:p>
+            <a:pPr algn="ctr"/>
+            <a:r>
+              <a:rPr lang="en-US" altLang="ko-KR" sz="1000" dirty="0" err="1" smtClean="0">
+                <a:solidFill>
+                  <a:schemeClr val="tx1"/>
+                </a:solidFill>
+              </a:rPr>
+              <a:t>aUpDown</a:t>
+            </a:r>
+            <a:r>
+              <a:rPr lang="en-US" altLang="ko-KR" sz="1000" dirty="0" smtClean="0">
+                <a:solidFill>
+                  <a:schemeClr val="tx1"/>
+                </a:solidFill>
+              </a:rPr>
+              <a:t> = True</a:t>
+            </a:r>
+            <a:endParaRPr lang="ko-KR" altLang="en-US" sz="1000" dirty="0">
+              <a:solidFill>
+                <a:schemeClr val="tx1"/>
+              </a:solidFill>
+            </a:endParaRPr>
+          </a:p>
+        </p:txBody>
+      </p:sp>
+      <p:sp>
+        <p:nvSpPr>
+          <p:cNvPr id="88" name="직사각형 87"/>
+          <p:cNvSpPr/>
+          <p:nvPr/>
+        </p:nvSpPr>
+        <p:spPr>
+          <a:xfrm rot="10800000" flipV="1">
+            <a:off x="2151196" y="5733254"/>
+            <a:ext cx="1944216" cy="234318"/>
+          </a:xfrm>
+          <a:prstGeom prst="rect">
+            <a:avLst/>
+          </a:prstGeom>
+          <a:noFill/>
+        </p:spPr>
+        <p:style>
+          <a:lnRef idx="2">
+            <a:schemeClr val="accent1">
+              <a:shade val="50000"/>
+            </a:schemeClr>
+          </a:lnRef>
+          <a:fillRef idx="1">
+            <a:schemeClr val="accent1"/>
+          </a:fillRef>
+          <a:effectRef idx="0">
+            <a:schemeClr val="accent1"/>
+          </a:effectRef>
+          <a:fontRef idx="minor">
+            <a:schemeClr val="lt1"/>
+          </a:fontRef>
+        </p:style>
+        <p:txBody>
+          <a:bodyPr lIns="0" tIns="0" rIns="0" bIns="0" rtlCol="0" anchor="ctr"/>
+          <a:lstStyle/>
+          <a:p>
+            <a:pPr algn="ctr"/>
+            <a:r>
+              <a:rPr lang="en-US" altLang="ko-KR" sz="1000" dirty="0" smtClean="0">
+                <a:solidFill>
+                  <a:schemeClr val="tx1"/>
+                </a:solidFill>
+              </a:rPr>
+              <a:t>Interval = Interval-1</a:t>
+            </a:r>
+            <a:endParaRPr lang="ko-KR" altLang="en-US" sz="1000" dirty="0">
+              <a:solidFill>
+                <a:schemeClr val="tx1"/>
+              </a:solidFill>
+            </a:endParaRPr>
+          </a:p>
+        </p:txBody>
+      </p:sp>
+      <p:sp>
+        <p:nvSpPr>
+          <p:cNvPr id="89" name="TextBox 88"/>
+          <p:cNvSpPr txBox="1"/>
+          <p:nvPr/>
+        </p:nvSpPr>
+        <p:spPr>
+          <a:xfrm>
+            <a:off x="3186740" y="5310357"/>
+            <a:ext cx="216024" cy="153888"/>
+          </a:xfrm>
+          <a:prstGeom prst="rect">
+            <a:avLst/>
+          </a:prstGeom>
+          <a:noFill/>
+        </p:spPr>
+        <p:txBody>
+          <a:bodyPr wrap="square" lIns="0" tIns="0" rIns="0" bIns="0" rtlCol="0">
+            <a:spAutoFit/>
+          </a:bodyPr>
+          <a:lstStyle/>
+          <a:p>
+            <a:r>
+              <a:rPr lang="en-US" altLang="ko-KR" sz="1000" dirty="0" smtClean="0"/>
+              <a:t>No</a:t>
+            </a:r>
+            <a:endParaRPr lang="ko-KR" altLang="en-US" sz="1000" dirty="0"/>
+          </a:p>
+        </p:txBody>
+      </p:sp>
+      <p:cxnSp>
+        <p:nvCxnSpPr>
+          <p:cNvPr id="90" name="직선 화살표 연결선 89"/>
+          <p:cNvCxnSpPr>
+            <a:stCxn id="87" idx="1"/>
+            <a:endCxn id="86" idx="0"/>
+          </p:cNvCxnSpPr>
+          <p:nvPr/>
+        </p:nvCxnSpPr>
+        <p:spPr>
+          <a:xfrm flipH="1">
+            <a:off x="1053360" y="5511298"/>
+            <a:ext cx="8104" cy="221956"/>
+          </a:xfrm>
+          <a:prstGeom prst="straightConnector1">
+            <a:avLst/>
+          </a:prstGeom>
+          <a:ln>
+            <a:tailEnd type="arrow"/>
+          </a:ln>
+        </p:spPr>
+        <p:style>
+          <a:lnRef idx="1">
+            <a:schemeClr val="accent1"/>
+          </a:lnRef>
+          <a:fillRef idx="0">
+            <a:schemeClr val="accent1"/>
+          </a:fillRef>
+          <a:effectRef idx="0">
+            <a:schemeClr val="accent1"/>
+          </a:effectRef>
+          <a:fontRef idx="minor">
+            <a:schemeClr val="tx1"/>
+          </a:fontRef>
+        </p:style>
+      </p:cxnSp>
+      <p:cxnSp>
+        <p:nvCxnSpPr>
+          <p:cNvPr id="91" name="직선 화살표 연결선 90"/>
+          <p:cNvCxnSpPr>
+            <a:stCxn id="87" idx="3"/>
+            <a:endCxn id="88" idx="0"/>
+          </p:cNvCxnSpPr>
+          <p:nvPr/>
+        </p:nvCxnSpPr>
+        <p:spPr>
+          <a:xfrm>
+            <a:off x="3105588" y="5511298"/>
+            <a:ext cx="17716" cy="221956"/>
+          </a:xfrm>
+          <a:prstGeom prst="straightConnector1">
+            <a:avLst/>
+          </a:prstGeom>
+          <a:ln>
+            <a:tailEnd type="arrow"/>
+          </a:ln>
+        </p:spPr>
+        <p:style>
+          <a:lnRef idx="1">
+            <a:schemeClr val="accent1"/>
+          </a:lnRef>
+          <a:fillRef idx="0">
+            <a:schemeClr val="accent1"/>
+          </a:fillRef>
+          <a:effectRef idx="0">
+            <a:schemeClr val="accent1"/>
+          </a:effectRef>
+          <a:fontRef idx="minor">
+            <a:schemeClr val="tx1"/>
+          </a:fontRef>
+        </p:style>
+      </p:cxnSp>
+      <p:cxnSp>
+        <p:nvCxnSpPr>
+          <p:cNvPr id="93" name="직선 화살표 연결선 92"/>
+          <p:cNvCxnSpPr>
+            <a:stCxn id="24" idx="2"/>
+            <a:endCxn id="47" idx="0"/>
+          </p:cNvCxnSpPr>
+          <p:nvPr/>
+        </p:nvCxnSpPr>
+        <p:spPr>
+          <a:xfrm flipH="1">
+            <a:off x="2078340" y="1080625"/>
+            <a:ext cx="3576" cy="306497"/>
+          </a:xfrm>
+          <a:prstGeom prst="straightConnector1">
+            <a:avLst/>
+          </a:prstGeom>
+          <a:ln>
+            <a:tailEnd type="arrow"/>
+          </a:ln>
+        </p:spPr>
+        <p:style>
+          <a:lnRef idx="1">
+            <a:schemeClr val="accent1"/>
+          </a:lnRef>
+          <a:fillRef idx="0">
+            <a:schemeClr val="accent1"/>
+          </a:fillRef>
+          <a:effectRef idx="0">
+            <a:schemeClr val="accent1"/>
+          </a:effectRef>
+          <a:fontRef idx="minor">
+            <a:schemeClr val="tx1"/>
+          </a:fontRef>
+        </p:style>
+      </p:cxnSp>
+      <p:cxnSp>
+        <p:nvCxnSpPr>
+          <p:cNvPr id="95" name="직선 화살표 연결선 94"/>
+          <p:cNvCxnSpPr>
+            <a:stCxn id="47" idx="2"/>
+            <a:endCxn id="61" idx="0"/>
+          </p:cNvCxnSpPr>
+          <p:nvPr/>
+        </p:nvCxnSpPr>
+        <p:spPr>
+          <a:xfrm>
+            <a:off x="2078340" y="1621440"/>
+            <a:ext cx="3576" cy="413118"/>
+          </a:xfrm>
+          <a:prstGeom prst="straightConnector1">
+            <a:avLst/>
+          </a:prstGeom>
+          <a:ln>
+            <a:tailEnd type="arrow"/>
+          </a:ln>
+        </p:spPr>
+        <p:style>
+          <a:lnRef idx="1">
+            <a:schemeClr val="accent1"/>
+          </a:lnRef>
+          <a:fillRef idx="0">
+            <a:schemeClr val="accent1"/>
+          </a:fillRef>
+          <a:effectRef idx="0">
+            <a:schemeClr val="accent1"/>
+          </a:effectRef>
+          <a:fontRef idx="minor">
+            <a:schemeClr val="tx1"/>
+          </a:fontRef>
+        </p:style>
+      </p:cxnSp>
+      <p:cxnSp>
+        <p:nvCxnSpPr>
+          <p:cNvPr id="97" name="직선 화살표 연결선 96"/>
+          <p:cNvCxnSpPr>
+            <a:stCxn id="65" idx="2"/>
+            <a:endCxn id="74" idx="0"/>
+          </p:cNvCxnSpPr>
+          <p:nvPr/>
+        </p:nvCxnSpPr>
+        <p:spPr>
+          <a:xfrm>
+            <a:off x="2081916" y="3096849"/>
+            <a:ext cx="1610" cy="122535"/>
+          </a:xfrm>
+          <a:prstGeom prst="straightConnector1">
+            <a:avLst/>
+          </a:prstGeom>
+          <a:ln>
+            <a:tailEnd type="arrow"/>
+          </a:ln>
+        </p:spPr>
+        <p:style>
+          <a:lnRef idx="1">
+            <a:schemeClr val="accent1"/>
+          </a:lnRef>
+          <a:fillRef idx="0">
+            <a:schemeClr val="accent1"/>
+          </a:fillRef>
+          <a:effectRef idx="0">
+            <a:schemeClr val="accent1"/>
+          </a:effectRef>
+          <a:fontRef idx="minor">
+            <a:schemeClr val="tx1"/>
+          </a:fontRef>
+        </p:style>
+      </p:cxnSp>
+      <p:cxnSp>
+        <p:nvCxnSpPr>
+          <p:cNvPr id="99" name="꺾인 연결선 98"/>
+          <p:cNvCxnSpPr>
+            <a:stCxn id="66" idx="2"/>
+            <a:endCxn id="67" idx="0"/>
+          </p:cNvCxnSpPr>
+          <p:nvPr/>
+        </p:nvCxnSpPr>
+        <p:spPr>
+          <a:xfrm rot="16200000" flipH="1">
+            <a:off x="1477914" y="3446779"/>
+            <a:ext cx="188593" cy="1019412"/>
+          </a:xfrm>
+          <a:prstGeom prst="bentConnector3">
+            <a:avLst>
+              <a:gd name="adj1" fmla="val 50000"/>
+            </a:avLst>
+          </a:prstGeom>
+          <a:ln>
+            <a:tailEnd type="arrow"/>
+          </a:ln>
+        </p:spPr>
+        <p:style>
+          <a:lnRef idx="1">
+            <a:schemeClr val="accent1"/>
+          </a:lnRef>
+          <a:fillRef idx="0">
+            <a:schemeClr val="accent1"/>
+          </a:fillRef>
+          <a:effectRef idx="0">
+            <a:schemeClr val="accent1"/>
+          </a:effectRef>
+          <a:fontRef idx="minor">
+            <a:schemeClr val="tx1"/>
+          </a:fontRef>
+        </p:style>
+      </p:cxnSp>
+      <p:cxnSp>
+        <p:nvCxnSpPr>
+          <p:cNvPr id="101" name="꺾인 연결선 100"/>
+          <p:cNvCxnSpPr>
+            <a:stCxn id="75" idx="2"/>
+            <a:endCxn id="67" idx="0"/>
+          </p:cNvCxnSpPr>
+          <p:nvPr/>
+        </p:nvCxnSpPr>
+        <p:spPr>
+          <a:xfrm rot="5400000">
+            <a:off x="2499170" y="3444935"/>
+            <a:ext cx="188593" cy="1023100"/>
+          </a:xfrm>
+          <a:prstGeom prst="bentConnector3">
+            <a:avLst>
+              <a:gd name="adj1" fmla="val 50000"/>
+            </a:avLst>
+          </a:prstGeom>
+          <a:ln>
+            <a:tailEnd type="arrow"/>
+          </a:ln>
+        </p:spPr>
+        <p:style>
+          <a:lnRef idx="1">
+            <a:schemeClr val="accent1"/>
+          </a:lnRef>
+          <a:fillRef idx="0">
+            <a:schemeClr val="accent1"/>
+          </a:fillRef>
+          <a:effectRef idx="0">
+            <a:schemeClr val="accent1"/>
+          </a:effectRef>
+          <a:fontRef idx="minor">
+            <a:schemeClr val="tx1"/>
+          </a:fontRef>
+        </p:style>
+      </p:cxnSp>
+      <p:cxnSp>
+        <p:nvCxnSpPr>
+          <p:cNvPr id="103" name="직선 화살표 연결선 102"/>
+          <p:cNvCxnSpPr>
+            <a:stCxn id="71" idx="2"/>
+            <a:endCxn id="87" idx="0"/>
+          </p:cNvCxnSpPr>
+          <p:nvPr/>
+        </p:nvCxnSpPr>
+        <p:spPr>
+          <a:xfrm>
+            <a:off x="2081916" y="5203369"/>
+            <a:ext cx="1610" cy="121398"/>
+          </a:xfrm>
+          <a:prstGeom prst="straightConnector1">
+            <a:avLst/>
+          </a:prstGeom>
+          <a:ln>
+            <a:tailEnd type="arrow"/>
+          </a:ln>
+        </p:spPr>
+        <p:style>
+          <a:lnRef idx="1">
+            <a:schemeClr val="accent1"/>
+          </a:lnRef>
+          <a:fillRef idx="0">
+            <a:schemeClr val="accent1"/>
+          </a:fillRef>
+          <a:effectRef idx="0">
+            <a:schemeClr val="accent1"/>
+          </a:effectRef>
+          <a:fontRef idx="minor">
+            <a:schemeClr val="tx1"/>
+          </a:fontRef>
+        </p:style>
+      </p:cxnSp>
+      <p:cxnSp>
+        <p:nvCxnSpPr>
+          <p:cNvPr id="105" name="꺾인 연결선 104"/>
+          <p:cNvCxnSpPr>
+            <a:stCxn id="86" idx="2"/>
+            <a:endCxn id="73" idx="0"/>
+          </p:cNvCxnSpPr>
+          <p:nvPr/>
+        </p:nvCxnSpPr>
+        <p:spPr>
+          <a:xfrm rot="16200000" flipH="1">
+            <a:off x="1481917" y="5539015"/>
+            <a:ext cx="171442" cy="1028556"/>
+          </a:xfrm>
+          <a:prstGeom prst="bentConnector3">
+            <a:avLst>
+              <a:gd name="adj1" fmla="val 50000"/>
+            </a:avLst>
+          </a:prstGeom>
+          <a:ln>
+            <a:tailEnd type="arrow"/>
+          </a:ln>
+        </p:spPr>
+        <p:style>
+          <a:lnRef idx="1">
+            <a:schemeClr val="accent1"/>
+          </a:lnRef>
+          <a:fillRef idx="0">
+            <a:schemeClr val="accent1"/>
+          </a:fillRef>
+          <a:effectRef idx="0">
+            <a:schemeClr val="accent1"/>
+          </a:effectRef>
+          <a:fontRef idx="minor">
+            <a:schemeClr val="tx1"/>
+          </a:fontRef>
+        </p:style>
+      </p:cxnSp>
+      <p:cxnSp>
+        <p:nvCxnSpPr>
+          <p:cNvPr id="107" name="꺾인 연결선 106"/>
+          <p:cNvCxnSpPr>
+            <a:stCxn id="88" idx="2"/>
+            <a:endCxn id="73" idx="0"/>
+          </p:cNvCxnSpPr>
+          <p:nvPr/>
+        </p:nvCxnSpPr>
+        <p:spPr>
+          <a:xfrm rot="5400000">
+            <a:off x="2516889" y="5532599"/>
+            <a:ext cx="171442" cy="1041388"/>
+          </a:xfrm>
+          <a:prstGeom prst="bentConnector3">
+            <a:avLst>
+              <a:gd name="adj1" fmla="val 50000"/>
+            </a:avLst>
+          </a:prstGeom>
+          <a:ln>
+            <a:tailEnd type="arrow"/>
+          </a:ln>
+        </p:spPr>
+        <p:style>
+          <a:lnRef idx="1">
+            <a:schemeClr val="accent1"/>
+          </a:lnRef>
+          <a:fillRef idx="0">
+            <a:schemeClr val="accent1"/>
+          </a:fillRef>
+          <a:effectRef idx="0">
+            <a:schemeClr val="accent1"/>
+          </a:effectRef>
+          <a:fontRef idx="minor">
+            <a:schemeClr val="tx1"/>
+          </a:fontRef>
+        </p:style>
+      </p:cxnSp>
+      <p:sp>
+        <p:nvSpPr>
+          <p:cNvPr id="111" name="순서도: 판단 110"/>
+          <p:cNvSpPr/>
+          <p:nvPr/>
+        </p:nvSpPr>
+        <p:spPr>
+          <a:xfrm>
+            <a:off x="8812976" y="3153990"/>
+            <a:ext cx="5300692" cy="635050"/>
+          </a:xfrm>
+          <a:prstGeom prst="flowChartDecision">
+            <a:avLst/>
+          </a:prstGeom>
+          <a:noFill/>
+        </p:spPr>
+        <p:style>
+          <a:lnRef idx="2">
+            <a:schemeClr val="accent1">
+              <a:shade val="50000"/>
+            </a:schemeClr>
+          </a:lnRef>
+          <a:fillRef idx="1">
+            <a:schemeClr val="accent1"/>
+          </a:fillRef>
+          <a:effectRef idx="0">
+            <a:schemeClr val="accent1"/>
+          </a:effectRef>
+          <a:fontRef idx="minor">
+            <a:schemeClr val="lt1"/>
+          </a:fontRef>
+        </p:style>
+        <p:txBody>
+          <a:bodyPr lIns="0" tIns="9578" rIns="0" bIns="9578" rtlCol="0" anchor="ctr"/>
+          <a:lstStyle/>
+          <a:p>
+            <a:pPr algn="ctr"/>
+            <a:r>
+              <a:rPr lang="en-US" altLang="ko-KR" sz="1000" dirty="0" err="1" smtClean="0">
+                <a:solidFill>
+                  <a:schemeClr val="tx1"/>
+                </a:solidFill>
+              </a:rPr>
+              <a:t>Object.aCreateTime</a:t>
+            </a:r>
+            <a:r>
+              <a:rPr lang="en-US" altLang="ko-KR" sz="1000" dirty="0" smtClean="0">
+                <a:solidFill>
+                  <a:schemeClr val="tx1"/>
+                </a:solidFill>
+              </a:rPr>
+              <a:t>&gt;(Now()+(</a:t>
+            </a:r>
+            <a:r>
+              <a:rPr lang="en-US" altLang="ko-KR" sz="1000" dirty="0" err="1" smtClean="0">
+                <a:solidFill>
+                  <a:schemeClr val="tx1"/>
+                </a:solidFill>
+              </a:rPr>
+              <a:t>aInterval</a:t>
+            </a:r>
+            <a:r>
+              <a:rPr lang="en-US" altLang="ko-KR" sz="1000" dirty="0" smtClean="0">
+                <a:solidFill>
+                  <a:schemeClr val="tx1"/>
+                </a:solidFill>
+              </a:rPr>
+              <a:t>*1000))</a:t>
+            </a:r>
+            <a:endParaRPr lang="ko-KR" altLang="en-US" sz="1000" dirty="0">
+              <a:solidFill>
+                <a:schemeClr val="tx1"/>
+              </a:solidFill>
+            </a:endParaRPr>
+          </a:p>
+        </p:txBody>
+      </p:sp>
+      <p:sp>
+        <p:nvSpPr>
+          <p:cNvPr id="114" name="순서도: 수행의 시작/종료 113"/>
+          <p:cNvSpPr/>
+          <p:nvPr/>
+        </p:nvSpPr>
+        <p:spPr>
+          <a:xfrm>
+            <a:off x="5426988" y="620688"/>
+            <a:ext cx="2088232" cy="288032"/>
+          </a:xfrm>
+          <a:prstGeom prst="flowChartTerminator">
+            <a:avLst/>
+          </a:prstGeom>
+          <a:noFill/>
+        </p:spPr>
+        <p:style>
+          <a:lnRef idx="2">
+            <a:schemeClr val="accent1">
+              <a:shade val="50000"/>
+            </a:schemeClr>
+          </a:lnRef>
+          <a:fillRef idx="1">
+            <a:schemeClr val="accent1"/>
+          </a:fillRef>
+          <a:effectRef idx="0">
+            <a:schemeClr val="accent1"/>
+          </a:effectRef>
+          <a:fontRef idx="minor">
+            <a:schemeClr val="lt1"/>
+          </a:fontRef>
+        </p:style>
+        <p:txBody>
+          <a:bodyPr lIns="0" tIns="0" rIns="0" bIns="0" rtlCol="0" anchor="ctr"/>
+          <a:lstStyle/>
+          <a:p>
+            <a:pPr algn="ctr"/>
+            <a:r>
+              <a:rPr lang="en-US" altLang="ko-KR" sz="1000" dirty="0" smtClean="0">
+                <a:solidFill>
+                  <a:schemeClr val="tx1"/>
+                </a:solidFill>
+              </a:rPr>
+              <a:t>START</a:t>
+            </a:r>
+            <a:endParaRPr lang="ko-KR" altLang="en-US" sz="1000" dirty="0">
+              <a:solidFill>
+                <a:schemeClr val="tx1"/>
+              </a:solidFill>
+            </a:endParaRPr>
+          </a:p>
+        </p:txBody>
+      </p:sp>
+      <p:sp>
+        <p:nvSpPr>
+          <p:cNvPr id="115" name="순서도: 수행의 시작/종료 114"/>
+          <p:cNvSpPr/>
+          <p:nvPr/>
+        </p:nvSpPr>
+        <p:spPr>
+          <a:xfrm>
+            <a:off x="5426896" y="2852936"/>
+            <a:ext cx="2088232" cy="288032"/>
+          </a:xfrm>
+          <a:prstGeom prst="flowChartTerminator">
+            <a:avLst/>
+          </a:prstGeom>
+          <a:noFill/>
+        </p:spPr>
+        <p:style>
+          <a:lnRef idx="2">
+            <a:schemeClr val="accent1">
+              <a:shade val="50000"/>
+            </a:schemeClr>
+          </a:lnRef>
+          <a:fillRef idx="1">
+            <a:schemeClr val="accent1"/>
+          </a:fillRef>
+          <a:effectRef idx="0">
+            <a:schemeClr val="accent1"/>
+          </a:effectRef>
+          <a:fontRef idx="minor">
+            <a:schemeClr val="lt1"/>
+          </a:fontRef>
+        </p:style>
+        <p:txBody>
+          <a:bodyPr lIns="0" tIns="0" rIns="0" bIns="0" rtlCol="0" anchor="ctr"/>
+          <a:lstStyle/>
+          <a:p>
+            <a:pPr algn="ctr"/>
+            <a:r>
+              <a:rPr lang="en-US" altLang="ko-KR" sz="1000" dirty="0" smtClean="0">
+                <a:solidFill>
+                  <a:schemeClr val="tx1"/>
+                </a:solidFill>
+              </a:rPr>
+              <a:t>END</a:t>
+            </a:r>
+            <a:endParaRPr lang="ko-KR" altLang="en-US" sz="1000" dirty="0">
+              <a:solidFill>
+                <a:schemeClr val="tx1"/>
+              </a:solidFill>
+            </a:endParaRPr>
+          </a:p>
+        </p:txBody>
+      </p:sp>
       <p:grpSp>
         <p:nvGrpSpPr>
-          <p:cNvPr id="68" name="그룹 20"/>
+          <p:cNvPr id="120" name="그룹 20"/>
           <p:cNvGrpSpPr/>
           <p:nvPr/>
         </p:nvGrpSpPr>
         <p:grpSpPr>
           <a:xfrm>
-            <a:off x="720180" y="4509120"/>
-            <a:ext cx="4104456" cy="1944218"/>
-            <a:chOff x="4926749" y="1484784"/>
-            <a:chExt cx="2185953" cy="680424"/>
+            <a:off x="8711924" y="1521360"/>
+            <a:ext cx="5545760" cy="3600400"/>
+            <a:chOff x="4926749" y="1559462"/>
+            <a:chExt cx="2185953" cy="821486"/>
           </a:xfrm>
         </p:grpSpPr>
         <p:sp>
           <p:nvSpPr>
-            <p:cNvPr id="69" name="직사각형 68"/>
+            <p:cNvPr id="121" name="직사각형 120"/>
             <p:cNvSpPr/>
             <p:nvPr/>
           </p:nvSpPr>
           <p:spPr>
             <a:xfrm rot="10800000" flipV="1">
-              <a:off x="4926749" y="1484784"/>
-              <a:ext cx="2185952" cy="680424"/>
+              <a:off x="4926749" y="1559462"/>
+              <a:ext cx="2185952" cy="821486"/>
             </a:xfrm>
             <a:prstGeom prst="rect">
               <a:avLst/>
@@ -3978,13 +5251,13 @@
         </p:sp>
         <p:sp>
           <p:nvSpPr>
-            <p:cNvPr id="70" name="직사각형 69"/>
+            <p:cNvPr id="122" name="직사각형 121"/>
             <p:cNvSpPr/>
             <p:nvPr/>
           </p:nvSpPr>
           <p:spPr>
             <a:xfrm rot="10800000" flipV="1">
-              <a:off x="4926752" y="1484784"/>
+              <a:off x="4926752" y="1561242"/>
               <a:ext cx="2185950" cy="122688"/>
             </a:xfrm>
             <a:prstGeom prst="rect">
@@ -4019,7 +5292,7 @@
                     <a:schemeClr val="tx1"/>
                   </a:solidFill>
                 </a:rPr>
-                <a:t>SetSize</a:t>
+                <a:t>TimeProcess</a:t>
               </a:r>
               <a:r>
                 <a:rPr lang="en-US" altLang="ko-KR" sz="1200" dirty="0" smtClean="0">
@@ -4035,7 +5308,7 @@
                     <a:schemeClr val="tx1"/>
                   </a:solidFill>
                 </a:rPr>
-                <a:t>aUpDown</a:t>
+                <a:t>aObject</a:t>
               </a:r>
               <a:r>
                 <a:rPr lang="en-US" altLang="ko-KR" sz="1200" dirty="0" smtClean="0">
@@ -4043,7 +5316,7 @@
                     <a:schemeClr val="tx1"/>
                   </a:solidFill>
                 </a:rPr>
-                <a:t> : </a:t>
+                <a:t> </a:t>
               </a:r>
               <a:r>
                 <a:rPr lang="en-US" altLang="ko-KR" sz="1200" dirty="0" smtClean="0">
@@ -4051,7 +5324,63 @@
                     <a:schemeClr val="tx1"/>
                   </a:solidFill>
                 </a:rPr>
-                <a:t>Boolean)</a:t>
+                <a:t>: </a:t>
+              </a:r>
+              <a:r>
+                <a:rPr lang="en-US" altLang="ko-KR" sz="1200" dirty="0" smtClean="0">
+                  <a:solidFill>
+                    <a:schemeClr val="tx1"/>
+                  </a:solidFill>
+                </a:rPr>
+                <a:t>Object, </a:t>
+              </a:r>
+              <a:r>
+                <a:rPr lang="en-US" altLang="ko-KR" sz="1200" dirty="0" err="1" smtClean="0">
+                  <a:solidFill>
+                    <a:schemeClr val="tx1"/>
+                  </a:solidFill>
+                </a:rPr>
+                <a:t>aTime</a:t>
+              </a:r>
+              <a:r>
+                <a:rPr lang="en-US" altLang="ko-KR" sz="1200" dirty="0" smtClean="0">
+                  <a:solidFill>
+                    <a:schemeClr val="tx1"/>
+                  </a:solidFill>
+                </a:rPr>
+                <a:t> </a:t>
+              </a:r>
+              <a:r>
+                <a:rPr lang="en-US" altLang="ko-KR" sz="1200" dirty="0" smtClean="0">
+                  <a:solidFill>
+                    <a:schemeClr val="tx1"/>
+                  </a:solidFill>
+                </a:rPr>
+                <a:t>: </a:t>
+              </a:r>
+              <a:r>
+                <a:rPr lang="en-US" altLang="ko-KR" sz="1200" dirty="0" smtClean="0">
+                  <a:solidFill>
+                    <a:schemeClr val="tx1"/>
+                  </a:solidFill>
+                </a:rPr>
+                <a:t>Time, </a:t>
+              </a:r>
+              <a:r>
+                <a:rPr lang="en-US" altLang="ko-KR" sz="1200" dirty="0" err="1" smtClean="0">
+                  <a:solidFill>
+                    <a:schemeClr val="tx1"/>
+                  </a:solidFill>
+                </a:rPr>
+                <a:t>aInterval</a:t>
+              </a:r>
+              <a:r>
+                <a:rPr lang="en-US" altLang="ko-KR" sz="1200" dirty="0" smtClean="0">
+                  <a:solidFill>
+                    <a:schemeClr val="tx1"/>
+                  </a:solidFill>
+                </a:rPr>
+                <a:t> : Integer)	</a:t>
               </a:r>
               <a:endParaRPr lang="ko-KR" altLang="en-US" sz="1200" dirty="0">
                 <a:solidFill>
@@ -4064,16 +5393,16 @@
       </p:grpSp>
       <p:sp>
         <p:nvSpPr>
-          <p:cNvPr id="71" name="순서도: 수행의 시작/종료 70"/>
+          <p:cNvPr id="128" name="직사각형 127"/>
           <p:cNvSpPr/>
           <p:nvPr/>
         </p:nvSpPr>
         <p:spPr>
-          <a:xfrm>
-            <a:off x="1685872" y="4915339"/>
-            <a:ext cx="2088232" cy="288032"/>
-          </a:xfrm>
-          <a:prstGeom prst="flowChartTerminator">
+          <a:xfrm rot="10800000" flipV="1">
+            <a:off x="4897788" y="1052737"/>
+            <a:ext cx="3148920" cy="234318"/>
+          </a:xfrm>
+          <a:prstGeom prst="rect">
             <a:avLst/>
           </a:prstGeom>
           <a:noFill/>
@@ -4100,12 +5429,60 @@
           <a:p>
             <a:pPr algn="ctr"/>
             <a:r>
+              <a:rPr lang="en-US" altLang="ko-KR" sz="1000" dirty="0" err="1" smtClean="0">
+                <a:solidFill>
+                  <a:schemeClr val="tx1"/>
+                </a:solidFill>
+              </a:rPr>
+              <a:t>aObject</a:t>
+            </a:r>
+            <a:r>
+              <a:rPr lang="ko-KR" altLang="en-US" sz="1000" dirty="0" smtClean="0">
+                <a:solidFill>
+                  <a:schemeClr val="tx1"/>
+                </a:solidFill>
+              </a:rPr>
+              <a:t> </a:t>
+            </a:r>
+            <a:r>
               <a:rPr lang="en-US" altLang="ko-KR" sz="1000" dirty="0" smtClean="0">
                 <a:solidFill>
                   <a:schemeClr val="tx1"/>
                 </a:solidFill>
               </a:rPr>
-              <a:t>START</a:t>
+              <a:t>= </a:t>
+            </a:r>
+            <a:r>
+              <a:rPr lang="en-US" altLang="ko-KR" sz="1000" dirty="0" err="1" smtClean="0">
+                <a:solidFill>
+                  <a:schemeClr val="tx1"/>
+                </a:solidFill>
+              </a:rPr>
+              <a:t>CreateCircle</a:t>
+            </a:r>
+            <a:r>
+              <a:rPr lang="en-US" altLang="ko-KR" sz="1000" dirty="0" smtClean="0">
+                <a:solidFill>
+                  <a:schemeClr val="tx1"/>
+                </a:solidFill>
+              </a:rPr>
+              <a:t>(</a:t>
+            </a:r>
+            <a:r>
+              <a:rPr lang="en-US" altLang="ko-KR" sz="1000" dirty="0" err="1" smtClean="0">
+                <a:solidFill>
+                  <a:schemeClr val="tx1"/>
+                </a:solidFill>
+              </a:rPr>
+              <a:t>Color,Size</a:t>
+            </a:r>
+            <a:r>
+              <a:rPr lang="en-US" altLang="ko-KR" sz="1000" dirty="0" smtClean="0">
+                <a:solidFill>
+                  <a:schemeClr val="tx1"/>
+                </a:solidFill>
+              </a:rPr>
+              <a:t>)</a:t>
             </a:r>
             <a:endParaRPr lang="ko-KR" altLang="en-US" sz="1000" dirty="0">
               <a:solidFill>
@@ -4117,14 +5494,14 @@
       </p:sp>
       <p:sp>
         <p:nvSpPr>
-          <p:cNvPr id="72" name="직사각형 71"/>
+          <p:cNvPr id="129" name="직사각형 128"/>
           <p:cNvSpPr/>
           <p:nvPr/>
         </p:nvSpPr>
         <p:spPr>
           <a:xfrm rot="10800000" flipV="1">
-            <a:off x="5832748" y="3356992"/>
-            <a:ext cx="1944216" cy="234318"/>
+            <a:off x="4897788" y="1772817"/>
+            <a:ext cx="3148920" cy="234318"/>
           </a:xfrm>
           <a:prstGeom prst="rect">
             <a:avLst/>
@@ -4153,12 +5530,36 @@
           <a:p>
             <a:pPr algn="ctr"/>
             <a:r>
+              <a:rPr lang="en-US" altLang="ko-KR" sz="1000" dirty="0" err="1" smtClean="0">
+                <a:solidFill>
+                  <a:schemeClr val="tx1"/>
+                </a:solidFill>
+              </a:rPr>
+              <a:t>CircleArray</a:t>
+            </a:r>
+            <a:r>
               <a:rPr lang="en-US" altLang="ko-KR" sz="1000" dirty="0" smtClean="0">
                 <a:solidFill>
                   <a:schemeClr val="tx1"/>
                 </a:solidFill>
               </a:rPr>
-              <a:t>Remove(now + (Interval * 1000))</a:t>
+              <a:t>[Length(CircleArray-1)] </a:t>
+            </a:r>
+            <a:r>
+              <a:rPr lang="en-US" altLang="ko-KR" sz="1000" dirty="0" smtClean="0">
+                <a:solidFill>
+                  <a:schemeClr val="tx1"/>
+                </a:solidFill>
+              </a:rPr>
+              <a:t>= </a:t>
+            </a:r>
+            <a:r>
+              <a:rPr lang="en-US" altLang="ko-KR" sz="1000" dirty="0" err="1" smtClean="0">
+                <a:solidFill>
+                  <a:schemeClr val="tx1"/>
+                </a:solidFill>
+              </a:rPr>
+              <a:t>aObject</a:t>
             </a:r>
             <a:endParaRPr lang="ko-KR" altLang="en-US" sz="1000" dirty="0">
               <a:solidFill>
@@ -4170,16 +5571,16 @@
       </p:sp>
       <p:sp>
         <p:nvSpPr>
-          <p:cNvPr id="73" name="순서도: 수행의 시작/종료 72"/>
+          <p:cNvPr id="130" name="직사각형 129"/>
           <p:cNvSpPr/>
           <p:nvPr/>
         </p:nvSpPr>
         <p:spPr>
-          <a:xfrm>
-            <a:off x="1685872" y="6139016"/>
-            <a:ext cx="2088232" cy="288032"/>
-          </a:xfrm>
-          <a:prstGeom prst="flowChartTerminator">
+          <a:xfrm rot="10800000" flipV="1">
+            <a:off x="4897788" y="1412777"/>
+            <a:ext cx="3148920" cy="234318"/>
+          </a:xfrm>
+          <a:prstGeom prst="rect">
             <a:avLst/>
           </a:prstGeom>
           <a:noFill/>
@@ -4206,12 +5607,52 @@
           <a:p>
             <a:pPr algn="ctr"/>
             <a:r>
+              <a:rPr lang="en-US" altLang="ko-KR" sz="1000" dirty="0" err="1" smtClean="0">
+                <a:solidFill>
+                  <a:schemeClr val="tx1"/>
+                </a:solidFill>
+              </a:rPr>
+              <a:t>SetLength</a:t>
+            </a:r>
+            <a:r>
               <a:rPr lang="en-US" altLang="ko-KR" sz="1000" dirty="0" smtClean="0">
                 <a:solidFill>
                   <a:schemeClr val="tx1"/>
                 </a:solidFill>
               </a:rPr>
-              <a:t>END</a:t>
+              <a:t>(</a:t>
+            </a:r>
+            <a:r>
+              <a:rPr lang="en-US" altLang="ko-KR" sz="1000" dirty="0" err="1" smtClean="0">
+                <a:solidFill>
+                  <a:schemeClr val="tx1"/>
+                </a:solidFill>
+              </a:rPr>
+              <a:t>CircleArray</a:t>
+            </a:r>
+            <a:r>
+              <a:rPr lang="en-US" altLang="ko-KR" sz="1000" dirty="0" smtClean="0">
+                <a:solidFill>
+                  <a:schemeClr val="tx1"/>
+                </a:solidFill>
+              </a:rPr>
+              <a:t>, Length(</a:t>
+            </a:r>
+            <a:r>
+              <a:rPr lang="en-US" altLang="ko-KR" sz="1000" dirty="0" err="1" smtClean="0">
+                <a:solidFill>
+                  <a:schemeClr val="tx1"/>
+                </a:solidFill>
+              </a:rPr>
+              <a:t>CircleArray</a:t>
+            </a:r>
+            <a:r>
+              <a:rPr lang="en-US" altLang="ko-KR" sz="1000" dirty="0" smtClean="0">
+                <a:solidFill>
+                  <a:schemeClr val="tx1"/>
+                </a:solidFill>
+              </a:rPr>
+              <a:t>)+1)</a:t>
             </a:r>
             <a:endParaRPr lang="ko-KR" altLang="en-US" sz="1000" dirty="0">
               <a:solidFill>
@@ -4221,1024 +5662,30 @@
           </a:p>
         </p:txBody>
       </p:sp>
-      <p:sp>
-        <p:nvSpPr>
-          <p:cNvPr id="74" name="순서도: 판단 73"/>
-          <p:cNvSpPr/>
-          <p:nvPr/>
-        </p:nvSpPr>
-        <p:spPr>
-          <a:xfrm>
-            <a:off x="1709536" y="3219386"/>
-            <a:ext cx="2044124" cy="373062"/>
-          </a:xfrm>
-          <a:prstGeom prst="flowChartDecision">
-            <a:avLst/>
-          </a:prstGeom>
-          <a:noFill/>
-        </p:spPr>
-        <p:style>
-          <a:lnRef idx="2">
-            <a:schemeClr val="accent1">
-              <a:shade val="50000"/>
-            </a:schemeClr>
-          </a:lnRef>
-          <a:fillRef idx="1">
-            <a:schemeClr val="accent1"/>
-          </a:fillRef>
-          <a:effectRef idx="0">
-            <a:schemeClr val="accent1"/>
-          </a:effectRef>
-          <a:fontRef idx="minor">
-            <a:schemeClr val="lt1"/>
-          </a:fontRef>
-        </p:style>
-        <p:txBody>
-          <a:bodyPr lIns="0" tIns="9578" rIns="0" bIns="9578" rtlCol="0" anchor="ctr"/>
-          <a:lstStyle/>
-          <a:p>
-            <a:pPr algn="ctr"/>
-            <a:r>
-              <a:rPr lang="en-US" altLang="ko-KR" sz="1000" dirty="0" err="1" smtClean="0">
-                <a:solidFill>
-                  <a:schemeClr val="tx1"/>
-                </a:solidFill>
-              </a:rPr>
-              <a:t>aUpDown</a:t>
-            </a:r>
-            <a:r>
-              <a:rPr lang="en-US" altLang="ko-KR" sz="1000" dirty="0" smtClean="0">
-                <a:solidFill>
-                  <a:schemeClr val="tx1"/>
-                </a:solidFill>
-              </a:rPr>
-              <a:t> = True</a:t>
-            </a:r>
-            <a:endParaRPr lang="ko-KR" altLang="en-US" sz="1000" dirty="0">
-              <a:solidFill>
-                <a:schemeClr val="tx1"/>
-              </a:solidFill>
-            </a:endParaRPr>
-          </a:p>
-        </p:txBody>
-      </p:sp>
-      <p:sp>
-        <p:nvSpPr>
-          <p:cNvPr id="75" name="직사각형 74"/>
-          <p:cNvSpPr/>
-          <p:nvPr/>
-        </p:nvSpPr>
-        <p:spPr>
-          <a:xfrm rot="10800000" flipV="1">
-            <a:off x="2780980" y="3627873"/>
-            <a:ext cx="1944216" cy="234318"/>
-          </a:xfrm>
-          <a:prstGeom prst="rect">
-            <a:avLst/>
-          </a:prstGeom>
-          <a:noFill/>
-        </p:spPr>
-        <p:style>
-          <a:lnRef idx="2">
-            <a:schemeClr val="accent1">
-              <a:shade val="50000"/>
-            </a:schemeClr>
-          </a:lnRef>
-          <a:fillRef idx="1">
-            <a:schemeClr val="accent1"/>
-          </a:fillRef>
-          <a:effectRef idx="0">
-            <a:schemeClr val="accent1"/>
-          </a:effectRef>
-          <a:fontRef idx="minor">
-            <a:schemeClr val="lt1"/>
-          </a:fontRef>
-        </p:style>
-        <p:txBody>
-          <a:bodyPr lIns="0" tIns="0" rIns="0" bIns="0" rtlCol="0" anchor="ctr"/>
-          <a:lstStyle/>
-          <a:p>
-            <a:pPr algn="ctr"/>
-            <a:r>
-              <a:rPr lang="en-US" altLang="ko-KR" sz="1000" dirty="0" smtClean="0">
-                <a:solidFill>
-                  <a:schemeClr val="tx1"/>
-                </a:solidFill>
-              </a:rPr>
-              <a:t>Size</a:t>
-            </a:r>
-            <a:r>
-              <a:rPr lang="en-US" altLang="ko-KR" sz="1000" dirty="0" smtClean="0">
-                <a:solidFill>
-                  <a:schemeClr val="tx1"/>
-                </a:solidFill>
-              </a:rPr>
-              <a:t> = Size-1</a:t>
-            </a:r>
-            <a:endParaRPr lang="ko-KR" altLang="en-US" sz="1000" dirty="0">
-              <a:solidFill>
-                <a:schemeClr val="tx1"/>
-              </a:solidFill>
-            </a:endParaRPr>
-          </a:p>
-        </p:txBody>
-      </p:sp>
-      <p:sp>
-        <p:nvSpPr>
-          <p:cNvPr id="76" name="TextBox 75"/>
-          <p:cNvSpPr txBox="1"/>
-          <p:nvPr/>
-        </p:nvSpPr>
-        <p:spPr>
-          <a:xfrm>
-            <a:off x="3816524" y="3140968"/>
-            <a:ext cx="216024" cy="153888"/>
-          </a:xfrm>
-          <a:prstGeom prst="rect">
-            <a:avLst/>
-          </a:prstGeom>
-          <a:noFill/>
-        </p:spPr>
-        <p:txBody>
-          <a:bodyPr wrap="square" lIns="0" tIns="0" rIns="0" bIns="0" rtlCol="0">
-            <a:spAutoFit/>
-          </a:bodyPr>
-          <a:lstStyle/>
-          <a:p>
-            <a:r>
-              <a:rPr lang="en-US" altLang="ko-KR" sz="1000" dirty="0" smtClean="0"/>
-              <a:t>No</a:t>
-            </a:r>
-            <a:endParaRPr lang="ko-KR" altLang="en-US" sz="1000" dirty="0"/>
-          </a:p>
-        </p:txBody>
-      </p:sp>
-      <p:cxnSp>
-        <p:nvCxnSpPr>
-          <p:cNvPr id="82" name="직선 화살표 연결선 81"/>
-          <p:cNvCxnSpPr>
-            <a:stCxn id="74" idx="1"/>
-            <a:endCxn id="66" idx="0"/>
-          </p:cNvCxnSpPr>
-          <p:nvPr/>
-        </p:nvCxnSpPr>
-        <p:spPr>
-          <a:xfrm>
-            <a:off x="1709536" y="3405917"/>
-            <a:ext cx="1040" cy="221956"/>
-          </a:xfrm>
-          <a:prstGeom prst="straightConnector1">
-            <a:avLst/>
-          </a:prstGeom>
-          <a:ln>
-            <a:tailEnd type="arrow"/>
-          </a:ln>
-        </p:spPr>
-        <p:style>
-          <a:lnRef idx="1">
-            <a:schemeClr val="accent1"/>
-          </a:lnRef>
-          <a:fillRef idx="0">
-            <a:schemeClr val="accent1"/>
-          </a:fillRef>
-          <a:effectRef idx="0">
-            <a:schemeClr val="accent1"/>
-          </a:effectRef>
-          <a:fontRef idx="minor">
-            <a:schemeClr val="tx1"/>
-          </a:fontRef>
-        </p:style>
-      </p:cxnSp>
-      <p:cxnSp>
-        <p:nvCxnSpPr>
-          <p:cNvPr id="84" name="직선 화살표 연결선 83"/>
-          <p:cNvCxnSpPr>
-            <a:stCxn id="74" idx="3"/>
-            <a:endCxn id="75" idx="0"/>
-          </p:cNvCxnSpPr>
-          <p:nvPr/>
-        </p:nvCxnSpPr>
-        <p:spPr>
-          <a:xfrm flipH="1">
-            <a:off x="3753088" y="3405917"/>
-            <a:ext cx="572" cy="221956"/>
-          </a:xfrm>
-          <a:prstGeom prst="straightConnector1">
-            <a:avLst/>
-          </a:prstGeom>
-          <a:ln>
-            <a:tailEnd type="arrow"/>
-          </a:ln>
-        </p:spPr>
-        <p:style>
-          <a:lnRef idx="1">
-            <a:schemeClr val="accent1"/>
-          </a:lnRef>
-          <a:fillRef idx="0">
-            <a:schemeClr val="accent1"/>
-          </a:fillRef>
-          <a:effectRef idx="0">
-            <a:schemeClr val="accent1"/>
-          </a:effectRef>
-          <a:fontRef idx="minor">
-            <a:schemeClr val="tx1"/>
-          </a:fontRef>
-        </p:style>
-      </p:cxnSp>
-      <p:sp>
-        <p:nvSpPr>
-          <p:cNvPr id="85" name="TextBox 84"/>
-          <p:cNvSpPr txBox="1"/>
-          <p:nvPr/>
-        </p:nvSpPr>
-        <p:spPr>
-          <a:xfrm>
-            <a:off x="1458548" y="5310359"/>
-            <a:ext cx="216024" cy="153888"/>
-          </a:xfrm>
-          <a:prstGeom prst="rect">
-            <a:avLst/>
-          </a:prstGeom>
-          <a:noFill/>
-        </p:spPr>
-        <p:txBody>
-          <a:bodyPr wrap="square" lIns="0" tIns="0" rIns="0" bIns="0" rtlCol="0">
-            <a:spAutoFit/>
-          </a:bodyPr>
-          <a:lstStyle/>
-          <a:p>
-            <a:r>
-              <a:rPr lang="en-US" altLang="ko-KR" sz="1000" dirty="0" smtClean="0"/>
-              <a:t>Yes</a:t>
-            </a:r>
-            <a:endParaRPr lang="ko-KR" altLang="en-US" sz="1000" dirty="0"/>
-          </a:p>
-        </p:txBody>
-      </p:sp>
-      <p:sp>
-        <p:nvSpPr>
-          <p:cNvPr id="86" name="직사각형 85"/>
-          <p:cNvSpPr/>
-          <p:nvPr/>
-        </p:nvSpPr>
-        <p:spPr>
-          <a:xfrm rot="10800000" flipV="1">
-            <a:off x="729324" y="5733256"/>
-            <a:ext cx="1944216" cy="234318"/>
-          </a:xfrm>
-          <a:prstGeom prst="rect">
-            <a:avLst/>
-          </a:prstGeom>
-          <a:noFill/>
-        </p:spPr>
-        <p:style>
-          <a:lnRef idx="2">
-            <a:schemeClr val="accent1">
-              <a:shade val="50000"/>
-            </a:schemeClr>
-          </a:lnRef>
-          <a:fillRef idx="1">
-            <a:schemeClr val="accent1"/>
-          </a:fillRef>
-          <a:effectRef idx="0">
-            <a:schemeClr val="accent1"/>
-          </a:effectRef>
-          <a:fontRef idx="minor">
-            <a:schemeClr val="lt1"/>
-          </a:fontRef>
-        </p:style>
-        <p:txBody>
-          <a:bodyPr lIns="0" tIns="0" rIns="0" bIns="0" rtlCol="0" anchor="ctr"/>
-          <a:lstStyle/>
-          <a:p>
-            <a:pPr algn="ctr"/>
-            <a:r>
-              <a:rPr lang="en-US" altLang="ko-KR" sz="1000" dirty="0" smtClean="0">
-                <a:solidFill>
-                  <a:schemeClr val="tx1"/>
-                </a:solidFill>
-              </a:rPr>
-              <a:t>Interval = Interval+1</a:t>
-            </a:r>
-            <a:endParaRPr lang="ko-KR" altLang="en-US" sz="1000" dirty="0">
-              <a:solidFill>
-                <a:schemeClr val="tx1"/>
-              </a:solidFill>
-            </a:endParaRPr>
-          </a:p>
-        </p:txBody>
-      </p:sp>
-      <p:sp>
-        <p:nvSpPr>
-          <p:cNvPr id="87" name="순서도: 판단 86"/>
-          <p:cNvSpPr/>
-          <p:nvPr/>
-        </p:nvSpPr>
-        <p:spPr>
-          <a:xfrm>
-            <a:off x="1709536" y="5324769"/>
-            <a:ext cx="2044124" cy="373062"/>
-          </a:xfrm>
-          <a:prstGeom prst="flowChartDecision">
-            <a:avLst/>
-          </a:prstGeom>
-          <a:noFill/>
-        </p:spPr>
-        <p:style>
-          <a:lnRef idx="2">
-            <a:schemeClr val="accent1">
-              <a:shade val="50000"/>
-            </a:schemeClr>
-          </a:lnRef>
-          <a:fillRef idx="1">
-            <a:schemeClr val="accent1"/>
-          </a:fillRef>
-          <a:effectRef idx="0">
-            <a:schemeClr val="accent1"/>
-          </a:effectRef>
-          <a:fontRef idx="minor">
-            <a:schemeClr val="lt1"/>
-          </a:fontRef>
-        </p:style>
-        <p:txBody>
-          <a:bodyPr lIns="0" tIns="9578" rIns="0" bIns="9578" rtlCol="0" anchor="ctr"/>
-          <a:lstStyle/>
-          <a:p>
-            <a:pPr algn="ctr"/>
-            <a:r>
-              <a:rPr lang="en-US" altLang="ko-KR" sz="1000" dirty="0" err="1" smtClean="0">
-                <a:solidFill>
-                  <a:schemeClr val="tx1"/>
-                </a:solidFill>
-              </a:rPr>
-              <a:t>aUpDown</a:t>
-            </a:r>
-            <a:r>
-              <a:rPr lang="en-US" altLang="ko-KR" sz="1000" dirty="0" smtClean="0">
-                <a:solidFill>
-                  <a:schemeClr val="tx1"/>
-                </a:solidFill>
-              </a:rPr>
-              <a:t> = True</a:t>
-            </a:r>
-            <a:endParaRPr lang="ko-KR" altLang="en-US" sz="1000" dirty="0">
-              <a:solidFill>
-                <a:schemeClr val="tx1"/>
-              </a:solidFill>
-            </a:endParaRPr>
-          </a:p>
-        </p:txBody>
-      </p:sp>
-      <p:sp>
-        <p:nvSpPr>
-          <p:cNvPr id="88" name="직사각형 87"/>
-          <p:cNvSpPr/>
-          <p:nvPr/>
-        </p:nvSpPr>
-        <p:spPr>
-          <a:xfrm rot="10800000" flipV="1">
-            <a:off x="2799268" y="5733256"/>
-            <a:ext cx="1944216" cy="234318"/>
-          </a:xfrm>
-          <a:prstGeom prst="rect">
-            <a:avLst/>
-          </a:prstGeom>
-          <a:noFill/>
-        </p:spPr>
-        <p:style>
-          <a:lnRef idx="2">
-            <a:schemeClr val="accent1">
-              <a:shade val="50000"/>
-            </a:schemeClr>
-          </a:lnRef>
-          <a:fillRef idx="1">
-            <a:schemeClr val="accent1"/>
-          </a:fillRef>
-          <a:effectRef idx="0">
-            <a:schemeClr val="accent1"/>
-          </a:effectRef>
-          <a:fontRef idx="minor">
-            <a:schemeClr val="lt1"/>
-          </a:fontRef>
-        </p:style>
-        <p:txBody>
-          <a:bodyPr lIns="0" tIns="0" rIns="0" bIns="0" rtlCol="0" anchor="ctr"/>
-          <a:lstStyle/>
-          <a:p>
-            <a:pPr algn="ctr"/>
-            <a:r>
-              <a:rPr lang="en-US" altLang="ko-KR" sz="1000" dirty="0" smtClean="0">
-                <a:solidFill>
-                  <a:schemeClr val="tx1"/>
-                </a:solidFill>
-              </a:rPr>
-              <a:t>Interval</a:t>
-            </a:r>
-            <a:r>
-              <a:rPr lang="en-US" altLang="ko-KR" sz="1000" dirty="0" smtClean="0">
-                <a:solidFill>
-                  <a:schemeClr val="tx1"/>
-                </a:solidFill>
-              </a:rPr>
-              <a:t> = Interval-1</a:t>
-            </a:r>
-            <a:endParaRPr lang="ko-KR" altLang="en-US" sz="1000" dirty="0">
-              <a:solidFill>
-                <a:schemeClr val="tx1"/>
-              </a:solidFill>
-            </a:endParaRPr>
-          </a:p>
-        </p:txBody>
-      </p:sp>
-      <p:sp>
-        <p:nvSpPr>
-          <p:cNvPr id="89" name="TextBox 88"/>
-          <p:cNvSpPr txBox="1"/>
-          <p:nvPr/>
-        </p:nvSpPr>
-        <p:spPr>
-          <a:xfrm>
-            <a:off x="3834812" y="5310359"/>
-            <a:ext cx="216024" cy="153888"/>
-          </a:xfrm>
-          <a:prstGeom prst="rect">
-            <a:avLst/>
-          </a:prstGeom>
-          <a:noFill/>
-        </p:spPr>
-        <p:txBody>
-          <a:bodyPr wrap="square" lIns="0" tIns="0" rIns="0" bIns="0" rtlCol="0">
-            <a:spAutoFit/>
-          </a:bodyPr>
-          <a:lstStyle/>
-          <a:p>
-            <a:r>
-              <a:rPr lang="en-US" altLang="ko-KR" sz="1000" dirty="0" smtClean="0"/>
-              <a:t>No</a:t>
-            </a:r>
-            <a:endParaRPr lang="ko-KR" altLang="en-US" sz="1000" dirty="0"/>
-          </a:p>
-        </p:txBody>
-      </p:sp>
-      <p:cxnSp>
-        <p:nvCxnSpPr>
-          <p:cNvPr id="90" name="직선 화살표 연결선 89"/>
-          <p:cNvCxnSpPr>
-            <a:stCxn id="87" idx="1"/>
-            <a:endCxn id="86" idx="0"/>
-          </p:cNvCxnSpPr>
-          <p:nvPr/>
-        </p:nvCxnSpPr>
-        <p:spPr>
-          <a:xfrm flipH="1">
-            <a:off x="1701432" y="5511300"/>
-            <a:ext cx="8104" cy="221956"/>
-          </a:xfrm>
-          <a:prstGeom prst="straightConnector1">
-            <a:avLst/>
-          </a:prstGeom>
-          <a:ln>
-            <a:tailEnd type="arrow"/>
-          </a:ln>
-        </p:spPr>
-        <p:style>
-          <a:lnRef idx="1">
-            <a:schemeClr val="accent1"/>
-          </a:lnRef>
-          <a:fillRef idx="0">
-            <a:schemeClr val="accent1"/>
-          </a:fillRef>
-          <a:effectRef idx="0">
-            <a:schemeClr val="accent1"/>
-          </a:effectRef>
-          <a:fontRef idx="minor">
-            <a:schemeClr val="tx1"/>
-          </a:fontRef>
-        </p:style>
-      </p:cxnSp>
-      <p:cxnSp>
-        <p:nvCxnSpPr>
-          <p:cNvPr id="91" name="직선 화살표 연결선 90"/>
-          <p:cNvCxnSpPr>
-            <a:stCxn id="87" idx="3"/>
-            <a:endCxn id="88" idx="0"/>
-          </p:cNvCxnSpPr>
-          <p:nvPr/>
-        </p:nvCxnSpPr>
-        <p:spPr>
-          <a:xfrm>
-            <a:off x="3753660" y="5511300"/>
-            <a:ext cx="17716" cy="221956"/>
-          </a:xfrm>
-          <a:prstGeom prst="straightConnector1">
-            <a:avLst/>
-          </a:prstGeom>
-          <a:ln>
-            <a:tailEnd type="arrow"/>
-          </a:ln>
-        </p:spPr>
-        <p:style>
-          <a:lnRef idx="1">
-            <a:schemeClr val="accent1"/>
-          </a:lnRef>
-          <a:fillRef idx="0">
-            <a:schemeClr val="accent1"/>
-          </a:fillRef>
-          <a:effectRef idx="0">
-            <a:schemeClr val="accent1"/>
-          </a:effectRef>
-          <a:fontRef idx="minor">
-            <a:schemeClr val="tx1"/>
-          </a:fontRef>
-        </p:style>
-      </p:cxnSp>
-      <p:cxnSp>
-        <p:nvCxnSpPr>
-          <p:cNvPr id="93" name="직선 화살표 연결선 92"/>
-          <p:cNvCxnSpPr>
-            <a:stCxn id="24" idx="2"/>
-            <a:endCxn id="47" idx="0"/>
-          </p:cNvCxnSpPr>
-          <p:nvPr/>
-        </p:nvCxnSpPr>
-        <p:spPr>
-          <a:xfrm flipH="1">
-            <a:off x="2726412" y="1080627"/>
-            <a:ext cx="3576" cy="306497"/>
-          </a:xfrm>
-          <a:prstGeom prst="straightConnector1">
-            <a:avLst/>
-          </a:prstGeom>
-          <a:ln>
-            <a:tailEnd type="arrow"/>
-          </a:ln>
-        </p:spPr>
-        <p:style>
-          <a:lnRef idx="1">
-            <a:schemeClr val="accent1"/>
-          </a:lnRef>
-          <a:fillRef idx="0">
-            <a:schemeClr val="accent1"/>
-          </a:fillRef>
-          <a:effectRef idx="0">
-            <a:schemeClr val="accent1"/>
-          </a:effectRef>
-          <a:fontRef idx="minor">
-            <a:schemeClr val="tx1"/>
-          </a:fontRef>
-        </p:style>
-      </p:cxnSp>
-      <p:cxnSp>
-        <p:nvCxnSpPr>
-          <p:cNvPr id="95" name="직선 화살표 연결선 94"/>
-          <p:cNvCxnSpPr>
-            <a:stCxn id="47" idx="2"/>
-            <a:endCxn id="61" idx="0"/>
-          </p:cNvCxnSpPr>
-          <p:nvPr/>
-        </p:nvCxnSpPr>
-        <p:spPr>
-          <a:xfrm>
-            <a:off x="2726412" y="1621442"/>
-            <a:ext cx="3576" cy="413118"/>
-          </a:xfrm>
-          <a:prstGeom prst="straightConnector1">
-            <a:avLst/>
-          </a:prstGeom>
-          <a:ln>
-            <a:tailEnd type="arrow"/>
-          </a:ln>
-        </p:spPr>
-        <p:style>
-          <a:lnRef idx="1">
-            <a:schemeClr val="accent1"/>
-          </a:lnRef>
-          <a:fillRef idx="0">
-            <a:schemeClr val="accent1"/>
-          </a:fillRef>
-          <a:effectRef idx="0">
-            <a:schemeClr val="accent1"/>
-          </a:effectRef>
-          <a:fontRef idx="minor">
-            <a:schemeClr val="tx1"/>
-          </a:fontRef>
-        </p:style>
-      </p:cxnSp>
-      <p:cxnSp>
-        <p:nvCxnSpPr>
-          <p:cNvPr id="97" name="직선 화살표 연결선 96"/>
-          <p:cNvCxnSpPr>
-            <a:stCxn id="65" idx="2"/>
-            <a:endCxn id="74" idx="0"/>
-          </p:cNvCxnSpPr>
-          <p:nvPr/>
-        </p:nvCxnSpPr>
-        <p:spPr>
-          <a:xfrm>
-            <a:off x="2729988" y="3096851"/>
-            <a:ext cx="1610" cy="122535"/>
-          </a:xfrm>
-          <a:prstGeom prst="straightConnector1">
-            <a:avLst/>
-          </a:prstGeom>
-          <a:ln>
-            <a:tailEnd type="arrow"/>
-          </a:ln>
-        </p:spPr>
-        <p:style>
-          <a:lnRef idx="1">
-            <a:schemeClr val="accent1"/>
-          </a:lnRef>
-          <a:fillRef idx="0">
-            <a:schemeClr val="accent1"/>
-          </a:fillRef>
-          <a:effectRef idx="0">
-            <a:schemeClr val="accent1"/>
-          </a:effectRef>
-          <a:fontRef idx="minor">
-            <a:schemeClr val="tx1"/>
-          </a:fontRef>
-        </p:style>
-      </p:cxnSp>
-      <p:cxnSp>
-        <p:nvCxnSpPr>
-          <p:cNvPr id="99" name="꺾인 연결선 98"/>
-          <p:cNvCxnSpPr>
-            <a:stCxn id="66" idx="2"/>
-            <a:endCxn id="67" idx="0"/>
-          </p:cNvCxnSpPr>
-          <p:nvPr/>
-        </p:nvCxnSpPr>
-        <p:spPr>
-          <a:xfrm rot="16200000" flipH="1">
-            <a:off x="2125986" y="3446781"/>
-            <a:ext cx="188593" cy="1019412"/>
-          </a:xfrm>
-          <a:prstGeom prst="bentConnector3">
-            <a:avLst>
-              <a:gd name="adj1" fmla="val 50000"/>
-            </a:avLst>
-          </a:prstGeom>
-          <a:ln>
-            <a:tailEnd type="arrow"/>
-          </a:ln>
-        </p:spPr>
-        <p:style>
-          <a:lnRef idx="1">
-            <a:schemeClr val="accent1"/>
-          </a:lnRef>
-          <a:fillRef idx="0">
-            <a:schemeClr val="accent1"/>
-          </a:fillRef>
-          <a:effectRef idx="0">
-            <a:schemeClr val="accent1"/>
-          </a:effectRef>
-          <a:fontRef idx="minor">
-            <a:schemeClr val="tx1"/>
-          </a:fontRef>
-        </p:style>
-      </p:cxnSp>
-      <p:cxnSp>
-        <p:nvCxnSpPr>
-          <p:cNvPr id="101" name="꺾인 연결선 100"/>
-          <p:cNvCxnSpPr>
-            <a:stCxn id="75" idx="2"/>
-            <a:endCxn id="67" idx="0"/>
-          </p:cNvCxnSpPr>
-          <p:nvPr/>
-        </p:nvCxnSpPr>
-        <p:spPr>
-          <a:xfrm rot="5400000">
-            <a:off x="3147242" y="3444937"/>
-            <a:ext cx="188593" cy="1023100"/>
-          </a:xfrm>
-          <a:prstGeom prst="bentConnector3">
-            <a:avLst>
-              <a:gd name="adj1" fmla="val 50000"/>
-            </a:avLst>
-          </a:prstGeom>
-          <a:ln>
-            <a:tailEnd type="arrow"/>
-          </a:ln>
-        </p:spPr>
-        <p:style>
-          <a:lnRef idx="1">
-            <a:schemeClr val="accent1"/>
-          </a:lnRef>
-          <a:fillRef idx="0">
-            <a:schemeClr val="accent1"/>
-          </a:fillRef>
-          <a:effectRef idx="0">
-            <a:schemeClr val="accent1"/>
-          </a:effectRef>
-          <a:fontRef idx="minor">
-            <a:schemeClr val="tx1"/>
-          </a:fontRef>
-        </p:style>
-      </p:cxnSp>
-      <p:cxnSp>
-        <p:nvCxnSpPr>
-          <p:cNvPr id="103" name="직선 화살표 연결선 102"/>
-          <p:cNvCxnSpPr>
-            <a:stCxn id="71" idx="2"/>
-            <a:endCxn id="87" idx="0"/>
-          </p:cNvCxnSpPr>
-          <p:nvPr/>
-        </p:nvCxnSpPr>
-        <p:spPr>
-          <a:xfrm>
-            <a:off x="2729988" y="5203371"/>
-            <a:ext cx="1610" cy="121398"/>
-          </a:xfrm>
-          <a:prstGeom prst="straightConnector1">
-            <a:avLst/>
-          </a:prstGeom>
-          <a:ln>
-            <a:tailEnd type="arrow"/>
-          </a:ln>
-        </p:spPr>
-        <p:style>
-          <a:lnRef idx="1">
-            <a:schemeClr val="accent1"/>
-          </a:lnRef>
-          <a:fillRef idx="0">
-            <a:schemeClr val="accent1"/>
-          </a:fillRef>
-          <a:effectRef idx="0">
-            <a:schemeClr val="accent1"/>
-          </a:effectRef>
-          <a:fontRef idx="minor">
-            <a:schemeClr val="tx1"/>
-          </a:fontRef>
-        </p:style>
-      </p:cxnSp>
-      <p:cxnSp>
-        <p:nvCxnSpPr>
-          <p:cNvPr id="105" name="꺾인 연결선 104"/>
-          <p:cNvCxnSpPr>
-            <a:stCxn id="86" idx="2"/>
-            <a:endCxn id="73" idx="0"/>
-          </p:cNvCxnSpPr>
-          <p:nvPr/>
-        </p:nvCxnSpPr>
-        <p:spPr>
-          <a:xfrm rot="16200000" flipH="1">
-            <a:off x="2129989" y="5539017"/>
-            <a:ext cx="171442" cy="1028556"/>
-          </a:xfrm>
-          <a:prstGeom prst="bentConnector3">
-            <a:avLst>
-              <a:gd name="adj1" fmla="val 50000"/>
-            </a:avLst>
-          </a:prstGeom>
-          <a:ln>
-            <a:tailEnd type="arrow"/>
-          </a:ln>
-        </p:spPr>
-        <p:style>
-          <a:lnRef idx="1">
-            <a:schemeClr val="accent1"/>
-          </a:lnRef>
-          <a:fillRef idx="0">
-            <a:schemeClr val="accent1"/>
-          </a:fillRef>
-          <a:effectRef idx="0">
-            <a:schemeClr val="accent1"/>
-          </a:effectRef>
-          <a:fontRef idx="minor">
-            <a:schemeClr val="tx1"/>
-          </a:fontRef>
-        </p:style>
-      </p:cxnSp>
-      <p:cxnSp>
-        <p:nvCxnSpPr>
-          <p:cNvPr id="107" name="꺾인 연결선 106"/>
-          <p:cNvCxnSpPr>
-            <a:stCxn id="88" idx="2"/>
-            <a:endCxn id="73" idx="0"/>
-          </p:cNvCxnSpPr>
-          <p:nvPr/>
-        </p:nvCxnSpPr>
-        <p:spPr>
-          <a:xfrm rot="5400000">
-            <a:off x="3164961" y="5532601"/>
-            <a:ext cx="171442" cy="1041388"/>
-          </a:xfrm>
-          <a:prstGeom prst="bentConnector3">
-            <a:avLst>
-              <a:gd name="adj1" fmla="val 50000"/>
-            </a:avLst>
-          </a:prstGeom>
-          <a:ln>
-            <a:tailEnd type="arrow"/>
-          </a:ln>
-        </p:spPr>
-        <p:style>
-          <a:lnRef idx="1">
-            <a:schemeClr val="accent1"/>
-          </a:lnRef>
-          <a:fillRef idx="0">
-            <a:schemeClr val="accent1"/>
-          </a:fillRef>
-          <a:effectRef idx="0">
-            <a:schemeClr val="accent1"/>
-          </a:effectRef>
-          <a:fontRef idx="minor">
-            <a:schemeClr val="tx1"/>
-          </a:fontRef>
-        </p:style>
-      </p:cxnSp>
-      <p:sp>
-        <p:nvSpPr>
-          <p:cNvPr id="111" name="순서도: 판단 110"/>
-          <p:cNvSpPr/>
-          <p:nvPr/>
-        </p:nvSpPr>
-        <p:spPr>
-          <a:xfrm>
-            <a:off x="9721180" y="1556792"/>
-            <a:ext cx="2044124" cy="373062"/>
-          </a:xfrm>
-          <a:prstGeom prst="flowChartDecision">
-            <a:avLst/>
-          </a:prstGeom>
-          <a:noFill/>
-        </p:spPr>
-        <p:style>
-          <a:lnRef idx="2">
-            <a:schemeClr val="accent1">
-              <a:shade val="50000"/>
-            </a:schemeClr>
-          </a:lnRef>
-          <a:fillRef idx="1">
-            <a:schemeClr val="accent1"/>
-          </a:fillRef>
-          <a:effectRef idx="0">
-            <a:schemeClr val="accent1"/>
-          </a:effectRef>
-          <a:fontRef idx="minor">
-            <a:schemeClr val="lt1"/>
-          </a:fontRef>
-        </p:style>
-        <p:txBody>
-          <a:bodyPr lIns="0" tIns="9578" rIns="0" bIns="9578" rtlCol="0" anchor="ctr"/>
-          <a:lstStyle/>
-          <a:p>
-            <a:pPr algn="ctr"/>
-            <a:r>
-              <a:rPr lang="en-US" altLang="ko-KR" sz="1000" dirty="0" smtClean="0">
-                <a:solidFill>
-                  <a:schemeClr val="tx1"/>
-                </a:solidFill>
-              </a:rPr>
-              <a:t>Integer</a:t>
-            </a:r>
-            <a:r>
-              <a:rPr lang="ko-KR" altLang="en-US" sz="1000" dirty="0" smtClean="0">
-                <a:solidFill>
-                  <a:schemeClr val="tx1"/>
-                </a:solidFill>
-              </a:rPr>
-              <a:t>가</a:t>
-            </a:r>
-            <a:endParaRPr lang="ko-KR" altLang="en-US" sz="1000" dirty="0">
-              <a:solidFill>
-                <a:schemeClr val="tx1"/>
-              </a:solidFill>
-            </a:endParaRPr>
-          </a:p>
-        </p:txBody>
-      </p:sp>
-      <p:sp>
-        <p:nvSpPr>
-          <p:cNvPr id="114" name="순서도: 수행의 시작/종료 113"/>
-          <p:cNvSpPr/>
-          <p:nvPr/>
-        </p:nvSpPr>
-        <p:spPr>
-          <a:xfrm>
-            <a:off x="5832748" y="936611"/>
-            <a:ext cx="2088232" cy="288032"/>
-          </a:xfrm>
-          <a:prstGeom prst="flowChartTerminator">
-            <a:avLst/>
-          </a:prstGeom>
-          <a:noFill/>
-        </p:spPr>
-        <p:style>
-          <a:lnRef idx="2">
-            <a:schemeClr val="accent1">
-              <a:shade val="50000"/>
-            </a:schemeClr>
-          </a:lnRef>
-          <a:fillRef idx="1">
-            <a:schemeClr val="accent1"/>
-          </a:fillRef>
-          <a:effectRef idx="0">
-            <a:schemeClr val="accent1"/>
-          </a:effectRef>
-          <a:fontRef idx="minor">
-            <a:schemeClr val="lt1"/>
-          </a:fontRef>
-        </p:style>
-        <p:txBody>
-          <a:bodyPr lIns="0" tIns="0" rIns="0" bIns="0" rtlCol="0" anchor="ctr"/>
-          <a:lstStyle/>
-          <a:p>
-            <a:pPr algn="ctr"/>
-            <a:r>
-              <a:rPr lang="en-US" altLang="ko-KR" sz="1000" dirty="0" smtClean="0">
-                <a:solidFill>
-                  <a:schemeClr val="tx1"/>
-                </a:solidFill>
-              </a:rPr>
-              <a:t>START</a:t>
-            </a:r>
-            <a:endParaRPr lang="ko-KR" altLang="en-US" sz="1000" dirty="0">
-              <a:solidFill>
-                <a:schemeClr val="tx1"/>
-              </a:solidFill>
-            </a:endParaRPr>
-          </a:p>
-        </p:txBody>
-      </p:sp>
-      <p:sp>
-        <p:nvSpPr>
-          <p:cNvPr id="115" name="순서도: 수행의 시작/종료 114"/>
-          <p:cNvSpPr/>
-          <p:nvPr/>
-        </p:nvSpPr>
-        <p:spPr>
-          <a:xfrm>
-            <a:off x="5832748" y="6021288"/>
-            <a:ext cx="2088232" cy="288032"/>
-          </a:xfrm>
-          <a:prstGeom prst="flowChartTerminator">
-            <a:avLst/>
-          </a:prstGeom>
-          <a:noFill/>
-        </p:spPr>
-        <p:style>
-          <a:lnRef idx="2">
-            <a:schemeClr val="accent1">
-              <a:shade val="50000"/>
-            </a:schemeClr>
-          </a:lnRef>
-          <a:fillRef idx="1">
-            <a:schemeClr val="accent1"/>
-          </a:fillRef>
-          <a:effectRef idx="0">
-            <a:schemeClr val="accent1"/>
-          </a:effectRef>
-          <a:fontRef idx="minor">
-            <a:schemeClr val="lt1"/>
-          </a:fontRef>
-        </p:style>
-        <p:txBody>
-          <a:bodyPr lIns="0" tIns="0" rIns="0" bIns="0" rtlCol="0" anchor="ctr"/>
-          <a:lstStyle/>
-          <a:p>
-            <a:pPr algn="ctr"/>
-            <a:r>
-              <a:rPr lang="en-US" altLang="ko-KR" sz="1000" dirty="0" smtClean="0">
-                <a:solidFill>
-                  <a:schemeClr val="tx1"/>
-                </a:solidFill>
-              </a:rPr>
-              <a:t>END</a:t>
-            </a:r>
-            <a:endParaRPr lang="ko-KR" altLang="en-US" sz="1000" dirty="0">
-              <a:solidFill>
-                <a:schemeClr val="tx1"/>
-              </a:solidFill>
-            </a:endParaRPr>
-          </a:p>
-        </p:txBody>
-      </p:sp>
       <p:grpSp>
         <p:nvGrpSpPr>
-          <p:cNvPr id="120" name="그룹 20"/>
+          <p:cNvPr id="59" name="그룹 20"/>
           <p:cNvGrpSpPr/>
           <p:nvPr/>
         </p:nvGrpSpPr>
         <p:grpSpPr>
           <a:xfrm>
-            <a:off x="8857084" y="476672"/>
-            <a:ext cx="3600400" cy="5904656"/>
+            <a:off x="4320580" y="3356992"/>
+            <a:ext cx="4320480" cy="3412084"/>
             <a:chOff x="4926749" y="1484782"/>
-            <a:chExt cx="2185953" cy="2041268"/>
+            <a:chExt cx="2185953" cy="921060"/>
           </a:xfrm>
         </p:grpSpPr>
         <p:sp>
           <p:nvSpPr>
-            <p:cNvPr id="121" name="직사각형 120"/>
+            <p:cNvPr id="60" name="직사각형 59"/>
             <p:cNvSpPr/>
             <p:nvPr/>
           </p:nvSpPr>
           <p:spPr>
             <a:xfrm rot="10800000" flipV="1">
               <a:off x="4926749" y="1484784"/>
-              <a:ext cx="2185952" cy="2041266"/>
+              <a:ext cx="2185952" cy="921058"/>
             </a:xfrm>
             <a:prstGeom prst="rect">
               <a:avLst/>
@@ -5276,14 +5723,14 @@
         </p:sp>
         <p:sp>
           <p:nvSpPr>
-            <p:cNvPr id="122" name="직사각형 121"/>
+            <p:cNvPr id="77" name="직사각형 76"/>
             <p:cNvSpPr/>
             <p:nvPr/>
           </p:nvSpPr>
           <p:spPr>
             <a:xfrm rot="10800000" flipV="1">
               <a:off x="4926752" y="1484782"/>
-              <a:ext cx="2185950" cy="122688"/>
+              <a:ext cx="2185950" cy="97189"/>
             </a:xfrm>
             <a:prstGeom prst="rect">
               <a:avLst/>
@@ -5317,7 +5764,7 @@
                     <a:schemeClr val="tx1"/>
                   </a:solidFill>
                 </a:rPr>
-                <a:t>RemoveCircle</a:t>
+                <a:t>RemoveCircleObject</a:t>
               </a:r>
               <a:r>
                 <a:rPr lang="en-US" altLang="ko-KR" sz="1200" dirty="0" smtClean="0">
@@ -5333,7 +5780,7 @@
                     <a:schemeClr val="tx1"/>
                   </a:solidFill>
                 </a:rPr>
-                <a:t>aNum</a:t>
+                <a:t>aObject</a:t>
               </a:r>
               <a:r>
                 <a:rPr lang="en-US" altLang="ko-KR" sz="1200" dirty="0" smtClean="0">
@@ -5341,7 +5788,31 @@
                     <a:schemeClr val="tx1"/>
                   </a:solidFill>
                 </a:rPr>
-                <a:t> : Integer)</a:t>
+                <a:t> : Object, </a:t>
+              </a:r>
+              <a:r>
+                <a:rPr lang="en-US" altLang="ko-KR" sz="1200" dirty="0" err="1" smtClean="0">
+                  <a:solidFill>
+                    <a:schemeClr val="tx1"/>
+                  </a:solidFill>
+                </a:rPr>
+                <a:t>i</a:t>
+              </a:r>
+              <a:r>
+                <a:rPr lang="en-US" altLang="ko-KR" sz="1200" dirty="0" smtClean="0">
+                  <a:solidFill>
+                    <a:schemeClr val="tx1"/>
+                  </a:solidFill>
+                </a:rPr>
+                <a:t> : Integer</a:t>
+              </a:r>
+              <a:r>
+                <a:rPr lang="en-US" altLang="ko-KR" sz="1200" dirty="0" smtClean="0">
+                  <a:solidFill>
+                    <a:schemeClr val="tx1"/>
+                  </a:solidFill>
+                </a:rPr>
+                <a:t>)</a:t>
               </a:r>
               <a:endParaRPr lang="ko-KR" altLang="en-US" sz="1200" dirty="0">
                 <a:solidFill>
@@ -5354,16 +5825,16 @@
       </p:grpSp>
       <p:sp>
         <p:nvSpPr>
-          <p:cNvPr id="123" name="순서도: 판단 122"/>
+          <p:cNvPr id="78" name="순서도: 수행의 시작/종료 77"/>
           <p:cNvSpPr/>
           <p:nvPr/>
         </p:nvSpPr>
         <p:spPr>
           <a:xfrm>
-            <a:off x="5870468" y="5072162"/>
-            <a:ext cx="2044124" cy="373062"/>
-          </a:xfrm>
-          <a:prstGeom prst="flowChartDecision">
+            <a:off x="5373268" y="3789040"/>
+            <a:ext cx="2088232" cy="288032"/>
+          </a:xfrm>
+          <a:prstGeom prst="flowChartTerminator">
             <a:avLst/>
           </a:prstGeom>
           <a:noFill/>
@@ -5385,10 +5856,18 @@
           </a:fontRef>
         </p:style>
         <p:txBody>
-          <a:bodyPr lIns="0" tIns="9578" rIns="0" bIns="9578" rtlCol="0" anchor="ctr"/>
+          <a:bodyPr lIns="0" tIns="0" rIns="0" bIns="0" rtlCol="0" anchor="ctr"/>
           <a:lstStyle/>
           <a:p>
             <a:pPr algn="ctr"/>
+            <a:r>
+              <a:rPr lang="en-US" altLang="ko-KR" sz="1000" dirty="0" smtClean="0">
+                <a:solidFill>
+                  <a:schemeClr val="tx1"/>
+                </a:solidFill>
+              </a:rPr>
+              <a:t>START</a:t>
+            </a:r>
             <a:endParaRPr lang="ko-KR" altLang="en-US" sz="1000" dirty="0">
               <a:solidFill>
                 <a:schemeClr val="tx1"/>
@@ -5399,16 +5878,16 @@
       </p:sp>
       <p:sp>
         <p:nvSpPr>
-          <p:cNvPr id="124" name="직사각형 123"/>
+          <p:cNvPr id="79" name="순서도: 수행의 시작/종료 78"/>
           <p:cNvSpPr/>
           <p:nvPr/>
         </p:nvSpPr>
         <p:spPr>
-          <a:xfrm rot="10800000" flipV="1">
-            <a:off x="5869324" y="3848026"/>
-            <a:ext cx="1944216" cy="234318"/>
-          </a:xfrm>
-          <a:prstGeom prst="rect">
+          <a:xfrm>
+            <a:off x="5364124" y="6409036"/>
+            <a:ext cx="2088232" cy="288032"/>
+          </a:xfrm>
+          <a:prstGeom prst="flowChartTerminator">
             <a:avLst/>
           </a:prstGeom>
           <a:noFill/>
@@ -5435,42 +5914,31 @@
           <a:p>
             <a:pPr algn="ctr"/>
             <a:r>
-              <a:rPr lang="ko-KR" altLang="en-US" sz="1000" dirty="0" smtClean="0">
-                <a:solidFill>
-                  <a:schemeClr val="tx1"/>
-                </a:solidFill>
-              </a:rPr>
-              <a:t>가변배열도 </a:t>
-            </a:r>
-            <a:r>
-              <a:rPr lang="ko-KR" altLang="en-US" sz="1000" dirty="0" err="1" smtClean="0">
-                <a:solidFill>
-                  <a:schemeClr val="tx1"/>
-                </a:solidFill>
-              </a:rPr>
-              <a:t>써야할듯</a:t>
-            </a:r>
-            <a:r>
               <a:rPr lang="en-US" altLang="ko-KR" sz="1000" dirty="0" smtClean="0">
                 <a:solidFill>
                   <a:schemeClr val="tx1"/>
                 </a:solidFill>
               </a:rPr>
-              <a:t>?</a:t>
-            </a:r>
-          </a:p>
-        </p:txBody>
-      </p:sp>
-      <p:sp>
-        <p:nvSpPr>
-          <p:cNvPr id="126" name="직사각형 125"/>
+              <a:t>END</a:t>
+            </a:r>
+            <a:endParaRPr lang="ko-KR" altLang="en-US" sz="1000" dirty="0">
+              <a:solidFill>
+                <a:schemeClr val="tx1"/>
+              </a:solidFill>
+            </a:endParaRPr>
+          </a:p>
+        </p:txBody>
+      </p:sp>
+      <p:sp>
+        <p:nvSpPr>
+          <p:cNvPr id="80" name="직사각형 79"/>
           <p:cNvSpPr/>
           <p:nvPr/>
         </p:nvSpPr>
         <p:spPr>
           <a:xfrm rot="10800000" flipV="1">
-            <a:off x="5869324" y="4136058"/>
-            <a:ext cx="1944216" cy="234318"/>
+            <a:off x="4852160" y="5085184"/>
+            <a:ext cx="3122632" cy="234318"/>
           </a:xfrm>
           <a:prstGeom prst="rect">
             <a:avLst/>
@@ -5504,7 +5972,7 @@
                   <a:schemeClr val="tx1"/>
                 </a:solidFill>
               </a:rPr>
-              <a:t>Que</a:t>
+              <a:t>CircleArrayaObject</a:t>
             </a:r>
             <a:r>
               <a:rPr lang="ko-KR" altLang="en-US" sz="1000" dirty="0" smtClean="0">
@@ -5512,15 +5980,7 @@
                   <a:schemeClr val="tx1"/>
                 </a:solidFill>
               </a:rPr>
-              <a:t>를 </a:t>
-            </a:r>
-            <a:r>
-              <a:rPr lang="ko-KR" altLang="en-US" sz="1000" dirty="0" err="1" smtClean="0">
-                <a:solidFill>
-                  <a:schemeClr val="tx1"/>
-                </a:solidFill>
-              </a:rPr>
-              <a:t>써야할듯한데</a:t>
+              <a:t> </a:t>
             </a:r>
             <a:r>
               <a:rPr lang="en-US" altLang="ko-KR" sz="1000" dirty="0" smtClean="0">
@@ -5528,21 +5988,82 @@
                   <a:schemeClr val="tx1"/>
                 </a:solidFill>
               </a:rPr>
-              <a:t>?</a:t>
-            </a:r>
-          </a:p>
-        </p:txBody>
-      </p:sp>
-      <p:sp>
-        <p:nvSpPr>
-          <p:cNvPr id="127" name="직사각형 126"/>
+              <a:t>[</a:t>
+            </a:r>
+            <a:r>
+              <a:rPr lang="en-US" altLang="ko-KR" sz="1000" dirty="0" err="1" smtClean="0">
+                <a:solidFill>
+                  <a:schemeClr val="tx1"/>
+                </a:solidFill>
+              </a:rPr>
+              <a:t>i</a:t>
+            </a:r>
+            <a:r>
+              <a:rPr lang="en-US" altLang="ko-KR" sz="1000" dirty="0" smtClean="0">
+                <a:solidFill>
+                  <a:schemeClr val="tx1"/>
+                </a:solidFill>
+              </a:rPr>
+              <a:t>]= </a:t>
+            </a:r>
+            <a:r>
+              <a:rPr lang="en-US" altLang="ko-KR" sz="1000" dirty="0" err="1" smtClean="0">
+                <a:solidFill>
+                  <a:schemeClr val="tx1"/>
+                </a:solidFill>
+              </a:rPr>
+              <a:t>CircleArrayaObject</a:t>
+            </a:r>
+            <a:r>
+              <a:rPr lang="ko-KR" altLang="en-US" sz="1000" dirty="0" smtClean="0">
+                <a:solidFill>
+                  <a:schemeClr val="tx1"/>
+                </a:solidFill>
+              </a:rPr>
+              <a:t> </a:t>
+            </a:r>
+            <a:r>
+              <a:rPr lang="en-US" altLang="ko-KR" sz="1000" dirty="0" smtClean="0">
+                <a:solidFill>
+                  <a:schemeClr val="tx1"/>
+                </a:solidFill>
+              </a:rPr>
+              <a:t>[</a:t>
+            </a:r>
+            <a:r>
+              <a:rPr lang="en-US" altLang="ko-KR" sz="1000" dirty="0" err="1" smtClean="0">
+                <a:solidFill>
+                  <a:schemeClr val="tx1"/>
+                </a:solidFill>
+              </a:rPr>
+              <a:t>i</a:t>
+            </a:r>
+            <a:r>
+              <a:rPr lang="en-US" altLang="ko-KR" sz="1000" dirty="0" smtClean="0">
+                <a:solidFill>
+                  <a:schemeClr val="tx1"/>
+                </a:solidFill>
+              </a:rPr>
+              <a:t> + 1]</a:t>
+            </a:r>
+            <a:endParaRPr lang="ko-KR" altLang="en-US" sz="1000" dirty="0">
+              <a:solidFill>
+                <a:schemeClr val="tx1"/>
+              </a:solidFill>
+            </a:endParaRPr>
+          </a:p>
+        </p:txBody>
+      </p:sp>
+      <p:sp>
+        <p:nvSpPr>
+          <p:cNvPr id="92" name="직사각형 91"/>
           <p:cNvSpPr/>
           <p:nvPr/>
         </p:nvSpPr>
         <p:spPr>
           <a:xfrm rot="10800000" flipV="1">
-            <a:off x="5869324" y="4424090"/>
-            <a:ext cx="1944216" cy="234318"/>
+            <a:off x="10107508" y="4005065"/>
+            <a:ext cx="2719160" cy="360039"/>
           </a:xfrm>
           <a:prstGeom prst="rect">
             <a:avLst/>
@@ -5571,12 +6092,12 @@
           <a:p>
             <a:pPr algn="ctr"/>
             <a:r>
-              <a:rPr lang="ko-KR" altLang="en-US" sz="1000" dirty="0" smtClean="0">
-                <a:solidFill>
-                  <a:schemeClr val="tx1"/>
-                </a:solidFill>
-              </a:rPr>
-              <a:t>현재위치</a:t>
+              <a:rPr lang="en-US" altLang="ko-KR" sz="1000" dirty="0" err="1" smtClean="0">
+                <a:solidFill>
+                  <a:schemeClr val="tx1"/>
+                </a:solidFill>
+              </a:rPr>
+              <a:t>RemoveCircleObject</a:t>
             </a:r>
             <a:r>
               <a:rPr lang="en-US" altLang="ko-KR" sz="1000" dirty="0" smtClean="0">
@@ -5584,9 +6105,25 @@
                   <a:schemeClr val="tx1"/>
                 </a:solidFill>
               </a:rPr>
-              <a:t>?</a:t>
-            </a:r>
-            <a:endParaRPr lang="en-US" altLang="ko-KR" sz="1000" dirty="0" smtClean="0">
+              <a:t>(</a:t>
+            </a:r>
+            <a:r>
+              <a:rPr lang="en-US" altLang="ko-KR" sz="1000" dirty="0" err="1" smtClean="0">
+                <a:solidFill>
+                  <a:schemeClr val="tx1"/>
+                </a:solidFill>
+              </a:rPr>
+              <a:t>aObject</a:t>
+            </a:r>
+            <a:r>
+              <a:rPr lang="en-US" altLang="ko-KR" sz="1000" dirty="0" smtClean="0">
+                <a:solidFill>
+                  <a:schemeClr val="tx1"/>
+                </a:solidFill>
+              </a:rPr>
+              <a:t>)</a:t>
+            </a:r>
+            <a:endParaRPr lang="ko-KR" altLang="en-US" sz="1000" dirty="0">
               <a:solidFill>
                 <a:schemeClr val="tx1"/>
               </a:solidFill>
@@ -5596,16 +6133,16 @@
       </p:sp>
       <p:sp>
         <p:nvSpPr>
-          <p:cNvPr id="128" name="직사각형 127"/>
+          <p:cNvPr id="94" name="순서도: 판단 93"/>
           <p:cNvSpPr/>
           <p:nvPr/>
         </p:nvSpPr>
         <p:spPr>
-          <a:xfrm rot="10800000" flipV="1">
-            <a:off x="5276116" y="1484785"/>
-            <a:ext cx="3148920" cy="234318"/>
-          </a:xfrm>
-          <a:prstGeom prst="rect">
+          <a:xfrm>
+            <a:off x="5149712" y="4496098"/>
+            <a:ext cx="2527812" cy="373062"/>
+          </a:xfrm>
+          <a:prstGeom prst="flowChartDecision">
             <a:avLst/>
           </a:prstGeom>
           <a:noFill/>
@@ -5627,25 +6164,25 @@
           </a:fontRef>
         </p:style>
         <p:txBody>
-          <a:bodyPr lIns="0" tIns="0" rIns="0" bIns="0" rtlCol="0" anchor="ctr"/>
+          <a:bodyPr lIns="0" tIns="9578" rIns="0" bIns="9578" rtlCol="0" anchor="ctr"/>
           <a:lstStyle/>
           <a:p>
             <a:pPr algn="ctr"/>
             <a:r>
-              <a:rPr lang="ko-KR" altLang="en-US" sz="1000" dirty="0" smtClean="0">
-                <a:solidFill>
-                  <a:schemeClr val="tx1"/>
-                </a:solidFill>
-              </a:rPr>
-              <a:t>객체변수 </a:t>
-            </a:r>
-            <a:r>
               <a:rPr lang="en-US" altLang="ko-KR" sz="1000" dirty="0" smtClean="0">
                 <a:solidFill>
                   <a:schemeClr val="tx1"/>
                 </a:solidFill>
               </a:rPr>
-              <a:t>= </a:t>
+              <a:t>i</a:t>
+            </a:r>
+            <a:r>
+              <a:rPr lang="en-US" altLang="ko-KR" sz="1000" dirty="0" smtClean="0">
+                <a:solidFill>
+                  <a:schemeClr val="tx1"/>
+                </a:solidFill>
+              </a:rPr>
+              <a:t> &lt; length(</a:t>
             </a:r>
             <a:r>
               <a:rPr lang="en-US" altLang="ko-KR" sz="1000" dirty="0" err="1" smtClean="0">
@@ -5653,23 +6190,7 @@
                   <a:schemeClr val="tx1"/>
                 </a:solidFill>
               </a:rPr>
-              <a:t>CreateCircle</a:t>
-            </a:r>
-            <a:r>
-              <a:rPr lang="en-US" altLang="ko-KR" sz="1000" dirty="0" smtClean="0">
-                <a:solidFill>
-                  <a:schemeClr val="tx1"/>
-                </a:solidFill>
-              </a:rPr>
-              <a:t>(</a:t>
-            </a:r>
-            <a:r>
-              <a:rPr lang="en-US" altLang="ko-KR" sz="1000" dirty="0" err="1" smtClean="0">
-                <a:solidFill>
-                  <a:schemeClr val="tx1"/>
-                </a:solidFill>
-              </a:rPr>
-              <a:t>Color,Size</a:t>
+              <a:t>CircleArray</a:t>
             </a:r>
             <a:r>
               <a:rPr lang="en-US" altLang="ko-KR" sz="1000" dirty="0" smtClean="0">
@@ -5687,15 +6208,149 @@
           </a:p>
         </p:txBody>
       </p:sp>
-      <p:sp>
-        <p:nvSpPr>
-          <p:cNvPr id="129" name="직사각형 128"/>
+      <p:cxnSp>
+        <p:nvCxnSpPr>
+          <p:cNvPr id="102" name="꺾인 연결선 101"/>
+          <p:cNvCxnSpPr>
+            <a:stCxn id="94" idx="3"/>
+            <a:endCxn id="79" idx="3"/>
+          </p:cNvCxnSpPr>
+          <p:nvPr/>
+        </p:nvCxnSpPr>
+        <p:spPr>
+          <a:xfrm flipH="1">
+            <a:off x="7452356" y="4682629"/>
+            <a:ext cx="225168" cy="1870423"/>
+          </a:xfrm>
+          <a:prstGeom prst="bentConnector3">
+            <a:avLst>
+              <a:gd name="adj1" fmla="val -208176"/>
+            </a:avLst>
+          </a:prstGeom>
+          <a:ln>
+            <a:tailEnd type="arrow"/>
+          </a:ln>
+        </p:spPr>
+        <p:style>
+          <a:lnRef idx="1">
+            <a:schemeClr val="accent1"/>
+          </a:lnRef>
+          <a:fillRef idx="0">
+            <a:schemeClr val="accent1"/>
+          </a:fillRef>
+          <a:effectRef idx="0">
+            <a:schemeClr val="accent1"/>
+          </a:effectRef>
+          <a:fontRef idx="minor">
+            <a:schemeClr val="tx1"/>
+          </a:fontRef>
+        </p:style>
+      </p:cxnSp>
+      <p:sp>
+        <p:nvSpPr>
+          <p:cNvPr id="106" name="TextBox 105"/>
+          <p:cNvSpPr txBox="1"/>
+          <p:nvPr/>
+        </p:nvSpPr>
+        <p:spPr>
+          <a:xfrm>
+            <a:off x="6076204" y="4859288"/>
+            <a:ext cx="216024" cy="153888"/>
+          </a:xfrm>
+          <a:prstGeom prst="rect">
+            <a:avLst/>
+          </a:prstGeom>
+          <a:noFill/>
+        </p:spPr>
+        <p:txBody>
+          <a:bodyPr wrap="square" lIns="0" tIns="0" rIns="0" bIns="0" rtlCol="0">
+            <a:spAutoFit/>
+          </a:bodyPr>
+          <a:lstStyle/>
+          <a:p>
+            <a:r>
+              <a:rPr lang="en-US" altLang="ko-KR" sz="1000" dirty="0" smtClean="0"/>
+              <a:t>Yes</a:t>
+            </a:r>
+            <a:endParaRPr lang="ko-KR" altLang="en-US" sz="1000" dirty="0"/>
+          </a:p>
+        </p:txBody>
+      </p:sp>
+      <p:cxnSp>
+        <p:nvCxnSpPr>
+          <p:cNvPr id="109" name="직선 화살표 연결선 108"/>
+          <p:cNvCxnSpPr>
+            <a:stCxn id="94" idx="2"/>
+            <a:endCxn id="80" idx="0"/>
+          </p:cNvCxnSpPr>
+          <p:nvPr/>
+        </p:nvCxnSpPr>
+        <p:spPr>
+          <a:xfrm flipH="1">
+            <a:off x="6413476" y="4869160"/>
+            <a:ext cx="142" cy="216024"/>
+          </a:xfrm>
+          <a:prstGeom prst="straightConnector1">
+            <a:avLst/>
+          </a:prstGeom>
+          <a:ln>
+            <a:tailEnd type="arrow"/>
+          </a:ln>
+        </p:spPr>
+        <p:style>
+          <a:lnRef idx="1">
+            <a:schemeClr val="accent1"/>
+          </a:lnRef>
+          <a:fillRef idx="0">
+            <a:schemeClr val="accent1"/>
+          </a:fillRef>
+          <a:effectRef idx="0">
+            <a:schemeClr val="accent1"/>
+          </a:effectRef>
+          <a:fontRef idx="minor">
+            <a:schemeClr val="tx1"/>
+          </a:fontRef>
+        </p:style>
+      </p:cxnSp>
+      <p:sp>
+        <p:nvSpPr>
+          <p:cNvPr id="110" name="TextBox 109"/>
+          <p:cNvSpPr txBox="1"/>
+          <p:nvPr/>
+        </p:nvSpPr>
+        <p:spPr>
+          <a:xfrm>
+            <a:off x="7605516" y="4715272"/>
+            <a:ext cx="216024" cy="153888"/>
+          </a:xfrm>
+          <a:prstGeom prst="rect">
+            <a:avLst/>
+          </a:prstGeom>
+          <a:noFill/>
+        </p:spPr>
+        <p:txBody>
+          <a:bodyPr wrap="square" lIns="0" tIns="0" rIns="0" bIns="0" rtlCol="0">
+            <a:spAutoFit/>
+          </a:bodyPr>
+          <a:lstStyle/>
+          <a:p>
+            <a:r>
+              <a:rPr lang="en-US" altLang="ko-KR" sz="1000" dirty="0" smtClean="0"/>
+              <a:t>No</a:t>
+            </a:r>
+            <a:endParaRPr lang="ko-KR" altLang="en-US" sz="1000" dirty="0"/>
+          </a:p>
+        </p:txBody>
+      </p:sp>
+      <p:sp>
+        <p:nvSpPr>
+          <p:cNvPr id="113" name="직사각형 112"/>
           <p:cNvSpPr/>
           <p:nvPr/>
         </p:nvSpPr>
         <p:spPr>
           <a:xfrm rot="10800000" flipV="1">
-            <a:off x="5276116" y="2204865"/>
+            <a:off x="4842924" y="4149080"/>
             <a:ext cx="3148920" cy="234318"/>
           </a:xfrm>
           <a:prstGeom prst="rect">
@@ -5730,7 +6385,7 @@
                   <a:schemeClr val="tx1"/>
                 </a:solidFill>
               </a:rPr>
-              <a:t>CircleArray</a:t>
+              <a:t>i</a:t>
             </a:r>
             <a:r>
               <a:rPr lang="en-US" altLang="ko-KR" sz="1000" dirty="0" smtClean="0">
@@ -5738,15 +6393,7 @@
                   <a:schemeClr val="tx1"/>
                 </a:solidFill>
               </a:rPr>
-              <a:t>[Length(CircleArray-1)] = </a:t>
-            </a:r>
-            <a:r>
-              <a:rPr lang="ko-KR" altLang="en-US" sz="1000" dirty="0" smtClean="0">
-                <a:solidFill>
-                  <a:schemeClr val="tx1"/>
-                </a:solidFill>
-              </a:rPr>
-              <a:t>객체</a:t>
+              <a:t> = 0</a:t>
             </a:r>
             <a:endParaRPr lang="ko-KR" altLang="en-US" sz="1000" dirty="0">
               <a:solidFill>
@@ -5756,16 +6403,52 @@
           </a:p>
         </p:txBody>
       </p:sp>
-      <p:sp>
-        <p:nvSpPr>
-          <p:cNvPr id="130" name="직사각형 129"/>
+      <p:cxnSp>
+        <p:nvCxnSpPr>
+          <p:cNvPr id="118" name="직선 화살표 연결선 117"/>
+          <p:cNvCxnSpPr>
+            <a:stCxn id="113" idx="2"/>
+            <a:endCxn id="94" idx="0"/>
+          </p:cNvCxnSpPr>
+          <p:nvPr/>
+        </p:nvCxnSpPr>
+        <p:spPr>
+          <a:xfrm flipH="1">
+            <a:off x="6413618" y="4383398"/>
+            <a:ext cx="3766" cy="112700"/>
+          </a:xfrm>
+          <a:prstGeom prst="straightConnector1">
+            <a:avLst/>
+          </a:prstGeom>
+          <a:ln>
+            <a:tailEnd type="arrow"/>
+          </a:ln>
+        </p:spPr>
+        <p:style>
+          <a:lnRef idx="1">
+            <a:schemeClr val="accent1"/>
+          </a:lnRef>
+          <a:fillRef idx="0">
+            <a:schemeClr val="accent1"/>
+          </a:fillRef>
+          <a:effectRef idx="0">
+            <a:schemeClr val="accent1"/>
+          </a:effectRef>
+          <a:fontRef idx="minor">
+            <a:schemeClr val="tx1"/>
+          </a:fontRef>
+        </p:style>
+      </p:cxnSp>
+      <p:sp>
+        <p:nvSpPr>
+          <p:cNvPr id="134" name="직사각형 133"/>
           <p:cNvSpPr/>
           <p:nvPr/>
         </p:nvSpPr>
         <p:spPr>
           <a:xfrm rot="10800000" flipV="1">
-            <a:off x="5276116" y="1844824"/>
-            <a:ext cx="3148920" cy="234318"/>
+            <a:off x="4852160" y="5570945"/>
+            <a:ext cx="3122632" cy="234318"/>
           </a:xfrm>
           <a:prstGeom prst="rect">
             <a:avLst/>
@@ -5823,7 +6506,15 @@
                   <a:schemeClr val="tx1"/>
                 </a:solidFill>
               </a:rPr>
-              <a:t>, </a:t>
+              <a:t>, Length(</a:t>
+            </a:r>
+            <a:r>
+              <a:rPr lang="en-US" altLang="ko-KR" sz="1000" dirty="0" err="1" smtClean="0">
+                <a:solidFill>
+                  <a:schemeClr val="tx1"/>
+                </a:solidFill>
+              </a:rPr>
+              <a:t>CircleArray</a:t>
             </a:r>
             <a:r>
               <a:rPr lang="en-US" altLang="ko-KR" sz="1000" dirty="0" smtClean="0">
@@ -5831,23 +6522,7 @@
                   <a:schemeClr val="tx1"/>
                 </a:solidFill>
               </a:rPr>
-              <a:t>Length(</a:t>
-            </a:r>
-            <a:r>
-              <a:rPr lang="en-US" altLang="ko-KR" sz="1000" dirty="0" err="1" smtClean="0">
-                <a:solidFill>
-                  <a:schemeClr val="tx1"/>
-                </a:solidFill>
-              </a:rPr>
-              <a:t>CircleArray</a:t>
-            </a:r>
-            <a:r>
-              <a:rPr lang="en-US" altLang="ko-KR" sz="1000" dirty="0" smtClean="0">
-                <a:solidFill>
-                  <a:schemeClr val="tx1"/>
-                </a:solidFill>
-              </a:rPr>
-              <a:t>)+1)</a:t>
+              <a:t>) - 1)</a:t>
             </a:r>
             <a:endParaRPr lang="ko-KR" altLang="en-US" sz="1000" dirty="0">
               <a:solidFill>
@@ -5859,14 +6534,14 @@
       </p:sp>
       <p:sp>
         <p:nvSpPr>
-          <p:cNvPr id="132" name="직사각형 131"/>
+          <p:cNvPr id="135" name="직사각형 134"/>
           <p:cNvSpPr/>
           <p:nvPr/>
         </p:nvSpPr>
         <p:spPr>
           <a:xfrm rot="10800000" flipV="1">
-            <a:off x="9937204" y="3159262"/>
-            <a:ext cx="1944216" cy="629778"/>
+            <a:off x="4852160" y="6021288"/>
+            <a:ext cx="3122632" cy="234318"/>
           </a:xfrm>
           <a:prstGeom prst="rect">
             <a:avLst/>
@@ -5895,12 +6570,12 @@
           <a:p>
             <a:pPr algn="ctr"/>
             <a:r>
-              <a:rPr lang="ko-KR" altLang="en-US" sz="1000" dirty="0" smtClean="0">
-                <a:solidFill>
-                  <a:schemeClr val="tx1"/>
-                </a:solidFill>
-              </a:rPr>
-              <a:t>지우면서</a:t>
+              <a:rPr lang="en-US" altLang="ko-KR" sz="1000" dirty="0" err="1" smtClean="0">
+                <a:solidFill>
+                  <a:schemeClr val="tx1"/>
+                </a:solidFill>
+              </a:rPr>
+              <a:t>i</a:t>
             </a:r>
             <a:r>
               <a:rPr lang="en-US" altLang="ko-KR" sz="1000" dirty="0" smtClean="0">
@@ -5908,15 +6583,7 @@
                   <a:schemeClr val="tx1"/>
                 </a:solidFill>
               </a:rPr>
-              <a:t>, </a:t>
-            </a:r>
-            <a:r>
-              <a:rPr lang="ko-KR" altLang="en-US" sz="1000" dirty="0" smtClean="0">
-                <a:solidFill>
-                  <a:schemeClr val="tx1"/>
-                </a:solidFill>
-              </a:rPr>
-              <a:t>배열 앞으로 옮기기</a:t>
+              <a:t> </a:t>
             </a:r>
             <a:r>
               <a:rPr lang="en-US" altLang="ko-KR" sz="1000" dirty="0" smtClean="0">
@@ -5924,15 +6591,15 @@
                   <a:schemeClr val="tx1"/>
                 </a:solidFill>
               </a:rPr>
-              <a:t>??</a:t>
-            </a:r>
-            <a:r>
-              <a:rPr lang="ko-KR" altLang="en-US" sz="1000" dirty="0" err="1" smtClean="0">
-                <a:solidFill>
-                  <a:schemeClr val="tx1"/>
-                </a:solidFill>
-              </a:rPr>
-              <a:t>어떻게하지</a:t>
+              <a:t>= </a:t>
+            </a:r>
+            <a:r>
+              <a:rPr lang="en-US" altLang="ko-KR" sz="1000" dirty="0" err="1" smtClean="0">
+                <a:solidFill>
+                  <a:schemeClr val="tx1"/>
+                </a:solidFill>
+              </a:rPr>
+              <a:t>i</a:t>
             </a:r>
             <a:r>
               <a:rPr lang="en-US" altLang="ko-KR" sz="1000" dirty="0" smtClean="0">
@@ -5940,7 +6607,7 @@
                   <a:schemeClr val="tx1"/>
                 </a:solidFill>
               </a:rPr>
-              <a:t>??</a:t>
+              <a:t> + 1</a:t>
             </a:r>
             <a:endParaRPr lang="ko-KR" altLang="en-US" sz="1000" dirty="0">
               <a:solidFill>
@@ -5950,6 +6617,833 @@
           </a:p>
         </p:txBody>
       </p:sp>
+      <p:cxnSp>
+        <p:nvCxnSpPr>
+          <p:cNvPr id="137" name="직선 화살표 연결선 136"/>
+          <p:cNvCxnSpPr>
+            <a:stCxn id="80" idx="2"/>
+            <a:endCxn id="134" idx="0"/>
+          </p:cNvCxnSpPr>
+          <p:nvPr/>
+        </p:nvCxnSpPr>
+        <p:spPr>
+          <a:xfrm>
+            <a:off x="6413476" y="5319502"/>
+            <a:ext cx="0" cy="251443"/>
+          </a:xfrm>
+          <a:prstGeom prst="straightConnector1">
+            <a:avLst/>
+          </a:prstGeom>
+          <a:ln>
+            <a:tailEnd type="arrow"/>
+          </a:ln>
+        </p:spPr>
+        <p:style>
+          <a:lnRef idx="1">
+            <a:schemeClr val="accent1"/>
+          </a:lnRef>
+          <a:fillRef idx="0">
+            <a:schemeClr val="accent1"/>
+          </a:fillRef>
+          <a:effectRef idx="0">
+            <a:schemeClr val="accent1"/>
+          </a:effectRef>
+          <a:fontRef idx="minor">
+            <a:schemeClr val="tx1"/>
+          </a:fontRef>
+        </p:style>
+      </p:cxnSp>
+      <p:cxnSp>
+        <p:nvCxnSpPr>
+          <p:cNvPr id="139" name="직선 화살표 연결선 138"/>
+          <p:cNvCxnSpPr>
+            <a:stCxn id="134" idx="2"/>
+            <a:endCxn id="135" idx="0"/>
+          </p:cNvCxnSpPr>
+          <p:nvPr/>
+        </p:nvCxnSpPr>
+        <p:spPr>
+          <a:xfrm>
+            <a:off x="6413476" y="5805263"/>
+            <a:ext cx="0" cy="216025"/>
+          </a:xfrm>
+          <a:prstGeom prst="straightConnector1">
+            <a:avLst/>
+          </a:prstGeom>
+          <a:ln>
+            <a:tailEnd type="arrow"/>
+          </a:ln>
+        </p:spPr>
+        <p:style>
+          <a:lnRef idx="1">
+            <a:schemeClr val="accent1"/>
+          </a:lnRef>
+          <a:fillRef idx="0">
+            <a:schemeClr val="accent1"/>
+          </a:fillRef>
+          <a:effectRef idx="0">
+            <a:schemeClr val="accent1"/>
+          </a:effectRef>
+          <a:fontRef idx="minor">
+            <a:schemeClr val="tx1"/>
+          </a:fontRef>
+        </p:style>
+      </p:cxnSp>
+      <p:cxnSp>
+        <p:nvCxnSpPr>
+          <p:cNvPr id="144" name="직선 화살표 연결선 143"/>
+          <p:cNvCxnSpPr>
+            <a:stCxn id="114" idx="2"/>
+            <a:endCxn id="128" idx="0"/>
+          </p:cNvCxnSpPr>
+          <p:nvPr/>
+        </p:nvCxnSpPr>
+        <p:spPr>
+          <a:xfrm>
+            <a:off x="6471104" y="908720"/>
+            <a:ext cx="1144" cy="144017"/>
+          </a:xfrm>
+          <a:prstGeom prst="straightConnector1">
+            <a:avLst/>
+          </a:prstGeom>
+          <a:ln>
+            <a:tailEnd type="arrow"/>
+          </a:ln>
+        </p:spPr>
+        <p:style>
+          <a:lnRef idx="1">
+            <a:schemeClr val="accent1"/>
+          </a:lnRef>
+          <a:fillRef idx="0">
+            <a:schemeClr val="accent1"/>
+          </a:fillRef>
+          <a:effectRef idx="0">
+            <a:schemeClr val="accent1"/>
+          </a:effectRef>
+          <a:fontRef idx="minor">
+            <a:schemeClr val="tx1"/>
+          </a:fontRef>
+        </p:style>
+      </p:cxnSp>
+      <p:cxnSp>
+        <p:nvCxnSpPr>
+          <p:cNvPr id="146" name="직선 화살표 연결선 145"/>
+          <p:cNvCxnSpPr>
+            <a:stCxn id="128" idx="2"/>
+            <a:endCxn id="130" idx="0"/>
+          </p:cNvCxnSpPr>
+          <p:nvPr/>
+        </p:nvCxnSpPr>
+        <p:spPr>
+          <a:xfrm>
+            <a:off x="6472248" y="1287055"/>
+            <a:ext cx="0" cy="125722"/>
+          </a:xfrm>
+          <a:prstGeom prst="straightConnector1">
+            <a:avLst/>
+          </a:prstGeom>
+          <a:ln>
+            <a:tailEnd type="arrow"/>
+          </a:ln>
+        </p:spPr>
+        <p:style>
+          <a:lnRef idx="1">
+            <a:schemeClr val="accent1"/>
+          </a:lnRef>
+          <a:fillRef idx="0">
+            <a:schemeClr val="accent1"/>
+          </a:fillRef>
+          <a:effectRef idx="0">
+            <a:schemeClr val="accent1"/>
+          </a:effectRef>
+          <a:fontRef idx="minor">
+            <a:schemeClr val="tx1"/>
+          </a:fontRef>
+        </p:style>
+      </p:cxnSp>
+      <p:cxnSp>
+        <p:nvCxnSpPr>
+          <p:cNvPr id="148" name="직선 화살표 연결선 147"/>
+          <p:cNvCxnSpPr>
+            <a:stCxn id="130" idx="2"/>
+            <a:endCxn id="129" idx="0"/>
+          </p:cNvCxnSpPr>
+          <p:nvPr/>
+        </p:nvCxnSpPr>
+        <p:spPr>
+          <a:xfrm>
+            <a:off x="6472248" y="1647095"/>
+            <a:ext cx="0" cy="125722"/>
+          </a:xfrm>
+          <a:prstGeom prst="straightConnector1">
+            <a:avLst/>
+          </a:prstGeom>
+          <a:ln>
+            <a:tailEnd type="arrow"/>
+          </a:ln>
+        </p:spPr>
+        <p:style>
+          <a:lnRef idx="1">
+            <a:schemeClr val="accent1"/>
+          </a:lnRef>
+          <a:fillRef idx="0">
+            <a:schemeClr val="accent1"/>
+          </a:fillRef>
+          <a:effectRef idx="0">
+            <a:schemeClr val="accent1"/>
+          </a:effectRef>
+          <a:fontRef idx="minor">
+            <a:schemeClr val="tx1"/>
+          </a:fontRef>
+        </p:style>
+      </p:cxnSp>
+      <p:cxnSp>
+        <p:nvCxnSpPr>
+          <p:cNvPr id="150" name="직선 화살표 연결선 149"/>
+          <p:cNvCxnSpPr>
+            <a:stCxn id="129" idx="2"/>
+            <a:endCxn id="153" idx="0"/>
+          </p:cNvCxnSpPr>
+          <p:nvPr/>
+        </p:nvCxnSpPr>
+        <p:spPr>
+          <a:xfrm>
+            <a:off x="6472248" y="2007135"/>
+            <a:ext cx="0" cy="125722"/>
+          </a:xfrm>
+          <a:prstGeom prst="straightConnector1">
+            <a:avLst/>
+          </a:prstGeom>
+          <a:ln>
+            <a:tailEnd type="arrow"/>
+          </a:ln>
+        </p:spPr>
+        <p:style>
+          <a:lnRef idx="1">
+            <a:schemeClr val="accent1"/>
+          </a:lnRef>
+          <a:fillRef idx="0">
+            <a:schemeClr val="accent1"/>
+          </a:fillRef>
+          <a:effectRef idx="0">
+            <a:schemeClr val="accent1"/>
+          </a:effectRef>
+          <a:fontRef idx="minor">
+            <a:schemeClr val="tx1"/>
+          </a:fontRef>
+        </p:style>
+      </p:cxnSp>
+      <p:sp>
+        <p:nvSpPr>
+          <p:cNvPr id="153" name="직사각형 152"/>
+          <p:cNvSpPr/>
+          <p:nvPr/>
+        </p:nvSpPr>
+        <p:spPr>
+          <a:xfrm rot="10800000" flipV="1">
+            <a:off x="4897788" y="2132857"/>
+            <a:ext cx="3148920" cy="234318"/>
+          </a:xfrm>
+          <a:prstGeom prst="rect">
+            <a:avLst/>
+          </a:prstGeom>
+          <a:noFill/>
+        </p:spPr>
+        <p:style>
+          <a:lnRef idx="2">
+            <a:schemeClr val="accent1">
+              <a:shade val="50000"/>
+            </a:schemeClr>
+          </a:lnRef>
+          <a:fillRef idx="1">
+            <a:schemeClr val="accent1"/>
+          </a:fillRef>
+          <a:effectRef idx="0">
+            <a:schemeClr val="accent1"/>
+          </a:effectRef>
+          <a:fontRef idx="minor">
+            <a:schemeClr val="lt1"/>
+          </a:fontRef>
+        </p:style>
+        <p:txBody>
+          <a:bodyPr lIns="0" tIns="0" rIns="0" bIns="0" rtlCol="0" anchor="ctr"/>
+          <a:lstStyle/>
+          <a:p>
+            <a:pPr algn="ctr"/>
+            <a:r>
+              <a:rPr lang="en-US" altLang="ko-KR" sz="1000" dirty="0" err="1" smtClean="0">
+                <a:solidFill>
+                  <a:schemeClr val="tx1"/>
+                </a:solidFill>
+              </a:rPr>
+              <a:t>aCreateTime</a:t>
+            </a:r>
+            <a:r>
+              <a:rPr lang="en-US" altLang="ko-KR" sz="1000" dirty="0" smtClean="0">
+                <a:solidFill>
+                  <a:schemeClr val="tx1"/>
+                </a:solidFill>
+              </a:rPr>
+              <a:t>=Now()</a:t>
+            </a:r>
+            <a:endParaRPr lang="ko-KR" altLang="en-US" sz="1000" dirty="0">
+              <a:solidFill>
+                <a:schemeClr val="tx1"/>
+              </a:solidFill>
+            </a:endParaRPr>
+          </a:p>
+        </p:txBody>
+      </p:sp>
+      <p:cxnSp>
+        <p:nvCxnSpPr>
+          <p:cNvPr id="156" name="직선 화살표 연결선 155"/>
+          <p:cNvCxnSpPr>
+            <a:stCxn id="153" idx="2"/>
+            <a:endCxn id="159" idx="0"/>
+          </p:cNvCxnSpPr>
+          <p:nvPr/>
+        </p:nvCxnSpPr>
+        <p:spPr>
+          <a:xfrm>
+            <a:off x="6472248" y="2367175"/>
+            <a:ext cx="0" cy="125722"/>
+          </a:xfrm>
+          <a:prstGeom prst="straightConnector1">
+            <a:avLst/>
+          </a:prstGeom>
+          <a:ln>
+            <a:tailEnd type="arrow"/>
+          </a:ln>
+        </p:spPr>
+        <p:style>
+          <a:lnRef idx="1">
+            <a:schemeClr val="accent1"/>
+          </a:lnRef>
+          <a:fillRef idx="0">
+            <a:schemeClr val="accent1"/>
+          </a:fillRef>
+          <a:effectRef idx="0">
+            <a:schemeClr val="accent1"/>
+          </a:effectRef>
+          <a:fontRef idx="minor">
+            <a:schemeClr val="tx1"/>
+          </a:fontRef>
+        </p:style>
+      </p:cxnSp>
+      <p:sp>
+        <p:nvSpPr>
+          <p:cNvPr id="159" name="직사각형 158"/>
+          <p:cNvSpPr/>
+          <p:nvPr/>
+        </p:nvSpPr>
+        <p:spPr>
+          <a:xfrm rot="10800000" flipV="1">
+            <a:off x="4897788" y="2492897"/>
+            <a:ext cx="3148920" cy="234318"/>
+          </a:xfrm>
+          <a:prstGeom prst="rect">
+            <a:avLst/>
+          </a:prstGeom>
+          <a:noFill/>
+        </p:spPr>
+        <p:style>
+          <a:lnRef idx="2">
+            <a:schemeClr val="accent1">
+              <a:shade val="50000"/>
+            </a:schemeClr>
+          </a:lnRef>
+          <a:fillRef idx="1">
+            <a:schemeClr val="accent1"/>
+          </a:fillRef>
+          <a:effectRef idx="0">
+            <a:schemeClr val="accent1"/>
+          </a:effectRef>
+          <a:fontRef idx="minor">
+            <a:schemeClr val="lt1"/>
+          </a:fontRef>
+        </p:style>
+        <p:txBody>
+          <a:bodyPr lIns="0" tIns="0" rIns="0" bIns="0" rtlCol="0" anchor="ctr"/>
+          <a:lstStyle/>
+          <a:p>
+            <a:pPr algn="ctr"/>
+            <a:r>
+              <a:rPr lang="en-US" altLang="ko-KR" sz="1000" dirty="0" err="1" smtClean="0">
+                <a:solidFill>
+                  <a:schemeClr val="tx1"/>
+                </a:solidFill>
+              </a:rPr>
+              <a:t>TimeProcess</a:t>
+            </a:r>
+            <a:r>
+              <a:rPr lang="en-US" altLang="ko-KR" sz="1000" dirty="0" smtClean="0">
+                <a:solidFill>
+                  <a:schemeClr val="tx1"/>
+                </a:solidFill>
+              </a:rPr>
+              <a:t>(</a:t>
+            </a:r>
+            <a:r>
+              <a:rPr lang="en-US" altLang="ko-KR" sz="1000" dirty="0" err="1" smtClean="0">
+                <a:solidFill>
+                  <a:schemeClr val="tx1"/>
+                </a:solidFill>
+              </a:rPr>
+              <a:t>aObject</a:t>
+            </a:r>
+            <a:r>
+              <a:rPr lang="en-US" altLang="ko-KR" sz="1000" dirty="0" smtClean="0">
+                <a:solidFill>
+                  <a:schemeClr val="tx1"/>
+                </a:solidFill>
+              </a:rPr>
+              <a:t>, </a:t>
+            </a:r>
+            <a:r>
+              <a:rPr lang="en-US" altLang="ko-KR" sz="1000" dirty="0" err="1" smtClean="0">
+                <a:solidFill>
+                  <a:schemeClr val="tx1"/>
+                </a:solidFill>
+              </a:rPr>
+              <a:t>aCreateTime,Interval</a:t>
+            </a:r>
+            <a:r>
+              <a:rPr lang="en-US" altLang="ko-KR" sz="1000" dirty="0" smtClean="0">
+                <a:solidFill>
+                  <a:schemeClr val="tx1"/>
+                </a:solidFill>
+              </a:rPr>
+              <a:t>)</a:t>
+            </a:r>
+            <a:endParaRPr lang="ko-KR" altLang="en-US" sz="1000" dirty="0">
+              <a:solidFill>
+                <a:schemeClr val="tx1"/>
+              </a:solidFill>
+            </a:endParaRPr>
+          </a:p>
+        </p:txBody>
+      </p:sp>
+      <p:cxnSp>
+        <p:nvCxnSpPr>
+          <p:cNvPr id="162" name="직선 화살표 연결선 161"/>
+          <p:cNvCxnSpPr>
+            <a:stCxn id="159" idx="2"/>
+            <a:endCxn id="115" idx="0"/>
+          </p:cNvCxnSpPr>
+          <p:nvPr/>
+        </p:nvCxnSpPr>
+        <p:spPr>
+          <a:xfrm flipH="1">
+            <a:off x="6471012" y="2727215"/>
+            <a:ext cx="1236" cy="125721"/>
+          </a:xfrm>
+          <a:prstGeom prst="straightConnector1">
+            <a:avLst/>
+          </a:prstGeom>
+          <a:ln>
+            <a:tailEnd type="arrow"/>
+          </a:ln>
+        </p:spPr>
+        <p:style>
+          <a:lnRef idx="1">
+            <a:schemeClr val="accent1"/>
+          </a:lnRef>
+          <a:fillRef idx="0">
+            <a:schemeClr val="accent1"/>
+          </a:fillRef>
+          <a:effectRef idx="0">
+            <a:schemeClr val="accent1"/>
+          </a:effectRef>
+          <a:fontRef idx="minor">
+            <a:schemeClr val="tx1"/>
+          </a:fontRef>
+        </p:style>
+      </p:cxnSp>
+      <p:cxnSp>
+        <p:nvCxnSpPr>
+          <p:cNvPr id="166" name="꺾인 연결선 165"/>
+          <p:cNvCxnSpPr>
+            <a:stCxn id="135" idx="3"/>
+            <a:endCxn id="94" idx="1"/>
+          </p:cNvCxnSpPr>
+          <p:nvPr/>
+        </p:nvCxnSpPr>
+        <p:spPr>
+          <a:xfrm rot="10800000" flipH="1">
+            <a:off x="4852160" y="4682629"/>
+            <a:ext cx="297552" cy="1455818"/>
+          </a:xfrm>
+          <a:prstGeom prst="bentConnector3">
+            <a:avLst>
+              <a:gd name="adj1" fmla="val -76827"/>
+            </a:avLst>
+          </a:prstGeom>
+          <a:ln>
+            <a:tailEnd type="arrow"/>
+          </a:ln>
+        </p:spPr>
+        <p:style>
+          <a:lnRef idx="1">
+            <a:schemeClr val="accent1"/>
+          </a:lnRef>
+          <a:fillRef idx="0">
+            <a:schemeClr val="accent1"/>
+          </a:fillRef>
+          <a:effectRef idx="0">
+            <a:schemeClr val="accent1"/>
+          </a:effectRef>
+          <a:fontRef idx="minor">
+            <a:schemeClr val="tx1"/>
+          </a:fontRef>
+        </p:style>
+      </p:cxnSp>
+      <p:cxnSp>
+        <p:nvCxnSpPr>
+          <p:cNvPr id="168" name="직선 화살표 연결선 167"/>
+          <p:cNvCxnSpPr>
+            <a:stCxn id="78" idx="2"/>
+            <a:endCxn id="113" idx="0"/>
+          </p:cNvCxnSpPr>
+          <p:nvPr/>
+        </p:nvCxnSpPr>
+        <p:spPr>
+          <a:xfrm>
+            <a:off x="6417384" y="4077072"/>
+            <a:ext cx="0" cy="72008"/>
+          </a:xfrm>
+          <a:prstGeom prst="straightConnector1">
+            <a:avLst/>
+          </a:prstGeom>
+          <a:ln>
+            <a:tailEnd type="arrow"/>
+          </a:ln>
+        </p:spPr>
+        <p:style>
+          <a:lnRef idx="1">
+            <a:schemeClr val="accent1"/>
+          </a:lnRef>
+          <a:fillRef idx="0">
+            <a:schemeClr val="accent1"/>
+          </a:fillRef>
+          <a:effectRef idx="0">
+            <a:schemeClr val="accent1"/>
+          </a:effectRef>
+          <a:fontRef idx="minor">
+            <a:schemeClr val="tx1"/>
+          </a:fontRef>
+        </p:style>
+      </p:cxnSp>
+      <p:cxnSp>
+        <p:nvCxnSpPr>
+          <p:cNvPr id="172" name="Shape 171"/>
+          <p:cNvCxnSpPr>
+            <a:stCxn id="111" idx="3"/>
+          </p:cNvCxnSpPr>
+          <p:nvPr/>
+        </p:nvCxnSpPr>
+        <p:spPr>
+          <a:xfrm flipH="1" flipV="1">
+            <a:off x="11449372" y="2996952"/>
+            <a:ext cx="2664296" cy="474563"/>
+          </a:xfrm>
+          <a:prstGeom prst="bentConnector3">
+            <a:avLst>
+              <a:gd name="adj1" fmla="val -3089"/>
+            </a:avLst>
+          </a:prstGeom>
+          <a:ln>
+            <a:tailEnd type="arrow"/>
+          </a:ln>
+        </p:spPr>
+        <p:style>
+          <a:lnRef idx="1">
+            <a:schemeClr val="accent1"/>
+          </a:lnRef>
+          <a:fillRef idx="0">
+            <a:schemeClr val="accent1"/>
+          </a:fillRef>
+          <a:effectRef idx="0">
+            <a:schemeClr val="accent1"/>
+          </a:effectRef>
+          <a:fontRef idx="minor">
+            <a:schemeClr val="tx1"/>
+          </a:fontRef>
+        </p:style>
+      </p:cxnSp>
+      <p:sp>
+        <p:nvSpPr>
+          <p:cNvPr id="174" name="TextBox 173"/>
+          <p:cNvSpPr txBox="1"/>
+          <p:nvPr/>
+        </p:nvSpPr>
+        <p:spPr>
+          <a:xfrm>
+            <a:off x="10963604" y="3717032"/>
+            <a:ext cx="216024" cy="153888"/>
+          </a:xfrm>
+          <a:prstGeom prst="rect">
+            <a:avLst/>
+          </a:prstGeom>
+          <a:noFill/>
+        </p:spPr>
+        <p:txBody>
+          <a:bodyPr wrap="square" lIns="0" tIns="0" rIns="0" bIns="0" rtlCol="0">
+            <a:spAutoFit/>
+          </a:bodyPr>
+          <a:lstStyle/>
+          <a:p>
+            <a:r>
+              <a:rPr lang="en-US" altLang="ko-KR" sz="1000" dirty="0" smtClean="0"/>
+              <a:t>Yes</a:t>
+            </a:r>
+            <a:endParaRPr lang="ko-KR" altLang="en-US" sz="1000" dirty="0"/>
+          </a:p>
+        </p:txBody>
+      </p:sp>
+      <p:sp>
+        <p:nvSpPr>
+          <p:cNvPr id="175" name="TextBox 174"/>
+          <p:cNvSpPr txBox="1"/>
+          <p:nvPr/>
+        </p:nvSpPr>
+        <p:spPr>
+          <a:xfrm>
+            <a:off x="13969652" y="3284984"/>
+            <a:ext cx="216024" cy="153888"/>
+          </a:xfrm>
+          <a:prstGeom prst="rect">
+            <a:avLst/>
+          </a:prstGeom>
+          <a:noFill/>
+        </p:spPr>
+        <p:txBody>
+          <a:bodyPr wrap="square" lIns="0" tIns="0" rIns="0" bIns="0" rtlCol="0">
+            <a:spAutoFit/>
+          </a:bodyPr>
+          <a:lstStyle/>
+          <a:p>
+            <a:r>
+              <a:rPr lang="en-US" altLang="ko-KR" sz="1000" dirty="0" smtClean="0"/>
+              <a:t>No</a:t>
+            </a:r>
+            <a:endParaRPr lang="ko-KR" altLang="en-US" sz="1000" dirty="0"/>
+          </a:p>
+        </p:txBody>
+      </p:sp>
+      <p:cxnSp>
+        <p:nvCxnSpPr>
+          <p:cNvPr id="180" name="직선 화살표 연결선 179"/>
+          <p:cNvCxnSpPr>
+            <a:stCxn id="111" idx="2"/>
+            <a:endCxn id="92" idx="0"/>
+          </p:cNvCxnSpPr>
+          <p:nvPr/>
+        </p:nvCxnSpPr>
+        <p:spPr>
+          <a:xfrm>
+            <a:off x="11463322" y="3789040"/>
+            <a:ext cx="3766" cy="216025"/>
+          </a:xfrm>
+          <a:prstGeom prst="straightConnector1">
+            <a:avLst/>
+          </a:prstGeom>
+          <a:ln>
+            <a:tailEnd type="arrow"/>
+          </a:ln>
+        </p:spPr>
+        <p:style>
+          <a:lnRef idx="1">
+            <a:schemeClr val="accent1"/>
+          </a:lnRef>
+          <a:fillRef idx="0">
+            <a:schemeClr val="accent1"/>
+          </a:fillRef>
+          <a:effectRef idx="0">
+            <a:schemeClr val="accent1"/>
+          </a:effectRef>
+          <a:fontRef idx="minor">
+            <a:schemeClr val="tx1"/>
+          </a:fontRef>
+        </p:style>
+      </p:cxnSp>
+      <p:sp>
+        <p:nvSpPr>
+          <p:cNvPr id="190" name="순서도: 수행의 시작/종료 189"/>
+          <p:cNvSpPr/>
+          <p:nvPr/>
+        </p:nvSpPr>
+        <p:spPr>
+          <a:xfrm>
+            <a:off x="10422972" y="4518264"/>
+            <a:ext cx="2088232" cy="288032"/>
+          </a:xfrm>
+          <a:prstGeom prst="flowChartTerminator">
+            <a:avLst/>
+          </a:prstGeom>
+          <a:noFill/>
+        </p:spPr>
+        <p:style>
+          <a:lnRef idx="2">
+            <a:schemeClr val="accent1">
+              <a:shade val="50000"/>
+            </a:schemeClr>
+          </a:lnRef>
+          <a:fillRef idx="1">
+            <a:schemeClr val="accent1"/>
+          </a:fillRef>
+          <a:effectRef idx="0">
+            <a:schemeClr val="accent1"/>
+          </a:effectRef>
+          <a:fontRef idx="minor">
+            <a:schemeClr val="lt1"/>
+          </a:fontRef>
+        </p:style>
+        <p:txBody>
+          <a:bodyPr lIns="0" tIns="0" rIns="0" bIns="0" rtlCol="0" anchor="ctr"/>
+          <a:lstStyle/>
+          <a:p>
+            <a:pPr algn="ctr"/>
+            <a:r>
+              <a:rPr lang="en-US" altLang="ko-KR" sz="1000" dirty="0" smtClean="0">
+                <a:solidFill>
+                  <a:schemeClr val="tx1"/>
+                </a:solidFill>
+              </a:rPr>
+              <a:t>END</a:t>
+            </a:r>
+            <a:endParaRPr lang="ko-KR" altLang="en-US" sz="1000" dirty="0">
+              <a:solidFill>
+                <a:schemeClr val="tx1"/>
+              </a:solidFill>
+            </a:endParaRPr>
+          </a:p>
+        </p:txBody>
+      </p:sp>
+      <p:sp>
+        <p:nvSpPr>
+          <p:cNvPr id="192" name="순서도: 수행의 시작/종료 191"/>
+          <p:cNvSpPr/>
+          <p:nvPr/>
+        </p:nvSpPr>
+        <p:spPr>
+          <a:xfrm>
+            <a:off x="10413828" y="2564904"/>
+            <a:ext cx="2088232" cy="288032"/>
+          </a:xfrm>
+          <a:prstGeom prst="flowChartTerminator">
+            <a:avLst/>
+          </a:prstGeom>
+          <a:noFill/>
+        </p:spPr>
+        <p:style>
+          <a:lnRef idx="2">
+            <a:schemeClr val="accent1">
+              <a:shade val="50000"/>
+            </a:schemeClr>
+          </a:lnRef>
+          <a:fillRef idx="1">
+            <a:schemeClr val="accent1"/>
+          </a:fillRef>
+          <a:effectRef idx="0">
+            <a:schemeClr val="accent1"/>
+          </a:effectRef>
+          <a:fontRef idx="minor">
+            <a:schemeClr val="lt1"/>
+          </a:fontRef>
+        </p:style>
+        <p:txBody>
+          <a:bodyPr lIns="0" tIns="0" rIns="0" bIns="0" rtlCol="0" anchor="ctr"/>
+          <a:lstStyle/>
+          <a:p>
+            <a:pPr algn="ctr"/>
+            <a:r>
+              <a:rPr lang="en-US" altLang="ko-KR" sz="1000" dirty="0" smtClean="0">
+                <a:solidFill>
+                  <a:schemeClr val="tx1"/>
+                </a:solidFill>
+              </a:rPr>
+              <a:t>START</a:t>
+            </a:r>
+            <a:endParaRPr lang="ko-KR" altLang="en-US" sz="1000" dirty="0">
+              <a:solidFill>
+                <a:schemeClr val="tx1"/>
+              </a:solidFill>
+            </a:endParaRPr>
+          </a:p>
+        </p:txBody>
+      </p:sp>
+      <p:cxnSp>
+        <p:nvCxnSpPr>
+          <p:cNvPr id="195" name="직선 화살표 연결선 194"/>
+          <p:cNvCxnSpPr>
+            <a:stCxn id="192" idx="2"/>
+            <a:endCxn id="111" idx="0"/>
+          </p:cNvCxnSpPr>
+          <p:nvPr/>
+        </p:nvCxnSpPr>
+        <p:spPr>
+          <a:xfrm>
+            <a:off x="11457944" y="2852936"/>
+            <a:ext cx="5378" cy="301054"/>
+          </a:xfrm>
+          <a:prstGeom prst="straightConnector1">
+            <a:avLst/>
+          </a:prstGeom>
+          <a:ln>
+            <a:tailEnd type="arrow"/>
+          </a:ln>
+        </p:spPr>
+        <p:style>
+          <a:lnRef idx="1">
+            <a:schemeClr val="accent1"/>
+          </a:lnRef>
+          <a:fillRef idx="0">
+            <a:schemeClr val="accent1"/>
+          </a:fillRef>
+          <a:effectRef idx="0">
+            <a:schemeClr val="accent1"/>
+          </a:effectRef>
+          <a:fontRef idx="minor">
+            <a:schemeClr val="tx1"/>
+          </a:fontRef>
+        </p:style>
+      </p:cxnSp>
+      <p:cxnSp>
+        <p:nvCxnSpPr>
+          <p:cNvPr id="200" name="직선 화살표 연결선 199"/>
+          <p:cNvCxnSpPr>
+            <a:stCxn id="92" idx="2"/>
+            <a:endCxn id="190" idx="0"/>
+          </p:cNvCxnSpPr>
+          <p:nvPr/>
+        </p:nvCxnSpPr>
+        <p:spPr>
+          <a:xfrm>
+            <a:off x="11467088" y="4365104"/>
+            <a:ext cx="0" cy="153160"/>
+          </a:xfrm>
+          <a:prstGeom prst="straightConnector1">
+            <a:avLst/>
+          </a:prstGeom>
+          <a:ln>
+            <a:tailEnd type="arrow"/>
+          </a:ln>
+        </p:spPr>
+        <p:style>
+          <a:lnRef idx="1">
+            <a:schemeClr val="accent1"/>
+          </a:lnRef>
+          <a:fillRef idx="0">
+            <a:schemeClr val="accent1"/>
+          </a:fillRef>
+          <a:effectRef idx="0">
+            <a:schemeClr val="accent1"/>
+          </a:effectRef>
+          <a:fontRef idx="minor">
+            <a:schemeClr val="tx1"/>
+          </a:fontRef>
+        </p:style>
+      </p:cxnSp>
     </p:spTree>
   </p:cSld>
   <p:clrMapOvr>

--- a/0119Canvas_Design/Canvas_Design.pptx
+++ b/0119Canvas_Design/Canvas_Design.pptx
@@ -6,6 +6,7 @@
   </p:sldMasterIdLst>
   <p:sldIdLst>
     <p:sldId id="256" r:id="rId2"/>
+    <p:sldId id="257" r:id="rId3"/>
   </p:sldIdLst>
   <p:sldSz cx="14401800" cy="6858000"/>
   <p:notesSz cx="6858000" cy="9144000"/>
@@ -3289,15 +3290,7 @@
             </a:r>
             <a:r>
               <a:rPr lang="en-US" altLang="ko-KR" sz="1400" dirty="0" smtClean="0"/>
-              <a:t> </a:t>
-            </a:r>
-            <a:r>
-              <a:rPr lang="en-US" altLang="ko-KR" sz="1400" dirty="0" smtClean="0"/>
-              <a:t>: array </a:t>
-            </a:r>
-            <a:r>
-              <a:rPr lang="en-US" altLang="ko-KR" sz="1400" dirty="0" smtClean="0"/>
-              <a:t>of object </a:t>
+              <a:t> : array of object </a:t>
             </a:r>
           </a:p>
           <a:p>
@@ -3569,15 +3562,7 @@
                     <a:schemeClr val="tx1"/>
                   </a:solidFill>
                 </a:rPr>
-                <a:t> : Time</a:t>
-              </a:r>
-              <a:r>
-                <a:rPr lang="en-US" altLang="ko-KR" sz="1200" dirty="0" smtClean="0">
-                  <a:solidFill>
-                    <a:schemeClr val="tx1"/>
-                  </a:solidFill>
-                </a:rPr>
-                <a:t>)</a:t>
+                <a:t> : Time)</a:t>
               </a:r>
               <a:endParaRPr lang="ko-KR" altLang="en-US" sz="1200" dirty="0">
                 <a:solidFill>
@@ -3767,15 +3752,7 @@
                     <a:schemeClr val="tx1"/>
                   </a:solidFill>
                 </a:rPr>
-                <a:t> </a:t>
-              </a:r>
-              <a:r>
-                <a:rPr lang="en-US" altLang="ko-KR" sz="1200" dirty="0" smtClean="0">
-                  <a:solidFill>
-                    <a:schemeClr val="tx1"/>
-                  </a:solidFill>
-                </a:rPr>
-                <a:t>: Boolean)</a:t>
+                <a:t> : Boolean)</a:t>
               </a:r>
               <a:endParaRPr lang="ko-KR" altLang="en-US" sz="1200" dirty="0">
                 <a:solidFill>
@@ -4071,15 +4048,7 @@
                     <a:schemeClr val="tx1"/>
                   </a:solidFill>
                 </a:rPr>
-                <a:t> </a:t>
-              </a:r>
-              <a:r>
-                <a:rPr lang="en-US" altLang="ko-KR" sz="1200" dirty="0" smtClean="0">
-                  <a:solidFill>
-                    <a:schemeClr val="tx1"/>
-                  </a:solidFill>
-                </a:rPr>
-                <a:t>: Boolean)</a:t>
+                <a:t> : Boolean)</a:t>
               </a:r>
               <a:endParaRPr lang="ko-KR" altLang="en-US" sz="1200" dirty="0">
                 <a:solidFill>
@@ -5316,23 +5285,7 @@
                     <a:schemeClr val="tx1"/>
                   </a:solidFill>
                 </a:rPr>
-                <a:t> </a:t>
-              </a:r>
-              <a:r>
-                <a:rPr lang="en-US" altLang="ko-KR" sz="1200" dirty="0" smtClean="0">
-                  <a:solidFill>
-                    <a:schemeClr val="tx1"/>
-                  </a:solidFill>
-                </a:rPr>
-                <a:t>: </a:t>
-              </a:r>
-              <a:r>
-                <a:rPr lang="en-US" altLang="ko-KR" sz="1200" dirty="0" smtClean="0">
-                  <a:solidFill>
-                    <a:schemeClr val="tx1"/>
-                  </a:solidFill>
-                </a:rPr>
-                <a:t>Object, </a:t>
+                <a:t> : Object, </a:t>
               </a:r>
               <a:r>
                 <a:rPr lang="en-US" altLang="ko-KR" sz="1200" dirty="0" err="1" smtClean="0">
@@ -5348,23 +5301,7 @@
                     <a:schemeClr val="tx1"/>
                   </a:solidFill>
                 </a:rPr>
-                <a:t> </a:t>
-              </a:r>
-              <a:r>
-                <a:rPr lang="en-US" altLang="ko-KR" sz="1200" dirty="0" smtClean="0">
-                  <a:solidFill>
-                    <a:schemeClr val="tx1"/>
-                  </a:solidFill>
-                </a:rPr>
-                <a:t>: </a:t>
-              </a:r>
-              <a:r>
-                <a:rPr lang="en-US" altLang="ko-KR" sz="1200" dirty="0" smtClean="0">
-                  <a:solidFill>
-                    <a:schemeClr val="tx1"/>
-                  </a:solidFill>
-                </a:rPr>
-                <a:t>Time, </a:t>
+                <a:t> : Time, </a:t>
               </a:r>
               <a:r>
                 <a:rPr lang="en-US" altLang="ko-KR" sz="1200" dirty="0" err="1" smtClean="0">
@@ -5543,15 +5480,7 @@
                   <a:schemeClr val="tx1"/>
                 </a:solidFill>
               </a:rPr>
-              <a:t>[Length(CircleArray-1)] </a:t>
-            </a:r>
-            <a:r>
-              <a:rPr lang="en-US" altLang="ko-KR" sz="1000" dirty="0" smtClean="0">
-                <a:solidFill>
-                  <a:schemeClr val="tx1"/>
-                </a:solidFill>
-              </a:rPr>
-              <a:t>= </a:t>
+              <a:t>[Length(CircleArray-1)] = </a:t>
             </a:r>
             <a:r>
               <a:rPr lang="en-US" altLang="ko-KR" sz="1000" dirty="0" err="1" smtClean="0">
@@ -5804,15 +5733,7 @@
                     <a:schemeClr val="tx1"/>
                   </a:solidFill>
                 </a:rPr>
-                <a:t> : Integer</a:t>
-              </a:r>
-              <a:r>
-                <a:rPr lang="en-US" altLang="ko-KR" sz="1200" dirty="0" smtClean="0">
-                  <a:solidFill>
-                    <a:schemeClr val="tx1"/>
-                  </a:solidFill>
-                </a:rPr>
-                <a:t>)</a:t>
+                <a:t> : Integer)</a:t>
               </a:r>
               <a:endParaRPr lang="ko-KR" altLang="en-US" sz="1200" dirty="0">
                 <a:solidFill>
@@ -6174,15 +6095,7 @@
                   <a:schemeClr val="tx1"/>
                 </a:solidFill>
               </a:rPr>
-              <a:t>i</a:t>
-            </a:r>
-            <a:r>
-              <a:rPr lang="en-US" altLang="ko-KR" sz="1000" dirty="0" smtClean="0">
-                <a:solidFill>
-                  <a:schemeClr val="tx1"/>
-                </a:solidFill>
-              </a:rPr>
-              <a:t> &lt; length(</a:t>
+              <a:t>i &lt; length(</a:t>
             </a:r>
             <a:r>
               <a:rPr lang="en-US" altLang="ko-KR" sz="1000" dirty="0" err="1" smtClean="0">
@@ -6583,15 +6496,7 @@
                   <a:schemeClr val="tx1"/>
                 </a:solidFill>
               </a:rPr>
-              <a:t> </a:t>
-            </a:r>
-            <a:r>
-              <a:rPr lang="en-US" altLang="ko-KR" sz="1000" dirty="0" smtClean="0">
-                <a:solidFill>
-                  <a:schemeClr val="tx1"/>
-                </a:solidFill>
-              </a:rPr>
-              <a:t>= </a:t>
+              <a:t> = </a:t>
             </a:r>
             <a:r>
               <a:rPr lang="en-US" altLang="ko-KR" sz="1000" dirty="0" err="1" smtClean="0">
@@ -7421,6 +7326,1169 @@
           <a:xfrm>
             <a:off x="11467088" y="4365104"/>
             <a:ext cx="0" cy="153160"/>
+          </a:xfrm>
+          <a:prstGeom prst="straightConnector1">
+            <a:avLst/>
+          </a:prstGeom>
+          <a:ln>
+            <a:tailEnd type="arrow"/>
+          </a:ln>
+        </p:spPr>
+        <p:style>
+          <a:lnRef idx="1">
+            <a:schemeClr val="accent1"/>
+          </a:lnRef>
+          <a:fillRef idx="0">
+            <a:schemeClr val="accent1"/>
+          </a:fillRef>
+          <a:effectRef idx="0">
+            <a:schemeClr val="accent1"/>
+          </a:effectRef>
+          <a:fontRef idx="minor">
+            <a:schemeClr val="tx1"/>
+          </a:fontRef>
+        </p:style>
+      </p:cxnSp>
+    </p:spTree>
+  </p:cSld>
+  <p:clrMapOvr>
+    <a:masterClrMapping/>
+  </p:clrMapOvr>
+</p:sld>
+</file>
+
+<file path=ppt/slides/slide2.xml><?xml version="1.0" encoding="utf-8"?>
+<p:sld xmlns:a="http://schemas.openxmlformats.org/drawingml/2006/main" xmlns:r="http://schemas.openxmlformats.org/officeDocument/2006/relationships" xmlns:p="http://schemas.openxmlformats.org/presentationml/2006/main">
+  <p:cSld>
+    <p:spTree>
+      <p:nvGrpSpPr>
+        <p:cNvPr id="1" name=""/>
+        <p:cNvGrpSpPr/>
+        <p:nvPr/>
+      </p:nvGrpSpPr>
+      <p:grpSpPr>
+        <a:xfrm>
+          <a:off x="0" y="0"/>
+          <a:ext cx="0" cy="0"/>
+          <a:chOff x="0" y="0"/>
+          <a:chExt cx="0" cy="0"/>
+        </a:xfrm>
+      </p:grpSpPr>
+      <p:sp>
+        <p:nvSpPr>
+          <p:cNvPr id="4" name="직사각형 3"/>
+          <p:cNvSpPr/>
+          <p:nvPr/>
+        </p:nvSpPr>
+        <p:spPr>
+          <a:xfrm rot="10800000" flipV="1">
+            <a:off x="792188" y="1052735"/>
+            <a:ext cx="5400600" cy="4968552"/>
+          </a:xfrm>
+          <a:prstGeom prst="rect">
+            <a:avLst/>
+          </a:prstGeom>
+          <a:noFill/>
+        </p:spPr>
+        <p:style>
+          <a:lnRef idx="2">
+            <a:schemeClr val="accent1">
+              <a:shade val="50000"/>
+            </a:schemeClr>
+          </a:lnRef>
+          <a:fillRef idx="1">
+            <a:schemeClr val="accent1"/>
+          </a:fillRef>
+          <a:effectRef idx="0">
+            <a:schemeClr val="accent1"/>
+          </a:effectRef>
+          <a:fontRef idx="minor">
+            <a:schemeClr val="lt1"/>
+          </a:fontRef>
+        </p:style>
+        <p:txBody>
+          <a:bodyPr lIns="0" tIns="0" rIns="0" bIns="0" rtlCol="0" anchor="ctr"/>
+          <a:lstStyle/>
+          <a:p>
+            <a:pPr algn="ctr"/>
+            <a:endParaRPr lang="ko-KR" altLang="en-US" sz="1200" dirty="0">
+              <a:solidFill>
+                <a:schemeClr val="tx1"/>
+              </a:solidFill>
+            </a:endParaRPr>
+          </a:p>
+        </p:txBody>
+      </p:sp>
+      <p:sp>
+        <p:nvSpPr>
+          <p:cNvPr id="12" name="TextBox 11"/>
+          <p:cNvSpPr txBox="1"/>
+          <p:nvPr/>
+        </p:nvSpPr>
+        <p:spPr>
+          <a:xfrm>
+            <a:off x="2160340" y="1196752"/>
+            <a:ext cx="570990" cy="369332"/>
+          </a:xfrm>
+          <a:prstGeom prst="rect">
+            <a:avLst/>
+          </a:prstGeom>
+          <a:noFill/>
+        </p:spPr>
+        <p:txBody>
+          <a:bodyPr wrap="none" rtlCol="0">
+            <a:spAutoFit/>
+          </a:bodyPr>
+          <a:lstStyle/>
+          <a:p>
+            <a:r>
+              <a:rPr lang="en-US" altLang="ko-KR" dirty="0" smtClean="0"/>
+              <a:t>size</a:t>
+            </a:r>
+            <a:endParaRPr lang="ko-KR" altLang="en-US" dirty="0"/>
+          </a:p>
+        </p:txBody>
+      </p:sp>
+      <p:sp>
+        <p:nvSpPr>
+          <p:cNvPr id="13" name="TextBox 12"/>
+          <p:cNvSpPr txBox="1"/>
+          <p:nvPr/>
+        </p:nvSpPr>
+        <p:spPr>
+          <a:xfrm>
+            <a:off x="3767962" y="1196752"/>
+            <a:ext cx="951286" cy="369332"/>
+          </a:xfrm>
+          <a:prstGeom prst="rect">
+            <a:avLst/>
+          </a:prstGeom>
+          <a:noFill/>
+        </p:spPr>
+        <p:txBody>
+          <a:bodyPr wrap="none" rtlCol="0">
+            <a:spAutoFit/>
+          </a:bodyPr>
+          <a:lstStyle/>
+          <a:p>
+            <a:r>
+              <a:rPr lang="en-US" altLang="ko-KR" dirty="0" smtClean="0"/>
+              <a:t>interval</a:t>
+            </a:r>
+            <a:endParaRPr lang="ko-KR" altLang="en-US" dirty="0"/>
+          </a:p>
+        </p:txBody>
+      </p:sp>
+      <p:sp>
+        <p:nvSpPr>
+          <p:cNvPr id="15" name="TextBox 14"/>
+          <p:cNvSpPr txBox="1"/>
+          <p:nvPr/>
+        </p:nvSpPr>
+        <p:spPr>
+          <a:xfrm>
+            <a:off x="5688732" y="1196752"/>
+            <a:ext cx="415498" cy="369332"/>
+          </a:xfrm>
+          <a:prstGeom prst="rect">
+            <a:avLst/>
+          </a:prstGeom>
+          <a:noFill/>
+        </p:spPr>
+        <p:txBody>
+          <a:bodyPr wrap="none" rtlCol="0">
+            <a:spAutoFit/>
+          </a:bodyPr>
+          <a:lstStyle/>
+          <a:p>
+            <a:r>
+              <a:rPr lang="ko-KR" altLang="en-US" smtClean="0"/>
+              <a:t>초</a:t>
+            </a:r>
+            <a:endParaRPr lang="ko-KR" altLang="en-US" dirty="0"/>
+          </a:p>
+        </p:txBody>
+      </p:sp>
+      <p:grpSp>
+        <p:nvGrpSpPr>
+          <p:cNvPr id="26" name="그룹 25"/>
+          <p:cNvGrpSpPr/>
+          <p:nvPr/>
+        </p:nvGrpSpPr>
+        <p:grpSpPr>
+          <a:xfrm>
+            <a:off x="936204" y="1196751"/>
+            <a:ext cx="1152128" cy="360041"/>
+            <a:chOff x="936204" y="1196751"/>
+            <a:chExt cx="1152128" cy="360041"/>
+          </a:xfrm>
+        </p:grpSpPr>
+        <p:sp>
+          <p:nvSpPr>
+            <p:cNvPr id="5" name="직사각형 4"/>
+            <p:cNvSpPr/>
+            <p:nvPr/>
+          </p:nvSpPr>
+          <p:spPr>
+            <a:xfrm rot="10800000" flipV="1">
+              <a:off x="936204" y="1196751"/>
+              <a:ext cx="576064" cy="351656"/>
+            </a:xfrm>
+            <a:prstGeom prst="rect">
+              <a:avLst/>
+            </a:prstGeom>
+            <a:noFill/>
+          </p:spPr>
+          <p:style>
+            <a:lnRef idx="2">
+              <a:schemeClr val="accent1">
+                <a:shade val="50000"/>
+              </a:schemeClr>
+            </a:lnRef>
+            <a:fillRef idx="1">
+              <a:schemeClr val="accent1"/>
+            </a:fillRef>
+            <a:effectRef idx="0">
+              <a:schemeClr val="accent1"/>
+            </a:effectRef>
+            <a:fontRef idx="minor">
+              <a:schemeClr val="lt1"/>
+            </a:fontRef>
+          </p:style>
+          <p:txBody>
+            <a:bodyPr lIns="0" tIns="0" rIns="0" bIns="0" rtlCol="0" anchor="ctr"/>
+            <a:lstStyle/>
+            <a:p>
+              <a:pPr algn="ctr"/>
+              <a:r>
+                <a:rPr lang="en-US" altLang="ko-KR" sz="1200" dirty="0" smtClean="0">
+                  <a:solidFill>
+                    <a:schemeClr val="tx1"/>
+                  </a:solidFill>
+                </a:rPr>
+                <a:t>color</a:t>
+              </a:r>
+              <a:endParaRPr lang="ko-KR" altLang="en-US" sz="1200" dirty="0">
+                <a:solidFill>
+                  <a:schemeClr val="tx1"/>
+                </a:solidFill>
+              </a:endParaRPr>
+            </a:p>
+          </p:txBody>
+        </p:sp>
+        <p:sp>
+          <p:nvSpPr>
+            <p:cNvPr id="6" name="직사각형 5"/>
+            <p:cNvSpPr/>
+            <p:nvPr/>
+          </p:nvSpPr>
+          <p:spPr>
+            <a:xfrm rot="10800000" flipV="1">
+              <a:off x="1512268" y="1196751"/>
+              <a:ext cx="576064" cy="351656"/>
+            </a:xfrm>
+            <a:prstGeom prst="rect">
+              <a:avLst/>
+            </a:prstGeom>
+            <a:noFill/>
+          </p:spPr>
+          <p:style>
+            <a:lnRef idx="2">
+              <a:schemeClr val="accent1">
+                <a:shade val="50000"/>
+              </a:schemeClr>
+            </a:lnRef>
+            <a:fillRef idx="1">
+              <a:schemeClr val="accent1"/>
+            </a:fillRef>
+            <a:effectRef idx="0">
+              <a:schemeClr val="accent1"/>
+            </a:effectRef>
+            <a:fontRef idx="minor">
+              <a:schemeClr val="lt1"/>
+            </a:fontRef>
+          </p:style>
+          <p:txBody>
+            <a:bodyPr lIns="0" tIns="0" rIns="0" bIns="0" rtlCol="0" anchor="ctr"/>
+            <a:lstStyle/>
+            <a:p>
+              <a:pPr algn="ctr"/>
+              <a:endParaRPr lang="ko-KR" altLang="en-US" sz="1200" dirty="0">
+                <a:solidFill>
+                  <a:schemeClr val="tx1"/>
+                </a:solidFill>
+              </a:endParaRPr>
+            </a:p>
+          </p:txBody>
+        </p:sp>
+        <p:sp>
+          <p:nvSpPr>
+            <p:cNvPr id="11" name="직사각형 10"/>
+            <p:cNvSpPr/>
+            <p:nvPr/>
+          </p:nvSpPr>
+          <p:spPr>
+            <a:xfrm>
+              <a:off x="1512268" y="1196752"/>
+              <a:ext cx="576064" cy="360040"/>
+            </a:xfrm>
+            <a:prstGeom prst="rect">
+              <a:avLst/>
+            </a:prstGeom>
+          </p:spPr>
+          <p:style>
+            <a:lnRef idx="2">
+              <a:schemeClr val="accent1">
+                <a:shade val="50000"/>
+              </a:schemeClr>
+            </a:lnRef>
+            <a:fillRef idx="1">
+              <a:schemeClr val="accent1"/>
+            </a:fillRef>
+            <a:effectRef idx="0">
+              <a:schemeClr val="accent1"/>
+            </a:effectRef>
+            <a:fontRef idx="minor">
+              <a:schemeClr val="lt1"/>
+            </a:fontRef>
+          </p:style>
+          <p:txBody>
+            <a:bodyPr rtlCol="0" anchor="ctr"/>
+            <a:lstStyle/>
+            <a:p>
+              <a:pPr algn="ctr"/>
+              <a:endParaRPr lang="ko-KR" altLang="en-US"/>
+            </a:p>
+          </p:txBody>
+        </p:sp>
+        <p:sp>
+          <p:nvSpPr>
+            <p:cNvPr id="24" name="직사각형 23"/>
+            <p:cNvSpPr/>
+            <p:nvPr/>
+          </p:nvSpPr>
+          <p:spPr>
+            <a:xfrm rot="10800000" flipV="1">
+              <a:off x="936204" y="1196752"/>
+              <a:ext cx="1152127" cy="351656"/>
+            </a:xfrm>
+            <a:prstGeom prst="rect">
+              <a:avLst/>
+            </a:prstGeom>
+            <a:noFill/>
+          </p:spPr>
+          <p:style>
+            <a:lnRef idx="2">
+              <a:schemeClr val="accent1">
+                <a:shade val="50000"/>
+              </a:schemeClr>
+            </a:lnRef>
+            <a:fillRef idx="1">
+              <a:schemeClr val="accent1"/>
+            </a:fillRef>
+            <a:effectRef idx="0">
+              <a:schemeClr val="accent1"/>
+            </a:effectRef>
+            <a:fontRef idx="minor">
+              <a:schemeClr val="lt1"/>
+            </a:fontRef>
+          </p:style>
+          <p:txBody>
+            <a:bodyPr lIns="0" tIns="0" rIns="0" bIns="0" rtlCol="0" anchor="ctr"/>
+            <a:lstStyle/>
+            <a:p>
+              <a:pPr algn="ctr"/>
+              <a:endParaRPr lang="ko-KR" altLang="en-US" sz="1200" dirty="0">
+                <a:solidFill>
+                  <a:schemeClr val="tx1"/>
+                </a:solidFill>
+              </a:endParaRPr>
+            </a:p>
+          </p:txBody>
+        </p:sp>
+      </p:grpSp>
+      <p:grpSp>
+        <p:nvGrpSpPr>
+          <p:cNvPr id="28" name="그룹 27"/>
+          <p:cNvGrpSpPr/>
+          <p:nvPr/>
+        </p:nvGrpSpPr>
+        <p:grpSpPr>
+          <a:xfrm>
+            <a:off x="4752628" y="1196751"/>
+            <a:ext cx="936104" cy="351657"/>
+            <a:chOff x="4752628" y="1196751"/>
+            <a:chExt cx="936104" cy="351657"/>
+          </a:xfrm>
+        </p:grpSpPr>
+        <p:sp>
+          <p:nvSpPr>
+            <p:cNvPr id="9" name="직사각형 8"/>
+            <p:cNvSpPr/>
+            <p:nvPr/>
+          </p:nvSpPr>
+          <p:spPr>
+            <a:xfrm rot="10800000" flipV="1">
+              <a:off x="4752628" y="1196751"/>
+              <a:ext cx="576064" cy="351656"/>
+            </a:xfrm>
+            <a:prstGeom prst="rect">
+              <a:avLst/>
+            </a:prstGeom>
+            <a:noFill/>
+          </p:spPr>
+          <p:style>
+            <a:lnRef idx="2">
+              <a:schemeClr val="accent1">
+                <a:shade val="50000"/>
+              </a:schemeClr>
+            </a:lnRef>
+            <a:fillRef idx="1">
+              <a:schemeClr val="accent1"/>
+            </a:fillRef>
+            <a:effectRef idx="0">
+              <a:schemeClr val="accent1"/>
+            </a:effectRef>
+            <a:fontRef idx="minor">
+              <a:schemeClr val="lt1"/>
+            </a:fontRef>
+          </p:style>
+          <p:txBody>
+            <a:bodyPr lIns="0" tIns="0" rIns="0" bIns="0" rtlCol="0" anchor="ctr"/>
+            <a:lstStyle/>
+            <a:p>
+              <a:pPr algn="ctr"/>
+              <a:endParaRPr lang="ko-KR" altLang="en-US" sz="1200" dirty="0">
+                <a:solidFill>
+                  <a:schemeClr val="tx1"/>
+                </a:solidFill>
+              </a:endParaRPr>
+            </a:p>
+          </p:txBody>
+        </p:sp>
+        <p:sp>
+          <p:nvSpPr>
+            <p:cNvPr id="10" name="직사각형 9"/>
+            <p:cNvSpPr/>
+            <p:nvPr/>
+          </p:nvSpPr>
+          <p:spPr>
+            <a:xfrm rot="10800000" flipV="1">
+              <a:off x="5328692" y="1196751"/>
+              <a:ext cx="360040" cy="351656"/>
+            </a:xfrm>
+            <a:prstGeom prst="rect">
+              <a:avLst/>
+            </a:prstGeom>
+            <a:noFill/>
+          </p:spPr>
+          <p:style>
+            <a:lnRef idx="2">
+              <a:schemeClr val="accent1">
+                <a:shade val="50000"/>
+              </a:schemeClr>
+            </a:lnRef>
+            <a:fillRef idx="1">
+              <a:schemeClr val="accent1"/>
+            </a:fillRef>
+            <a:effectRef idx="0">
+              <a:schemeClr val="accent1"/>
+            </a:effectRef>
+            <a:fontRef idx="minor">
+              <a:schemeClr val="lt1"/>
+            </a:fontRef>
+          </p:style>
+          <p:txBody>
+            <a:bodyPr lIns="0" tIns="0" rIns="0" bIns="0" rtlCol="0" anchor="ctr"/>
+            <a:lstStyle/>
+            <a:p>
+              <a:pPr algn="ctr"/>
+              <a:endParaRPr lang="ko-KR" altLang="en-US" sz="1200" dirty="0">
+                <a:solidFill>
+                  <a:schemeClr val="tx1"/>
+                </a:solidFill>
+              </a:endParaRPr>
+            </a:p>
+          </p:txBody>
+        </p:sp>
+        <p:sp>
+          <p:nvSpPr>
+            <p:cNvPr id="16" name="이등변 삼각형 15"/>
+            <p:cNvSpPr/>
+            <p:nvPr/>
+          </p:nvSpPr>
+          <p:spPr>
+            <a:xfrm>
+              <a:off x="5447592" y="1220198"/>
+              <a:ext cx="144016" cy="144016"/>
+            </a:xfrm>
+            <a:prstGeom prst="triangle">
+              <a:avLst/>
+            </a:prstGeom>
+          </p:spPr>
+          <p:style>
+            <a:lnRef idx="2">
+              <a:schemeClr val="accent1">
+                <a:shade val="50000"/>
+              </a:schemeClr>
+            </a:lnRef>
+            <a:fillRef idx="1">
+              <a:schemeClr val="accent1"/>
+            </a:fillRef>
+            <a:effectRef idx="0">
+              <a:schemeClr val="accent1"/>
+            </a:effectRef>
+            <a:fontRef idx="minor">
+              <a:schemeClr val="lt1"/>
+            </a:fontRef>
+          </p:style>
+          <p:txBody>
+            <a:bodyPr rtlCol="0" anchor="ctr"/>
+            <a:lstStyle/>
+            <a:p>
+              <a:pPr algn="ctr"/>
+              <a:endParaRPr lang="ko-KR" altLang="en-US"/>
+            </a:p>
+          </p:txBody>
+        </p:sp>
+        <p:sp>
+          <p:nvSpPr>
+            <p:cNvPr id="17" name="이등변 삼각형 16"/>
+            <p:cNvSpPr/>
+            <p:nvPr/>
+          </p:nvSpPr>
+          <p:spPr>
+            <a:xfrm flipV="1">
+              <a:off x="5449262" y="1409437"/>
+              <a:ext cx="144016" cy="112186"/>
+            </a:xfrm>
+            <a:prstGeom prst="triangle">
+              <a:avLst/>
+            </a:prstGeom>
+          </p:spPr>
+          <p:style>
+            <a:lnRef idx="2">
+              <a:schemeClr val="accent1">
+                <a:shade val="50000"/>
+              </a:schemeClr>
+            </a:lnRef>
+            <a:fillRef idx="1">
+              <a:schemeClr val="accent1"/>
+            </a:fillRef>
+            <a:effectRef idx="0">
+              <a:schemeClr val="accent1"/>
+            </a:effectRef>
+            <a:fontRef idx="minor">
+              <a:schemeClr val="lt1"/>
+            </a:fontRef>
+          </p:style>
+          <p:txBody>
+            <a:bodyPr rtlCol="0" anchor="ctr"/>
+            <a:lstStyle/>
+            <a:p>
+              <a:pPr algn="ctr"/>
+              <a:endParaRPr lang="ko-KR" altLang="en-US"/>
+            </a:p>
+          </p:txBody>
+        </p:sp>
+        <p:sp>
+          <p:nvSpPr>
+            <p:cNvPr id="25" name="직사각형 24"/>
+            <p:cNvSpPr/>
+            <p:nvPr/>
+          </p:nvSpPr>
+          <p:spPr>
+            <a:xfrm rot="10800000" flipV="1">
+              <a:off x="4752628" y="1196752"/>
+              <a:ext cx="936104" cy="351656"/>
+            </a:xfrm>
+            <a:prstGeom prst="rect">
+              <a:avLst/>
+            </a:prstGeom>
+            <a:noFill/>
+          </p:spPr>
+          <p:style>
+            <a:lnRef idx="2">
+              <a:schemeClr val="accent1">
+                <a:shade val="50000"/>
+              </a:schemeClr>
+            </a:lnRef>
+            <a:fillRef idx="1">
+              <a:schemeClr val="accent1"/>
+            </a:fillRef>
+            <a:effectRef idx="0">
+              <a:schemeClr val="accent1"/>
+            </a:effectRef>
+            <a:fontRef idx="minor">
+              <a:schemeClr val="lt1"/>
+            </a:fontRef>
+          </p:style>
+          <p:txBody>
+            <a:bodyPr lIns="0" tIns="0" rIns="0" bIns="0" rtlCol="0" anchor="ctr"/>
+            <a:lstStyle/>
+            <a:p>
+              <a:pPr algn="ctr"/>
+              <a:endParaRPr lang="ko-KR" altLang="en-US" sz="1200" dirty="0">
+                <a:solidFill>
+                  <a:schemeClr val="tx1"/>
+                </a:solidFill>
+              </a:endParaRPr>
+            </a:p>
+          </p:txBody>
+        </p:sp>
+      </p:grpSp>
+      <p:cxnSp>
+        <p:nvCxnSpPr>
+          <p:cNvPr id="30" name="직선 화살표 연결선 29"/>
+          <p:cNvCxnSpPr>
+            <a:stCxn id="24" idx="0"/>
+          </p:cNvCxnSpPr>
+          <p:nvPr/>
+        </p:nvCxnSpPr>
+        <p:spPr>
+          <a:xfrm flipV="1">
+            <a:off x="1512267" y="836712"/>
+            <a:ext cx="144017" cy="360040"/>
+          </a:xfrm>
+          <a:prstGeom prst="straightConnector1">
+            <a:avLst/>
+          </a:prstGeom>
+          <a:ln>
+            <a:tailEnd type="arrow"/>
+          </a:ln>
+        </p:spPr>
+        <p:style>
+          <a:lnRef idx="1">
+            <a:schemeClr val="accent1"/>
+          </a:lnRef>
+          <a:fillRef idx="0">
+            <a:schemeClr val="accent1"/>
+          </a:fillRef>
+          <a:effectRef idx="0">
+            <a:schemeClr val="accent1"/>
+          </a:effectRef>
+          <a:fontRef idx="minor">
+            <a:schemeClr val="tx1"/>
+          </a:fontRef>
+        </p:style>
+      </p:cxnSp>
+      <p:sp>
+        <p:nvSpPr>
+          <p:cNvPr id="31" name="TextBox 30"/>
+          <p:cNvSpPr txBox="1"/>
+          <p:nvPr/>
+        </p:nvSpPr>
+        <p:spPr>
+          <a:xfrm>
+            <a:off x="1440260" y="476672"/>
+            <a:ext cx="997389" cy="369332"/>
+          </a:xfrm>
+          <a:prstGeom prst="rect">
+            <a:avLst/>
+          </a:prstGeom>
+          <a:noFill/>
+        </p:spPr>
+        <p:txBody>
+          <a:bodyPr wrap="none" rtlCol="0">
+            <a:spAutoFit/>
+          </a:bodyPr>
+          <a:lstStyle/>
+          <a:p>
+            <a:r>
+              <a:rPr lang="en-US" altLang="ko-KR" dirty="0" err="1" smtClean="0"/>
+              <a:t>TPannel</a:t>
+            </a:r>
+            <a:endParaRPr lang="ko-KR" altLang="en-US" dirty="0"/>
+          </a:p>
+        </p:txBody>
+      </p:sp>
+      <p:grpSp>
+        <p:nvGrpSpPr>
+          <p:cNvPr id="36" name="그룹 35"/>
+          <p:cNvGrpSpPr/>
+          <p:nvPr/>
+        </p:nvGrpSpPr>
+        <p:grpSpPr>
+          <a:xfrm>
+            <a:off x="2808412" y="1196752"/>
+            <a:ext cx="936104" cy="351656"/>
+            <a:chOff x="2808412" y="1196752"/>
+            <a:chExt cx="936104" cy="351656"/>
+          </a:xfrm>
+        </p:grpSpPr>
+        <p:grpSp>
+          <p:nvGrpSpPr>
+            <p:cNvPr id="27" name="그룹 26"/>
+            <p:cNvGrpSpPr/>
+            <p:nvPr/>
+          </p:nvGrpSpPr>
+          <p:grpSpPr>
+            <a:xfrm>
+              <a:off x="2808412" y="1196752"/>
+              <a:ext cx="936104" cy="351656"/>
+              <a:chOff x="2808412" y="1196751"/>
+              <a:chExt cx="936104" cy="351656"/>
+            </a:xfrm>
+          </p:grpSpPr>
+          <p:sp>
+            <p:nvSpPr>
+              <p:cNvPr id="7" name="직사각형 6"/>
+              <p:cNvSpPr/>
+              <p:nvPr/>
+            </p:nvSpPr>
+            <p:spPr>
+              <a:xfrm rot="10800000" flipV="1">
+                <a:off x="2808412" y="1196751"/>
+                <a:ext cx="576064" cy="351656"/>
+              </a:xfrm>
+              <a:prstGeom prst="rect">
+                <a:avLst/>
+              </a:prstGeom>
+              <a:noFill/>
+            </p:spPr>
+            <p:style>
+              <a:lnRef idx="2">
+                <a:schemeClr val="accent1">
+                  <a:shade val="50000"/>
+                </a:schemeClr>
+              </a:lnRef>
+              <a:fillRef idx="1">
+                <a:schemeClr val="accent1"/>
+              </a:fillRef>
+              <a:effectRef idx="0">
+                <a:schemeClr val="accent1"/>
+              </a:effectRef>
+              <a:fontRef idx="minor">
+                <a:schemeClr val="lt1"/>
+              </a:fontRef>
+            </p:style>
+            <p:txBody>
+              <a:bodyPr lIns="0" tIns="0" rIns="0" bIns="0" rtlCol="0" anchor="ctr"/>
+              <a:lstStyle/>
+              <a:p>
+                <a:pPr algn="ctr"/>
+                <a:endParaRPr lang="ko-KR" altLang="en-US" sz="1200" dirty="0">
+                  <a:solidFill>
+                    <a:schemeClr val="tx1"/>
+                  </a:solidFill>
+                </a:endParaRPr>
+              </a:p>
+            </p:txBody>
+          </p:sp>
+          <p:sp>
+            <p:nvSpPr>
+              <p:cNvPr id="8" name="직사각형 7"/>
+              <p:cNvSpPr/>
+              <p:nvPr/>
+            </p:nvSpPr>
+            <p:spPr>
+              <a:xfrm rot="10800000" flipV="1">
+                <a:off x="3384476" y="1196751"/>
+                <a:ext cx="360040" cy="351656"/>
+              </a:xfrm>
+              <a:prstGeom prst="rect">
+                <a:avLst/>
+              </a:prstGeom>
+              <a:noFill/>
+            </p:spPr>
+            <p:style>
+              <a:lnRef idx="2">
+                <a:schemeClr val="accent1">
+                  <a:shade val="50000"/>
+                </a:schemeClr>
+              </a:lnRef>
+              <a:fillRef idx="1">
+                <a:schemeClr val="accent1"/>
+              </a:fillRef>
+              <a:effectRef idx="0">
+                <a:schemeClr val="accent1"/>
+              </a:effectRef>
+              <a:fontRef idx="minor">
+                <a:schemeClr val="lt1"/>
+              </a:fontRef>
+            </p:style>
+            <p:txBody>
+              <a:bodyPr lIns="0" tIns="0" rIns="0" bIns="0" rtlCol="0" anchor="ctr"/>
+              <a:lstStyle/>
+              <a:p>
+                <a:pPr algn="ctr"/>
+                <a:endParaRPr lang="ko-KR" altLang="en-US" sz="1200" dirty="0">
+                  <a:solidFill>
+                    <a:schemeClr val="tx1"/>
+                  </a:solidFill>
+                </a:endParaRPr>
+              </a:p>
+            </p:txBody>
+          </p:sp>
+          <p:sp>
+            <p:nvSpPr>
+              <p:cNvPr id="18" name="이등변 삼각형 17"/>
+              <p:cNvSpPr/>
+              <p:nvPr/>
+            </p:nvSpPr>
+            <p:spPr>
+              <a:xfrm>
+                <a:off x="3479930" y="1220198"/>
+                <a:ext cx="144016" cy="144016"/>
+              </a:xfrm>
+              <a:prstGeom prst="triangle">
+                <a:avLst/>
+              </a:prstGeom>
+            </p:spPr>
+            <p:style>
+              <a:lnRef idx="2">
+                <a:schemeClr val="accent1">
+                  <a:shade val="50000"/>
+                </a:schemeClr>
+              </a:lnRef>
+              <a:fillRef idx="1">
+                <a:schemeClr val="accent1"/>
+              </a:fillRef>
+              <a:effectRef idx="0">
+                <a:schemeClr val="accent1"/>
+              </a:effectRef>
+              <a:fontRef idx="minor">
+                <a:schemeClr val="lt1"/>
+              </a:fontRef>
+            </p:style>
+            <p:txBody>
+              <a:bodyPr rtlCol="0" anchor="ctr"/>
+              <a:lstStyle/>
+              <a:p>
+                <a:pPr algn="ctr"/>
+                <a:endParaRPr lang="ko-KR" altLang="en-US"/>
+              </a:p>
+            </p:txBody>
+          </p:sp>
+          <p:sp>
+            <p:nvSpPr>
+              <p:cNvPr id="19" name="이등변 삼각형 18"/>
+              <p:cNvSpPr/>
+              <p:nvPr/>
+            </p:nvSpPr>
+            <p:spPr>
+              <a:xfrm flipV="1">
+                <a:off x="3481600" y="1409437"/>
+                <a:ext cx="144016" cy="112186"/>
+              </a:xfrm>
+              <a:prstGeom prst="triangle">
+                <a:avLst/>
+              </a:prstGeom>
+            </p:spPr>
+            <p:style>
+              <a:lnRef idx="2">
+                <a:schemeClr val="accent1">
+                  <a:shade val="50000"/>
+                </a:schemeClr>
+              </a:lnRef>
+              <a:fillRef idx="1">
+                <a:schemeClr val="accent1"/>
+              </a:fillRef>
+              <a:effectRef idx="0">
+                <a:schemeClr val="accent1"/>
+              </a:effectRef>
+              <a:fontRef idx="minor">
+                <a:schemeClr val="lt1"/>
+              </a:fontRef>
+            </p:style>
+            <p:txBody>
+              <a:bodyPr rtlCol="0" anchor="ctr"/>
+              <a:lstStyle/>
+              <a:p>
+                <a:pPr algn="ctr"/>
+                <a:endParaRPr lang="ko-KR" altLang="en-US"/>
+              </a:p>
+            </p:txBody>
+          </p:sp>
+        </p:grpSp>
+        <p:sp>
+          <p:nvSpPr>
+            <p:cNvPr id="35" name="직사각형 34"/>
+            <p:cNvSpPr/>
+            <p:nvPr/>
+          </p:nvSpPr>
+          <p:spPr>
+            <a:xfrm rot="10800000" flipV="1">
+              <a:off x="2808412" y="1196752"/>
+              <a:ext cx="936104" cy="351656"/>
+            </a:xfrm>
+            <a:prstGeom prst="rect">
+              <a:avLst/>
+            </a:prstGeom>
+            <a:noFill/>
+          </p:spPr>
+          <p:style>
+            <a:lnRef idx="2">
+              <a:schemeClr val="accent1">
+                <a:shade val="50000"/>
+              </a:schemeClr>
+            </a:lnRef>
+            <a:fillRef idx="1">
+              <a:schemeClr val="accent1"/>
+            </a:fillRef>
+            <a:effectRef idx="0">
+              <a:schemeClr val="accent1"/>
+            </a:effectRef>
+            <a:fontRef idx="minor">
+              <a:schemeClr val="lt1"/>
+            </a:fontRef>
+          </p:style>
+          <p:txBody>
+            <a:bodyPr lIns="0" tIns="0" rIns="0" bIns="0" rtlCol="0" anchor="ctr"/>
+            <a:lstStyle/>
+            <a:p>
+              <a:pPr algn="ctr"/>
+              <a:endParaRPr lang="ko-KR" altLang="en-US" sz="1200" dirty="0">
+                <a:solidFill>
+                  <a:schemeClr val="tx1"/>
+                </a:solidFill>
+              </a:endParaRPr>
+            </a:p>
+          </p:txBody>
+        </p:sp>
+      </p:grpSp>
+      <p:cxnSp>
+        <p:nvCxnSpPr>
+          <p:cNvPr id="38" name="직선 화살표 연결선 37"/>
+          <p:cNvCxnSpPr>
+            <a:stCxn id="35" idx="0"/>
+          </p:cNvCxnSpPr>
+          <p:nvPr/>
+        </p:nvCxnSpPr>
+        <p:spPr>
+          <a:xfrm flipV="1">
+            <a:off x="3276464" y="836712"/>
+            <a:ext cx="108012" cy="360040"/>
+          </a:xfrm>
+          <a:prstGeom prst="straightConnector1">
+            <a:avLst/>
+          </a:prstGeom>
+          <a:ln>
+            <a:tailEnd type="arrow"/>
+          </a:ln>
+        </p:spPr>
+        <p:style>
+          <a:lnRef idx="1">
+            <a:schemeClr val="accent1"/>
+          </a:lnRef>
+          <a:fillRef idx="0">
+            <a:schemeClr val="accent1"/>
+          </a:fillRef>
+          <a:effectRef idx="0">
+            <a:schemeClr val="accent1"/>
+          </a:effectRef>
+          <a:fontRef idx="minor">
+            <a:schemeClr val="tx1"/>
+          </a:fontRef>
+        </p:style>
+      </p:cxnSp>
+      <p:sp>
+        <p:nvSpPr>
+          <p:cNvPr id="39" name="TextBox 38"/>
+          <p:cNvSpPr txBox="1"/>
+          <p:nvPr/>
+        </p:nvSpPr>
+        <p:spPr>
+          <a:xfrm>
+            <a:off x="2952428" y="476672"/>
+            <a:ext cx="1154483" cy="369332"/>
+          </a:xfrm>
+          <a:prstGeom prst="rect">
+            <a:avLst/>
+          </a:prstGeom>
+          <a:noFill/>
+        </p:spPr>
+        <p:txBody>
+          <a:bodyPr wrap="none" rtlCol="0">
+            <a:spAutoFit/>
+          </a:bodyPr>
+          <a:lstStyle/>
+          <a:p>
+            <a:r>
+              <a:rPr lang="en-US" altLang="ko-KR" dirty="0" err="1" smtClean="0"/>
+              <a:t>TSpinEdit</a:t>
+            </a:r>
+            <a:endParaRPr lang="ko-KR" altLang="en-US" dirty="0"/>
+          </a:p>
+        </p:txBody>
+      </p:sp>
+      <p:cxnSp>
+        <p:nvCxnSpPr>
+          <p:cNvPr id="40" name="직선 화살표 연결선 39"/>
+          <p:cNvCxnSpPr/>
+          <p:nvPr/>
+        </p:nvCxnSpPr>
+        <p:spPr>
+          <a:xfrm flipV="1">
+            <a:off x="5220680" y="836712"/>
+            <a:ext cx="108012" cy="360040"/>
+          </a:xfrm>
+          <a:prstGeom prst="straightConnector1">
+            <a:avLst/>
+          </a:prstGeom>
+          <a:ln>
+            <a:tailEnd type="arrow"/>
+          </a:ln>
+        </p:spPr>
+        <p:style>
+          <a:lnRef idx="1">
+            <a:schemeClr val="accent1"/>
+          </a:lnRef>
+          <a:fillRef idx="0">
+            <a:schemeClr val="accent1"/>
+          </a:fillRef>
+          <a:effectRef idx="0">
+            <a:schemeClr val="accent1"/>
+          </a:effectRef>
+          <a:fontRef idx="minor">
+            <a:schemeClr val="tx1"/>
+          </a:fontRef>
+        </p:style>
+      </p:cxnSp>
+      <p:sp>
+        <p:nvSpPr>
+          <p:cNvPr id="41" name="TextBox 40"/>
+          <p:cNvSpPr txBox="1"/>
+          <p:nvPr/>
+        </p:nvSpPr>
+        <p:spPr>
+          <a:xfrm>
+            <a:off x="4896644" y="476672"/>
+            <a:ext cx="1154483" cy="369332"/>
+          </a:xfrm>
+          <a:prstGeom prst="rect">
+            <a:avLst/>
+          </a:prstGeom>
+          <a:noFill/>
+        </p:spPr>
+        <p:txBody>
+          <a:bodyPr wrap="none" rtlCol="0">
+            <a:spAutoFit/>
+          </a:bodyPr>
+          <a:lstStyle/>
+          <a:p>
+            <a:r>
+              <a:rPr lang="en-US" altLang="ko-KR" dirty="0" err="1" smtClean="0"/>
+              <a:t>TSpinEdit</a:t>
+            </a:r>
+            <a:endParaRPr lang="ko-KR" altLang="en-US" dirty="0"/>
+          </a:p>
+        </p:txBody>
+      </p:sp>
+      <p:sp>
+        <p:nvSpPr>
+          <p:cNvPr id="42" name="타원 41"/>
+          <p:cNvSpPr/>
+          <p:nvPr/>
+        </p:nvSpPr>
+        <p:spPr>
+          <a:xfrm>
+            <a:off x="1296244" y="2492896"/>
+            <a:ext cx="1440160" cy="1368152"/>
+          </a:xfrm>
+          <a:prstGeom prst="ellipse">
+            <a:avLst/>
+          </a:prstGeom>
+          <a:noFill/>
+        </p:spPr>
+        <p:style>
+          <a:lnRef idx="2">
+            <a:schemeClr val="accent1">
+              <a:shade val="50000"/>
+            </a:schemeClr>
+          </a:lnRef>
+          <a:fillRef idx="1">
+            <a:schemeClr val="accent1"/>
+          </a:fillRef>
+          <a:effectRef idx="0">
+            <a:schemeClr val="accent1"/>
+          </a:effectRef>
+          <a:fontRef idx="minor">
+            <a:schemeClr val="lt1"/>
+          </a:fontRef>
+        </p:style>
+        <p:txBody>
+          <a:bodyPr rtlCol="0" anchor="ctr"/>
+          <a:lstStyle/>
+          <a:p>
+            <a:pPr algn="ctr"/>
+            <a:endParaRPr lang="ko-KR" altLang="en-US"/>
+          </a:p>
+        </p:txBody>
+      </p:sp>
+      <p:sp>
+        <p:nvSpPr>
+          <p:cNvPr id="43" name="TextBox 42"/>
+          <p:cNvSpPr txBox="1"/>
+          <p:nvPr/>
+        </p:nvSpPr>
+        <p:spPr>
+          <a:xfrm>
+            <a:off x="6768852" y="2852936"/>
+            <a:ext cx="4880247" cy="923330"/>
+          </a:xfrm>
+          <a:prstGeom prst="rect">
+            <a:avLst/>
+          </a:prstGeom>
+          <a:noFill/>
+        </p:spPr>
+        <p:txBody>
+          <a:bodyPr wrap="none" rtlCol="0">
+            <a:spAutoFit/>
+          </a:bodyPr>
+          <a:lstStyle/>
+          <a:p>
+            <a:r>
+              <a:rPr lang="ko-KR" altLang="en-US" dirty="0" smtClean="0"/>
+              <a:t>마우스 </a:t>
+            </a:r>
+            <a:r>
+              <a:rPr lang="ko-KR" altLang="en-US" dirty="0" err="1" smtClean="0"/>
+              <a:t>클릭시</a:t>
+            </a:r>
+            <a:endParaRPr lang="en-US" altLang="ko-KR" dirty="0" smtClean="0"/>
+          </a:p>
+          <a:p>
+            <a:r>
+              <a:rPr lang="en-US" altLang="ko-KR" dirty="0" smtClean="0"/>
+              <a:t>Size</a:t>
+            </a:r>
+            <a:r>
+              <a:rPr lang="ko-KR" altLang="en-US" dirty="0" smtClean="0"/>
+              <a:t>를 반지름으로 하는 원이 생성되고 </a:t>
+            </a:r>
+            <a:endParaRPr lang="en-US" altLang="ko-KR" dirty="0" smtClean="0"/>
+          </a:p>
+          <a:p>
+            <a:r>
+              <a:rPr lang="en-US" altLang="ko-KR" dirty="0" smtClean="0"/>
+              <a:t>Interval </a:t>
+            </a:r>
+            <a:r>
+              <a:rPr lang="ko-KR" altLang="en-US" dirty="0" smtClean="0"/>
+              <a:t>만큼의 시간이 지난후 원이 사라진다</a:t>
+            </a:r>
+            <a:r>
+              <a:rPr lang="en-US" altLang="ko-KR" smtClean="0"/>
+              <a:t>.</a:t>
+            </a:r>
+            <a:endParaRPr lang="en-US" altLang="ko-KR" dirty="0" smtClean="0"/>
+          </a:p>
+        </p:txBody>
+      </p:sp>
+      <p:cxnSp>
+        <p:nvCxnSpPr>
+          <p:cNvPr id="45" name="직선 화살표 연결선 44"/>
+          <p:cNvCxnSpPr>
+            <a:stCxn id="43" idx="1"/>
+            <a:endCxn id="42" idx="6"/>
+          </p:cNvCxnSpPr>
+          <p:nvPr/>
+        </p:nvCxnSpPr>
+        <p:spPr>
+          <a:xfrm flipH="1" flipV="1">
+            <a:off x="2736404" y="3176972"/>
+            <a:ext cx="4032448" cy="137629"/>
           </a:xfrm>
           <a:prstGeom prst="straightConnector1">
             <a:avLst/>

--- a/0119Canvas_Design/Canvas_Design.pptx
+++ b/0119Canvas_Design/Canvas_Design.pptx
@@ -3060,196 +3060,6 @@
           <a:chExt cx="0" cy="0"/>
         </a:xfrm>
       </p:grpSpPr>
-      <p:grpSp>
-        <p:nvGrpSpPr>
-          <p:cNvPr id="20" name="그룹 20"/>
-          <p:cNvGrpSpPr/>
-          <p:nvPr/>
-        </p:nvGrpSpPr>
-        <p:grpSpPr>
-          <a:xfrm>
-            <a:off x="72108" y="404662"/>
-            <a:ext cx="4104456" cy="1944218"/>
-            <a:chOff x="4926749" y="1484784"/>
-            <a:chExt cx="2185953" cy="680424"/>
-          </a:xfrm>
-        </p:grpSpPr>
-        <p:sp>
-          <p:nvSpPr>
-            <p:cNvPr id="21" name="직사각형 20"/>
-            <p:cNvSpPr/>
-            <p:nvPr/>
-          </p:nvSpPr>
-          <p:spPr>
-            <a:xfrm rot="10800000" flipV="1">
-              <a:off x="4926749" y="1484784"/>
-              <a:ext cx="2185952" cy="680424"/>
-            </a:xfrm>
-            <a:prstGeom prst="rect">
-              <a:avLst/>
-            </a:prstGeom>
-            <a:noFill/>
-          </p:spPr>
-          <p:style>
-            <a:lnRef idx="2">
-              <a:schemeClr val="accent1">
-                <a:shade val="50000"/>
-              </a:schemeClr>
-            </a:lnRef>
-            <a:fillRef idx="1">
-              <a:schemeClr val="accent1"/>
-            </a:fillRef>
-            <a:effectRef idx="0">
-              <a:schemeClr val="accent1"/>
-            </a:effectRef>
-            <a:fontRef idx="minor">
-              <a:schemeClr val="lt1"/>
-            </a:fontRef>
-          </p:style>
-          <p:txBody>
-            <a:bodyPr lIns="0" tIns="0" rIns="0" bIns="0" rtlCol="0" anchor="ctr"/>
-            <a:lstStyle/>
-            <a:p>
-              <a:pPr algn="ctr"/>
-              <a:endParaRPr lang="ko-KR" altLang="en-US" sz="1200" dirty="0">
-                <a:solidFill>
-                  <a:schemeClr val="tx1"/>
-                </a:solidFill>
-              </a:endParaRPr>
-            </a:p>
-          </p:txBody>
-        </p:sp>
-        <p:sp>
-          <p:nvSpPr>
-            <p:cNvPr id="22" name="직사각형 21"/>
-            <p:cNvSpPr/>
-            <p:nvPr/>
-          </p:nvSpPr>
-          <p:spPr>
-            <a:xfrm rot="10800000" flipV="1">
-              <a:off x="4926752" y="1484784"/>
-              <a:ext cx="2185950" cy="122688"/>
-            </a:xfrm>
-            <a:prstGeom prst="rect">
-              <a:avLst/>
-            </a:prstGeom>
-            <a:noFill/>
-          </p:spPr>
-          <p:style>
-            <a:lnRef idx="2">
-              <a:schemeClr val="accent1">
-                <a:shade val="50000"/>
-              </a:schemeClr>
-            </a:lnRef>
-            <a:fillRef idx="1">
-              <a:schemeClr val="accent1"/>
-            </a:fillRef>
-            <a:effectRef idx="0">
-              <a:schemeClr val="accent1"/>
-            </a:effectRef>
-            <a:fontRef idx="minor">
-              <a:schemeClr val="lt1"/>
-            </a:fontRef>
-          </p:style>
-          <p:txBody>
-            <a:bodyPr lIns="0" tIns="0" rIns="0" bIns="0" rtlCol="0" anchor="ctr"/>
-            <a:lstStyle/>
-            <a:p>
-              <a:pPr algn="ctr"/>
-              <a:r>
-                <a:rPr lang="en-US" altLang="ko-KR" sz="1200" dirty="0" err="1" smtClean="0">
-                  <a:solidFill>
-                    <a:schemeClr val="tx1"/>
-                  </a:solidFill>
-                </a:rPr>
-                <a:t>SetColor</a:t>
-              </a:r>
-              <a:r>
-                <a:rPr lang="en-US" altLang="ko-KR" sz="1200" dirty="0" smtClean="0">
-                  <a:solidFill>
-                    <a:schemeClr val="tx1"/>
-                  </a:solidFill>
-                </a:rPr>
-                <a:t>(</a:t>
-              </a:r>
-              <a:r>
-                <a:rPr lang="en-US" altLang="ko-KR" sz="1200" dirty="0" err="1" smtClean="0">
-                  <a:solidFill>
-                    <a:schemeClr val="tx1"/>
-                  </a:solidFill>
-                </a:rPr>
-                <a:t>aColor</a:t>
-              </a:r>
-              <a:r>
-                <a:rPr lang="en-US" altLang="ko-KR" sz="1200" dirty="0" smtClean="0">
-                  <a:solidFill>
-                    <a:schemeClr val="tx1"/>
-                  </a:solidFill>
-                </a:rPr>
-                <a:t> : String)</a:t>
-              </a:r>
-              <a:endParaRPr lang="ko-KR" altLang="en-US" sz="1200" dirty="0">
-                <a:solidFill>
-                  <a:schemeClr val="tx1"/>
-                </a:solidFill>
-              </a:endParaRPr>
-            </a:p>
-          </p:txBody>
-        </p:sp>
-      </p:grpSp>
-      <p:sp>
-        <p:nvSpPr>
-          <p:cNvPr id="24" name="순서도: 수행의 시작/종료 23"/>
-          <p:cNvSpPr/>
-          <p:nvPr/>
-        </p:nvSpPr>
-        <p:spPr>
-          <a:xfrm>
-            <a:off x="1037800" y="792593"/>
-            <a:ext cx="2088232" cy="288032"/>
-          </a:xfrm>
-          <a:prstGeom prst="flowChartTerminator">
-            <a:avLst/>
-          </a:prstGeom>
-          <a:noFill/>
-        </p:spPr>
-        <p:style>
-          <a:lnRef idx="2">
-            <a:schemeClr val="accent1">
-              <a:shade val="50000"/>
-            </a:schemeClr>
-          </a:lnRef>
-          <a:fillRef idx="1">
-            <a:schemeClr val="accent1"/>
-          </a:fillRef>
-          <a:effectRef idx="0">
-            <a:schemeClr val="accent1"/>
-          </a:effectRef>
-          <a:fontRef idx="minor">
-            <a:schemeClr val="lt1"/>
-          </a:fontRef>
-        </p:style>
-        <p:txBody>
-          <a:bodyPr lIns="0" tIns="0" rIns="0" bIns="0" rtlCol="0" anchor="ctr"/>
-          <a:lstStyle/>
-          <a:p>
-            <a:pPr algn="ctr"/>
-            <a:r>
-              <a:rPr lang="en-US" altLang="ko-KR" sz="1000" dirty="0" smtClean="0">
-                <a:solidFill>
-                  <a:schemeClr val="tx1"/>
-                </a:solidFill>
-              </a:rPr>
-              <a:t>START</a:t>
-            </a:r>
-            <a:endParaRPr lang="ko-KR" altLang="en-US" sz="1000" dirty="0">
-              <a:solidFill>
-                <a:schemeClr val="tx1"/>
-              </a:solidFill>
-            </a:endParaRPr>
-          </a:p>
-        </p:txBody>
-      </p:sp>
       <p:sp>
         <p:nvSpPr>
           <p:cNvPr id="28" name="TextBox 27"/>
@@ -3258,8 +3068,8 @@
         </p:nvSpPr>
         <p:spPr>
           <a:xfrm>
-            <a:off x="10585276" y="620688"/>
-            <a:ext cx="2304356" cy="1292662"/>
+            <a:off x="11449372" y="0"/>
+            <a:ext cx="2952428" cy="646331"/>
           </a:xfrm>
           <a:prstGeom prst="rect">
             <a:avLst/>
@@ -3290,117 +3100,20 @@
             </a:r>
             <a:r>
               <a:rPr lang="en-US" altLang="ko-KR" sz="1400" dirty="0" smtClean="0"/>
-              <a:t> : array of object </a:t>
-            </a:r>
+              <a:t> : array of </a:t>
+            </a:r>
+            <a:r>
+              <a:rPr lang="en-US" altLang="ko-KR" sz="1400" dirty="0" err="1" smtClean="0"/>
+              <a:t>TCirCleData</a:t>
+            </a:r>
+            <a:endParaRPr lang="en-US" altLang="ko-KR" sz="1400" dirty="0" smtClean="0"/>
           </a:p>
           <a:p>
             <a:r>
               <a:rPr lang="en-US" altLang="ko-KR" sz="1400" dirty="0" smtClean="0"/>
               <a:t>Size, Interval : Integer</a:t>
             </a:r>
-          </a:p>
-          <a:p>
-            <a:r>
-              <a:rPr lang="en-US" altLang="ko-KR" sz="1400" dirty="0" smtClean="0"/>
-              <a:t>Color : String</a:t>
-            </a:r>
-          </a:p>
-          <a:p>
             <a:endParaRPr lang="en-US" altLang="ko-KR" sz="1400" dirty="0" smtClean="0"/>
-          </a:p>
-          <a:p>
-            <a:endParaRPr lang="en-US" altLang="ko-KR" sz="1400" dirty="0" smtClean="0"/>
-          </a:p>
-        </p:txBody>
-      </p:sp>
-      <p:sp>
-        <p:nvSpPr>
-          <p:cNvPr id="35" name="TextBox 34"/>
-          <p:cNvSpPr txBox="1"/>
-          <p:nvPr/>
-        </p:nvSpPr>
-        <p:spPr>
-          <a:xfrm>
-            <a:off x="792188" y="3140966"/>
-            <a:ext cx="216024" cy="153888"/>
-          </a:xfrm>
-          <a:prstGeom prst="rect">
-            <a:avLst/>
-          </a:prstGeom>
-          <a:noFill/>
-        </p:spPr>
-        <p:txBody>
-          <a:bodyPr wrap="square" lIns="0" tIns="0" rIns="0" bIns="0" rtlCol="0">
-            <a:spAutoFit/>
-          </a:bodyPr>
-          <a:lstStyle/>
-          <a:p>
-            <a:r>
-              <a:rPr lang="en-US" altLang="ko-KR" sz="1000" dirty="0" smtClean="0"/>
-              <a:t>Yes</a:t>
-            </a:r>
-            <a:endParaRPr lang="ko-KR" altLang="en-US" sz="1000" dirty="0"/>
-          </a:p>
-        </p:txBody>
-      </p:sp>
-      <p:sp>
-        <p:nvSpPr>
-          <p:cNvPr id="47" name="직사각형 46"/>
-          <p:cNvSpPr/>
-          <p:nvPr/>
-        </p:nvSpPr>
-        <p:spPr>
-          <a:xfrm rot="10800000" flipV="1">
-            <a:off x="1106232" y="1387122"/>
-            <a:ext cx="1944216" cy="234318"/>
-          </a:xfrm>
-          <a:prstGeom prst="rect">
-            <a:avLst/>
-          </a:prstGeom>
-          <a:noFill/>
-        </p:spPr>
-        <p:style>
-          <a:lnRef idx="2">
-            <a:schemeClr val="accent1">
-              <a:shade val="50000"/>
-            </a:schemeClr>
-          </a:lnRef>
-          <a:fillRef idx="1">
-            <a:schemeClr val="accent1"/>
-          </a:fillRef>
-          <a:effectRef idx="0">
-            <a:schemeClr val="accent1"/>
-          </a:effectRef>
-          <a:fontRef idx="minor">
-            <a:schemeClr val="lt1"/>
-          </a:fontRef>
-        </p:style>
-        <p:txBody>
-          <a:bodyPr lIns="0" tIns="0" rIns="0" bIns="0" rtlCol="0" anchor="ctr"/>
-          <a:lstStyle/>
-          <a:p>
-            <a:pPr algn="ctr"/>
-            <a:r>
-              <a:rPr lang="en-US" altLang="ko-KR" sz="1000" dirty="0" smtClean="0">
-                <a:solidFill>
-                  <a:schemeClr val="tx1"/>
-                </a:solidFill>
-              </a:rPr>
-              <a:t>Color = </a:t>
-            </a:r>
-            <a:r>
-              <a:rPr lang="en-US" altLang="ko-KR" sz="1000" dirty="0" err="1" smtClean="0">
-                <a:solidFill>
-                  <a:schemeClr val="tx1"/>
-                </a:solidFill>
-              </a:rPr>
-              <a:t>aColor</a:t>
-            </a:r>
-            <a:endParaRPr lang="ko-KR" altLang="en-US" sz="1000" dirty="0">
-              <a:solidFill>
-                <a:schemeClr val="tx1"/>
-              </a:solidFill>
-            </a:endParaRPr>
           </a:p>
         </p:txBody>
       </p:sp>
@@ -3412,8 +3125,8 @@
         </p:nvGrpSpPr>
         <p:grpSpPr>
           <a:xfrm>
-            <a:off x="4320580" y="72332"/>
-            <a:ext cx="4320480" cy="3212653"/>
+            <a:off x="4680620" y="0"/>
+            <a:ext cx="4896544" cy="3717032"/>
             <a:chOff x="4926749" y="1484782"/>
             <a:chExt cx="2185953" cy="994939"/>
           </a:xfrm>
@@ -3472,7 +3185,7 @@
           <p:spPr>
             <a:xfrm rot="10800000" flipV="1">
               <a:off x="4926752" y="1484782"/>
-              <a:ext cx="2185950" cy="122688"/>
+              <a:ext cx="2185950" cy="187991"/>
             </a:xfrm>
             <a:prstGeom prst="rect">
               <a:avLst/>
@@ -3506,7 +3219,7 @@
                     <a:schemeClr val="tx1"/>
                   </a:solidFill>
                 </a:rPr>
-                <a:t>StoreCircleObject</a:t>
+                <a:t>StoreCirclePosition</a:t>
               </a:r>
               <a:r>
                 <a:rPr lang="en-US" altLang="ko-KR" sz="1200" dirty="0" smtClean="0">
@@ -3538,7 +3251,7 @@
                     <a:schemeClr val="tx1"/>
                   </a:solidFill>
                 </a:rPr>
-                <a:t>aObject</a:t>
+                <a:t>aRecord</a:t>
               </a:r>
               <a:r>
                 <a:rPr lang="en-US" altLang="ko-KR" sz="1200" dirty="0" smtClean="0">
@@ -3546,7 +3259,199 @@
                     <a:schemeClr val="tx1"/>
                   </a:solidFill>
                 </a:rPr>
-                <a:t> : Object, </a:t>
+                <a:t> </a:t>
+              </a:r>
+              <a:r>
+                <a:rPr lang="en-US" altLang="ko-KR" sz="1200" dirty="0" smtClean="0">
+                  <a:solidFill>
+                    <a:schemeClr val="tx1"/>
+                  </a:solidFill>
+                </a:rPr>
+                <a:t>:</a:t>
+              </a:r>
+              <a:r>
+                <a:rPr lang="en-US" altLang="ko-KR" sz="1200" dirty="0" err="1" smtClean="0">
+                  <a:solidFill>
+                    <a:schemeClr val="tx1"/>
+                  </a:solidFill>
+                </a:rPr>
+                <a:t>TCirCleData</a:t>
+              </a:r>
+              <a:r>
+                <a:rPr lang="en-US" altLang="ko-KR" sz="1200" dirty="0" smtClean="0">
+                  <a:solidFill>
+                    <a:schemeClr val="tx1"/>
+                  </a:solidFill>
+                </a:rPr>
+                <a:t>(</a:t>
+              </a:r>
+              <a:r>
+                <a:rPr lang="en-US" altLang="ko-KR" sz="1200" dirty="0" err="1" smtClean="0">
+                  <a:solidFill>
+                    <a:schemeClr val="tx1"/>
+                  </a:solidFill>
+                </a:rPr>
+                <a:t>iXBegin</a:t>
+              </a:r>
+              <a:r>
+                <a:rPr lang="en-US" altLang="ko-KR" sz="1200" dirty="0" smtClean="0">
+                  <a:solidFill>
+                    <a:schemeClr val="tx1"/>
+                  </a:solidFill>
+                </a:rPr>
+                <a:t> : </a:t>
+              </a:r>
+              <a:r>
+                <a:rPr lang="en-US" altLang="ko-KR" sz="1200" dirty="0" smtClean="0">
+                  <a:solidFill>
+                    <a:schemeClr val="tx1"/>
+                  </a:solidFill>
+                </a:rPr>
+                <a:t>Integer, </a:t>
+              </a:r>
+              <a:r>
+                <a:rPr lang="en-US" altLang="ko-KR" sz="1200" dirty="0" smtClean="0">
+                  <a:solidFill>
+                    <a:schemeClr val="tx1"/>
+                  </a:solidFill>
+                </a:rPr>
+                <a:t>                                                      </a:t>
+              </a:r>
+              <a:r>
+                <a:rPr lang="en-US" altLang="ko-KR" sz="1200" dirty="0" err="1" smtClean="0">
+                  <a:solidFill>
+                    <a:schemeClr val="tx1"/>
+                  </a:solidFill>
+                </a:rPr>
+                <a:t>iYBegin</a:t>
+              </a:r>
+              <a:r>
+                <a:rPr lang="en-US" altLang="ko-KR" sz="1200" dirty="0" smtClean="0">
+                  <a:solidFill>
+                    <a:schemeClr val="tx1"/>
+                  </a:solidFill>
+                </a:rPr>
+                <a:t> </a:t>
+              </a:r>
+              <a:r>
+                <a:rPr lang="en-US" altLang="ko-KR" sz="1200" dirty="0" smtClean="0">
+                  <a:solidFill>
+                    <a:schemeClr val="tx1"/>
+                  </a:solidFill>
+                </a:rPr>
+                <a:t>: </a:t>
+              </a:r>
+              <a:r>
+                <a:rPr lang="en-US" altLang="ko-KR" sz="1200" dirty="0" smtClean="0">
+                  <a:solidFill>
+                    <a:schemeClr val="tx1"/>
+                  </a:solidFill>
+                </a:rPr>
+                <a:t>Integer</a:t>
+              </a:r>
+              <a:r>
+                <a:rPr lang="en-US" altLang="ko-KR" sz="1200" dirty="0" smtClean="0">
+                  <a:solidFill>
+                    <a:schemeClr val="tx1"/>
+                  </a:solidFill>
+                </a:rPr>
+                <a:t>,</a:t>
+              </a:r>
+              <a:r>
+                <a:rPr lang="en-US" altLang="ko-KR" sz="1200" dirty="0" smtClean="0">
+                  <a:solidFill>
+                    <a:schemeClr val="tx1"/>
+                  </a:solidFill>
+                </a:rPr>
+                <a:t> </a:t>
+              </a:r>
+              <a:r>
+                <a:rPr lang="en-US" altLang="ko-KR" sz="1200" dirty="0" err="1" smtClean="0">
+                  <a:solidFill>
+                    <a:schemeClr val="tx1"/>
+                  </a:solidFill>
+                </a:rPr>
+                <a:t>iXEnd</a:t>
+              </a:r>
+              <a:r>
+                <a:rPr lang="en-US" altLang="ko-KR" sz="1200" dirty="0" smtClean="0">
+                  <a:solidFill>
+                    <a:schemeClr val="tx1"/>
+                  </a:solidFill>
+                </a:rPr>
+                <a:t> </a:t>
+              </a:r>
+              <a:r>
+                <a:rPr lang="en-US" altLang="ko-KR" sz="1200" dirty="0" smtClean="0">
+                  <a:solidFill>
+                    <a:schemeClr val="tx1"/>
+                  </a:solidFill>
+                </a:rPr>
+                <a:t>: </a:t>
+              </a:r>
+              <a:r>
+                <a:rPr lang="en-US" altLang="ko-KR" sz="1200" dirty="0" err="1" smtClean="0">
+                  <a:solidFill>
+                    <a:schemeClr val="tx1"/>
+                  </a:solidFill>
+                </a:rPr>
+                <a:t>Integer,iYEnd</a:t>
+              </a:r>
+              <a:r>
+                <a:rPr lang="en-US" altLang="ko-KR" sz="1200" dirty="0" smtClean="0">
+                  <a:solidFill>
+                    <a:schemeClr val="tx1"/>
+                  </a:solidFill>
+                </a:rPr>
+                <a:t> :Integer, </a:t>
+              </a:r>
+              <a:r>
+                <a:rPr lang="en-US" altLang="ko-KR" sz="1200" dirty="0" err="1" smtClean="0">
+                  <a:solidFill>
+                    <a:schemeClr val="tx1"/>
+                  </a:solidFill>
+                </a:rPr>
+                <a:t>iCreateTime</a:t>
+              </a:r>
+              <a:r>
+                <a:rPr lang="en-US" altLang="ko-KR" sz="1200" dirty="0" smtClean="0">
+                  <a:solidFill>
+                    <a:schemeClr val="tx1"/>
+                  </a:solidFill>
+                </a:rPr>
+                <a:t> : </a:t>
+              </a:r>
+              <a:r>
+                <a:rPr lang="en-US" altLang="ko-KR" sz="1200" dirty="0" err="1" smtClean="0">
+                  <a:solidFill>
+                    <a:schemeClr val="tx1"/>
+                  </a:solidFill>
+                </a:rPr>
+                <a:t>TDateTime</a:t>
+              </a:r>
+              <a:r>
+                <a:rPr lang="en-US" altLang="ko-KR" sz="1200" dirty="0" smtClean="0">
+                  <a:solidFill>
+                    <a:schemeClr val="tx1"/>
+                  </a:solidFill>
+                </a:rPr>
+                <a:t>);</a:t>
+              </a:r>
+              <a:r>
+                <a:rPr lang="en-US" altLang="ko-KR" sz="1200" dirty="0" err="1" smtClean="0">
+                  <a:solidFill>
+                    <a:schemeClr val="tx1"/>
+                  </a:solidFill>
+                </a:rPr>
+                <a:t>Var</a:t>
+              </a:r>
+              <a:r>
+                <a:rPr lang="en-US" altLang="ko-KR" sz="1200" dirty="0" smtClean="0">
+                  <a:solidFill>
+                    <a:schemeClr val="tx1"/>
+                  </a:solidFill>
+                </a:rPr>
+                <a:t> </a:t>
               </a:r>
               <a:r>
                 <a:rPr lang="en-US" altLang="ko-KR" sz="1200" dirty="0" err="1" smtClean="0">
@@ -3562,7 +3467,39 @@
                     <a:schemeClr val="tx1"/>
                   </a:solidFill>
                 </a:rPr>
-                <a:t> : Time)</a:t>
+                <a:t> </a:t>
+              </a:r>
+              <a:r>
+                <a:rPr lang="en-US" altLang="ko-KR" sz="1200" dirty="0" smtClean="0">
+                  <a:solidFill>
+                    <a:schemeClr val="tx1"/>
+                  </a:solidFill>
+                </a:rPr>
+                <a:t>: </a:t>
+              </a:r>
+              <a:r>
+                <a:rPr lang="en-US" altLang="ko-KR" sz="1200" dirty="0" err="1" smtClean="0">
+                  <a:solidFill>
+                    <a:schemeClr val="tx1"/>
+                  </a:solidFill>
+                </a:rPr>
+                <a:t>TDate</a:t>
+              </a:r>
+              <a:r>
+                <a:rPr lang="en-US" altLang="ko-KR" sz="1200" dirty="0" err="1" smtClean="0">
+                  <a:solidFill>
+                    <a:schemeClr val="tx1"/>
+                  </a:solidFill>
+                </a:rPr>
+                <a:t>Time</a:t>
+              </a:r>
+              <a:r>
+                <a:rPr lang="en-US" altLang="ko-KR" sz="1200" dirty="0" smtClean="0">
+                  <a:solidFill>
+                    <a:schemeClr val="tx1"/>
+                  </a:solidFill>
+                </a:rPr>
+                <a:t>)</a:t>
               </a:r>
               <a:endParaRPr lang="ko-KR" altLang="en-US" sz="1200" dirty="0">
                 <a:solidFill>
@@ -3573,59 +3510,6 @@
           </p:txBody>
         </p:sp>
       </p:grpSp>
-      <p:sp>
-        <p:nvSpPr>
-          <p:cNvPr id="61" name="순서도: 수행의 시작/종료 60"/>
-          <p:cNvSpPr/>
-          <p:nvPr/>
-        </p:nvSpPr>
-        <p:spPr>
-          <a:xfrm>
-            <a:off x="1037800" y="2034558"/>
-            <a:ext cx="2088232" cy="288032"/>
-          </a:xfrm>
-          <a:prstGeom prst="flowChartTerminator">
-            <a:avLst/>
-          </a:prstGeom>
-          <a:noFill/>
-        </p:spPr>
-        <p:style>
-          <a:lnRef idx="2">
-            <a:schemeClr val="accent1">
-              <a:shade val="50000"/>
-            </a:schemeClr>
-          </a:lnRef>
-          <a:fillRef idx="1">
-            <a:schemeClr val="accent1"/>
-          </a:fillRef>
-          <a:effectRef idx="0">
-            <a:schemeClr val="accent1"/>
-          </a:effectRef>
-          <a:fontRef idx="minor">
-            <a:schemeClr val="lt1"/>
-          </a:fontRef>
-        </p:style>
-        <p:txBody>
-          <a:bodyPr lIns="0" tIns="0" rIns="0" bIns="0" rtlCol="0" anchor="ctr"/>
-          <a:lstStyle/>
-          <a:p>
-            <a:pPr algn="ctr"/>
-            <a:r>
-              <a:rPr lang="en-US" altLang="ko-KR" sz="1000" dirty="0" smtClean="0">
-                <a:solidFill>
-                  <a:schemeClr val="tx1"/>
-                </a:solidFill>
-              </a:rPr>
-              <a:t>END</a:t>
-            </a:r>
-            <a:endParaRPr lang="ko-KR" altLang="en-US" sz="1000" dirty="0">
-              <a:solidFill>
-                <a:schemeClr val="tx1"/>
-              </a:solidFill>
-            </a:endParaRPr>
-          </a:p>
-        </p:txBody>
-      </p:sp>
       <p:grpSp>
         <p:nvGrpSpPr>
           <p:cNvPr id="62" name="그룹 20"/>
@@ -3634,7 +3518,7 @@
         </p:nvGrpSpPr>
         <p:grpSpPr>
           <a:xfrm>
-            <a:off x="72108" y="2420886"/>
+            <a:off x="72108" y="2780926"/>
             <a:ext cx="4104456" cy="1944218"/>
             <a:chOff x="4926749" y="1484784"/>
             <a:chExt cx="2185953" cy="680424"/>
@@ -3728,7 +3612,7 @@
                     <a:schemeClr val="tx1"/>
                   </a:solidFill>
                 </a:rPr>
-                <a:t>SetSize</a:t>
+                <a:t>SizeEditChange</a:t>
               </a:r>
               <a:r>
                 <a:rPr lang="en-US" altLang="ko-KR" sz="1200" dirty="0" smtClean="0">
@@ -3739,12 +3623,20 @@
                 <a:t>(</a:t>
               </a:r>
               <a:r>
+                <a:rPr lang="en-US" altLang="ko-KR" sz="1200" dirty="0" smtClean="0">
+                  <a:solidFill>
+                    <a:schemeClr val="tx1"/>
+                  </a:solidFill>
+                </a:rPr>
+                <a:t>Sender : </a:t>
+              </a:r>
+              <a:r>
                 <a:rPr lang="en-US" altLang="ko-KR" sz="1200" dirty="0" err="1" smtClean="0">
                   <a:solidFill>
                     <a:schemeClr val="tx1"/>
                   </a:solidFill>
                 </a:rPr>
-                <a:t>aUpDown</a:t>
+                <a:t>TObject</a:t>
               </a:r>
               <a:r>
                 <a:rPr lang="en-US" altLang="ko-KR" sz="1200" dirty="0" smtClean="0">
@@ -3752,7 +3644,7 @@
                     <a:schemeClr val="tx1"/>
                   </a:solidFill>
                 </a:rPr>
-                <a:t> : Boolean)</a:t>
+                <a:t>)</a:t>
               </a:r>
               <a:endParaRPr lang="ko-KR" altLang="en-US" sz="1200" dirty="0">
                 <a:solidFill>
@@ -3771,7 +3663,7 @@
         </p:nvSpPr>
         <p:spPr>
           <a:xfrm>
-            <a:off x="1037800" y="2808817"/>
+            <a:off x="1037800" y="3168857"/>
             <a:ext cx="2088232" cy="288032"/>
           </a:xfrm>
           <a:prstGeom prst="flowChartTerminator">
@@ -3818,66 +3710,13 @@
       </p:sp>
       <p:sp>
         <p:nvSpPr>
-          <p:cNvPr id="66" name="직사각형 65"/>
-          <p:cNvSpPr/>
-          <p:nvPr/>
-        </p:nvSpPr>
-        <p:spPr>
-          <a:xfrm rot="10800000" flipV="1">
-            <a:off x="90396" y="3627871"/>
-            <a:ext cx="1944216" cy="234318"/>
-          </a:xfrm>
-          <a:prstGeom prst="rect">
-            <a:avLst/>
-          </a:prstGeom>
-          <a:noFill/>
-        </p:spPr>
-        <p:style>
-          <a:lnRef idx="2">
-            <a:schemeClr val="accent1">
-              <a:shade val="50000"/>
-            </a:schemeClr>
-          </a:lnRef>
-          <a:fillRef idx="1">
-            <a:schemeClr val="accent1"/>
-          </a:fillRef>
-          <a:effectRef idx="0">
-            <a:schemeClr val="accent1"/>
-          </a:effectRef>
-          <a:fontRef idx="minor">
-            <a:schemeClr val="lt1"/>
-          </a:fontRef>
-        </p:style>
-        <p:txBody>
-          <a:bodyPr lIns="0" tIns="0" rIns="0" bIns="0" rtlCol="0" anchor="ctr"/>
-          <a:lstStyle/>
-          <a:p>
-            <a:pPr algn="ctr"/>
-            <a:r>
-              <a:rPr lang="en-US" altLang="ko-KR" sz="1000" dirty="0" smtClean="0">
-                <a:solidFill>
-                  <a:schemeClr val="tx1"/>
-                </a:solidFill>
-              </a:rPr>
-              <a:t>Size = Size+1</a:t>
-            </a:r>
-            <a:endParaRPr lang="ko-KR" altLang="en-US" sz="1000" dirty="0">
-              <a:solidFill>
-                <a:schemeClr val="tx1"/>
-              </a:solidFill>
-            </a:endParaRPr>
-          </a:p>
-        </p:txBody>
-      </p:sp>
-      <p:sp>
-        <p:nvSpPr>
           <p:cNvPr id="67" name="순서도: 수행의 시작/종료 66"/>
           <p:cNvSpPr/>
           <p:nvPr/>
         </p:nvSpPr>
         <p:spPr>
           <a:xfrm>
-            <a:off x="1037800" y="4050782"/>
+            <a:off x="1037800" y="4410822"/>
             <a:ext cx="2088232" cy="288032"/>
           </a:xfrm>
           <a:prstGeom prst="flowChartTerminator">
@@ -3930,7 +3769,7 @@
         </p:nvGrpSpPr>
         <p:grpSpPr>
           <a:xfrm>
-            <a:off x="72108" y="4509118"/>
+            <a:off x="72108" y="4869158"/>
             <a:ext cx="4104456" cy="1944218"/>
             <a:chOff x="4926749" y="1484784"/>
             <a:chExt cx="2185953" cy="680424"/>
@@ -4024,7 +3863,7 @@
                     <a:schemeClr val="tx1"/>
                   </a:solidFill>
                 </a:rPr>
-                <a:t>SetInterval</a:t>
+                <a:t>IntervalEditChange</a:t>
               </a:r>
               <a:r>
                 <a:rPr lang="en-US" altLang="ko-KR" sz="1200" dirty="0" smtClean="0">
@@ -4035,12 +3874,20 @@
                 <a:t>(</a:t>
               </a:r>
               <a:r>
+                <a:rPr lang="en-US" altLang="ko-KR" sz="1200" dirty="0" smtClean="0">
+                  <a:solidFill>
+                    <a:schemeClr val="tx1"/>
+                  </a:solidFill>
+                </a:rPr>
+                <a:t>Sender : </a:t>
+              </a:r>
+              <a:r>
                 <a:rPr lang="en-US" altLang="ko-KR" sz="1200" dirty="0" err="1" smtClean="0">
                   <a:solidFill>
                     <a:schemeClr val="tx1"/>
                   </a:solidFill>
                 </a:rPr>
-                <a:t>aUpDown</a:t>
+                <a:t>TObject</a:t>
               </a:r>
               <a:r>
                 <a:rPr lang="en-US" altLang="ko-KR" sz="1200" dirty="0" smtClean="0">
@@ -4048,7 +3895,7 @@
                     <a:schemeClr val="tx1"/>
                   </a:solidFill>
                 </a:rPr>
-                <a:t> : Boolean)</a:t>
+                <a:t>)</a:t>
               </a:r>
               <a:endParaRPr lang="ko-KR" altLang="en-US" sz="1200" dirty="0">
                 <a:solidFill>
@@ -4067,7 +3914,7 @@
         </p:nvSpPr>
         <p:spPr>
           <a:xfrm>
-            <a:off x="1037800" y="4915337"/>
+            <a:off x="1037800" y="5275377"/>
             <a:ext cx="2088232" cy="288032"/>
           </a:xfrm>
           <a:prstGeom prst="flowChartTerminator">
@@ -4120,7 +3967,7 @@
         </p:nvSpPr>
         <p:spPr>
           <a:xfrm>
-            <a:off x="1037800" y="6139014"/>
+            <a:off x="1037800" y="6499054"/>
             <a:ext cx="2088232" cy="288032"/>
           </a:xfrm>
           <a:prstGeom prst="flowChartTerminator">
@@ -4167,16 +4014,16 @@
       </p:sp>
       <p:sp>
         <p:nvSpPr>
-          <p:cNvPr id="74" name="순서도: 판단 73"/>
+          <p:cNvPr id="114" name="순서도: 수행의 시작/종료 113"/>
           <p:cNvSpPr/>
           <p:nvPr/>
         </p:nvSpPr>
         <p:spPr>
           <a:xfrm>
-            <a:off x="1061464" y="3219384"/>
-            <a:ext cx="2044124" cy="373062"/>
-          </a:xfrm>
-          <a:prstGeom prst="flowChartDecision">
+            <a:off x="5935845" y="1124744"/>
+            <a:ext cx="2366662" cy="288032"/>
+          </a:xfrm>
+          <a:prstGeom prst="flowChartTerminator">
             <a:avLst/>
           </a:prstGeom>
           <a:noFill/>
@@ -4198,25 +4045,17 @@
           </a:fontRef>
         </p:style>
         <p:txBody>
-          <a:bodyPr lIns="0" tIns="9578" rIns="0" bIns="9578" rtlCol="0" anchor="ctr"/>
+          <a:bodyPr lIns="0" tIns="0" rIns="0" bIns="0" rtlCol="0" anchor="ctr"/>
           <a:lstStyle/>
           <a:p>
             <a:pPr algn="ctr"/>
             <a:r>
-              <a:rPr lang="en-US" altLang="ko-KR" sz="1000" dirty="0" err="1" smtClean="0">
-                <a:solidFill>
-                  <a:schemeClr val="tx1"/>
-                </a:solidFill>
-              </a:rPr>
-              <a:t>aUpDown</a:t>
-            </a:r>
-            <a:r>
               <a:rPr lang="en-US" altLang="ko-KR" sz="1000" dirty="0" smtClean="0">
                 <a:solidFill>
                   <a:schemeClr val="tx1"/>
                 </a:solidFill>
               </a:rPr>
-              <a:t> = True</a:t>
+              <a:t>START</a:t>
             </a:r>
             <a:endParaRPr lang="ko-KR" altLang="en-US" sz="1000" dirty="0">
               <a:solidFill>
@@ -4228,14 +4067,67 @@
       </p:sp>
       <p:sp>
         <p:nvSpPr>
-          <p:cNvPr id="75" name="직사각형 74"/>
+          <p:cNvPr id="115" name="순서도: 수행의 시작/종료 114"/>
           <p:cNvSpPr/>
           <p:nvPr/>
         </p:nvSpPr>
         <p:spPr>
+          <a:xfrm>
+            <a:off x="5935753" y="3356992"/>
+            <a:ext cx="2366662" cy="288032"/>
+          </a:xfrm>
+          <a:prstGeom prst="flowChartTerminator">
+            <a:avLst/>
+          </a:prstGeom>
+          <a:noFill/>
+        </p:spPr>
+        <p:style>
+          <a:lnRef idx="2">
+            <a:schemeClr val="accent1">
+              <a:shade val="50000"/>
+            </a:schemeClr>
+          </a:lnRef>
+          <a:fillRef idx="1">
+            <a:schemeClr val="accent1"/>
+          </a:fillRef>
+          <a:effectRef idx="0">
+            <a:schemeClr val="accent1"/>
+          </a:effectRef>
+          <a:fontRef idx="minor">
+            <a:schemeClr val="lt1"/>
+          </a:fontRef>
+        </p:style>
+        <p:txBody>
+          <a:bodyPr lIns="0" tIns="0" rIns="0" bIns="0" rtlCol="0" anchor="ctr"/>
+          <a:lstStyle/>
+          <a:p>
+            <a:pPr algn="ctr"/>
+            <a:r>
+              <a:rPr lang="en-US" altLang="ko-KR" sz="1000" dirty="0" smtClean="0">
+                <a:solidFill>
+                  <a:schemeClr val="tx1"/>
+                </a:solidFill>
+              </a:rPr>
+              <a:t>END</a:t>
+            </a:r>
+            <a:endParaRPr lang="ko-KR" altLang="en-US" sz="1000" dirty="0">
+              <a:solidFill>
+                <a:schemeClr val="tx1"/>
+              </a:solidFill>
+            </a:endParaRPr>
+          </a:p>
+        </p:txBody>
+      </p:sp>
+      <p:sp>
+        <p:nvSpPr>
+          <p:cNvPr id="128" name="직사각형 127"/>
+          <p:cNvSpPr/>
+          <p:nvPr/>
+        </p:nvSpPr>
+        <p:spPr>
           <a:xfrm rot="10800000" flipV="1">
-            <a:off x="2132908" y="3627871"/>
-            <a:ext cx="1944216" cy="234318"/>
+            <a:off x="5151987" y="1484785"/>
+            <a:ext cx="3936666" cy="378334"/>
           </a:xfrm>
           <a:prstGeom prst="rect">
             <a:avLst/>
@@ -4264,12 +4156,76 @@
           <a:p>
             <a:pPr algn="ctr"/>
             <a:r>
+              <a:rPr lang="en-US" altLang="ko-KR" sz="1000" dirty="0" err="1" smtClean="0">
+                <a:solidFill>
+                  <a:schemeClr val="tx1"/>
+                </a:solidFill>
+              </a:rPr>
+              <a:t>aRecord</a:t>
+            </a:r>
+            <a:r>
               <a:rPr lang="en-US" altLang="ko-KR" sz="1000" dirty="0" smtClean="0">
                 <a:solidFill>
                   <a:schemeClr val="tx1"/>
                 </a:solidFill>
               </a:rPr>
-              <a:t>Size = Size-1</a:t>
+              <a:t> = </a:t>
+            </a:r>
+            <a:r>
+              <a:rPr lang="en-US" altLang="ko-KR" sz="1000" dirty="0" smtClean="0">
+                <a:solidFill>
+                  <a:schemeClr val="tx1"/>
+                </a:solidFill>
+              </a:rPr>
+              <a:t>(X-Interval, Y-Interval, </a:t>
+            </a:r>
+            <a:r>
+              <a:rPr lang="en-US" altLang="ko-KR" sz="1000" dirty="0" err="1" smtClean="0">
+                <a:solidFill>
+                  <a:schemeClr val="tx1"/>
+                </a:solidFill>
+              </a:rPr>
+              <a:t>X+Interval</a:t>
+            </a:r>
+            <a:r>
+              <a:rPr lang="en-US" altLang="ko-KR" sz="1000" dirty="0" smtClean="0">
+                <a:solidFill>
+                  <a:schemeClr val="tx1"/>
+                </a:solidFill>
+              </a:rPr>
+              <a:t>, </a:t>
+            </a:r>
+            <a:r>
+              <a:rPr lang="en-US" altLang="ko-KR" sz="1000" dirty="0" err="1" smtClean="0">
+                <a:solidFill>
+                  <a:schemeClr val="tx1"/>
+                </a:solidFill>
+              </a:rPr>
+              <a:t>Y+Interval</a:t>
+            </a:r>
+            <a:r>
+              <a:rPr lang="en-US" altLang="ko-KR" sz="1000" dirty="0" smtClean="0">
+                <a:solidFill>
+                  <a:schemeClr val="tx1"/>
+                </a:solidFill>
+              </a:rPr>
+              <a:t>, </a:t>
+            </a:r>
+            <a:r>
+              <a:rPr lang="en-US" altLang="ko-KR" sz="1000" dirty="0" err="1" smtClean="0">
+                <a:solidFill>
+                  <a:schemeClr val="tx1"/>
+                </a:solidFill>
+              </a:rPr>
+              <a:t>iCreateTime</a:t>
+            </a:r>
+            <a:r>
+              <a:rPr lang="en-US" altLang="ko-KR" sz="1000" dirty="0" smtClean="0">
+                <a:solidFill>
+                  <a:schemeClr val="tx1"/>
+                </a:solidFill>
+              </a:rPr>
+              <a:t>=Now())</a:t>
             </a:r>
             <a:endParaRPr lang="ko-KR" altLang="en-US" sz="1000" dirty="0">
               <a:solidFill>
@@ -4281,146 +4237,14 @@
       </p:sp>
       <p:sp>
         <p:nvSpPr>
-          <p:cNvPr id="76" name="TextBox 75"/>
-          <p:cNvSpPr txBox="1"/>
-          <p:nvPr/>
-        </p:nvSpPr>
-        <p:spPr>
-          <a:xfrm>
-            <a:off x="3168452" y="3140966"/>
-            <a:ext cx="216024" cy="153888"/>
-          </a:xfrm>
-          <a:prstGeom prst="rect">
-            <a:avLst/>
-          </a:prstGeom>
-          <a:noFill/>
-        </p:spPr>
-        <p:txBody>
-          <a:bodyPr wrap="square" lIns="0" tIns="0" rIns="0" bIns="0" rtlCol="0">
-            <a:spAutoFit/>
-          </a:bodyPr>
-          <a:lstStyle/>
-          <a:p>
-            <a:r>
-              <a:rPr lang="en-US" altLang="ko-KR" sz="1000" dirty="0" smtClean="0"/>
-              <a:t>No</a:t>
-            </a:r>
-            <a:endParaRPr lang="ko-KR" altLang="en-US" sz="1000" dirty="0"/>
-          </a:p>
-        </p:txBody>
-      </p:sp>
-      <p:cxnSp>
-        <p:nvCxnSpPr>
-          <p:cNvPr id="82" name="직선 화살표 연결선 81"/>
-          <p:cNvCxnSpPr>
-            <a:stCxn id="74" idx="1"/>
-            <a:endCxn id="66" idx="0"/>
-          </p:cNvCxnSpPr>
-          <p:nvPr/>
-        </p:nvCxnSpPr>
-        <p:spPr>
-          <a:xfrm>
-            <a:off x="1061464" y="3405915"/>
-            <a:ext cx="1040" cy="221956"/>
-          </a:xfrm>
-          <a:prstGeom prst="straightConnector1">
-            <a:avLst/>
-          </a:prstGeom>
-          <a:ln>
-            <a:tailEnd type="arrow"/>
-          </a:ln>
-        </p:spPr>
-        <p:style>
-          <a:lnRef idx="1">
-            <a:schemeClr val="accent1"/>
-          </a:lnRef>
-          <a:fillRef idx="0">
-            <a:schemeClr val="accent1"/>
-          </a:fillRef>
-          <a:effectRef idx="0">
-            <a:schemeClr val="accent1"/>
-          </a:effectRef>
-          <a:fontRef idx="minor">
-            <a:schemeClr val="tx1"/>
-          </a:fontRef>
-        </p:style>
-      </p:cxnSp>
-      <p:cxnSp>
-        <p:nvCxnSpPr>
-          <p:cNvPr id="84" name="직선 화살표 연결선 83"/>
-          <p:cNvCxnSpPr>
-            <a:stCxn id="74" idx="3"/>
-            <a:endCxn id="75" idx="0"/>
-          </p:cNvCxnSpPr>
-          <p:nvPr/>
-        </p:nvCxnSpPr>
-        <p:spPr>
-          <a:xfrm flipH="1">
-            <a:off x="3105016" y="3405915"/>
-            <a:ext cx="572" cy="221956"/>
-          </a:xfrm>
-          <a:prstGeom prst="straightConnector1">
-            <a:avLst/>
-          </a:prstGeom>
-          <a:ln>
-            <a:tailEnd type="arrow"/>
-          </a:ln>
-        </p:spPr>
-        <p:style>
-          <a:lnRef idx="1">
-            <a:schemeClr val="accent1"/>
-          </a:lnRef>
-          <a:fillRef idx="0">
-            <a:schemeClr val="accent1"/>
-          </a:fillRef>
-          <a:effectRef idx="0">
-            <a:schemeClr val="accent1"/>
-          </a:effectRef>
-          <a:fontRef idx="minor">
-            <a:schemeClr val="tx1"/>
-          </a:fontRef>
-        </p:style>
-      </p:cxnSp>
-      <p:sp>
-        <p:nvSpPr>
-          <p:cNvPr id="85" name="TextBox 84"/>
-          <p:cNvSpPr txBox="1"/>
-          <p:nvPr/>
-        </p:nvSpPr>
-        <p:spPr>
-          <a:xfrm>
-            <a:off x="810476" y="5310357"/>
-            <a:ext cx="216024" cy="153888"/>
-          </a:xfrm>
-          <a:prstGeom prst="rect">
-            <a:avLst/>
-          </a:prstGeom>
-          <a:noFill/>
-        </p:spPr>
-        <p:txBody>
-          <a:bodyPr wrap="square" lIns="0" tIns="0" rIns="0" bIns="0" rtlCol="0">
-            <a:spAutoFit/>
-          </a:bodyPr>
-          <a:lstStyle/>
-          <a:p>
-            <a:r>
-              <a:rPr lang="en-US" altLang="ko-KR" sz="1000" dirty="0" smtClean="0"/>
-              <a:t>Yes</a:t>
-            </a:r>
-            <a:endParaRPr lang="ko-KR" altLang="en-US" sz="1000" dirty="0"/>
-          </a:p>
-        </p:txBody>
-      </p:sp>
-      <p:sp>
-        <p:nvSpPr>
-          <p:cNvPr id="86" name="직사각형 85"/>
+          <p:cNvPr id="129" name="직사각형 128"/>
           <p:cNvSpPr/>
           <p:nvPr/>
         </p:nvSpPr>
         <p:spPr>
           <a:xfrm rot="10800000" flipV="1">
-            <a:off x="81252" y="5733254"/>
-            <a:ext cx="1944216" cy="234318"/>
+            <a:off x="5335932" y="2674640"/>
+            <a:ext cx="3568776" cy="234318"/>
           </a:xfrm>
           <a:prstGeom prst="rect">
             <a:avLst/>
@@ -4449,12 +4273,28 @@
           <a:p>
             <a:pPr algn="ctr"/>
             <a:r>
+              <a:rPr lang="en-US" altLang="ko-KR" sz="1000" dirty="0" err="1" smtClean="0">
+                <a:solidFill>
+                  <a:schemeClr val="tx1"/>
+                </a:solidFill>
+              </a:rPr>
+              <a:t>CircleArray</a:t>
+            </a:r>
+            <a:r>
               <a:rPr lang="en-US" altLang="ko-KR" sz="1000" dirty="0" smtClean="0">
                 <a:solidFill>
                   <a:schemeClr val="tx1"/>
                 </a:solidFill>
               </a:rPr>
-              <a:t>Interval = Interval+1</a:t>
+              <a:t>[Length(CircleArray-1)] = </a:t>
+            </a:r>
+            <a:r>
+              <a:rPr lang="en-US" altLang="ko-KR" sz="1000" dirty="0" err="1" smtClean="0">
+                <a:solidFill>
+                  <a:schemeClr val="tx1"/>
+                </a:solidFill>
+              </a:rPr>
+              <a:t>aRecord</a:t>
             </a:r>
             <a:endParaRPr lang="ko-KR" altLang="en-US" sz="1000" dirty="0">
               <a:solidFill>
@@ -4466,75 +4306,14 @@
       </p:sp>
       <p:sp>
         <p:nvSpPr>
-          <p:cNvPr id="87" name="순서도: 판단 86"/>
+          <p:cNvPr id="130" name="직사각형 129"/>
           <p:cNvSpPr/>
           <p:nvPr/>
         </p:nvSpPr>
         <p:spPr>
-          <a:xfrm>
-            <a:off x="1061464" y="5324767"/>
-            <a:ext cx="2044124" cy="373062"/>
-          </a:xfrm>
-          <a:prstGeom prst="flowChartDecision">
-            <a:avLst/>
-          </a:prstGeom>
-          <a:noFill/>
-        </p:spPr>
-        <p:style>
-          <a:lnRef idx="2">
-            <a:schemeClr val="accent1">
-              <a:shade val="50000"/>
-            </a:schemeClr>
-          </a:lnRef>
-          <a:fillRef idx="1">
-            <a:schemeClr val="accent1"/>
-          </a:fillRef>
-          <a:effectRef idx="0">
-            <a:schemeClr val="accent1"/>
-          </a:effectRef>
-          <a:fontRef idx="minor">
-            <a:schemeClr val="lt1"/>
-          </a:fontRef>
-        </p:style>
-        <p:txBody>
-          <a:bodyPr lIns="0" tIns="9578" rIns="0" bIns="9578" rtlCol="0" anchor="ctr"/>
-          <a:lstStyle/>
-          <a:p>
-            <a:pPr algn="ctr"/>
-            <a:r>
-              <a:rPr lang="en-US" altLang="ko-KR" sz="1000" dirty="0" err="1" smtClean="0">
-                <a:solidFill>
-                  <a:schemeClr val="tx1"/>
-                </a:solidFill>
-              </a:rPr>
-              <a:t>aUpDown</a:t>
-            </a:r>
-            <a:r>
-              <a:rPr lang="en-US" altLang="ko-KR" sz="1000" dirty="0" smtClean="0">
-                <a:solidFill>
-                  <a:schemeClr val="tx1"/>
-                </a:solidFill>
-              </a:rPr>
-              <a:t> = True</a:t>
-            </a:r>
-            <a:endParaRPr lang="ko-KR" altLang="en-US" sz="1000" dirty="0">
-              <a:solidFill>
-                <a:schemeClr val="tx1"/>
-              </a:solidFill>
-            </a:endParaRPr>
-          </a:p>
-        </p:txBody>
-      </p:sp>
-      <p:sp>
-        <p:nvSpPr>
-          <p:cNvPr id="88" name="직사각형 87"/>
-          <p:cNvSpPr/>
-          <p:nvPr/>
-        </p:nvSpPr>
-        <p:spPr>
           <a:xfrm rot="10800000" flipV="1">
-            <a:off x="2151196" y="5733254"/>
-            <a:ext cx="1944216" cy="234318"/>
+            <a:off x="5335932" y="2314600"/>
+            <a:ext cx="3568776" cy="234318"/>
           </a:xfrm>
           <a:prstGeom prst="rect">
             <a:avLst/>
@@ -4563,12 +4342,52 @@
           <a:p>
             <a:pPr algn="ctr"/>
             <a:r>
+              <a:rPr lang="en-US" altLang="ko-KR" sz="1000" dirty="0" err="1" smtClean="0">
+                <a:solidFill>
+                  <a:schemeClr val="tx1"/>
+                </a:solidFill>
+              </a:rPr>
+              <a:t>SetLength</a:t>
+            </a:r>
+            <a:r>
               <a:rPr lang="en-US" altLang="ko-KR" sz="1000" dirty="0" smtClean="0">
                 <a:solidFill>
                   <a:schemeClr val="tx1"/>
                 </a:solidFill>
               </a:rPr>
-              <a:t>Interval = Interval-1</a:t>
+              <a:t>(</a:t>
+            </a:r>
+            <a:r>
+              <a:rPr lang="en-US" altLang="ko-KR" sz="1000" dirty="0" err="1" smtClean="0">
+                <a:solidFill>
+                  <a:schemeClr val="tx1"/>
+                </a:solidFill>
+              </a:rPr>
+              <a:t>CircleArray</a:t>
+            </a:r>
+            <a:r>
+              <a:rPr lang="en-US" altLang="ko-KR" sz="1000" dirty="0" smtClean="0">
+                <a:solidFill>
+                  <a:schemeClr val="tx1"/>
+                </a:solidFill>
+              </a:rPr>
+              <a:t>, Length(</a:t>
+            </a:r>
+            <a:r>
+              <a:rPr lang="en-US" altLang="ko-KR" sz="1000" dirty="0" err="1" smtClean="0">
+                <a:solidFill>
+                  <a:schemeClr val="tx1"/>
+                </a:solidFill>
+              </a:rPr>
+              <a:t>CircleArray</a:t>
+            </a:r>
+            <a:r>
+              <a:rPr lang="en-US" altLang="ko-KR" sz="1000" dirty="0" smtClean="0">
+                <a:solidFill>
+                  <a:schemeClr val="tx1"/>
+                </a:solidFill>
+              </a:rPr>
+              <a:t>)+1)</a:t>
             </a:r>
             <a:endParaRPr lang="ko-KR" altLang="en-US" sz="1000" dirty="0">
               <a:solidFill>
@@ -4578,49 +4397,18 @@
           </a:p>
         </p:txBody>
       </p:sp>
-      <p:sp>
-        <p:nvSpPr>
-          <p:cNvPr id="89" name="TextBox 88"/>
-          <p:cNvSpPr txBox="1"/>
-          <p:nvPr/>
-        </p:nvSpPr>
-        <p:spPr>
-          <a:xfrm>
-            <a:off x="3186740" y="5310357"/>
-            <a:ext cx="216024" cy="153888"/>
-          </a:xfrm>
-          <a:prstGeom prst="rect">
-            <a:avLst/>
-          </a:prstGeom>
-          <a:noFill/>
-        </p:spPr>
-        <p:txBody>
-          <a:bodyPr wrap="square" lIns="0" tIns="0" rIns="0" bIns="0" rtlCol="0">
-            <a:spAutoFit/>
-          </a:bodyPr>
-          <a:lstStyle/>
-          <a:p>
-            <a:r>
-              <a:rPr lang="en-US" altLang="ko-KR" sz="1000" dirty="0" smtClean="0"/>
-              <a:t>No</a:t>
-            </a:r>
-            <a:endParaRPr lang="ko-KR" altLang="en-US" sz="1000" dirty="0"/>
-          </a:p>
-        </p:txBody>
-      </p:sp>
       <p:cxnSp>
         <p:nvCxnSpPr>
-          <p:cNvPr id="90" name="직선 화살표 연결선 89"/>
+          <p:cNvPr id="144" name="직선 화살표 연결선 143"/>
           <p:cNvCxnSpPr>
-            <a:stCxn id="87" idx="1"/>
-            <a:endCxn id="86" idx="0"/>
+            <a:endCxn id="128" idx="0"/>
           </p:cNvCxnSpPr>
           <p:nvPr/>
         </p:nvCxnSpPr>
         <p:spPr>
-          <a:xfrm flipH="1">
-            <a:off x="1053360" y="5511298"/>
-            <a:ext cx="8104" cy="221956"/>
+          <a:xfrm>
+            <a:off x="7119176" y="1412776"/>
+            <a:ext cx="1144" cy="72009"/>
           </a:xfrm>
           <a:prstGeom prst="straightConnector1">
             <a:avLst/>
@@ -4646,17 +4434,16 @@
       </p:cxnSp>
       <p:cxnSp>
         <p:nvCxnSpPr>
-          <p:cNvPr id="91" name="직선 화살표 연결선 90"/>
+          <p:cNvPr id="146" name="직선 화살표 연결선 145"/>
           <p:cNvCxnSpPr>
-            <a:stCxn id="87" idx="3"/>
-            <a:endCxn id="88" idx="0"/>
+            <a:endCxn id="130" idx="0"/>
           </p:cNvCxnSpPr>
           <p:nvPr/>
         </p:nvCxnSpPr>
         <p:spPr>
-          <a:xfrm>
-            <a:off x="3105588" y="5511298"/>
-            <a:ext cx="17716" cy="221956"/>
+          <a:xfrm flipH="1">
+            <a:off x="7120320" y="2242591"/>
+            <a:ext cx="8572" cy="72009"/>
           </a:xfrm>
           <a:prstGeom prst="straightConnector1">
             <a:avLst/>
@@ -4682,17 +4469,17 @@
       </p:cxnSp>
       <p:cxnSp>
         <p:nvCxnSpPr>
-          <p:cNvPr id="93" name="직선 화살표 연결선 92"/>
+          <p:cNvPr id="148" name="직선 화살표 연결선 147"/>
           <p:cNvCxnSpPr>
-            <a:stCxn id="24" idx="2"/>
-            <a:endCxn id="47" idx="0"/>
+            <a:stCxn id="130" idx="2"/>
+            <a:endCxn id="129" idx="0"/>
           </p:cNvCxnSpPr>
           <p:nvPr/>
         </p:nvCxnSpPr>
         <p:spPr>
-          <a:xfrm flipH="1">
-            <a:off x="2078340" y="1080625"/>
-            <a:ext cx="3576" cy="306497"/>
+          <a:xfrm>
+            <a:off x="7120320" y="2548918"/>
+            <a:ext cx="0" cy="125722"/>
           </a:xfrm>
           <a:prstGeom prst="straightConnector1">
             <a:avLst/>
@@ -4718,17 +4505,16 @@
       </p:cxnSp>
       <p:cxnSp>
         <p:nvCxnSpPr>
-          <p:cNvPr id="95" name="직선 화살표 연결선 94"/>
+          <p:cNvPr id="156" name="직선 화살표 연결선 155"/>
           <p:cNvCxnSpPr>
-            <a:stCxn id="47" idx="2"/>
-            <a:endCxn id="61" idx="0"/>
+            <a:endCxn id="159" idx="0"/>
           </p:cNvCxnSpPr>
           <p:nvPr/>
         </p:nvCxnSpPr>
         <p:spPr>
           <a:xfrm>
-            <a:off x="2078340" y="1621440"/>
-            <a:ext cx="3576" cy="413118"/>
+            <a:off x="7120320" y="2890663"/>
+            <a:ext cx="0" cy="125722"/>
           </a:xfrm>
           <a:prstGeom prst="straightConnector1">
             <a:avLst/>
@@ -4752,242 +4538,18 @@
           </a:fontRef>
         </p:style>
       </p:cxnSp>
-      <p:cxnSp>
-        <p:nvCxnSpPr>
-          <p:cNvPr id="97" name="직선 화살표 연결선 96"/>
-          <p:cNvCxnSpPr>
-            <a:stCxn id="65" idx="2"/>
-            <a:endCxn id="74" idx="0"/>
-          </p:cNvCxnSpPr>
-          <p:nvPr/>
-        </p:nvCxnSpPr>
-        <p:spPr>
-          <a:xfrm>
-            <a:off x="2081916" y="3096849"/>
-            <a:ext cx="1610" cy="122535"/>
-          </a:xfrm>
-          <a:prstGeom prst="straightConnector1">
-            <a:avLst/>
-          </a:prstGeom>
-          <a:ln>
-            <a:tailEnd type="arrow"/>
-          </a:ln>
-        </p:spPr>
-        <p:style>
-          <a:lnRef idx="1">
-            <a:schemeClr val="accent1"/>
-          </a:lnRef>
-          <a:fillRef idx="0">
-            <a:schemeClr val="accent1"/>
-          </a:fillRef>
-          <a:effectRef idx="0">
-            <a:schemeClr val="accent1"/>
-          </a:effectRef>
-          <a:fontRef idx="minor">
-            <a:schemeClr val="tx1"/>
-          </a:fontRef>
-        </p:style>
-      </p:cxnSp>
-      <p:cxnSp>
-        <p:nvCxnSpPr>
-          <p:cNvPr id="99" name="꺾인 연결선 98"/>
-          <p:cNvCxnSpPr>
-            <a:stCxn id="66" idx="2"/>
-            <a:endCxn id="67" idx="0"/>
-          </p:cNvCxnSpPr>
-          <p:nvPr/>
-        </p:nvCxnSpPr>
-        <p:spPr>
-          <a:xfrm rot="16200000" flipH="1">
-            <a:off x="1477914" y="3446779"/>
-            <a:ext cx="188593" cy="1019412"/>
-          </a:xfrm>
-          <a:prstGeom prst="bentConnector3">
-            <a:avLst>
-              <a:gd name="adj1" fmla="val 50000"/>
-            </a:avLst>
-          </a:prstGeom>
-          <a:ln>
-            <a:tailEnd type="arrow"/>
-          </a:ln>
-        </p:spPr>
-        <p:style>
-          <a:lnRef idx="1">
-            <a:schemeClr val="accent1"/>
-          </a:lnRef>
-          <a:fillRef idx="0">
-            <a:schemeClr val="accent1"/>
-          </a:fillRef>
-          <a:effectRef idx="0">
-            <a:schemeClr val="accent1"/>
-          </a:effectRef>
-          <a:fontRef idx="minor">
-            <a:schemeClr val="tx1"/>
-          </a:fontRef>
-        </p:style>
-      </p:cxnSp>
-      <p:cxnSp>
-        <p:nvCxnSpPr>
-          <p:cNvPr id="101" name="꺾인 연결선 100"/>
-          <p:cNvCxnSpPr>
-            <a:stCxn id="75" idx="2"/>
-            <a:endCxn id="67" idx="0"/>
-          </p:cNvCxnSpPr>
-          <p:nvPr/>
-        </p:nvCxnSpPr>
-        <p:spPr>
-          <a:xfrm rot="5400000">
-            <a:off x="2499170" y="3444935"/>
-            <a:ext cx="188593" cy="1023100"/>
-          </a:xfrm>
-          <a:prstGeom prst="bentConnector3">
-            <a:avLst>
-              <a:gd name="adj1" fmla="val 50000"/>
-            </a:avLst>
-          </a:prstGeom>
-          <a:ln>
-            <a:tailEnd type="arrow"/>
-          </a:ln>
-        </p:spPr>
-        <p:style>
-          <a:lnRef idx="1">
-            <a:schemeClr val="accent1"/>
-          </a:lnRef>
-          <a:fillRef idx="0">
-            <a:schemeClr val="accent1"/>
-          </a:fillRef>
-          <a:effectRef idx="0">
-            <a:schemeClr val="accent1"/>
-          </a:effectRef>
-          <a:fontRef idx="minor">
-            <a:schemeClr val="tx1"/>
-          </a:fontRef>
-        </p:style>
-      </p:cxnSp>
-      <p:cxnSp>
-        <p:nvCxnSpPr>
-          <p:cNvPr id="103" name="직선 화살표 연결선 102"/>
-          <p:cNvCxnSpPr>
-            <a:stCxn id="71" idx="2"/>
-            <a:endCxn id="87" idx="0"/>
-          </p:cNvCxnSpPr>
-          <p:nvPr/>
-        </p:nvCxnSpPr>
-        <p:spPr>
-          <a:xfrm>
-            <a:off x="2081916" y="5203369"/>
-            <a:ext cx="1610" cy="121398"/>
-          </a:xfrm>
-          <a:prstGeom prst="straightConnector1">
-            <a:avLst/>
-          </a:prstGeom>
-          <a:ln>
-            <a:tailEnd type="arrow"/>
-          </a:ln>
-        </p:spPr>
-        <p:style>
-          <a:lnRef idx="1">
-            <a:schemeClr val="accent1"/>
-          </a:lnRef>
-          <a:fillRef idx="0">
-            <a:schemeClr val="accent1"/>
-          </a:fillRef>
-          <a:effectRef idx="0">
-            <a:schemeClr val="accent1"/>
-          </a:effectRef>
-          <a:fontRef idx="minor">
-            <a:schemeClr val="tx1"/>
-          </a:fontRef>
-        </p:style>
-      </p:cxnSp>
-      <p:cxnSp>
-        <p:nvCxnSpPr>
-          <p:cNvPr id="105" name="꺾인 연결선 104"/>
-          <p:cNvCxnSpPr>
-            <a:stCxn id="86" idx="2"/>
-            <a:endCxn id="73" idx="0"/>
-          </p:cNvCxnSpPr>
-          <p:nvPr/>
-        </p:nvCxnSpPr>
-        <p:spPr>
-          <a:xfrm rot="16200000" flipH="1">
-            <a:off x="1481917" y="5539015"/>
-            <a:ext cx="171442" cy="1028556"/>
-          </a:xfrm>
-          <a:prstGeom prst="bentConnector3">
-            <a:avLst>
-              <a:gd name="adj1" fmla="val 50000"/>
-            </a:avLst>
-          </a:prstGeom>
-          <a:ln>
-            <a:tailEnd type="arrow"/>
-          </a:ln>
-        </p:spPr>
-        <p:style>
-          <a:lnRef idx="1">
-            <a:schemeClr val="accent1"/>
-          </a:lnRef>
-          <a:fillRef idx="0">
-            <a:schemeClr val="accent1"/>
-          </a:fillRef>
-          <a:effectRef idx="0">
-            <a:schemeClr val="accent1"/>
-          </a:effectRef>
-          <a:fontRef idx="minor">
-            <a:schemeClr val="tx1"/>
-          </a:fontRef>
-        </p:style>
-      </p:cxnSp>
-      <p:cxnSp>
-        <p:nvCxnSpPr>
-          <p:cNvPr id="107" name="꺾인 연결선 106"/>
-          <p:cNvCxnSpPr>
-            <a:stCxn id="88" idx="2"/>
-            <a:endCxn id="73" idx="0"/>
-          </p:cNvCxnSpPr>
-          <p:nvPr/>
-        </p:nvCxnSpPr>
-        <p:spPr>
-          <a:xfrm rot="5400000">
-            <a:off x="2516889" y="5532599"/>
-            <a:ext cx="171442" cy="1041388"/>
-          </a:xfrm>
-          <a:prstGeom prst="bentConnector3">
-            <a:avLst>
-              <a:gd name="adj1" fmla="val 50000"/>
-            </a:avLst>
-          </a:prstGeom>
-          <a:ln>
-            <a:tailEnd type="arrow"/>
-          </a:ln>
-        </p:spPr>
-        <p:style>
-          <a:lnRef idx="1">
-            <a:schemeClr val="accent1"/>
-          </a:lnRef>
-          <a:fillRef idx="0">
-            <a:schemeClr val="accent1"/>
-          </a:fillRef>
-          <a:effectRef idx="0">
-            <a:schemeClr val="accent1"/>
-          </a:effectRef>
-          <a:fontRef idx="minor">
-            <a:schemeClr val="tx1"/>
-          </a:fontRef>
-        </p:style>
-      </p:cxnSp>
-      <p:sp>
-        <p:nvSpPr>
-          <p:cNvPr id="111" name="순서도: 판단 110"/>
+      <p:sp>
+        <p:nvSpPr>
+          <p:cNvPr id="159" name="직사각형 158"/>
           <p:cNvSpPr/>
           <p:nvPr/>
         </p:nvSpPr>
         <p:spPr>
-          <a:xfrm>
-            <a:off x="8812976" y="3153990"/>
-            <a:ext cx="5300692" cy="635050"/>
-          </a:xfrm>
-          <a:prstGeom prst="flowChartDecision">
+          <a:xfrm rot="10800000" flipV="1">
+            <a:off x="5335932" y="3016385"/>
+            <a:ext cx="3568776" cy="234318"/>
+          </a:xfrm>
+          <a:prstGeom prst="rect">
             <a:avLst/>
           </a:prstGeom>
           <a:noFill/>
@@ -5009,7 +4571,7 @@
           </a:fontRef>
         </p:style>
         <p:txBody>
-          <a:bodyPr lIns="0" tIns="9578" rIns="0" bIns="9578" rtlCol="0" anchor="ctr"/>
+          <a:bodyPr lIns="0" tIns="0" rIns="0" bIns="0" rtlCol="0" anchor="ctr"/>
           <a:lstStyle/>
           <a:p>
             <a:pPr algn="ctr"/>
@@ -5019,7 +4581,7 @@
                   <a:schemeClr val="tx1"/>
                 </a:solidFill>
               </a:rPr>
-              <a:t>Object.aCreateTime</a:t>
+              <a:t>TimeProcess</a:t>
             </a:r>
             <a:r>
               <a:rPr lang="en-US" altLang="ko-KR" sz="1000" dirty="0" smtClean="0">
@@ -5027,7 +4589,7 @@
                   <a:schemeClr val="tx1"/>
                 </a:solidFill>
               </a:rPr>
-              <a:t>&gt;(Now()+(</a:t>
+              <a:t>(</a:t>
             </a:r>
             <a:r>
               <a:rPr lang="en-US" altLang="ko-KR" sz="1000" dirty="0" err="1" smtClean="0">
@@ -5035,7 +4597,7 @@
                   <a:schemeClr val="tx1"/>
                 </a:solidFill>
               </a:rPr>
-              <a:t>aInterval</a:t>
+              <a:t>aRecord</a:t>
             </a:r>
             <a:r>
               <a:rPr lang="en-US" altLang="ko-KR" sz="1000" dirty="0" smtClean="0">
@@ -5043,7 +4605,31 @@
                   <a:schemeClr val="tx1"/>
                 </a:solidFill>
               </a:rPr>
-              <a:t>*1000))</a:t>
+              <a:t> , </a:t>
+            </a:r>
+            <a:r>
+              <a:rPr lang="en-US" altLang="ko-KR" sz="1000" dirty="0" err="1" smtClean="0">
+                <a:solidFill>
+                  <a:schemeClr val="tx1"/>
+                </a:solidFill>
+              </a:rPr>
+              <a:t>aCreateTime</a:t>
+            </a:r>
+            <a:r>
+              <a:rPr lang="en-US" altLang="ko-KR" sz="1000" dirty="0" smtClean="0">
+                <a:solidFill>
+                  <a:schemeClr val="tx1"/>
+                </a:solidFill>
+              </a:rPr>
+              <a:t>, Interval</a:t>
+            </a:r>
+            <a:r>
+              <a:rPr lang="en-US" altLang="ko-KR" sz="1000" dirty="0" smtClean="0">
+                <a:solidFill>
+                  <a:schemeClr val="tx1"/>
+                </a:solidFill>
+              </a:rPr>
+              <a:t>)</a:t>
             </a:r>
             <a:endParaRPr lang="ko-KR" altLang="en-US" sz="1000" dirty="0">
               <a:solidFill>
@@ -5053,136 +4639,66 @@
           </a:p>
         </p:txBody>
       </p:sp>
-      <p:sp>
-        <p:nvSpPr>
-          <p:cNvPr id="114" name="순서도: 수행의 시작/종료 113"/>
-          <p:cNvSpPr/>
+      <p:cxnSp>
+        <p:nvCxnSpPr>
+          <p:cNvPr id="162" name="직선 화살표 연결선 161"/>
+          <p:cNvCxnSpPr>
+            <a:stCxn id="159" idx="2"/>
+            <a:endCxn id="115" idx="0"/>
+          </p:cNvCxnSpPr>
           <p:nvPr/>
-        </p:nvSpPr>
+        </p:nvCxnSpPr>
         <p:spPr>
-          <a:xfrm>
-            <a:off x="5426988" y="620688"/>
-            <a:ext cx="2088232" cy="288032"/>
-          </a:xfrm>
-          <a:prstGeom prst="flowChartTerminator">
+          <a:xfrm flipH="1">
+            <a:off x="7119084" y="3250703"/>
+            <a:ext cx="1236" cy="106289"/>
+          </a:xfrm>
+          <a:prstGeom prst="straightConnector1">
             <a:avLst/>
           </a:prstGeom>
-          <a:noFill/>
+          <a:ln>
+            <a:tailEnd type="arrow"/>
+          </a:ln>
         </p:spPr>
         <p:style>
-          <a:lnRef idx="2">
-            <a:schemeClr val="accent1">
-              <a:shade val="50000"/>
-            </a:schemeClr>
+          <a:lnRef idx="1">
+            <a:schemeClr val="accent1"/>
           </a:lnRef>
-          <a:fillRef idx="1">
+          <a:fillRef idx="0">
             <a:schemeClr val="accent1"/>
           </a:fillRef>
           <a:effectRef idx="0">
             <a:schemeClr val="accent1"/>
           </a:effectRef>
           <a:fontRef idx="minor">
-            <a:schemeClr val="lt1"/>
+            <a:schemeClr val="tx1"/>
           </a:fontRef>
         </p:style>
-        <p:txBody>
-          <a:bodyPr lIns="0" tIns="0" rIns="0" bIns="0" rtlCol="0" anchor="ctr"/>
-          <a:lstStyle/>
-          <a:p>
-            <a:pPr algn="ctr"/>
-            <a:r>
-              <a:rPr lang="en-US" altLang="ko-KR" sz="1000" dirty="0" smtClean="0">
-                <a:solidFill>
-                  <a:schemeClr val="tx1"/>
-                </a:solidFill>
-              </a:rPr>
-              <a:t>START</a:t>
-            </a:r>
-            <a:endParaRPr lang="ko-KR" altLang="en-US" sz="1000" dirty="0">
-              <a:solidFill>
-                <a:schemeClr val="tx1"/>
-              </a:solidFill>
-            </a:endParaRPr>
-          </a:p>
-        </p:txBody>
-      </p:sp>
-      <p:sp>
-        <p:nvSpPr>
-          <p:cNvPr id="115" name="순서도: 수행의 시작/종료 114"/>
-          <p:cNvSpPr/>
-          <p:nvPr/>
-        </p:nvSpPr>
-        <p:spPr>
-          <a:xfrm>
-            <a:off x="5426896" y="2852936"/>
-            <a:ext cx="2088232" cy="288032"/>
-          </a:xfrm>
-          <a:prstGeom prst="flowChartTerminator">
-            <a:avLst/>
-          </a:prstGeom>
-          <a:noFill/>
-        </p:spPr>
-        <p:style>
-          <a:lnRef idx="2">
-            <a:schemeClr val="accent1">
-              <a:shade val="50000"/>
-            </a:schemeClr>
-          </a:lnRef>
-          <a:fillRef idx="1">
-            <a:schemeClr val="accent1"/>
-          </a:fillRef>
-          <a:effectRef idx="0">
-            <a:schemeClr val="accent1"/>
-          </a:effectRef>
-          <a:fontRef idx="minor">
-            <a:schemeClr val="lt1"/>
-          </a:fontRef>
-        </p:style>
-        <p:txBody>
-          <a:bodyPr lIns="0" tIns="0" rIns="0" bIns="0" rtlCol="0" anchor="ctr"/>
-          <a:lstStyle/>
-          <a:p>
-            <a:pPr algn="ctr"/>
-            <a:r>
-              <a:rPr lang="en-US" altLang="ko-KR" sz="1000" dirty="0" smtClean="0">
-                <a:solidFill>
-                  <a:schemeClr val="tx1"/>
-                </a:solidFill>
-              </a:rPr>
-              <a:t>END</a:t>
-            </a:r>
-            <a:endParaRPr lang="ko-KR" altLang="en-US" sz="1000" dirty="0">
-              <a:solidFill>
-                <a:schemeClr val="tx1"/>
-              </a:solidFill>
-            </a:endParaRPr>
-          </a:p>
-        </p:txBody>
-      </p:sp>
+      </p:cxnSp>
       <p:grpSp>
         <p:nvGrpSpPr>
-          <p:cNvPr id="120" name="그룹 20"/>
+          <p:cNvPr id="59" name="그룹 20"/>
           <p:cNvGrpSpPr/>
           <p:nvPr/>
         </p:nvGrpSpPr>
         <p:grpSpPr>
           <a:xfrm>
-            <a:off x="8711924" y="1521360"/>
-            <a:ext cx="5545760" cy="3600400"/>
-            <a:chOff x="4926749" y="1559462"/>
-            <a:chExt cx="2185953" cy="821486"/>
+            <a:off x="9865196" y="980728"/>
+            <a:ext cx="4320482" cy="5212284"/>
+            <a:chOff x="4926749" y="998835"/>
+            <a:chExt cx="2185954" cy="1407007"/>
           </a:xfrm>
         </p:grpSpPr>
         <p:sp>
           <p:nvSpPr>
-            <p:cNvPr id="121" name="직사각형 120"/>
+            <p:cNvPr id="60" name="직사각형 59"/>
             <p:cNvSpPr/>
             <p:nvPr/>
           </p:nvSpPr>
           <p:spPr>
             <a:xfrm rot="10800000" flipV="1">
-              <a:off x="4926749" y="1559462"/>
-              <a:ext cx="2185952" cy="821486"/>
+              <a:off x="4926749" y="998835"/>
+              <a:ext cx="2185952" cy="1407007"/>
             </a:xfrm>
             <a:prstGeom prst="rect">
               <a:avLst/>
@@ -5220,445 +4736,13 @@
         </p:sp>
         <p:sp>
           <p:nvSpPr>
-            <p:cNvPr id="122" name="직사각형 121"/>
-            <p:cNvSpPr/>
-            <p:nvPr/>
-          </p:nvSpPr>
-          <p:spPr>
-            <a:xfrm rot="10800000" flipV="1">
-              <a:off x="4926752" y="1561242"/>
-              <a:ext cx="2185950" cy="122688"/>
-            </a:xfrm>
-            <a:prstGeom prst="rect">
-              <a:avLst/>
-            </a:prstGeom>
-            <a:noFill/>
-          </p:spPr>
-          <p:style>
-            <a:lnRef idx="2">
-              <a:schemeClr val="accent1">
-                <a:shade val="50000"/>
-              </a:schemeClr>
-            </a:lnRef>
-            <a:fillRef idx="1">
-              <a:schemeClr val="accent1"/>
-            </a:fillRef>
-            <a:effectRef idx="0">
-              <a:schemeClr val="accent1"/>
-            </a:effectRef>
-            <a:fontRef idx="minor">
-              <a:schemeClr val="lt1"/>
-            </a:fontRef>
-          </p:style>
-          <p:txBody>
-            <a:bodyPr lIns="0" tIns="0" rIns="0" bIns="0" rtlCol="0" anchor="ctr"/>
-            <a:lstStyle/>
-            <a:p>
-              <a:pPr algn="ctr"/>
-              <a:r>
-                <a:rPr lang="en-US" altLang="ko-KR" sz="1200" dirty="0" err="1" smtClean="0">
-                  <a:solidFill>
-                    <a:schemeClr val="tx1"/>
-                  </a:solidFill>
-                </a:rPr>
-                <a:t>TimeProcess</a:t>
-              </a:r>
-              <a:r>
-                <a:rPr lang="en-US" altLang="ko-KR" sz="1200" dirty="0" smtClean="0">
-                  <a:solidFill>
-                    <a:schemeClr val="tx1"/>
-                  </a:solidFill>
-                </a:rPr>
-                <a:t>(</a:t>
-              </a:r>
-              <a:r>
-                <a:rPr lang="en-US" altLang="ko-KR" sz="1200" dirty="0" err="1" smtClean="0">
-                  <a:solidFill>
-                    <a:schemeClr val="tx1"/>
-                  </a:solidFill>
-                </a:rPr>
-                <a:t>aObject</a:t>
-              </a:r>
-              <a:r>
-                <a:rPr lang="en-US" altLang="ko-KR" sz="1200" dirty="0" smtClean="0">
-                  <a:solidFill>
-                    <a:schemeClr val="tx1"/>
-                  </a:solidFill>
-                </a:rPr>
-                <a:t> : Object, </a:t>
-              </a:r>
-              <a:r>
-                <a:rPr lang="en-US" altLang="ko-KR" sz="1200" dirty="0" err="1" smtClean="0">
-                  <a:solidFill>
-                    <a:schemeClr val="tx1"/>
-                  </a:solidFill>
-                </a:rPr>
-                <a:t>aTime</a:t>
-              </a:r>
-              <a:r>
-                <a:rPr lang="en-US" altLang="ko-KR" sz="1200" dirty="0" smtClean="0">
-                  <a:solidFill>
-                    <a:schemeClr val="tx1"/>
-                  </a:solidFill>
-                </a:rPr>
-                <a:t> : Time, </a:t>
-              </a:r>
-              <a:r>
-                <a:rPr lang="en-US" altLang="ko-KR" sz="1200" dirty="0" err="1" smtClean="0">
-                  <a:solidFill>
-                    <a:schemeClr val="tx1"/>
-                  </a:solidFill>
-                </a:rPr>
-                <a:t>aInterval</a:t>
-              </a:r>
-              <a:r>
-                <a:rPr lang="en-US" altLang="ko-KR" sz="1200" dirty="0" smtClean="0">
-                  <a:solidFill>
-                    <a:schemeClr val="tx1"/>
-                  </a:solidFill>
-                </a:rPr>
-                <a:t> : Integer)	</a:t>
-              </a:r>
-              <a:endParaRPr lang="ko-KR" altLang="en-US" sz="1200" dirty="0">
-                <a:solidFill>
-                  <a:schemeClr val="tx1"/>
-                </a:solidFill>
-              </a:endParaRPr>
-            </a:p>
-          </p:txBody>
-        </p:sp>
-      </p:grpSp>
-      <p:sp>
-        <p:nvSpPr>
-          <p:cNvPr id="128" name="직사각형 127"/>
-          <p:cNvSpPr/>
-          <p:nvPr/>
-        </p:nvSpPr>
-        <p:spPr>
-          <a:xfrm rot="10800000" flipV="1">
-            <a:off x="4897788" y="1052737"/>
-            <a:ext cx="3148920" cy="234318"/>
-          </a:xfrm>
-          <a:prstGeom prst="rect">
-            <a:avLst/>
-          </a:prstGeom>
-          <a:noFill/>
-        </p:spPr>
-        <p:style>
-          <a:lnRef idx="2">
-            <a:schemeClr val="accent1">
-              <a:shade val="50000"/>
-            </a:schemeClr>
-          </a:lnRef>
-          <a:fillRef idx="1">
-            <a:schemeClr val="accent1"/>
-          </a:fillRef>
-          <a:effectRef idx="0">
-            <a:schemeClr val="accent1"/>
-          </a:effectRef>
-          <a:fontRef idx="minor">
-            <a:schemeClr val="lt1"/>
-          </a:fontRef>
-        </p:style>
-        <p:txBody>
-          <a:bodyPr lIns="0" tIns="0" rIns="0" bIns="0" rtlCol="0" anchor="ctr"/>
-          <a:lstStyle/>
-          <a:p>
-            <a:pPr algn="ctr"/>
-            <a:r>
-              <a:rPr lang="en-US" altLang="ko-KR" sz="1000" dirty="0" err="1" smtClean="0">
-                <a:solidFill>
-                  <a:schemeClr val="tx1"/>
-                </a:solidFill>
-              </a:rPr>
-              <a:t>aObject</a:t>
-            </a:r>
-            <a:r>
-              <a:rPr lang="ko-KR" altLang="en-US" sz="1000" dirty="0" smtClean="0">
-                <a:solidFill>
-                  <a:schemeClr val="tx1"/>
-                </a:solidFill>
-              </a:rPr>
-              <a:t> </a:t>
-            </a:r>
-            <a:r>
-              <a:rPr lang="en-US" altLang="ko-KR" sz="1000" dirty="0" smtClean="0">
-                <a:solidFill>
-                  <a:schemeClr val="tx1"/>
-                </a:solidFill>
-              </a:rPr>
-              <a:t>= </a:t>
-            </a:r>
-            <a:r>
-              <a:rPr lang="en-US" altLang="ko-KR" sz="1000" dirty="0" err="1" smtClean="0">
-                <a:solidFill>
-                  <a:schemeClr val="tx1"/>
-                </a:solidFill>
-              </a:rPr>
-              <a:t>CreateCircle</a:t>
-            </a:r>
-            <a:r>
-              <a:rPr lang="en-US" altLang="ko-KR" sz="1000" dirty="0" smtClean="0">
-                <a:solidFill>
-                  <a:schemeClr val="tx1"/>
-                </a:solidFill>
-              </a:rPr>
-              <a:t>(</a:t>
-            </a:r>
-            <a:r>
-              <a:rPr lang="en-US" altLang="ko-KR" sz="1000" dirty="0" err="1" smtClean="0">
-                <a:solidFill>
-                  <a:schemeClr val="tx1"/>
-                </a:solidFill>
-              </a:rPr>
-              <a:t>Color,Size</a:t>
-            </a:r>
-            <a:r>
-              <a:rPr lang="en-US" altLang="ko-KR" sz="1000" dirty="0" smtClean="0">
-                <a:solidFill>
-                  <a:schemeClr val="tx1"/>
-                </a:solidFill>
-              </a:rPr>
-              <a:t>)</a:t>
-            </a:r>
-            <a:endParaRPr lang="ko-KR" altLang="en-US" sz="1000" dirty="0">
-              <a:solidFill>
-                <a:schemeClr val="tx1"/>
-              </a:solidFill>
-            </a:endParaRPr>
-          </a:p>
-        </p:txBody>
-      </p:sp>
-      <p:sp>
-        <p:nvSpPr>
-          <p:cNvPr id="129" name="직사각형 128"/>
-          <p:cNvSpPr/>
-          <p:nvPr/>
-        </p:nvSpPr>
-        <p:spPr>
-          <a:xfrm rot="10800000" flipV="1">
-            <a:off x="4897788" y="1772817"/>
-            <a:ext cx="3148920" cy="234318"/>
-          </a:xfrm>
-          <a:prstGeom prst="rect">
-            <a:avLst/>
-          </a:prstGeom>
-          <a:noFill/>
-        </p:spPr>
-        <p:style>
-          <a:lnRef idx="2">
-            <a:schemeClr val="accent1">
-              <a:shade val="50000"/>
-            </a:schemeClr>
-          </a:lnRef>
-          <a:fillRef idx="1">
-            <a:schemeClr val="accent1"/>
-          </a:fillRef>
-          <a:effectRef idx="0">
-            <a:schemeClr val="accent1"/>
-          </a:effectRef>
-          <a:fontRef idx="minor">
-            <a:schemeClr val="lt1"/>
-          </a:fontRef>
-        </p:style>
-        <p:txBody>
-          <a:bodyPr lIns="0" tIns="0" rIns="0" bIns="0" rtlCol="0" anchor="ctr"/>
-          <a:lstStyle/>
-          <a:p>
-            <a:pPr algn="ctr"/>
-            <a:r>
-              <a:rPr lang="en-US" altLang="ko-KR" sz="1000" dirty="0" err="1" smtClean="0">
-                <a:solidFill>
-                  <a:schemeClr val="tx1"/>
-                </a:solidFill>
-              </a:rPr>
-              <a:t>CircleArray</a:t>
-            </a:r>
-            <a:r>
-              <a:rPr lang="en-US" altLang="ko-KR" sz="1000" dirty="0" smtClean="0">
-                <a:solidFill>
-                  <a:schemeClr val="tx1"/>
-                </a:solidFill>
-              </a:rPr>
-              <a:t>[Length(CircleArray-1)] = </a:t>
-            </a:r>
-            <a:r>
-              <a:rPr lang="en-US" altLang="ko-KR" sz="1000" dirty="0" err="1" smtClean="0">
-                <a:solidFill>
-                  <a:schemeClr val="tx1"/>
-                </a:solidFill>
-              </a:rPr>
-              <a:t>aObject</a:t>
-            </a:r>
-            <a:endParaRPr lang="ko-KR" altLang="en-US" sz="1000" dirty="0">
-              <a:solidFill>
-                <a:schemeClr val="tx1"/>
-              </a:solidFill>
-            </a:endParaRPr>
-          </a:p>
-        </p:txBody>
-      </p:sp>
-      <p:sp>
-        <p:nvSpPr>
-          <p:cNvPr id="130" name="직사각형 129"/>
-          <p:cNvSpPr/>
-          <p:nvPr/>
-        </p:nvSpPr>
-        <p:spPr>
-          <a:xfrm rot="10800000" flipV="1">
-            <a:off x="4897788" y="1412777"/>
-            <a:ext cx="3148920" cy="234318"/>
-          </a:xfrm>
-          <a:prstGeom prst="rect">
-            <a:avLst/>
-          </a:prstGeom>
-          <a:noFill/>
-        </p:spPr>
-        <p:style>
-          <a:lnRef idx="2">
-            <a:schemeClr val="accent1">
-              <a:shade val="50000"/>
-            </a:schemeClr>
-          </a:lnRef>
-          <a:fillRef idx="1">
-            <a:schemeClr val="accent1"/>
-          </a:fillRef>
-          <a:effectRef idx="0">
-            <a:schemeClr val="accent1"/>
-          </a:effectRef>
-          <a:fontRef idx="minor">
-            <a:schemeClr val="lt1"/>
-          </a:fontRef>
-        </p:style>
-        <p:txBody>
-          <a:bodyPr lIns="0" tIns="0" rIns="0" bIns="0" rtlCol="0" anchor="ctr"/>
-          <a:lstStyle/>
-          <a:p>
-            <a:pPr algn="ctr"/>
-            <a:r>
-              <a:rPr lang="en-US" altLang="ko-KR" sz="1000" dirty="0" err="1" smtClean="0">
-                <a:solidFill>
-                  <a:schemeClr val="tx1"/>
-                </a:solidFill>
-              </a:rPr>
-              <a:t>SetLength</a:t>
-            </a:r>
-            <a:r>
-              <a:rPr lang="en-US" altLang="ko-KR" sz="1000" dirty="0" smtClean="0">
-                <a:solidFill>
-                  <a:schemeClr val="tx1"/>
-                </a:solidFill>
-              </a:rPr>
-              <a:t>(</a:t>
-            </a:r>
-            <a:r>
-              <a:rPr lang="en-US" altLang="ko-KR" sz="1000" dirty="0" err="1" smtClean="0">
-                <a:solidFill>
-                  <a:schemeClr val="tx1"/>
-                </a:solidFill>
-              </a:rPr>
-              <a:t>CircleArray</a:t>
-            </a:r>
-            <a:r>
-              <a:rPr lang="en-US" altLang="ko-KR" sz="1000" dirty="0" smtClean="0">
-                <a:solidFill>
-                  <a:schemeClr val="tx1"/>
-                </a:solidFill>
-              </a:rPr>
-              <a:t>, Length(</a:t>
-            </a:r>
-            <a:r>
-              <a:rPr lang="en-US" altLang="ko-KR" sz="1000" dirty="0" err="1" smtClean="0">
-                <a:solidFill>
-                  <a:schemeClr val="tx1"/>
-                </a:solidFill>
-              </a:rPr>
-              <a:t>CircleArray</a:t>
-            </a:r>
-            <a:r>
-              <a:rPr lang="en-US" altLang="ko-KR" sz="1000" dirty="0" smtClean="0">
-                <a:solidFill>
-                  <a:schemeClr val="tx1"/>
-                </a:solidFill>
-              </a:rPr>
-              <a:t>)+1)</a:t>
-            </a:r>
-            <a:endParaRPr lang="ko-KR" altLang="en-US" sz="1000" dirty="0">
-              <a:solidFill>
-                <a:schemeClr val="tx1"/>
-              </a:solidFill>
-            </a:endParaRPr>
-          </a:p>
-        </p:txBody>
-      </p:sp>
-      <p:grpSp>
-        <p:nvGrpSpPr>
-          <p:cNvPr id="59" name="그룹 20"/>
-          <p:cNvGrpSpPr/>
-          <p:nvPr/>
-        </p:nvGrpSpPr>
-        <p:grpSpPr>
-          <a:xfrm>
-            <a:off x="4320580" y="3356992"/>
-            <a:ext cx="4320480" cy="3412084"/>
-            <a:chOff x="4926749" y="1484782"/>
-            <a:chExt cx="2185953" cy="921060"/>
-          </a:xfrm>
-        </p:grpSpPr>
-        <p:sp>
-          <p:nvSpPr>
-            <p:cNvPr id="60" name="직사각형 59"/>
-            <p:cNvSpPr/>
-            <p:nvPr/>
-          </p:nvSpPr>
-          <p:spPr>
-            <a:xfrm rot="10800000" flipV="1">
-              <a:off x="4926749" y="1484784"/>
-              <a:ext cx="2185952" cy="921058"/>
-            </a:xfrm>
-            <a:prstGeom prst="rect">
-              <a:avLst/>
-            </a:prstGeom>
-            <a:noFill/>
-          </p:spPr>
-          <p:style>
-            <a:lnRef idx="2">
-              <a:schemeClr val="accent1">
-                <a:shade val="50000"/>
-              </a:schemeClr>
-            </a:lnRef>
-            <a:fillRef idx="1">
-              <a:schemeClr val="accent1"/>
-            </a:fillRef>
-            <a:effectRef idx="0">
-              <a:schemeClr val="accent1"/>
-            </a:effectRef>
-            <a:fontRef idx="minor">
-              <a:schemeClr val="lt1"/>
-            </a:fontRef>
-          </p:style>
-          <p:txBody>
-            <a:bodyPr lIns="0" tIns="0" rIns="0" bIns="0" rtlCol="0" anchor="ctr"/>
-            <a:lstStyle/>
-            <a:p>
-              <a:pPr algn="ctr"/>
-              <a:endParaRPr lang="ko-KR" altLang="en-US" sz="1200" dirty="0">
-                <a:solidFill>
-                  <a:schemeClr val="tx1"/>
-                </a:solidFill>
-              </a:endParaRPr>
-            </a:p>
-          </p:txBody>
-        </p:sp>
-        <p:sp>
-          <p:nvSpPr>
             <p:cNvPr id="77" name="직사각형 76"/>
             <p:cNvSpPr/>
             <p:nvPr/>
           </p:nvSpPr>
           <p:spPr>
             <a:xfrm rot="10800000" flipV="1">
-              <a:off x="4926752" y="1484782"/>
+              <a:off x="4926753" y="998835"/>
               <a:ext cx="2185950" cy="97189"/>
             </a:xfrm>
             <a:prstGeom prst="rect">
@@ -5693,7 +4777,7 @@
                     <a:schemeClr val="tx1"/>
                   </a:solidFill>
                 </a:rPr>
-                <a:t>RemoveCircleObject</a:t>
+                <a:t>RemoveCirclePosition</a:t>
               </a:r>
               <a:r>
                 <a:rPr lang="en-US" altLang="ko-KR" sz="1200" dirty="0" smtClean="0">
@@ -5709,7 +4793,7 @@
                     <a:schemeClr val="tx1"/>
                   </a:solidFill>
                 </a:rPr>
-                <a:t>aObject</a:t>
+                <a:t>aRecord</a:t>
               </a:r>
               <a:r>
                 <a:rPr lang="en-US" altLang="ko-KR" sz="1200" dirty="0" smtClean="0">
@@ -5717,7 +4801,66 @@
                     <a:schemeClr val="tx1"/>
                   </a:solidFill>
                 </a:rPr>
-                <a:t> : Object, </a:t>
+                <a:t> </a:t>
+              </a:r>
+              <a:r>
+                <a:rPr lang="en-US" altLang="ko-KR" sz="1200" dirty="0" smtClean="0">
+                  <a:solidFill>
+                    <a:schemeClr val="tx1"/>
+                  </a:solidFill>
+                </a:rPr>
+                <a:t>: </a:t>
+              </a:r>
+              <a:r>
+                <a:rPr lang="en-US" altLang="ko-KR" sz="1200" dirty="0" err="1" smtClean="0">
+                  <a:solidFill>
+                    <a:schemeClr val="tx1"/>
+                  </a:solidFill>
+                </a:rPr>
+                <a:t>TCirCleData</a:t>
+              </a:r>
+              <a:r>
+                <a:rPr lang="en-US" altLang="ko-KR" sz="1200" dirty="0" smtClean="0">
+                  <a:solidFill>
+                    <a:schemeClr val="tx1"/>
+                  </a:solidFill>
+                </a:rPr>
+                <a:t>;</a:t>
+              </a:r>
+            </a:p>
+            <a:p>
+              <a:pPr algn="ctr"/>
+              <a:r>
+                <a:rPr lang="en-US" altLang="ko-KR" sz="1200" dirty="0" smtClean="0">
+                  <a:solidFill>
+                    <a:schemeClr val="tx1"/>
+                  </a:solidFill>
+                </a:rPr>
+                <a:t> </a:t>
+              </a:r>
+              <a:r>
+                <a:rPr lang="en-US" altLang="ko-KR" sz="1200" dirty="0" smtClean="0">
+                  <a:solidFill>
+                    <a:schemeClr val="tx1"/>
+                  </a:solidFill>
+                </a:rPr>
+                <a:t>          </a:t>
+              </a:r>
+              <a:r>
+                <a:rPr lang="en-US" altLang="ko-KR" sz="1200" dirty="0" err="1" smtClean="0">
+                  <a:solidFill>
+                    <a:schemeClr val="tx1"/>
+                  </a:solidFill>
+                </a:rPr>
+                <a:t>var</a:t>
+              </a:r>
+              <a:r>
+                <a:rPr lang="en-US" altLang="ko-KR" sz="1200" dirty="0" smtClean="0">
+                  <a:solidFill>
+                    <a:schemeClr val="tx1"/>
+                  </a:solidFill>
+                </a:rPr>
+                <a:t> </a:t>
               </a:r>
               <a:r>
                 <a:rPr lang="en-US" altLang="ko-KR" sz="1200" dirty="0" err="1" smtClean="0">
@@ -5733,7 +4876,55 @@
                     <a:schemeClr val="tx1"/>
                   </a:solidFill>
                 </a:rPr>
-                <a:t> : Integer)</a:t>
+                <a:t> : </a:t>
+              </a:r>
+              <a:r>
+                <a:rPr lang="en-US" altLang="ko-KR" sz="1200" dirty="0" smtClean="0">
+                  <a:solidFill>
+                    <a:schemeClr val="tx1"/>
+                  </a:solidFill>
+                </a:rPr>
+                <a:t>Integer; </a:t>
+              </a:r>
+              <a:r>
+                <a:rPr lang="en-US" altLang="ko-KR" sz="1200" dirty="0" err="1" smtClean="0">
+                  <a:solidFill>
+                    <a:schemeClr val="tx1"/>
+                  </a:solidFill>
+                </a:rPr>
+                <a:t>var</a:t>
+              </a:r>
+              <a:r>
+                <a:rPr lang="en-US" altLang="ko-KR" sz="1200" dirty="0" smtClean="0">
+                  <a:solidFill>
+                    <a:schemeClr val="tx1"/>
+                  </a:solidFill>
+                </a:rPr>
+                <a:t> </a:t>
+              </a:r>
+              <a:r>
+                <a:rPr lang="en-US" altLang="ko-KR" sz="1200" dirty="0" err="1" smtClean="0">
+                  <a:solidFill>
+                    <a:schemeClr val="tx1"/>
+                  </a:solidFill>
+                </a:rPr>
+                <a:t>aColorTemp</a:t>
+              </a:r>
+              <a:r>
+                <a:rPr lang="en-US" altLang="ko-KR" sz="1200" dirty="0" smtClean="0">
+                  <a:solidFill>
+                    <a:schemeClr val="tx1"/>
+                  </a:solidFill>
+                </a:rPr>
+                <a:t> : String</a:t>
+              </a:r>
+              <a:r>
+                <a:rPr lang="en-US" altLang="ko-KR" sz="1200" dirty="0" smtClean="0">
+                  <a:solidFill>
+                    <a:schemeClr val="tx1"/>
+                  </a:solidFill>
+                </a:rPr>
+                <a:t>)</a:t>
               </a:r>
               <a:endParaRPr lang="ko-KR" altLang="en-US" sz="1200" dirty="0">
                 <a:solidFill>
@@ -5752,7 +4943,7 @@
         </p:nvSpPr>
         <p:spPr>
           <a:xfrm>
-            <a:off x="5373268" y="3789040"/>
+            <a:off x="10917884" y="1412776"/>
             <a:ext cx="2088232" cy="288032"/>
           </a:xfrm>
           <a:prstGeom prst="flowChartTerminator">
@@ -5805,7 +4996,7 @@
         </p:nvSpPr>
         <p:spPr>
           <a:xfrm>
-            <a:off x="5364124" y="6409036"/>
+            <a:off x="10890268" y="5805264"/>
             <a:ext cx="2088232" cy="288032"/>
           </a:xfrm>
           <a:prstGeom prst="flowChartTerminator">
@@ -5858,7 +5049,7 @@
         </p:nvSpPr>
         <p:spPr>
           <a:xfrm rot="10800000" flipV="1">
-            <a:off x="4852160" y="5085184"/>
+            <a:off x="10396776" y="4121372"/>
             <a:ext cx="3122632" cy="234318"/>
           </a:xfrm>
           <a:prstGeom prst="rect">
@@ -5893,7 +5084,7 @@
                   <a:schemeClr val="tx1"/>
                 </a:solidFill>
               </a:rPr>
-              <a:t>CircleArrayaObject</a:t>
+              <a:t>CircleArraya</a:t>
             </a:r>
             <a:r>
               <a:rPr lang="ko-KR" altLang="en-US" sz="1000" dirty="0" smtClean="0">
@@ -5933,7 +5124,7 @@
                   <a:schemeClr val="tx1"/>
                 </a:solidFill>
               </a:rPr>
-              <a:t>CircleArrayaObject</a:t>
+              <a:t>CircleArraya</a:t>
             </a:r>
             <a:r>
               <a:rPr lang="ko-KR" altLang="en-US" sz="1000" dirty="0" smtClean="0">
@@ -5977,14 +5168,217 @@
       </p:sp>
       <p:sp>
         <p:nvSpPr>
-          <p:cNvPr id="92" name="직사각형 91"/>
+          <p:cNvPr id="94" name="순서도: 판단 93"/>
           <p:cNvSpPr/>
           <p:nvPr/>
         </p:nvSpPr>
         <p:spPr>
+          <a:xfrm>
+            <a:off x="10694328" y="3046525"/>
+            <a:ext cx="2527812" cy="373062"/>
+          </a:xfrm>
+          <a:prstGeom prst="flowChartDecision">
+            <a:avLst/>
+          </a:prstGeom>
+          <a:noFill/>
+        </p:spPr>
+        <p:style>
+          <a:lnRef idx="2">
+            <a:schemeClr val="accent1">
+              <a:shade val="50000"/>
+            </a:schemeClr>
+          </a:lnRef>
+          <a:fillRef idx="1">
+            <a:schemeClr val="accent1"/>
+          </a:fillRef>
+          <a:effectRef idx="0">
+            <a:schemeClr val="accent1"/>
+          </a:effectRef>
+          <a:fontRef idx="minor">
+            <a:schemeClr val="lt1"/>
+          </a:fontRef>
+        </p:style>
+        <p:txBody>
+          <a:bodyPr lIns="0" tIns="9578" rIns="0" bIns="9578" rtlCol="0" anchor="ctr"/>
+          <a:lstStyle/>
+          <a:p>
+            <a:pPr algn="ctr"/>
+            <a:r>
+              <a:rPr lang="en-US" altLang="ko-KR" sz="1000" dirty="0" smtClean="0">
+                <a:solidFill>
+                  <a:schemeClr val="tx1"/>
+                </a:solidFill>
+              </a:rPr>
+              <a:t>i &lt; length(</a:t>
+            </a:r>
+            <a:r>
+              <a:rPr lang="en-US" altLang="ko-KR" sz="1000" dirty="0" err="1" smtClean="0">
+                <a:solidFill>
+                  <a:schemeClr val="tx1"/>
+                </a:solidFill>
+              </a:rPr>
+              <a:t>CircleArray</a:t>
+            </a:r>
+            <a:r>
+              <a:rPr lang="en-US" altLang="ko-KR" sz="1000" dirty="0" smtClean="0">
+                <a:solidFill>
+                  <a:schemeClr val="tx1"/>
+                </a:solidFill>
+              </a:rPr>
+              <a:t>)</a:t>
+            </a:r>
+            <a:endParaRPr lang="ko-KR" altLang="en-US" sz="1000" dirty="0">
+              <a:solidFill>
+                <a:schemeClr val="tx1"/>
+              </a:solidFill>
+            </a:endParaRPr>
+          </a:p>
+        </p:txBody>
+      </p:sp>
+      <p:cxnSp>
+        <p:nvCxnSpPr>
+          <p:cNvPr id="102" name="꺾인 연결선 101"/>
+          <p:cNvCxnSpPr>
+            <a:stCxn id="94" idx="3"/>
+            <a:endCxn id="79" idx="3"/>
+          </p:cNvCxnSpPr>
+          <p:nvPr/>
+        </p:nvCxnSpPr>
+        <p:spPr>
+          <a:xfrm flipH="1">
+            <a:off x="12978500" y="3233056"/>
+            <a:ext cx="243640" cy="2716224"/>
+          </a:xfrm>
+          <a:prstGeom prst="bentConnector3">
+            <a:avLst>
+              <a:gd name="adj1" fmla="val -275795"/>
+            </a:avLst>
+          </a:prstGeom>
+          <a:ln>
+            <a:tailEnd type="arrow"/>
+          </a:ln>
+        </p:spPr>
+        <p:style>
+          <a:lnRef idx="1">
+            <a:schemeClr val="accent1"/>
+          </a:lnRef>
+          <a:fillRef idx="0">
+            <a:schemeClr val="accent1"/>
+          </a:fillRef>
+          <a:effectRef idx="0">
+            <a:schemeClr val="accent1"/>
+          </a:effectRef>
+          <a:fontRef idx="minor">
+            <a:schemeClr val="tx1"/>
+          </a:fontRef>
+        </p:style>
+      </p:cxnSp>
+      <p:sp>
+        <p:nvSpPr>
+          <p:cNvPr id="106" name="TextBox 105"/>
+          <p:cNvSpPr txBox="1"/>
+          <p:nvPr/>
+        </p:nvSpPr>
+        <p:spPr>
+          <a:xfrm>
+            <a:off x="11620820" y="3356992"/>
+            <a:ext cx="216024" cy="153888"/>
+          </a:xfrm>
+          <a:prstGeom prst="rect">
+            <a:avLst/>
+          </a:prstGeom>
+          <a:noFill/>
+        </p:spPr>
+        <p:txBody>
+          <a:bodyPr wrap="square" lIns="0" tIns="0" rIns="0" bIns="0" rtlCol="0">
+            <a:spAutoFit/>
+          </a:bodyPr>
+          <a:lstStyle/>
+          <a:p>
+            <a:r>
+              <a:rPr lang="en-US" altLang="ko-KR" sz="1000" dirty="0" smtClean="0"/>
+              <a:t>Yes</a:t>
+            </a:r>
+            <a:endParaRPr lang="ko-KR" altLang="en-US" sz="1000" dirty="0"/>
+          </a:p>
+        </p:txBody>
+      </p:sp>
+      <p:cxnSp>
+        <p:nvCxnSpPr>
+          <p:cNvPr id="109" name="직선 화살표 연결선 108"/>
+          <p:cNvCxnSpPr>
+            <a:stCxn id="94" idx="2"/>
+            <a:endCxn id="167" idx="0"/>
+          </p:cNvCxnSpPr>
+          <p:nvPr/>
+        </p:nvCxnSpPr>
+        <p:spPr>
+          <a:xfrm flipH="1">
+            <a:off x="11953428" y="3419587"/>
+            <a:ext cx="4806" cy="297445"/>
+          </a:xfrm>
+          <a:prstGeom prst="straightConnector1">
+            <a:avLst/>
+          </a:prstGeom>
+          <a:ln>
+            <a:tailEnd type="arrow"/>
+          </a:ln>
+        </p:spPr>
+        <p:style>
+          <a:lnRef idx="1">
+            <a:schemeClr val="accent1"/>
+          </a:lnRef>
+          <a:fillRef idx="0">
+            <a:schemeClr val="accent1"/>
+          </a:fillRef>
+          <a:effectRef idx="0">
+            <a:schemeClr val="accent1"/>
+          </a:effectRef>
+          <a:fontRef idx="minor">
+            <a:schemeClr val="tx1"/>
+          </a:fontRef>
+        </p:style>
+      </p:cxnSp>
+      <p:sp>
+        <p:nvSpPr>
+          <p:cNvPr id="110" name="TextBox 109"/>
+          <p:cNvSpPr txBox="1"/>
+          <p:nvPr/>
+        </p:nvSpPr>
+        <p:spPr>
+          <a:xfrm>
+            <a:off x="13150132" y="3265699"/>
+            <a:ext cx="216024" cy="153888"/>
+          </a:xfrm>
+          <a:prstGeom prst="rect">
+            <a:avLst/>
+          </a:prstGeom>
+          <a:noFill/>
+        </p:spPr>
+        <p:txBody>
+          <a:bodyPr wrap="square" lIns="0" tIns="0" rIns="0" bIns="0" rtlCol="0">
+            <a:spAutoFit/>
+          </a:bodyPr>
+          <a:lstStyle/>
+          <a:p>
+            <a:r>
+              <a:rPr lang="en-US" altLang="ko-KR" sz="1000" dirty="0" smtClean="0"/>
+              <a:t>No</a:t>
+            </a:r>
+            <a:endParaRPr lang="ko-KR" altLang="en-US" sz="1000" dirty="0"/>
+          </a:p>
+        </p:txBody>
+      </p:sp>
+      <p:sp>
+        <p:nvSpPr>
+          <p:cNvPr id="113" name="직사각형 112"/>
+          <p:cNvSpPr/>
+          <p:nvPr/>
+        </p:nvSpPr>
+        <p:spPr>
           <a:xfrm rot="10800000" flipV="1">
-            <a:off x="10107508" y="4005065"/>
-            <a:ext cx="2719160" cy="360039"/>
+            <a:off x="10387540" y="2636913"/>
+            <a:ext cx="3148920" cy="234318"/>
           </a:xfrm>
           <a:prstGeom prst="rect">
             <a:avLst/>
@@ -6018,7 +5412,7 @@
                   <a:schemeClr val="tx1"/>
                 </a:solidFill>
               </a:rPr>
-              <a:t>RemoveCircleObject</a:t>
+              <a:t>i</a:t>
             </a:r>
             <a:r>
               <a:rPr lang="en-US" altLang="ko-KR" sz="1000" dirty="0" smtClean="0">
@@ -6026,23 +5420,7 @@
                   <a:schemeClr val="tx1"/>
                 </a:solidFill>
               </a:rPr>
-              <a:t>(</a:t>
-            </a:r>
-            <a:r>
-              <a:rPr lang="en-US" altLang="ko-KR" sz="1000" dirty="0" err="1" smtClean="0">
-                <a:solidFill>
-                  <a:schemeClr val="tx1"/>
-                </a:solidFill>
-              </a:rPr>
-              <a:t>aObject</a:t>
-            </a:r>
-            <a:r>
-              <a:rPr lang="en-US" altLang="ko-KR" sz="1000" dirty="0" smtClean="0">
-                <a:solidFill>
-                  <a:schemeClr val="tx1"/>
-                </a:solidFill>
-              </a:rPr>
-              <a:t>)</a:t>
+              <a:t> = 0</a:t>
             </a:r>
             <a:endParaRPr lang="ko-KR" altLang="en-US" sz="1000" dirty="0">
               <a:solidFill>
@@ -6052,156 +5430,19 @@
           </a:p>
         </p:txBody>
       </p:sp>
-      <p:sp>
-        <p:nvSpPr>
-          <p:cNvPr id="94" name="순서도: 판단 93"/>
-          <p:cNvSpPr/>
-          <p:nvPr/>
-        </p:nvSpPr>
-        <p:spPr>
-          <a:xfrm>
-            <a:off x="5149712" y="4496098"/>
-            <a:ext cx="2527812" cy="373062"/>
-          </a:xfrm>
-          <a:prstGeom prst="flowChartDecision">
-            <a:avLst/>
-          </a:prstGeom>
-          <a:noFill/>
-        </p:spPr>
-        <p:style>
-          <a:lnRef idx="2">
-            <a:schemeClr val="accent1">
-              <a:shade val="50000"/>
-            </a:schemeClr>
-          </a:lnRef>
-          <a:fillRef idx="1">
-            <a:schemeClr val="accent1"/>
-          </a:fillRef>
-          <a:effectRef idx="0">
-            <a:schemeClr val="accent1"/>
-          </a:effectRef>
-          <a:fontRef idx="minor">
-            <a:schemeClr val="lt1"/>
-          </a:fontRef>
-        </p:style>
-        <p:txBody>
-          <a:bodyPr lIns="0" tIns="9578" rIns="0" bIns="9578" rtlCol="0" anchor="ctr"/>
-          <a:lstStyle/>
-          <a:p>
-            <a:pPr algn="ctr"/>
-            <a:r>
-              <a:rPr lang="en-US" altLang="ko-KR" sz="1000" dirty="0" smtClean="0">
-                <a:solidFill>
-                  <a:schemeClr val="tx1"/>
-                </a:solidFill>
-              </a:rPr>
-              <a:t>i &lt; length(</a:t>
-            </a:r>
-            <a:r>
-              <a:rPr lang="en-US" altLang="ko-KR" sz="1000" dirty="0" err="1" smtClean="0">
-                <a:solidFill>
-                  <a:schemeClr val="tx1"/>
-                </a:solidFill>
-              </a:rPr>
-              <a:t>CircleArray</a:t>
-            </a:r>
-            <a:r>
-              <a:rPr lang="en-US" altLang="ko-KR" sz="1000" dirty="0" smtClean="0">
-                <a:solidFill>
-                  <a:schemeClr val="tx1"/>
-                </a:solidFill>
-              </a:rPr>
-              <a:t>)</a:t>
-            </a:r>
-            <a:endParaRPr lang="ko-KR" altLang="en-US" sz="1000" dirty="0">
-              <a:solidFill>
-                <a:schemeClr val="tx1"/>
-              </a:solidFill>
-            </a:endParaRPr>
-          </a:p>
-        </p:txBody>
-      </p:sp>
       <p:cxnSp>
         <p:nvCxnSpPr>
-          <p:cNvPr id="102" name="꺾인 연결선 101"/>
+          <p:cNvPr id="118" name="직선 화살표 연결선 117"/>
           <p:cNvCxnSpPr>
-            <a:stCxn id="94" idx="3"/>
-            <a:endCxn id="79" idx="3"/>
+            <a:stCxn id="113" idx="2"/>
+            <a:endCxn id="94" idx="0"/>
           </p:cNvCxnSpPr>
           <p:nvPr/>
         </p:nvCxnSpPr>
         <p:spPr>
           <a:xfrm flipH="1">
-            <a:off x="7452356" y="4682629"/>
-            <a:ext cx="225168" cy="1870423"/>
-          </a:xfrm>
-          <a:prstGeom prst="bentConnector3">
-            <a:avLst>
-              <a:gd name="adj1" fmla="val -208176"/>
-            </a:avLst>
-          </a:prstGeom>
-          <a:ln>
-            <a:tailEnd type="arrow"/>
-          </a:ln>
-        </p:spPr>
-        <p:style>
-          <a:lnRef idx="1">
-            <a:schemeClr val="accent1"/>
-          </a:lnRef>
-          <a:fillRef idx="0">
-            <a:schemeClr val="accent1"/>
-          </a:fillRef>
-          <a:effectRef idx="0">
-            <a:schemeClr val="accent1"/>
-          </a:effectRef>
-          <a:fontRef idx="minor">
-            <a:schemeClr val="tx1"/>
-          </a:fontRef>
-        </p:style>
-      </p:cxnSp>
-      <p:sp>
-        <p:nvSpPr>
-          <p:cNvPr id="106" name="TextBox 105"/>
-          <p:cNvSpPr txBox="1"/>
-          <p:nvPr/>
-        </p:nvSpPr>
-        <p:spPr>
-          <a:xfrm>
-            <a:off x="6076204" y="4859288"/>
-            <a:ext cx="216024" cy="153888"/>
-          </a:xfrm>
-          <a:prstGeom prst="rect">
-            <a:avLst/>
-          </a:prstGeom>
-          <a:noFill/>
-        </p:spPr>
-        <p:txBody>
-          <a:bodyPr wrap="square" lIns="0" tIns="0" rIns="0" bIns="0" rtlCol="0">
-            <a:spAutoFit/>
-          </a:bodyPr>
-          <a:lstStyle/>
-          <a:p>
-            <a:r>
-              <a:rPr lang="en-US" altLang="ko-KR" sz="1000" dirty="0" smtClean="0"/>
-              <a:t>Yes</a:t>
-            </a:r>
-            <a:endParaRPr lang="ko-KR" altLang="en-US" sz="1000" dirty="0"/>
-          </a:p>
-        </p:txBody>
-      </p:sp>
-      <p:cxnSp>
-        <p:nvCxnSpPr>
-          <p:cNvPr id="109" name="직선 화살표 연결선 108"/>
-          <p:cNvCxnSpPr>
-            <a:stCxn id="94" idx="2"/>
-            <a:endCxn id="80" idx="0"/>
-          </p:cNvCxnSpPr>
-          <p:nvPr/>
-        </p:nvCxnSpPr>
-        <p:spPr>
-          <a:xfrm flipH="1">
-            <a:off x="6413476" y="4869160"/>
-            <a:ext cx="142" cy="216024"/>
+            <a:off x="11958234" y="2871231"/>
+            <a:ext cx="3766" cy="175294"/>
           </a:xfrm>
           <a:prstGeom prst="straightConnector1">
             <a:avLst/>
@@ -6227,44 +5468,14 @@
       </p:cxnSp>
       <p:sp>
         <p:nvSpPr>
-          <p:cNvPr id="110" name="TextBox 109"/>
-          <p:cNvSpPr txBox="1"/>
-          <p:nvPr/>
-        </p:nvSpPr>
-        <p:spPr>
-          <a:xfrm>
-            <a:off x="7605516" y="4715272"/>
-            <a:ext cx="216024" cy="153888"/>
-          </a:xfrm>
-          <a:prstGeom prst="rect">
-            <a:avLst/>
-          </a:prstGeom>
-          <a:noFill/>
-        </p:spPr>
-        <p:txBody>
-          <a:bodyPr wrap="square" lIns="0" tIns="0" rIns="0" bIns="0" rtlCol="0">
-            <a:spAutoFit/>
-          </a:bodyPr>
-          <a:lstStyle/>
-          <a:p>
-            <a:r>
-              <a:rPr lang="en-US" altLang="ko-KR" sz="1000" dirty="0" smtClean="0"/>
-              <a:t>No</a:t>
-            </a:r>
-            <a:endParaRPr lang="ko-KR" altLang="en-US" sz="1000" dirty="0"/>
-          </a:p>
-        </p:txBody>
-      </p:sp>
-      <p:sp>
-        <p:nvSpPr>
-          <p:cNvPr id="113" name="직사각형 112"/>
+          <p:cNvPr id="134" name="직사각형 133"/>
           <p:cNvSpPr/>
           <p:nvPr/>
         </p:nvSpPr>
         <p:spPr>
           <a:xfrm rot="10800000" flipV="1">
-            <a:off x="4842924" y="4149080"/>
-            <a:ext cx="3148920" cy="234318"/>
+            <a:off x="10396776" y="4607133"/>
+            <a:ext cx="3122632" cy="234318"/>
           </a:xfrm>
           <a:prstGeom prst="rect">
             <a:avLst/>
@@ -6298,7 +5509,7 @@
                   <a:schemeClr val="tx1"/>
                 </a:solidFill>
               </a:rPr>
-              <a:t>i</a:t>
+              <a:t>SetLength</a:t>
             </a:r>
             <a:r>
               <a:rPr lang="en-US" altLang="ko-KR" sz="1000" dirty="0" smtClean="0">
@@ -6306,7 +5517,39 @@
                   <a:schemeClr val="tx1"/>
                 </a:solidFill>
               </a:rPr>
-              <a:t> = 0</a:t>
+              <a:t>(</a:t>
+            </a:r>
+            <a:r>
+              <a:rPr lang="en-US" altLang="ko-KR" sz="1000" dirty="0" err="1" smtClean="0">
+                <a:solidFill>
+                  <a:schemeClr val="tx1"/>
+                </a:solidFill>
+              </a:rPr>
+              <a:t>CircleArray</a:t>
+            </a:r>
+            <a:r>
+              <a:rPr lang="en-US" altLang="ko-KR" sz="1000" dirty="0" smtClean="0">
+                <a:solidFill>
+                  <a:schemeClr val="tx1"/>
+                </a:solidFill>
+              </a:rPr>
+              <a:t>, Length(</a:t>
+            </a:r>
+            <a:r>
+              <a:rPr lang="en-US" altLang="ko-KR" sz="1000" dirty="0" err="1" smtClean="0">
+                <a:solidFill>
+                  <a:schemeClr val="tx1"/>
+                </a:solidFill>
+              </a:rPr>
+              <a:t>CircleArray</a:t>
+            </a:r>
+            <a:r>
+              <a:rPr lang="en-US" altLang="ko-KR" sz="1000" dirty="0" smtClean="0">
+                <a:solidFill>
+                  <a:schemeClr val="tx1"/>
+                </a:solidFill>
+              </a:rPr>
+              <a:t>) - 1)</a:t>
             </a:r>
             <a:endParaRPr lang="ko-KR" altLang="en-US" sz="1000" dirty="0">
               <a:solidFill>
@@ -6316,51 +5559,15 @@
           </a:p>
         </p:txBody>
       </p:sp>
-      <p:cxnSp>
-        <p:nvCxnSpPr>
-          <p:cNvPr id="118" name="직선 화살표 연결선 117"/>
-          <p:cNvCxnSpPr>
-            <a:stCxn id="113" idx="2"/>
-            <a:endCxn id="94" idx="0"/>
-          </p:cNvCxnSpPr>
-          <p:nvPr/>
-        </p:nvCxnSpPr>
-        <p:spPr>
-          <a:xfrm flipH="1">
-            <a:off x="6413618" y="4383398"/>
-            <a:ext cx="3766" cy="112700"/>
-          </a:xfrm>
-          <a:prstGeom prst="straightConnector1">
-            <a:avLst/>
-          </a:prstGeom>
-          <a:ln>
-            <a:tailEnd type="arrow"/>
-          </a:ln>
-        </p:spPr>
-        <p:style>
-          <a:lnRef idx="1">
-            <a:schemeClr val="accent1"/>
-          </a:lnRef>
-          <a:fillRef idx="0">
-            <a:schemeClr val="accent1"/>
-          </a:fillRef>
-          <a:effectRef idx="0">
-            <a:schemeClr val="accent1"/>
-          </a:effectRef>
-          <a:fontRef idx="minor">
-            <a:schemeClr val="tx1"/>
-          </a:fontRef>
-        </p:style>
-      </p:cxnSp>
-      <p:sp>
-        <p:nvSpPr>
-          <p:cNvPr id="134" name="직사각형 133"/>
+      <p:sp>
+        <p:nvSpPr>
+          <p:cNvPr id="135" name="직사각형 134"/>
           <p:cNvSpPr/>
           <p:nvPr/>
         </p:nvSpPr>
         <p:spPr>
           <a:xfrm rot="10800000" flipV="1">
-            <a:off x="4852160" y="5570945"/>
+            <a:off x="10396776" y="5057476"/>
             <a:ext cx="3122632" cy="234318"/>
           </a:xfrm>
           <a:prstGeom prst="rect">
@@ -6395,99 +5602,6 @@
                   <a:schemeClr val="tx1"/>
                 </a:solidFill>
               </a:rPr>
-              <a:t>SetLength</a:t>
-            </a:r>
-            <a:r>
-              <a:rPr lang="en-US" altLang="ko-KR" sz="1000" dirty="0" smtClean="0">
-                <a:solidFill>
-                  <a:schemeClr val="tx1"/>
-                </a:solidFill>
-              </a:rPr>
-              <a:t>(</a:t>
-            </a:r>
-            <a:r>
-              <a:rPr lang="en-US" altLang="ko-KR" sz="1000" dirty="0" err="1" smtClean="0">
-                <a:solidFill>
-                  <a:schemeClr val="tx1"/>
-                </a:solidFill>
-              </a:rPr>
-              <a:t>CircleArray</a:t>
-            </a:r>
-            <a:r>
-              <a:rPr lang="en-US" altLang="ko-KR" sz="1000" dirty="0" smtClean="0">
-                <a:solidFill>
-                  <a:schemeClr val="tx1"/>
-                </a:solidFill>
-              </a:rPr>
-              <a:t>, Length(</a:t>
-            </a:r>
-            <a:r>
-              <a:rPr lang="en-US" altLang="ko-KR" sz="1000" dirty="0" err="1" smtClean="0">
-                <a:solidFill>
-                  <a:schemeClr val="tx1"/>
-                </a:solidFill>
-              </a:rPr>
-              <a:t>CircleArray</a:t>
-            </a:r>
-            <a:r>
-              <a:rPr lang="en-US" altLang="ko-KR" sz="1000" dirty="0" smtClean="0">
-                <a:solidFill>
-                  <a:schemeClr val="tx1"/>
-                </a:solidFill>
-              </a:rPr>
-              <a:t>) - 1)</a:t>
-            </a:r>
-            <a:endParaRPr lang="ko-KR" altLang="en-US" sz="1000" dirty="0">
-              <a:solidFill>
-                <a:schemeClr val="tx1"/>
-              </a:solidFill>
-            </a:endParaRPr>
-          </a:p>
-        </p:txBody>
-      </p:sp>
-      <p:sp>
-        <p:nvSpPr>
-          <p:cNvPr id="135" name="직사각형 134"/>
-          <p:cNvSpPr/>
-          <p:nvPr/>
-        </p:nvSpPr>
-        <p:spPr>
-          <a:xfrm rot="10800000" flipV="1">
-            <a:off x="4852160" y="6021288"/>
-            <a:ext cx="3122632" cy="234318"/>
-          </a:xfrm>
-          <a:prstGeom prst="rect">
-            <a:avLst/>
-          </a:prstGeom>
-          <a:noFill/>
-        </p:spPr>
-        <p:style>
-          <a:lnRef idx="2">
-            <a:schemeClr val="accent1">
-              <a:shade val="50000"/>
-            </a:schemeClr>
-          </a:lnRef>
-          <a:fillRef idx="1">
-            <a:schemeClr val="accent1"/>
-          </a:fillRef>
-          <a:effectRef idx="0">
-            <a:schemeClr val="accent1"/>
-          </a:effectRef>
-          <a:fontRef idx="minor">
-            <a:schemeClr val="lt1"/>
-          </a:fontRef>
-        </p:style>
-        <p:txBody>
-          <a:bodyPr lIns="0" tIns="0" rIns="0" bIns="0" rtlCol="0" anchor="ctr"/>
-          <a:lstStyle/>
-          <a:p>
-            <a:pPr algn="ctr"/>
-            <a:r>
-              <a:rPr lang="en-US" altLang="ko-KR" sz="1000" dirty="0" err="1" smtClean="0">
-                <a:solidFill>
-                  <a:schemeClr val="tx1"/>
-                </a:solidFill>
-              </a:rPr>
               <a:t>i</a:t>
             </a:r>
             <a:r>
@@ -6533,7 +5647,7 @@
         </p:nvCxnSpPr>
         <p:spPr>
           <a:xfrm>
-            <a:off x="6413476" y="5319502"/>
+            <a:off x="11958092" y="4355690"/>
             <a:ext cx="0" cy="251443"/>
           </a:xfrm>
           <a:prstGeom prst="straightConnector1">
@@ -6569,378 +5683,8 @@
         </p:nvCxnSpPr>
         <p:spPr>
           <a:xfrm>
-            <a:off x="6413476" y="5805263"/>
+            <a:off x="11958092" y="4841451"/>
             <a:ext cx="0" cy="216025"/>
-          </a:xfrm>
-          <a:prstGeom prst="straightConnector1">
-            <a:avLst/>
-          </a:prstGeom>
-          <a:ln>
-            <a:tailEnd type="arrow"/>
-          </a:ln>
-        </p:spPr>
-        <p:style>
-          <a:lnRef idx="1">
-            <a:schemeClr val="accent1"/>
-          </a:lnRef>
-          <a:fillRef idx="0">
-            <a:schemeClr val="accent1"/>
-          </a:fillRef>
-          <a:effectRef idx="0">
-            <a:schemeClr val="accent1"/>
-          </a:effectRef>
-          <a:fontRef idx="minor">
-            <a:schemeClr val="tx1"/>
-          </a:fontRef>
-        </p:style>
-      </p:cxnSp>
-      <p:cxnSp>
-        <p:nvCxnSpPr>
-          <p:cNvPr id="144" name="직선 화살표 연결선 143"/>
-          <p:cNvCxnSpPr>
-            <a:stCxn id="114" idx="2"/>
-            <a:endCxn id="128" idx="0"/>
-          </p:cNvCxnSpPr>
-          <p:nvPr/>
-        </p:nvCxnSpPr>
-        <p:spPr>
-          <a:xfrm>
-            <a:off x="6471104" y="908720"/>
-            <a:ext cx="1144" cy="144017"/>
-          </a:xfrm>
-          <a:prstGeom prst="straightConnector1">
-            <a:avLst/>
-          </a:prstGeom>
-          <a:ln>
-            <a:tailEnd type="arrow"/>
-          </a:ln>
-        </p:spPr>
-        <p:style>
-          <a:lnRef idx="1">
-            <a:schemeClr val="accent1"/>
-          </a:lnRef>
-          <a:fillRef idx="0">
-            <a:schemeClr val="accent1"/>
-          </a:fillRef>
-          <a:effectRef idx="0">
-            <a:schemeClr val="accent1"/>
-          </a:effectRef>
-          <a:fontRef idx="minor">
-            <a:schemeClr val="tx1"/>
-          </a:fontRef>
-        </p:style>
-      </p:cxnSp>
-      <p:cxnSp>
-        <p:nvCxnSpPr>
-          <p:cNvPr id="146" name="직선 화살표 연결선 145"/>
-          <p:cNvCxnSpPr>
-            <a:stCxn id="128" idx="2"/>
-            <a:endCxn id="130" idx="0"/>
-          </p:cNvCxnSpPr>
-          <p:nvPr/>
-        </p:nvCxnSpPr>
-        <p:spPr>
-          <a:xfrm>
-            <a:off x="6472248" y="1287055"/>
-            <a:ext cx="0" cy="125722"/>
-          </a:xfrm>
-          <a:prstGeom prst="straightConnector1">
-            <a:avLst/>
-          </a:prstGeom>
-          <a:ln>
-            <a:tailEnd type="arrow"/>
-          </a:ln>
-        </p:spPr>
-        <p:style>
-          <a:lnRef idx="1">
-            <a:schemeClr val="accent1"/>
-          </a:lnRef>
-          <a:fillRef idx="0">
-            <a:schemeClr val="accent1"/>
-          </a:fillRef>
-          <a:effectRef idx="0">
-            <a:schemeClr val="accent1"/>
-          </a:effectRef>
-          <a:fontRef idx="minor">
-            <a:schemeClr val="tx1"/>
-          </a:fontRef>
-        </p:style>
-      </p:cxnSp>
-      <p:cxnSp>
-        <p:nvCxnSpPr>
-          <p:cNvPr id="148" name="직선 화살표 연결선 147"/>
-          <p:cNvCxnSpPr>
-            <a:stCxn id="130" idx="2"/>
-            <a:endCxn id="129" idx="0"/>
-          </p:cNvCxnSpPr>
-          <p:nvPr/>
-        </p:nvCxnSpPr>
-        <p:spPr>
-          <a:xfrm>
-            <a:off x="6472248" y="1647095"/>
-            <a:ext cx="0" cy="125722"/>
-          </a:xfrm>
-          <a:prstGeom prst="straightConnector1">
-            <a:avLst/>
-          </a:prstGeom>
-          <a:ln>
-            <a:tailEnd type="arrow"/>
-          </a:ln>
-        </p:spPr>
-        <p:style>
-          <a:lnRef idx="1">
-            <a:schemeClr val="accent1"/>
-          </a:lnRef>
-          <a:fillRef idx="0">
-            <a:schemeClr val="accent1"/>
-          </a:fillRef>
-          <a:effectRef idx="0">
-            <a:schemeClr val="accent1"/>
-          </a:effectRef>
-          <a:fontRef idx="minor">
-            <a:schemeClr val="tx1"/>
-          </a:fontRef>
-        </p:style>
-      </p:cxnSp>
-      <p:cxnSp>
-        <p:nvCxnSpPr>
-          <p:cNvPr id="150" name="직선 화살표 연결선 149"/>
-          <p:cNvCxnSpPr>
-            <a:stCxn id="129" idx="2"/>
-            <a:endCxn id="153" idx="0"/>
-          </p:cNvCxnSpPr>
-          <p:nvPr/>
-        </p:nvCxnSpPr>
-        <p:spPr>
-          <a:xfrm>
-            <a:off x="6472248" y="2007135"/>
-            <a:ext cx="0" cy="125722"/>
-          </a:xfrm>
-          <a:prstGeom prst="straightConnector1">
-            <a:avLst/>
-          </a:prstGeom>
-          <a:ln>
-            <a:tailEnd type="arrow"/>
-          </a:ln>
-        </p:spPr>
-        <p:style>
-          <a:lnRef idx="1">
-            <a:schemeClr val="accent1"/>
-          </a:lnRef>
-          <a:fillRef idx="0">
-            <a:schemeClr val="accent1"/>
-          </a:fillRef>
-          <a:effectRef idx="0">
-            <a:schemeClr val="accent1"/>
-          </a:effectRef>
-          <a:fontRef idx="minor">
-            <a:schemeClr val="tx1"/>
-          </a:fontRef>
-        </p:style>
-      </p:cxnSp>
-      <p:sp>
-        <p:nvSpPr>
-          <p:cNvPr id="153" name="직사각형 152"/>
-          <p:cNvSpPr/>
-          <p:nvPr/>
-        </p:nvSpPr>
-        <p:spPr>
-          <a:xfrm rot="10800000" flipV="1">
-            <a:off x="4897788" y="2132857"/>
-            <a:ext cx="3148920" cy="234318"/>
-          </a:xfrm>
-          <a:prstGeom prst="rect">
-            <a:avLst/>
-          </a:prstGeom>
-          <a:noFill/>
-        </p:spPr>
-        <p:style>
-          <a:lnRef idx="2">
-            <a:schemeClr val="accent1">
-              <a:shade val="50000"/>
-            </a:schemeClr>
-          </a:lnRef>
-          <a:fillRef idx="1">
-            <a:schemeClr val="accent1"/>
-          </a:fillRef>
-          <a:effectRef idx="0">
-            <a:schemeClr val="accent1"/>
-          </a:effectRef>
-          <a:fontRef idx="minor">
-            <a:schemeClr val="lt1"/>
-          </a:fontRef>
-        </p:style>
-        <p:txBody>
-          <a:bodyPr lIns="0" tIns="0" rIns="0" bIns="0" rtlCol="0" anchor="ctr"/>
-          <a:lstStyle/>
-          <a:p>
-            <a:pPr algn="ctr"/>
-            <a:r>
-              <a:rPr lang="en-US" altLang="ko-KR" sz="1000" dirty="0" err="1" smtClean="0">
-                <a:solidFill>
-                  <a:schemeClr val="tx1"/>
-                </a:solidFill>
-              </a:rPr>
-              <a:t>aCreateTime</a:t>
-            </a:r>
-            <a:r>
-              <a:rPr lang="en-US" altLang="ko-KR" sz="1000" dirty="0" smtClean="0">
-                <a:solidFill>
-                  <a:schemeClr val="tx1"/>
-                </a:solidFill>
-              </a:rPr>
-              <a:t>=Now()</a:t>
-            </a:r>
-            <a:endParaRPr lang="ko-KR" altLang="en-US" sz="1000" dirty="0">
-              <a:solidFill>
-                <a:schemeClr val="tx1"/>
-              </a:solidFill>
-            </a:endParaRPr>
-          </a:p>
-        </p:txBody>
-      </p:sp>
-      <p:cxnSp>
-        <p:nvCxnSpPr>
-          <p:cNvPr id="156" name="직선 화살표 연결선 155"/>
-          <p:cNvCxnSpPr>
-            <a:stCxn id="153" idx="2"/>
-            <a:endCxn id="159" idx="0"/>
-          </p:cNvCxnSpPr>
-          <p:nvPr/>
-        </p:nvCxnSpPr>
-        <p:spPr>
-          <a:xfrm>
-            <a:off x="6472248" y="2367175"/>
-            <a:ext cx="0" cy="125722"/>
-          </a:xfrm>
-          <a:prstGeom prst="straightConnector1">
-            <a:avLst/>
-          </a:prstGeom>
-          <a:ln>
-            <a:tailEnd type="arrow"/>
-          </a:ln>
-        </p:spPr>
-        <p:style>
-          <a:lnRef idx="1">
-            <a:schemeClr val="accent1"/>
-          </a:lnRef>
-          <a:fillRef idx="0">
-            <a:schemeClr val="accent1"/>
-          </a:fillRef>
-          <a:effectRef idx="0">
-            <a:schemeClr val="accent1"/>
-          </a:effectRef>
-          <a:fontRef idx="minor">
-            <a:schemeClr val="tx1"/>
-          </a:fontRef>
-        </p:style>
-      </p:cxnSp>
-      <p:sp>
-        <p:nvSpPr>
-          <p:cNvPr id="159" name="직사각형 158"/>
-          <p:cNvSpPr/>
-          <p:nvPr/>
-        </p:nvSpPr>
-        <p:spPr>
-          <a:xfrm rot="10800000" flipV="1">
-            <a:off x="4897788" y="2492897"/>
-            <a:ext cx="3148920" cy="234318"/>
-          </a:xfrm>
-          <a:prstGeom prst="rect">
-            <a:avLst/>
-          </a:prstGeom>
-          <a:noFill/>
-        </p:spPr>
-        <p:style>
-          <a:lnRef idx="2">
-            <a:schemeClr val="accent1">
-              <a:shade val="50000"/>
-            </a:schemeClr>
-          </a:lnRef>
-          <a:fillRef idx="1">
-            <a:schemeClr val="accent1"/>
-          </a:fillRef>
-          <a:effectRef idx="0">
-            <a:schemeClr val="accent1"/>
-          </a:effectRef>
-          <a:fontRef idx="minor">
-            <a:schemeClr val="lt1"/>
-          </a:fontRef>
-        </p:style>
-        <p:txBody>
-          <a:bodyPr lIns="0" tIns="0" rIns="0" bIns="0" rtlCol="0" anchor="ctr"/>
-          <a:lstStyle/>
-          <a:p>
-            <a:pPr algn="ctr"/>
-            <a:r>
-              <a:rPr lang="en-US" altLang="ko-KR" sz="1000" dirty="0" err="1" smtClean="0">
-                <a:solidFill>
-                  <a:schemeClr val="tx1"/>
-                </a:solidFill>
-              </a:rPr>
-              <a:t>TimeProcess</a:t>
-            </a:r>
-            <a:r>
-              <a:rPr lang="en-US" altLang="ko-KR" sz="1000" dirty="0" smtClean="0">
-                <a:solidFill>
-                  <a:schemeClr val="tx1"/>
-                </a:solidFill>
-              </a:rPr>
-              <a:t>(</a:t>
-            </a:r>
-            <a:r>
-              <a:rPr lang="en-US" altLang="ko-KR" sz="1000" dirty="0" err="1" smtClean="0">
-                <a:solidFill>
-                  <a:schemeClr val="tx1"/>
-                </a:solidFill>
-              </a:rPr>
-              <a:t>aObject</a:t>
-            </a:r>
-            <a:r>
-              <a:rPr lang="en-US" altLang="ko-KR" sz="1000" dirty="0" smtClean="0">
-                <a:solidFill>
-                  <a:schemeClr val="tx1"/>
-                </a:solidFill>
-              </a:rPr>
-              <a:t>, </a:t>
-            </a:r>
-            <a:r>
-              <a:rPr lang="en-US" altLang="ko-KR" sz="1000" dirty="0" err="1" smtClean="0">
-                <a:solidFill>
-                  <a:schemeClr val="tx1"/>
-                </a:solidFill>
-              </a:rPr>
-              <a:t>aCreateTime,Interval</a:t>
-            </a:r>
-            <a:r>
-              <a:rPr lang="en-US" altLang="ko-KR" sz="1000" dirty="0" smtClean="0">
-                <a:solidFill>
-                  <a:schemeClr val="tx1"/>
-                </a:solidFill>
-              </a:rPr>
-              <a:t>)</a:t>
-            </a:r>
-            <a:endParaRPr lang="ko-KR" altLang="en-US" sz="1000" dirty="0">
-              <a:solidFill>
-                <a:schemeClr val="tx1"/>
-              </a:solidFill>
-            </a:endParaRPr>
-          </a:p>
-        </p:txBody>
-      </p:sp>
-      <p:cxnSp>
-        <p:nvCxnSpPr>
-          <p:cNvPr id="162" name="직선 화살표 연결선 161"/>
-          <p:cNvCxnSpPr>
-            <a:stCxn id="159" idx="2"/>
-            <a:endCxn id="115" idx="0"/>
-          </p:cNvCxnSpPr>
-          <p:nvPr/>
-        </p:nvCxnSpPr>
-        <p:spPr>
-          <a:xfrm flipH="1">
-            <a:off x="6471012" y="2727215"/>
-            <a:ext cx="1236" cy="125721"/>
           </a:xfrm>
           <a:prstGeom prst="straightConnector1">
             <a:avLst/>
@@ -6975,8 +5719,8 @@
         </p:nvCxnSpPr>
         <p:spPr>
           <a:xfrm rot="10800000" flipH="1">
-            <a:off x="4852160" y="4682629"/>
-            <a:ext cx="297552" cy="1455818"/>
+            <a:off x="10396776" y="3233057"/>
+            <a:ext cx="297552" cy="1941579"/>
           </a:xfrm>
           <a:prstGeom prst="bentConnector3">
             <a:avLst>
@@ -7002,19 +5746,761 @@
           </a:fontRef>
         </p:style>
       </p:cxnSp>
+      <p:grpSp>
+        <p:nvGrpSpPr>
+          <p:cNvPr id="160" name="그룹 159"/>
+          <p:cNvGrpSpPr/>
+          <p:nvPr/>
+        </p:nvGrpSpPr>
+        <p:grpSpPr>
+          <a:xfrm>
+            <a:off x="4206752" y="3789040"/>
+            <a:ext cx="5587580" cy="3068960"/>
+            <a:chOff x="8670104" y="1521360"/>
+            <a:chExt cx="5587580" cy="3600400"/>
+          </a:xfrm>
+        </p:grpSpPr>
+        <p:sp>
+          <p:nvSpPr>
+            <p:cNvPr id="111" name="순서도: 판단 110"/>
+            <p:cNvSpPr/>
+            <p:nvPr/>
+          </p:nvSpPr>
+          <p:spPr>
+            <a:xfrm>
+              <a:off x="8670104" y="3153990"/>
+              <a:ext cx="5586436" cy="635050"/>
+            </a:xfrm>
+            <a:prstGeom prst="flowChartDecision">
+              <a:avLst/>
+            </a:prstGeom>
+            <a:noFill/>
+          </p:spPr>
+          <p:style>
+            <a:lnRef idx="2">
+              <a:schemeClr val="accent1">
+                <a:shade val="50000"/>
+              </a:schemeClr>
+            </a:lnRef>
+            <a:fillRef idx="1">
+              <a:schemeClr val="accent1"/>
+            </a:fillRef>
+            <a:effectRef idx="0">
+              <a:schemeClr val="accent1"/>
+            </a:effectRef>
+            <a:fontRef idx="minor">
+              <a:schemeClr val="lt1"/>
+            </a:fontRef>
+          </p:style>
+          <p:txBody>
+            <a:bodyPr lIns="0" tIns="9578" rIns="0" bIns="9578" rtlCol="0" anchor="ctr"/>
+            <a:lstStyle/>
+            <a:p>
+              <a:pPr algn="ctr"/>
+              <a:r>
+                <a:rPr lang="en-US" altLang="ko-KR" sz="1000" dirty="0" err="1" smtClean="0">
+                  <a:solidFill>
+                    <a:schemeClr val="tx1"/>
+                  </a:solidFill>
+                </a:rPr>
+                <a:t>aRecord.aCreateTime</a:t>
+              </a:r>
+              <a:r>
+                <a:rPr lang="en-US" altLang="ko-KR" sz="1000" dirty="0" smtClean="0">
+                  <a:solidFill>
+                    <a:schemeClr val="tx1"/>
+                  </a:solidFill>
+                </a:rPr>
+                <a:t>&gt;(Now()+(</a:t>
+              </a:r>
+              <a:r>
+                <a:rPr lang="en-US" altLang="ko-KR" sz="1000" dirty="0" err="1" smtClean="0">
+                  <a:solidFill>
+                    <a:schemeClr val="tx1"/>
+                  </a:solidFill>
+                </a:rPr>
+                <a:t>aInterval</a:t>
+              </a:r>
+              <a:r>
+                <a:rPr lang="en-US" altLang="ko-KR" sz="1000" dirty="0" smtClean="0">
+                  <a:solidFill>
+                    <a:schemeClr val="tx1"/>
+                  </a:solidFill>
+                </a:rPr>
+                <a:t>*1000))</a:t>
+              </a:r>
+              <a:endParaRPr lang="ko-KR" altLang="en-US" sz="1000" dirty="0">
+                <a:solidFill>
+                  <a:schemeClr val="tx1"/>
+                </a:solidFill>
+              </a:endParaRPr>
+            </a:p>
+          </p:txBody>
+        </p:sp>
+        <p:grpSp>
+          <p:nvGrpSpPr>
+            <p:cNvPr id="120" name="그룹 20"/>
+            <p:cNvGrpSpPr/>
+            <p:nvPr/>
+          </p:nvGrpSpPr>
+          <p:grpSpPr>
+            <a:xfrm>
+              <a:off x="8711924" y="1521360"/>
+              <a:ext cx="5545760" cy="3600400"/>
+              <a:chOff x="4926749" y="1559462"/>
+              <a:chExt cx="2185953" cy="821486"/>
+            </a:xfrm>
+          </p:grpSpPr>
+          <p:sp>
+            <p:nvSpPr>
+              <p:cNvPr id="121" name="직사각형 120"/>
+              <p:cNvSpPr/>
+              <p:nvPr/>
+            </p:nvSpPr>
+            <p:spPr>
+              <a:xfrm rot="10800000" flipV="1">
+                <a:off x="4926749" y="1559462"/>
+                <a:ext cx="2185952" cy="821486"/>
+              </a:xfrm>
+              <a:prstGeom prst="rect">
+                <a:avLst/>
+              </a:prstGeom>
+              <a:noFill/>
+            </p:spPr>
+            <p:style>
+              <a:lnRef idx="2">
+                <a:schemeClr val="accent1">
+                  <a:shade val="50000"/>
+                </a:schemeClr>
+              </a:lnRef>
+              <a:fillRef idx="1">
+                <a:schemeClr val="accent1"/>
+              </a:fillRef>
+              <a:effectRef idx="0">
+                <a:schemeClr val="accent1"/>
+              </a:effectRef>
+              <a:fontRef idx="minor">
+                <a:schemeClr val="lt1"/>
+              </a:fontRef>
+            </p:style>
+            <p:txBody>
+              <a:bodyPr lIns="0" tIns="0" rIns="0" bIns="0" rtlCol="0" anchor="ctr"/>
+              <a:lstStyle/>
+              <a:p>
+                <a:pPr algn="ctr"/>
+                <a:endParaRPr lang="ko-KR" altLang="en-US" sz="1200" dirty="0">
+                  <a:solidFill>
+                    <a:schemeClr val="tx1"/>
+                  </a:solidFill>
+                </a:endParaRPr>
+              </a:p>
+            </p:txBody>
+          </p:sp>
+          <p:sp>
+            <p:nvSpPr>
+              <p:cNvPr id="122" name="직사각형 121"/>
+              <p:cNvSpPr/>
+              <p:nvPr/>
+            </p:nvSpPr>
+            <p:spPr>
+              <a:xfrm rot="10800000" flipV="1">
+                <a:off x="4926752" y="1561242"/>
+                <a:ext cx="2185950" cy="122688"/>
+              </a:xfrm>
+              <a:prstGeom prst="rect">
+                <a:avLst/>
+              </a:prstGeom>
+              <a:noFill/>
+            </p:spPr>
+            <p:style>
+              <a:lnRef idx="2">
+                <a:schemeClr val="accent1">
+                  <a:shade val="50000"/>
+                </a:schemeClr>
+              </a:lnRef>
+              <a:fillRef idx="1">
+                <a:schemeClr val="accent1"/>
+              </a:fillRef>
+              <a:effectRef idx="0">
+                <a:schemeClr val="accent1"/>
+              </a:effectRef>
+              <a:fontRef idx="minor">
+                <a:schemeClr val="lt1"/>
+              </a:fontRef>
+            </p:style>
+            <p:txBody>
+              <a:bodyPr lIns="0" tIns="0" rIns="0" bIns="0" rtlCol="0" anchor="ctr"/>
+              <a:lstStyle/>
+              <a:p>
+                <a:pPr algn="ctr"/>
+                <a:r>
+                  <a:rPr lang="en-US" altLang="ko-KR" sz="1200" dirty="0" err="1" smtClean="0">
+                    <a:solidFill>
+                      <a:schemeClr val="tx1"/>
+                    </a:solidFill>
+                  </a:rPr>
+                  <a:t>TimeProcess</a:t>
+                </a:r>
+                <a:r>
+                  <a:rPr lang="en-US" altLang="ko-KR" sz="1200" dirty="0" smtClean="0">
+                    <a:solidFill>
+                      <a:schemeClr val="tx1"/>
+                    </a:solidFill>
+                  </a:rPr>
+                  <a:t>(</a:t>
+                </a:r>
+                <a:r>
+                  <a:rPr lang="en-US" altLang="ko-KR" sz="1200" dirty="0" err="1" smtClean="0">
+                    <a:solidFill>
+                      <a:schemeClr val="tx1"/>
+                    </a:solidFill>
+                  </a:rPr>
+                  <a:t>aRecord</a:t>
+                </a:r>
+                <a:r>
+                  <a:rPr lang="en-US" altLang="ko-KR" sz="1200" dirty="0" smtClean="0">
+                    <a:solidFill>
+                      <a:schemeClr val="tx1"/>
+                    </a:solidFill>
+                  </a:rPr>
+                  <a:t> : </a:t>
+                </a:r>
+                <a:r>
+                  <a:rPr lang="en-US" altLang="ko-KR" sz="1200" dirty="0" err="1" smtClean="0">
+                    <a:solidFill>
+                      <a:schemeClr val="tx1"/>
+                    </a:solidFill>
+                  </a:rPr>
+                  <a:t>TCirCleData</a:t>
+                </a:r>
+                <a:r>
+                  <a:rPr lang="en-US" altLang="ko-KR" sz="1200" dirty="0" smtClean="0">
+                    <a:solidFill>
+                      <a:schemeClr val="tx1"/>
+                    </a:solidFill>
+                  </a:rPr>
+                  <a:t> </a:t>
+                </a:r>
+                <a:r>
+                  <a:rPr lang="en-US" altLang="ko-KR" sz="1200" dirty="0" smtClean="0">
+                    <a:solidFill>
+                      <a:schemeClr val="tx1"/>
+                    </a:solidFill>
+                  </a:rPr>
+                  <a:t>, </a:t>
+                </a:r>
+                <a:r>
+                  <a:rPr lang="en-US" altLang="ko-KR" sz="1200" dirty="0" err="1" smtClean="0">
+                    <a:solidFill>
+                      <a:schemeClr val="tx1"/>
+                    </a:solidFill>
+                  </a:rPr>
+                  <a:t>aInterval</a:t>
+                </a:r>
+                <a:r>
+                  <a:rPr lang="en-US" altLang="ko-KR" sz="1200" dirty="0" smtClean="0">
+                    <a:solidFill>
+                      <a:schemeClr val="tx1"/>
+                    </a:solidFill>
+                  </a:rPr>
+                  <a:t> : </a:t>
+                </a:r>
+                <a:r>
+                  <a:rPr lang="en-US" altLang="ko-KR" sz="1200" dirty="0" smtClean="0">
+                    <a:solidFill>
+                      <a:schemeClr val="tx1"/>
+                    </a:solidFill>
+                  </a:rPr>
+                  <a:t>Integer</a:t>
+                </a:r>
+                <a:r>
+                  <a:rPr lang="en-US" altLang="ko-KR" sz="1200" dirty="0" smtClean="0">
+                    <a:solidFill>
+                      <a:schemeClr val="tx1"/>
+                    </a:solidFill>
+                  </a:rPr>
+                  <a:t>)</a:t>
+                </a:r>
+                <a:endParaRPr lang="ko-KR" altLang="en-US" sz="1200" dirty="0">
+                  <a:solidFill>
+                    <a:schemeClr val="tx1"/>
+                  </a:solidFill>
+                </a:endParaRPr>
+              </a:p>
+            </p:txBody>
+          </p:sp>
+        </p:grpSp>
+        <p:sp>
+          <p:nvSpPr>
+            <p:cNvPr id="92" name="직사각형 91"/>
+            <p:cNvSpPr/>
+            <p:nvPr/>
+          </p:nvSpPr>
+          <p:spPr>
+            <a:xfrm rot="10800000" flipV="1">
+              <a:off x="10107508" y="4005065"/>
+              <a:ext cx="2719160" cy="360039"/>
+            </a:xfrm>
+            <a:prstGeom prst="rect">
+              <a:avLst/>
+            </a:prstGeom>
+            <a:noFill/>
+          </p:spPr>
+          <p:style>
+            <a:lnRef idx="2">
+              <a:schemeClr val="accent1">
+                <a:shade val="50000"/>
+              </a:schemeClr>
+            </a:lnRef>
+            <a:fillRef idx="1">
+              <a:schemeClr val="accent1"/>
+            </a:fillRef>
+            <a:effectRef idx="0">
+              <a:schemeClr val="accent1"/>
+            </a:effectRef>
+            <a:fontRef idx="minor">
+              <a:schemeClr val="lt1"/>
+            </a:fontRef>
+          </p:style>
+          <p:txBody>
+            <a:bodyPr lIns="0" tIns="0" rIns="0" bIns="0" rtlCol="0" anchor="ctr"/>
+            <a:lstStyle/>
+            <a:p>
+              <a:pPr algn="ctr"/>
+              <a:r>
+                <a:rPr lang="en-US" altLang="ko-KR" sz="1000" dirty="0" err="1" smtClean="0">
+                  <a:solidFill>
+                    <a:schemeClr val="tx1"/>
+                  </a:solidFill>
+                </a:rPr>
+                <a:t>RemoveCircleObject</a:t>
+              </a:r>
+              <a:r>
+                <a:rPr lang="en-US" altLang="ko-KR" sz="1000" dirty="0" smtClean="0">
+                  <a:solidFill>
+                    <a:schemeClr val="tx1"/>
+                  </a:solidFill>
+                </a:rPr>
+                <a:t>(</a:t>
+              </a:r>
+              <a:r>
+                <a:rPr lang="en-US" altLang="ko-KR" sz="1000" dirty="0" err="1" smtClean="0">
+                  <a:solidFill>
+                    <a:schemeClr val="tx1"/>
+                  </a:solidFill>
+                </a:rPr>
+                <a:t>aRecord</a:t>
+              </a:r>
+              <a:r>
+                <a:rPr lang="en-US" altLang="ko-KR" sz="1000" dirty="0" smtClean="0">
+                  <a:solidFill>
+                    <a:schemeClr val="tx1"/>
+                  </a:solidFill>
+                </a:rPr>
+                <a:t>)</a:t>
+              </a:r>
+              <a:endParaRPr lang="ko-KR" altLang="en-US" sz="1000" dirty="0">
+                <a:solidFill>
+                  <a:schemeClr val="tx1"/>
+                </a:solidFill>
+              </a:endParaRPr>
+            </a:p>
+          </p:txBody>
+        </p:sp>
+        <p:cxnSp>
+          <p:nvCxnSpPr>
+            <p:cNvPr id="172" name="Shape 171"/>
+            <p:cNvCxnSpPr>
+              <a:stCxn id="111" idx="3"/>
+            </p:cNvCxnSpPr>
+            <p:nvPr/>
+          </p:nvCxnSpPr>
+          <p:spPr>
+            <a:xfrm flipH="1" flipV="1">
+              <a:off x="11449372" y="2996953"/>
+              <a:ext cx="2807168" cy="474562"/>
+            </a:xfrm>
+            <a:prstGeom prst="bentConnector3">
+              <a:avLst>
+                <a:gd name="adj1" fmla="val 1901"/>
+              </a:avLst>
+            </a:prstGeom>
+            <a:ln>
+              <a:tailEnd type="arrow"/>
+            </a:ln>
+          </p:spPr>
+          <p:style>
+            <a:lnRef idx="1">
+              <a:schemeClr val="accent1"/>
+            </a:lnRef>
+            <a:fillRef idx="0">
+              <a:schemeClr val="accent1"/>
+            </a:fillRef>
+            <a:effectRef idx="0">
+              <a:schemeClr val="accent1"/>
+            </a:effectRef>
+            <a:fontRef idx="minor">
+              <a:schemeClr val="tx1"/>
+            </a:fontRef>
+          </p:style>
+        </p:cxnSp>
+        <p:sp>
+          <p:nvSpPr>
+            <p:cNvPr id="174" name="TextBox 173"/>
+            <p:cNvSpPr txBox="1"/>
+            <p:nvPr/>
+          </p:nvSpPr>
+          <p:spPr>
+            <a:xfrm>
+              <a:off x="10963604" y="3717032"/>
+              <a:ext cx="216024" cy="153888"/>
+            </a:xfrm>
+            <a:prstGeom prst="rect">
+              <a:avLst/>
+            </a:prstGeom>
+            <a:noFill/>
+          </p:spPr>
+          <p:txBody>
+            <a:bodyPr wrap="square" lIns="0" tIns="0" rIns="0" bIns="0" rtlCol="0">
+              <a:spAutoFit/>
+            </a:bodyPr>
+            <a:lstStyle/>
+            <a:p>
+              <a:r>
+                <a:rPr lang="en-US" altLang="ko-KR" sz="1000" dirty="0" smtClean="0"/>
+                <a:t>Yes</a:t>
+              </a:r>
+              <a:endParaRPr lang="ko-KR" altLang="en-US" sz="1000" dirty="0"/>
+            </a:p>
+          </p:txBody>
+        </p:sp>
+        <p:sp>
+          <p:nvSpPr>
+            <p:cNvPr id="175" name="TextBox 174"/>
+            <p:cNvSpPr txBox="1"/>
+            <p:nvPr/>
+          </p:nvSpPr>
+          <p:spPr>
+            <a:xfrm>
+              <a:off x="13969652" y="3284984"/>
+              <a:ext cx="216024" cy="153888"/>
+            </a:xfrm>
+            <a:prstGeom prst="rect">
+              <a:avLst/>
+            </a:prstGeom>
+            <a:noFill/>
+          </p:spPr>
+          <p:txBody>
+            <a:bodyPr wrap="square" lIns="0" tIns="0" rIns="0" bIns="0" rtlCol="0">
+              <a:spAutoFit/>
+            </a:bodyPr>
+            <a:lstStyle/>
+            <a:p>
+              <a:r>
+                <a:rPr lang="en-US" altLang="ko-KR" sz="1000" dirty="0" smtClean="0"/>
+                <a:t>No</a:t>
+              </a:r>
+              <a:endParaRPr lang="ko-KR" altLang="en-US" sz="1000" dirty="0"/>
+            </a:p>
+          </p:txBody>
+        </p:sp>
+        <p:cxnSp>
+          <p:nvCxnSpPr>
+            <p:cNvPr id="180" name="직선 화살표 연결선 179"/>
+            <p:cNvCxnSpPr>
+              <a:stCxn id="111" idx="2"/>
+              <a:endCxn id="92" idx="0"/>
+            </p:cNvCxnSpPr>
+            <p:nvPr/>
+          </p:nvCxnSpPr>
+          <p:spPr>
+            <a:xfrm>
+              <a:off x="11463322" y="3789040"/>
+              <a:ext cx="3766" cy="216026"/>
+            </a:xfrm>
+            <a:prstGeom prst="straightConnector1">
+              <a:avLst/>
+            </a:prstGeom>
+            <a:ln>
+              <a:tailEnd type="arrow"/>
+            </a:ln>
+          </p:spPr>
+          <p:style>
+            <a:lnRef idx="1">
+              <a:schemeClr val="accent1"/>
+            </a:lnRef>
+            <a:fillRef idx="0">
+              <a:schemeClr val="accent1"/>
+            </a:fillRef>
+            <a:effectRef idx="0">
+              <a:schemeClr val="accent1"/>
+            </a:effectRef>
+            <a:fontRef idx="minor">
+              <a:schemeClr val="tx1"/>
+            </a:fontRef>
+          </p:style>
+        </p:cxnSp>
+        <p:sp>
+          <p:nvSpPr>
+            <p:cNvPr id="190" name="순서도: 수행의 시작/종료 189"/>
+            <p:cNvSpPr/>
+            <p:nvPr/>
+          </p:nvSpPr>
+          <p:spPr>
+            <a:xfrm>
+              <a:off x="10422972" y="4518264"/>
+              <a:ext cx="2088232" cy="288032"/>
+            </a:xfrm>
+            <a:prstGeom prst="flowChartTerminator">
+              <a:avLst/>
+            </a:prstGeom>
+            <a:noFill/>
+          </p:spPr>
+          <p:style>
+            <a:lnRef idx="2">
+              <a:schemeClr val="accent1">
+                <a:shade val="50000"/>
+              </a:schemeClr>
+            </a:lnRef>
+            <a:fillRef idx="1">
+              <a:schemeClr val="accent1"/>
+            </a:fillRef>
+            <a:effectRef idx="0">
+              <a:schemeClr val="accent1"/>
+            </a:effectRef>
+            <a:fontRef idx="minor">
+              <a:schemeClr val="lt1"/>
+            </a:fontRef>
+          </p:style>
+          <p:txBody>
+            <a:bodyPr lIns="0" tIns="0" rIns="0" bIns="0" rtlCol="0" anchor="ctr"/>
+            <a:lstStyle/>
+            <a:p>
+              <a:pPr algn="ctr"/>
+              <a:r>
+                <a:rPr lang="en-US" altLang="ko-KR" sz="1000" dirty="0" smtClean="0">
+                  <a:solidFill>
+                    <a:schemeClr val="tx1"/>
+                  </a:solidFill>
+                </a:rPr>
+                <a:t>END</a:t>
+              </a:r>
+              <a:endParaRPr lang="ko-KR" altLang="en-US" sz="1000" dirty="0">
+                <a:solidFill>
+                  <a:schemeClr val="tx1"/>
+                </a:solidFill>
+              </a:endParaRPr>
+            </a:p>
+          </p:txBody>
+        </p:sp>
+        <p:sp>
+          <p:nvSpPr>
+            <p:cNvPr id="192" name="순서도: 수행의 시작/종료 191"/>
+            <p:cNvSpPr/>
+            <p:nvPr/>
+          </p:nvSpPr>
+          <p:spPr>
+            <a:xfrm>
+              <a:off x="10413828" y="2564904"/>
+              <a:ext cx="2088232" cy="288032"/>
+            </a:xfrm>
+            <a:prstGeom prst="flowChartTerminator">
+              <a:avLst/>
+            </a:prstGeom>
+            <a:noFill/>
+          </p:spPr>
+          <p:style>
+            <a:lnRef idx="2">
+              <a:schemeClr val="accent1">
+                <a:shade val="50000"/>
+              </a:schemeClr>
+            </a:lnRef>
+            <a:fillRef idx="1">
+              <a:schemeClr val="accent1"/>
+            </a:fillRef>
+            <a:effectRef idx="0">
+              <a:schemeClr val="accent1"/>
+            </a:effectRef>
+            <a:fontRef idx="minor">
+              <a:schemeClr val="lt1"/>
+            </a:fontRef>
+          </p:style>
+          <p:txBody>
+            <a:bodyPr lIns="0" tIns="0" rIns="0" bIns="0" rtlCol="0" anchor="ctr"/>
+            <a:lstStyle/>
+            <a:p>
+              <a:pPr algn="ctr"/>
+              <a:r>
+                <a:rPr lang="en-US" altLang="ko-KR" sz="1000" dirty="0" smtClean="0">
+                  <a:solidFill>
+                    <a:schemeClr val="tx1"/>
+                  </a:solidFill>
+                </a:rPr>
+                <a:t>START</a:t>
+              </a:r>
+              <a:endParaRPr lang="ko-KR" altLang="en-US" sz="1000" dirty="0">
+                <a:solidFill>
+                  <a:schemeClr val="tx1"/>
+                </a:solidFill>
+              </a:endParaRPr>
+            </a:p>
+          </p:txBody>
+        </p:sp>
+        <p:cxnSp>
+          <p:nvCxnSpPr>
+            <p:cNvPr id="195" name="직선 화살표 연결선 194"/>
+            <p:cNvCxnSpPr>
+              <a:stCxn id="192" idx="2"/>
+              <a:endCxn id="111" idx="0"/>
+            </p:cNvCxnSpPr>
+            <p:nvPr/>
+          </p:nvCxnSpPr>
+          <p:spPr>
+            <a:xfrm>
+              <a:off x="11457944" y="2852936"/>
+              <a:ext cx="5378" cy="301053"/>
+            </a:xfrm>
+            <a:prstGeom prst="straightConnector1">
+              <a:avLst/>
+            </a:prstGeom>
+            <a:ln>
+              <a:tailEnd type="arrow"/>
+            </a:ln>
+          </p:spPr>
+          <p:style>
+            <a:lnRef idx="1">
+              <a:schemeClr val="accent1"/>
+            </a:lnRef>
+            <a:fillRef idx="0">
+              <a:schemeClr val="accent1"/>
+            </a:fillRef>
+            <a:effectRef idx="0">
+              <a:schemeClr val="accent1"/>
+            </a:effectRef>
+            <a:fontRef idx="minor">
+              <a:schemeClr val="tx1"/>
+            </a:fontRef>
+          </p:style>
+        </p:cxnSp>
+        <p:cxnSp>
+          <p:nvCxnSpPr>
+            <p:cNvPr id="200" name="직선 화살표 연결선 199"/>
+            <p:cNvCxnSpPr>
+              <a:stCxn id="92" idx="2"/>
+              <a:endCxn id="190" idx="0"/>
+            </p:cNvCxnSpPr>
+            <p:nvPr/>
+          </p:nvCxnSpPr>
+          <p:spPr>
+            <a:xfrm>
+              <a:off x="11467088" y="4365104"/>
+              <a:ext cx="0" cy="153160"/>
+            </a:xfrm>
+            <a:prstGeom prst="straightConnector1">
+              <a:avLst/>
+            </a:prstGeom>
+            <a:ln>
+              <a:tailEnd type="arrow"/>
+            </a:ln>
+          </p:spPr>
+          <p:style>
+            <a:lnRef idx="1">
+              <a:schemeClr val="accent1"/>
+            </a:lnRef>
+            <a:fillRef idx="0">
+              <a:schemeClr val="accent1"/>
+            </a:fillRef>
+            <a:effectRef idx="0">
+              <a:schemeClr val="accent1"/>
+            </a:effectRef>
+            <a:fontRef idx="minor">
+              <a:schemeClr val="tx1"/>
+            </a:fontRef>
+          </p:style>
+        </p:cxnSp>
+      </p:grpSp>
+      <p:sp>
+        <p:nvSpPr>
+          <p:cNvPr id="98" name="직사각형 97"/>
+          <p:cNvSpPr/>
+          <p:nvPr/>
+        </p:nvSpPr>
+        <p:spPr>
+          <a:xfrm rot="10800000" flipV="1">
+            <a:off x="1106232" y="3789040"/>
+            <a:ext cx="1944216" cy="234318"/>
+          </a:xfrm>
+          <a:prstGeom prst="rect">
+            <a:avLst/>
+          </a:prstGeom>
+          <a:noFill/>
+        </p:spPr>
+        <p:style>
+          <a:lnRef idx="2">
+            <a:schemeClr val="accent1">
+              <a:shade val="50000"/>
+            </a:schemeClr>
+          </a:lnRef>
+          <a:fillRef idx="1">
+            <a:schemeClr val="accent1"/>
+          </a:fillRef>
+          <a:effectRef idx="0">
+            <a:schemeClr val="accent1"/>
+          </a:effectRef>
+          <a:fontRef idx="minor">
+            <a:schemeClr val="lt1"/>
+          </a:fontRef>
+        </p:style>
+        <p:txBody>
+          <a:bodyPr lIns="0" tIns="0" rIns="0" bIns="0" rtlCol="0" anchor="ctr"/>
+          <a:lstStyle/>
+          <a:p>
+            <a:pPr algn="ctr"/>
+            <a:r>
+              <a:rPr lang="en-US" altLang="ko-KR" sz="1000" dirty="0" smtClean="0">
+                <a:solidFill>
+                  <a:schemeClr val="tx1"/>
+                </a:solidFill>
+              </a:rPr>
+              <a:t>Size </a:t>
+            </a:r>
+            <a:r>
+              <a:rPr lang="en-US" altLang="ko-KR" sz="1000" dirty="0" smtClean="0">
+                <a:solidFill>
+                  <a:schemeClr val="tx1"/>
+                </a:solidFill>
+              </a:rPr>
+              <a:t>= </a:t>
+            </a:r>
+            <a:r>
+              <a:rPr lang="en-US" altLang="ko-KR" sz="1000" dirty="0" err="1" smtClean="0">
+                <a:solidFill>
+                  <a:schemeClr val="tx1"/>
+                </a:solidFill>
+              </a:rPr>
+              <a:t>SizeEdit.Value</a:t>
+            </a:r>
+            <a:endParaRPr lang="ko-KR" altLang="en-US" sz="1000" dirty="0">
+              <a:solidFill>
+                <a:schemeClr val="tx1"/>
+              </a:solidFill>
+            </a:endParaRPr>
+          </a:p>
+        </p:txBody>
+      </p:sp>
       <p:cxnSp>
         <p:nvCxnSpPr>
-          <p:cNvPr id="168" name="직선 화살표 연결선 167"/>
+          <p:cNvPr id="100" name="직선 화살표 연결선 99"/>
           <p:cNvCxnSpPr>
-            <a:stCxn id="78" idx="2"/>
-            <a:endCxn id="113" idx="0"/>
+            <a:stCxn id="65" idx="2"/>
+            <a:endCxn id="98" idx="0"/>
           </p:cNvCxnSpPr>
           <p:nvPr/>
         </p:nvCxnSpPr>
         <p:spPr>
-          <a:xfrm>
-            <a:off x="6417384" y="4077072"/>
-            <a:ext cx="0" cy="72008"/>
+          <a:xfrm flipH="1">
+            <a:off x="2078340" y="3456889"/>
+            <a:ext cx="3576" cy="332151"/>
           </a:xfrm>
           <a:prstGeom prst="straightConnector1">
             <a:avLst/>
@@ -7040,114 +6526,17 @@
       </p:cxnSp>
       <p:cxnSp>
         <p:nvCxnSpPr>
-          <p:cNvPr id="172" name="Shape 171"/>
+          <p:cNvPr id="104" name="직선 화살표 연결선 103"/>
           <p:cNvCxnSpPr>
-            <a:stCxn id="111" idx="3"/>
-          </p:cNvCxnSpPr>
-          <p:nvPr/>
-        </p:nvCxnSpPr>
-        <p:spPr>
-          <a:xfrm flipH="1" flipV="1">
-            <a:off x="11449372" y="2996952"/>
-            <a:ext cx="2664296" cy="474563"/>
-          </a:xfrm>
-          <a:prstGeom prst="bentConnector3">
-            <a:avLst>
-              <a:gd name="adj1" fmla="val -3089"/>
-            </a:avLst>
-          </a:prstGeom>
-          <a:ln>
-            <a:tailEnd type="arrow"/>
-          </a:ln>
-        </p:spPr>
-        <p:style>
-          <a:lnRef idx="1">
-            <a:schemeClr val="accent1"/>
-          </a:lnRef>
-          <a:fillRef idx="0">
-            <a:schemeClr val="accent1"/>
-          </a:fillRef>
-          <a:effectRef idx="0">
-            <a:schemeClr val="accent1"/>
-          </a:effectRef>
-          <a:fontRef idx="minor">
-            <a:schemeClr val="tx1"/>
-          </a:fontRef>
-        </p:style>
-      </p:cxnSp>
-      <p:sp>
-        <p:nvSpPr>
-          <p:cNvPr id="174" name="TextBox 173"/>
-          <p:cNvSpPr txBox="1"/>
-          <p:nvPr/>
-        </p:nvSpPr>
-        <p:spPr>
-          <a:xfrm>
-            <a:off x="10963604" y="3717032"/>
-            <a:ext cx="216024" cy="153888"/>
-          </a:xfrm>
-          <a:prstGeom prst="rect">
-            <a:avLst/>
-          </a:prstGeom>
-          <a:noFill/>
-        </p:spPr>
-        <p:txBody>
-          <a:bodyPr wrap="square" lIns="0" tIns="0" rIns="0" bIns="0" rtlCol="0">
-            <a:spAutoFit/>
-          </a:bodyPr>
-          <a:lstStyle/>
-          <a:p>
-            <a:r>
-              <a:rPr lang="en-US" altLang="ko-KR" sz="1000" dirty="0" smtClean="0"/>
-              <a:t>Yes</a:t>
-            </a:r>
-            <a:endParaRPr lang="ko-KR" altLang="en-US" sz="1000" dirty="0"/>
-          </a:p>
-        </p:txBody>
-      </p:sp>
-      <p:sp>
-        <p:nvSpPr>
-          <p:cNvPr id="175" name="TextBox 174"/>
-          <p:cNvSpPr txBox="1"/>
-          <p:nvPr/>
-        </p:nvSpPr>
-        <p:spPr>
-          <a:xfrm>
-            <a:off x="13969652" y="3284984"/>
-            <a:ext cx="216024" cy="153888"/>
-          </a:xfrm>
-          <a:prstGeom prst="rect">
-            <a:avLst/>
-          </a:prstGeom>
-          <a:noFill/>
-        </p:spPr>
-        <p:txBody>
-          <a:bodyPr wrap="square" lIns="0" tIns="0" rIns="0" bIns="0" rtlCol="0">
-            <a:spAutoFit/>
-          </a:bodyPr>
-          <a:lstStyle/>
-          <a:p>
-            <a:r>
-              <a:rPr lang="en-US" altLang="ko-KR" sz="1000" dirty="0" smtClean="0"/>
-              <a:t>No</a:t>
-            </a:r>
-            <a:endParaRPr lang="ko-KR" altLang="en-US" sz="1000" dirty="0"/>
-          </a:p>
-        </p:txBody>
-      </p:sp>
-      <p:cxnSp>
-        <p:nvCxnSpPr>
-          <p:cNvPr id="180" name="직선 화살표 연결선 179"/>
-          <p:cNvCxnSpPr>
-            <a:stCxn id="111" idx="2"/>
-            <a:endCxn id="92" idx="0"/>
+            <a:stCxn id="98" idx="2"/>
+            <a:endCxn id="67" idx="0"/>
           </p:cNvCxnSpPr>
           <p:nvPr/>
         </p:nvCxnSpPr>
         <p:spPr>
           <a:xfrm>
-            <a:off x="11463322" y="3789040"/>
-            <a:ext cx="3766" cy="216025"/>
+            <a:off x="2078340" y="4023358"/>
+            <a:ext cx="3576" cy="387464"/>
           </a:xfrm>
           <a:prstGeom prst="straightConnector1">
             <a:avLst/>
@@ -7173,13 +6562,299 @@
       </p:cxnSp>
       <p:sp>
         <p:nvSpPr>
-          <p:cNvPr id="190" name="순서도: 수행의 시작/종료 189"/>
+          <p:cNvPr id="119" name="직사각형 118"/>
           <p:cNvSpPr/>
           <p:nvPr/>
         </p:nvSpPr>
         <p:spPr>
+          <a:xfrm rot="10800000" flipV="1">
+            <a:off x="1106232" y="5877272"/>
+            <a:ext cx="1944216" cy="234318"/>
+          </a:xfrm>
+          <a:prstGeom prst="rect">
+            <a:avLst/>
+          </a:prstGeom>
+          <a:noFill/>
+        </p:spPr>
+        <p:style>
+          <a:lnRef idx="2">
+            <a:schemeClr val="accent1">
+              <a:shade val="50000"/>
+            </a:schemeClr>
+          </a:lnRef>
+          <a:fillRef idx="1">
+            <a:schemeClr val="accent1"/>
+          </a:fillRef>
+          <a:effectRef idx="0">
+            <a:schemeClr val="accent1"/>
+          </a:effectRef>
+          <a:fontRef idx="minor">
+            <a:schemeClr val="lt1"/>
+          </a:fontRef>
+        </p:style>
+        <p:txBody>
+          <a:bodyPr lIns="0" tIns="0" rIns="0" bIns="0" rtlCol="0" anchor="ctr"/>
+          <a:lstStyle/>
+          <a:p>
+            <a:pPr algn="ctr"/>
+            <a:r>
+              <a:rPr lang="en-US" altLang="ko-KR" sz="1000" dirty="0" smtClean="0">
+                <a:solidFill>
+                  <a:schemeClr val="tx1"/>
+                </a:solidFill>
+              </a:rPr>
+              <a:t>Interval</a:t>
+            </a:r>
+            <a:r>
+              <a:rPr lang="en-US" altLang="ko-KR" sz="1000" dirty="0" smtClean="0">
+                <a:solidFill>
+                  <a:schemeClr val="tx1"/>
+                </a:solidFill>
+              </a:rPr>
+              <a:t> </a:t>
+            </a:r>
+            <a:r>
+              <a:rPr lang="en-US" altLang="ko-KR" sz="1000" dirty="0" smtClean="0">
+                <a:solidFill>
+                  <a:schemeClr val="tx1"/>
+                </a:solidFill>
+              </a:rPr>
+              <a:t>= </a:t>
+            </a:r>
+            <a:r>
+              <a:rPr lang="en-US" altLang="ko-KR" sz="1000" dirty="0" err="1" smtClean="0">
+                <a:solidFill>
+                  <a:schemeClr val="tx1"/>
+                </a:solidFill>
+              </a:rPr>
+              <a:t>Intervak</a:t>
+            </a:r>
+            <a:r>
+              <a:rPr lang="en-US" altLang="ko-KR" sz="1000" dirty="0" err="1" smtClean="0">
+                <a:solidFill>
+                  <a:schemeClr val="tx1"/>
+                </a:solidFill>
+              </a:rPr>
+              <a:t>Edit.Value</a:t>
+            </a:r>
+            <a:endParaRPr lang="ko-KR" altLang="en-US" sz="1000" dirty="0">
+              <a:solidFill>
+                <a:schemeClr val="tx1"/>
+              </a:solidFill>
+            </a:endParaRPr>
+          </a:p>
+        </p:txBody>
+      </p:sp>
+      <p:cxnSp>
+        <p:nvCxnSpPr>
+          <p:cNvPr id="123" name="직선 화살표 연결선 122"/>
+          <p:cNvCxnSpPr>
+            <a:stCxn id="71" idx="2"/>
+            <a:endCxn id="119" idx="0"/>
+          </p:cNvCxnSpPr>
+          <p:nvPr/>
+        </p:nvCxnSpPr>
+        <p:spPr>
+          <a:xfrm flipH="1">
+            <a:off x="2078340" y="5563409"/>
+            <a:ext cx="3576" cy="313863"/>
+          </a:xfrm>
+          <a:prstGeom prst="straightConnector1">
+            <a:avLst/>
+          </a:prstGeom>
+          <a:ln>
+            <a:tailEnd type="arrow"/>
+          </a:ln>
+        </p:spPr>
+        <p:style>
+          <a:lnRef idx="1">
+            <a:schemeClr val="accent1"/>
+          </a:lnRef>
+          <a:fillRef idx="0">
+            <a:schemeClr val="accent1"/>
+          </a:fillRef>
+          <a:effectRef idx="0">
+            <a:schemeClr val="accent1"/>
+          </a:effectRef>
+          <a:fontRef idx="minor">
+            <a:schemeClr val="tx1"/>
+          </a:fontRef>
+        </p:style>
+      </p:cxnSp>
+      <p:cxnSp>
+        <p:nvCxnSpPr>
+          <p:cNvPr id="124" name="직선 화살표 연결선 123"/>
+          <p:cNvCxnSpPr>
+            <a:stCxn id="119" idx="2"/>
+            <a:endCxn id="73" idx="0"/>
+          </p:cNvCxnSpPr>
+          <p:nvPr/>
+        </p:nvCxnSpPr>
+        <p:spPr>
           <a:xfrm>
-            <a:off x="10422972" y="4518264"/>
+            <a:off x="2078340" y="6111590"/>
+            <a:ext cx="3576" cy="387464"/>
+          </a:xfrm>
+          <a:prstGeom prst="straightConnector1">
+            <a:avLst/>
+          </a:prstGeom>
+          <a:ln>
+            <a:tailEnd type="arrow"/>
+          </a:ln>
+        </p:spPr>
+        <p:style>
+          <a:lnRef idx="1">
+            <a:schemeClr val="accent1"/>
+          </a:lnRef>
+          <a:fillRef idx="0">
+            <a:schemeClr val="accent1"/>
+          </a:fillRef>
+          <a:effectRef idx="0">
+            <a:schemeClr val="accent1"/>
+          </a:effectRef>
+          <a:fontRef idx="minor">
+            <a:schemeClr val="tx1"/>
+          </a:fontRef>
+        </p:style>
+      </p:cxnSp>
+      <p:grpSp>
+        <p:nvGrpSpPr>
+          <p:cNvPr id="131" name="그룹 20"/>
+          <p:cNvGrpSpPr/>
+          <p:nvPr/>
+        </p:nvGrpSpPr>
+        <p:grpSpPr>
+          <a:xfrm>
+            <a:off x="72108" y="620688"/>
+            <a:ext cx="4104456" cy="1944218"/>
+            <a:chOff x="4926749" y="1484784"/>
+            <a:chExt cx="2185953" cy="680424"/>
+          </a:xfrm>
+        </p:grpSpPr>
+        <p:sp>
+          <p:nvSpPr>
+            <p:cNvPr id="132" name="직사각형 131"/>
+            <p:cNvSpPr/>
+            <p:nvPr/>
+          </p:nvSpPr>
+          <p:spPr>
+            <a:xfrm rot="10800000" flipV="1">
+              <a:off x="4926749" y="1484784"/>
+              <a:ext cx="2185952" cy="680424"/>
+            </a:xfrm>
+            <a:prstGeom prst="rect">
+              <a:avLst/>
+            </a:prstGeom>
+            <a:noFill/>
+          </p:spPr>
+          <p:style>
+            <a:lnRef idx="2">
+              <a:schemeClr val="accent1">
+                <a:shade val="50000"/>
+              </a:schemeClr>
+            </a:lnRef>
+            <a:fillRef idx="1">
+              <a:schemeClr val="accent1"/>
+            </a:fillRef>
+            <a:effectRef idx="0">
+              <a:schemeClr val="accent1"/>
+            </a:effectRef>
+            <a:fontRef idx="minor">
+              <a:schemeClr val="lt1"/>
+            </a:fontRef>
+          </p:style>
+          <p:txBody>
+            <a:bodyPr lIns="0" tIns="0" rIns="0" bIns="0" rtlCol="0" anchor="ctr"/>
+            <a:lstStyle/>
+            <a:p>
+              <a:pPr algn="ctr"/>
+              <a:endParaRPr lang="ko-KR" altLang="en-US" sz="1200" dirty="0">
+                <a:solidFill>
+                  <a:schemeClr val="tx1"/>
+                </a:solidFill>
+              </a:endParaRPr>
+            </a:p>
+          </p:txBody>
+        </p:sp>
+        <p:sp>
+          <p:nvSpPr>
+            <p:cNvPr id="133" name="직사각형 132"/>
+            <p:cNvSpPr/>
+            <p:nvPr/>
+          </p:nvSpPr>
+          <p:spPr>
+            <a:xfrm rot="10800000" flipV="1">
+              <a:off x="4926752" y="1484784"/>
+              <a:ext cx="2185950" cy="122688"/>
+            </a:xfrm>
+            <a:prstGeom prst="rect">
+              <a:avLst/>
+            </a:prstGeom>
+            <a:noFill/>
+          </p:spPr>
+          <p:style>
+            <a:lnRef idx="2">
+              <a:schemeClr val="accent1">
+                <a:shade val="50000"/>
+              </a:schemeClr>
+            </a:lnRef>
+            <a:fillRef idx="1">
+              <a:schemeClr val="accent1"/>
+            </a:fillRef>
+            <a:effectRef idx="0">
+              <a:schemeClr val="accent1"/>
+            </a:effectRef>
+            <a:fontRef idx="minor">
+              <a:schemeClr val="lt1"/>
+            </a:fontRef>
+          </p:style>
+          <p:txBody>
+            <a:bodyPr lIns="0" tIns="0" rIns="0" bIns="0" rtlCol="0" anchor="ctr"/>
+            <a:lstStyle/>
+            <a:p>
+              <a:pPr algn="ctr"/>
+              <a:r>
+                <a:rPr lang="en-US" altLang="ko-KR" sz="1200" dirty="0" smtClean="0">
+                  <a:solidFill>
+                    <a:schemeClr val="tx1"/>
+                  </a:solidFill>
+                </a:rPr>
+                <a:t>ColorBox1Change(Sender : </a:t>
+              </a:r>
+              <a:r>
+                <a:rPr lang="en-US" altLang="ko-KR" sz="1200" dirty="0" err="1" smtClean="0">
+                  <a:solidFill>
+                    <a:schemeClr val="tx1"/>
+                  </a:solidFill>
+                </a:rPr>
+                <a:t>TObject</a:t>
+              </a:r>
+              <a:r>
+                <a:rPr lang="en-US" altLang="ko-KR" sz="1200" dirty="0" smtClean="0">
+                  <a:solidFill>
+                    <a:schemeClr val="tx1"/>
+                  </a:solidFill>
+                </a:rPr>
+                <a:t>)</a:t>
+              </a:r>
+              <a:endParaRPr lang="ko-KR" altLang="en-US" sz="1200" dirty="0">
+                <a:solidFill>
+                  <a:schemeClr val="tx1"/>
+                </a:solidFill>
+              </a:endParaRPr>
+            </a:p>
+          </p:txBody>
+        </p:sp>
+      </p:grpSp>
+      <p:sp>
+        <p:nvSpPr>
+          <p:cNvPr id="136" name="순서도: 수행의 시작/종료 135"/>
+          <p:cNvSpPr/>
+          <p:nvPr/>
+        </p:nvSpPr>
+        <p:spPr>
+          <a:xfrm>
+            <a:off x="1037800" y="1008619"/>
             <a:ext cx="2088232" cy="288032"/>
           </a:xfrm>
           <a:prstGeom prst="flowChartTerminator">
@@ -7214,7 +6889,7 @@
                   <a:schemeClr val="tx1"/>
                 </a:solidFill>
               </a:rPr>
-              <a:t>END</a:t>
+              <a:t>START</a:t>
             </a:r>
             <a:endParaRPr lang="ko-KR" altLang="en-US" sz="1000" dirty="0">
               <a:solidFill>
@@ -7226,13 +6901,13 @@
       </p:sp>
       <p:sp>
         <p:nvSpPr>
-          <p:cNvPr id="192" name="순서도: 수행의 시작/종료 191"/>
+          <p:cNvPr id="138" name="순서도: 수행의 시작/종료 137"/>
           <p:cNvSpPr/>
           <p:nvPr/>
         </p:nvSpPr>
         <p:spPr>
           <a:xfrm>
-            <a:off x="10413828" y="2564904"/>
+            <a:off x="1037800" y="2250584"/>
             <a:ext cx="2088232" cy="288032"/>
           </a:xfrm>
           <a:prstGeom prst="flowChartTerminator">
@@ -7267,7 +6942,7 @@
                   <a:schemeClr val="tx1"/>
                 </a:solidFill>
               </a:rPr>
-              <a:t>START</a:t>
+              <a:t>END</a:t>
             </a:r>
             <a:endParaRPr lang="ko-KR" altLang="en-US" sz="1000" dirty="0">
               <a:solidFill>
@@ -7277,19 +6952,131 @@
           </a:p>
         </p:txBody>
       </p:sp>
+      <p:sp>
+        <p:nvSpPr>
+          <p:cNvPr id="140" name="직사각형 139"/>
+          <p:cNvSpPr/>
+          <p:nvPr/>
+        </p:nvSpPr>
+        <p:spPr>
+          <a:xfrm rot="10800000" flipV="1">
+            <a:off x="196140" y="1484784"/>
+            <a:ext cx="3764400" cy="648072"/>
+          </a:xfrm>
+          <a:prstGeom prst="rect">
+            <a:avLst/>
+          </a:prstGeom>
+          <a:noFill/>
+        </p:spPr>
+        <p:style>
+          <a:lnRef idx="2">
+            <a:schemeClr val="accent1">
+              <a:shade val="50000"/>
+            </a:schemeClr>
+          </a:lnRef>
+          <a:fillRef idx="1">
+            <a:schemeClr val="accent1"/>
+          </a:fillRef>
+          <a:effectRef idx="0">
+            <a:schemeClr val="accent1"/>
+          </a:effectRef>
+          <a:fontRef idx="minor">
+            <a:schemeClr val="lt1"/>
+          </a:fontRef>
+        </p:style>
+        <p:txBody>
+          <a:bodyPr lIns="0" tIns="0" rIns="0" bIns="0" rtlCol="0" anchor="ctr"/>
+          <a:lstStyle/>
+          <a:p>
+            <a:pPr algn="ctr"/>
+            <a:r>
+              <a:rPr lang="en-US" altLang="ko-KR" sz="1000" dirty="0" err="1" smtClean="0">
+                <a:solidFill>
+                  <a:schemeClr val="tx1"/>
+                </a:solidFill>
+              </a:rPr>
+              <a:t>Pen.color</a:t>
+            </a:r>
+            <a:r>
+              <a:rPr lang="en-US" altLang="ko-KR" sz="1000" dirty="0" smtClean="0">
+                <a:solidFill>
+                  <a:schemeClr val="tx1"/>
+                </a:solidFill>
+              </a:rPr>
+              <a:t> = </a:t>
+            </a:r>
+            <a:r>
+              <a:rPr lang="en-US" altLang="ko-KR" sz="1000" dirty="0" smtClean="0">
+                <a:solidFill>
+                  <a:schemeClr val="tx1"/>
+                </a:solidFill>
+              </a:rPr>
+              <a:t>ColorBox1.Selected;</a:t>
+            </a:r>
+          </a:p>
+          <a:p>
+            <a:pPr algn="ctr"/>
+            <a:r>
+              <a:rPr lang="en-US" altLang="ko-KR" sz="1000" dirty="0" smtClean="0">
+                <a:solidFill>
+                  <a:schemeClr val="tx1"/>
+                </a:solidFill>
+              </a:rPr>
+              <a:t>  </a:t>
+            </a:r>
+            <a:r>
+              <a:rPr lang="en-US" altLang="ko-KR" sz="1000" dirty="0" err="1" smtClean="0">
+                <a:solidFill>
+                  <a:schemeClr val="tx1"/>
+                </a:solidFill>
+              </a:rPr>
+              <a:t>ColorPan.Color</a:t>
+            </a:r>
+            <a:r>
+              <a:rPr lang="en-US" altLang="ko-KR" sz="1000" dirty="0" smtClean="0">
+                <a:solidFill>
+                  <a:schemeClr val="tx1"/>
+                </a:solidFill>
+              </a:rPr>
+              <a:t> </a:t>
+            </a:r>
+            <a:r>
+              <a:rPr lang="en-US" altLang="ko-KR" sz="1000" dirty="0" smtClean="0">
+                <a:solidFill>
+                  <a:schemeClr val="tx1"/>
+                </a:solidFill>
+              </a:rPr>
+              <a:t>: </a:t>
+            </a:r>
+            <a:r>
+              <a:rPr lang="en-US" altLang="ko-KR" sz="1000" dirty="0" smtClean="0">
+                <a:solidFill>
+                  <a:schemeClr val="tx1"/>
+                </a:solidFill>
+              </a:rPr>
+              <a:t>ColorBox1.Selected;</a:t>
+            </a:r>
+            <a:endParaRPr lang="ko-KR" altLang="en-US" sz="1000" dirty="0">
+              <a:solidFill>
+                <a:schemeClr val="tx1"/>
+              </a:solidFill>
+            </a:endParaRPr>
+          </a:p>
+        </p:txBody>
+      </p:sp>
       <p:cxnSp>
         <p:nvCxnSpPr>
-          <p:cNvPr id="195" name="직선 화살표 연결선 194"/>
+          <p:cNvPr id="141" name="직선 화살표 연결선 140"/>
           <p:cNvCxnSpPr>
-            <a:stCxn id="192" idx="2"/>
-            <a:endCxn id="111" idx="0"/>
+            <a:stCxn id="136" idx="2"/>
+            <a:endCxn id="140" idx="0"/>
           </p:cNvCxnSpPr>
           <p:nvPr/>
         </p:nvCxnSpPr>
         <p:spPr>
-          <a:xfrm>
-            <a:off x="11457944" y="2852936"/>
-            <a:ext cx="5378" cy="301054"/>
+          <a:xfrm flipH="1">
+            <a:off x="2078340" y="1296651"/>
+            <a:ext cx="3576" cy="188133"/>
           </a:xfrm>
           <a:prstGeom prst="straightConnector1">
             <a:avLst/>
@@ -7315,17 +7102,702 @@
       </p:cxnSp>
       <p:cxnSp>
         <p:nvCxnSpPr>
-          <p:cNvPr id="200" name="직선 화살표 연결선 199"/>
+          <p:cNvPr id="142" name="직선 화살표 연결선 141"/>
           <p:cNvCxnSpPr>
-            <a:stCxn id="92" idx="2"/>
-            <a:endCxn id="190" idx="0"/>
+            <a:stCxn id="140" idx="2"/>
+            <a:endCxn id="138" idx="0"/>
           </p:cNvCxnSpPr>
           <p:nvPr/>
         </p:nvCxnSpPr>
         <p:spPr>
           <a:xfrm>
-            <a:off x="11467088" y="4365104"/>
-            <a:ext cx="0" cy="153160"/>
+            <a:off x="2078340" y="2132856"/>
+            <a:ext cx="3576" cy="117728"/>
+          </a:xfrm>
+          <a:prstGeom prst="straightConnector1">
+            <a:avLst/>
+          </a:prstGeom>
+          <a:ln>
+            <a:tailEnd type="arrow"/>
+          </a:ln>
+        </p:spPr>
+        <p:style>
+          <a:lnRef idx="1">
+            <a:schemeClr val="accent1"/>
+          </a:lnRef>
+          <a:fillRef idx="0">
+            <a:schemeClr val="accent1"/>
+          </a:fillRef>
+          <a:effectRef idx="0">
+            <a:schemeClr val="accent1"/>
+          </a:effectRef>
+          <a:fontRef idx="minor">
+            <a:schemeClr val="tx1"/>
+          </a:fontRef>
+        </p:style>
+      </p:cxnSp>
+      <p:sp>
+        <p:nvSpPr>
+          <p:cNvPr id="167" name="직사각형 166"/>
+          <p:cNvSpPr/>
+          <p:nvPr/>
+        </p:nvSpPr>
+        <p:spPr>
+          <a:xfrm rot="10800000" flipV="1">
+            <a:off x="10369252" y="3717032"/>
+            <a:ext cx="3168352" cy="234318"/>
+          </a:xfrm>
+          <a:prstGeom prst="rect">
+            <a:avLst/>
+          </a:prstGeom>
+          <a:noFill/>
+        </p:spPr>
+        <p:style>
+          <a:lnRef idx="2">
+            <a:schemeClr val="accent1">
+              <a:shade val="50000"/>
+            </a:schemeClr>
+          </a:lnRef>
+          <a:fillRef idx="1">
+            <a:schemeClr val="accent1"/>
+          </a:fillRef>
+          <a:effectRef idx="0">
+            <a:schemeClr val="accent1"/>
+          </a:effectRef>
+          <a:fontRef idx="minor">
+            <a:schemeClr val="lt1"/>
+          </a:fontRef>
+        </p:style>
+        <p:txBody>
+          <a:bodyPr lIns="0" tIns="0" rIns="0" bIns="0" rtlCol="0" anchor="ctr"/>
+          <a:lstStyle/>
+          <a:p>
+            <a:pPr algn="ctr"/>
+            <a:r>
+              <a:rPr lang="en-US" altLang="ko-KR" sz="1000" dirty="0" smtClean="0">
+                <a:solidFill>
+                  <a:schemeClr val="tx1"/>
+                </a:solidFill>
+              </a:rPr>
+              <a:t>Ellipse(</a:t>
+            </a:r>
+            <a:r>
+              <a:rPr lang="en-US" altLang="ko-KR" sz="1000" dirty="0" err="1" smtClean="0">
+                <a:solidFill>
+                  <a:schemeClr val="tx1"/>
+                </a:solidFill>
+              </a:rPr>
+              <a:t>aRecord</a:t>
+            </a:r>
+            <a:r>
+              <a:rPr lang="en-US" altLang="ko-KR" sz="1000" dirty="0" smtClean="0">
+                <a:solidFill>
+                  <a:schemeClr val="tx1"/>
+                </a:solidFill>
+              </a:rPr>
+              <a:t>. </a:t>
+            </a:r>
+            <a:r>
+              <a:rPr lang="en-US" altLang="ko-KR" sz="1000" dirty="0" err="1" smtClean="0">
+                <a:solidFill>
+                  <a:schemeClr val="tx1"/>
+                </a:solidFill>
+              </a:rPr>
+              <a:t>iXBegin</a:t>
+            </a:r>
+            <a:r>
+              <a:rPr lang="en-US" altLang="ko-KR" sz="1000" dirty="0" smtClean="0">
+                <a:solidFill>
+                  <a:schemeClr val="tx1"/>
+                </a:solidFill>
+              </a:rPr>
+              <a:t>, </a:t>
+            </a:r>
+            <a:r>
+              <a:rPr lang="en-US" altLang="ko-KR" sz="1000" dirty="0" err="1" smtClean="0">
+                <a:solidFill>
+                  <a:schemeClr val="tx1"/>
+                </a:solidFill>
+              </a:rPr>
+              <a:t>iYBegin</a:t>
+            </a:r>
+            <a:r>
+              <a:rPr lang="en-US" altLang="ko-KR" sz="1000" dirty="0" smtClean="0">
+                <a:solidFill>
+                  <a:schemeClr val="tx1"/>
+                </a:solidFill>
+              </a:rPr>
+              <a:t>, </a:t>
+            </a:r>
+            <a:r>
+              <a:rPr lang="en-US" altLang="ko-KR" sz="1000" dirty="0" err="1" smtClean="0">
+                <a:solidFill>
+                  <a:schemeClr val="tx1"/>
+                </a:solidFill>
+              </a:rPr>
+              <a:t>iYEnd</a:t>
+            </a:r>
+            <a:r>
+              <a:rPr lang="en-US" altLang="ko-KR" sz="1000" dirty="0" smtClean="0">
+                <a:solidFill>
+                  <a:schemeClr val="tx1"/>
+                </a:solidFill>
+              </a:rPr>
+              <a:t>) </a:t>
+            </a:r>
+            <a:endParaRPr lang="ko-KR" altLang="en-US" sz="1000" dirty="0">
+              <a:solidFill>
+                <a:schemeClr val="tx1"/>
+              </a:solidFill>
+            </a:endParaRPr>
+          </a:p>
+        </p:txBody>
+      </p:sp>
+      <p:sp>
+        <p:nvSpPr>
+          <p:cNvPr id="169" name="직사각형 168"/>
+          <p:cNvSpPr/>
+          <p:nvPr/>
+        </p:nvSpPr>
+        <p:spPr>
+          <a:xfrm rot="10800000" flipV="1">
+            <a:off x="10387724" y="1916832"/>
+            <a:ext cx="3148920" cy="234318"/>
+          </a:xfrm>
+          <a:prstGeom prst="rect">
+            <a:avLst/>
+          </a:prstGeom>
+          <a:noFill/>
+        </p:spPr>
+        <p:style>
+          <a:lnRef idx="2">
+            <a:schemeClr val="accent1">
+              <a:shade val="50000"/>
+            </a:schemeClr>
+          </a:lnRef>
+          <a:fillRef idx="1">
+            <a:schemeClr val="accent1"/>
+          </a:fillRef>
+          <a:effectRef idx="0">
+            <a:schemeClr val="accent1"/>
+          </a:effectRef>
+          <a:fontRef idx="minor">
+            <a:schemeClr val="lt1"/>
+          </a:fontRef>
+        </p:style>
+        <p:txBody>
+          <a:bodyPr lIns="0" tIns="0" rIns="0" bIns="0" rtlCol="0" anchor="ctr"/>
+          <a:lstStyle/>
+          <a:p>
+            <a:pPr algn="ctr"/>
+            <a:r>
+              <a:rPr lang="en-US" altLang="ko-KR" sz="1000" dirty="0" err="1" smtClean="0">
+                <a:solidFill>
+                  <a:schemeClr val="tx1"/>
+                </a:solidFill>
+              </a:rPr>
+              <a:t>aColorTemp</a:t>
+            </a:r>
+            <a:r>
+              <a:rPr lang="en-US" altLang="ko-KR" sz="1000" dirty="0" smtClean="0">
+                <a:solidFill>
+                  <a:schemeClr val="tx1"/>
+                </a:solidFill>
+              </a:rPr>
+              <a:t> = </a:t>
+            </a:r>
+            <a:r>
+              <a:rPr lang="en-US" altLang="ko-KR" sz="1000" dirty="0" err="1" smtClean="0">
+                <a:solidFill>
+                  <a:schemeClr val="tx1"/>
+                </a:solidFill>
+              </a:rPr>
+              <a:t>Pen.Color</a:t>
+            </a:r>
+            <a:r>
+              <a:rPr lang="en-US" altLang="ko-KR" sz="1000" dirty="0" smtClean="0">
+                <a:solidFill>
+                  <a:schemeClr val="tx1"/>
+                </a:solidFill>
+              </a:rPr>
+              <a:t> </a:t>
+            </a:r>
+            <a:endParaRPr lang="ko-KR" altLang="en-US" sz="1000" dirty="0">
+              <a:solidFill>
+                <a:schemeClr val="tx1"/>
+              </a:solidFill>
+            </a:endParaRPr>
+          </a:p>
+        </p:txBody>
+      </p:sp>
+      <p:sp>
+        <p:nvSpPr>
+          <p:cNvPr id="170" name="직사각형 169"/>
+          <p:cNvSpPr/>
+          <p:nvPr/>
+        </p:nvSpPr>
+        <p:spPr>
+          <a:xfrm rot="10800000" flipV="1">
+            <a:off x="10387724" y="2295167"/>
+            <a:ext cx="3148920" cy="234318"/>
+          </a:xfrm>
+          <a:prstGeom prst="rect">
+            <a:avLst/>
+          </a:prstGeom>
+          <a:noFill/>
+        </p:spPr>
+        <p:style>
+          <a:lnRef idx="2">
+            <a:schemeClr val="accent1">
+              <a:shade val="50000"/>
+            </a:schemeClr>
+          </a:lnRef>
+          <a:fillRef idx="1">
+            <a:schemeClr val="accent1"/>
+          </a:fillRef>
+          <a:effectRef idx="0">
+            <a:schemeClr val="accent1"/>
+          </a:effectRef>
+          <a:fontRef idx="minor">
+            <a:schemeClr val="lt1"/>
+          </a:fontRef>
+        </p:style>
+        <p:txBody>
+          <a:bodyPr lIns="0" tIns="0" rIns="0" bIns="0" rtlCol="0" anchor="ctr"/>
+          <a:lstStyle/>
+          <a:p>
+            <a:pPr algn="ctr"/>
+            <a:r>
+              <a:rPr lang="en-US" altLang="ko-KR" sz="1000" dirty="0" err="1" smtClean="0">
+                <a:solidFill>
+                  <a:schemeClr val="tx1"/>
+                </a:solidFill>
+              </a:rPr>
+              <a:t>Pen.Color</a:t>
+            </a:r>
+            <a:r>
+              <a:rPr lang="en-US" altLang="ko-KR" sz="1000" dirty="0" smtClean="0">
+                <a:solidFill>
+                  <a:schemeClr val="tx1"/>
+                </a:solidFill>
+              </a:rPr>
+              <a:t> =</a:t>
+            </a:r>
+            <a:r>
+              <a:rPr lang="en-US" altLang="ko-KR" sz="1000" dirty="0" err="1" smtClean="0">
+                <a:solidFill>
+                  <a:schemeClr val="tx1"/>
+                </a:solidFill>
+              </a:rPr>
+              <a:t>clWhite</a:t>
+            </a:r>
+            <a:endParaRPr lang="ko-KR" altLang="en-US" sz="1000" dirty="0">
+              <a:solidFill>
+                <a:schemeClr val="tx1"/>
+              </a:solidFill>
+            </a:endParaRPr>
+          </a:p>
+        </p:txBody>
+      </p:sp>
+      <p:cxnSp>
+        <p:nvCxnSpPr>
+          <p:cNvPr id="176" name="직선 화살표 연결선 175"/>
+          <p:cNvCxnSpPr>
+            <a:stCxn id="167" idx="2"/>
+            <a:endCxn id="80" idx="0"/>
+          </p:cNvCxnSpPr>
+          <p:nvPr/>
+        </p:nvCxnSpPr>
+        <p:spPr>
+          <a:xfrm>
+            <a:off x="11953428" y="3951350"/>
+            <a:ext cx="4664" cy="170022"/>
+          </a:xfrm>
+          <a:prstGeom prst="straightConnector1">
+            <a:avLst/>
+          </a:prstGeom>
+          <a:ln>
+            <a:tailEnd type="arrow"/>
+          </a:ln>
+        </p:spPr>
+        <p:style>
+          <a:lnRef idx="1">
+            <a:schemeClr val="accent1"/>
+          </a:lnRef>
+          <a:fillRef idx="0">
+            <a:schemeClr val="accent1"/>
+          </a:fillRef>
+          <a:effectRef idx="0">
+            <a:schemeClr val="accent1"/>
+          </a:effectRef>
+          <a:fontRef idx="minor">
+            <a:schemeClr val="tx1"/>
+          </a:fontRef>
+        </p:style>
+      </p:cxnSp>
+      <p:sp>
+        <p:nvSpPr>
+          <p:cNvPr id="177" name="직사각형 176"/>
+          <p:cNvSpPr/>
+          <p:nvPr/>
+        </p:nvSpPr>
+        <p:spPr>
+          <a:xfrm rot="10800000" flipV="1">
+            <a:off x="10369252" y="5445224"/>
+            <a:ext cx="3148920" cy="234318"/>
+          </a:xfrm>
+          <a:prstGeom prst="rect">
+            <a:avLst/>
+          </a:prstGeom>
+          <a:noFill/>
+        </p:spPr>
+        <p:style>
+          <a:lnRef idx="2">
+            <a:schemeClr val="accent1">
+              <a:shade val="50000"/>
+            </a:schemeClr>
+          </a:lnRef>
+          <a:fillRef idx="1">
+            <a:schemeClr val="accent1"/>
+          </a:fillRef>
+          <a:effectRef idx="0">
+            <a:schemeClr val="accent1"/>
+          </a:effectRef>
+          <a:fontRef idx="minor">
+            <a:schemeClr val="lt1"/>
+          </a:fontRef>
+        </p:style>
+        <p:txBody>
+          <a:bodyPr lIns="0" tIns="0" rIns="0" bIns="0" rtlCol="0" anchor="ctr"/>
+          <a:lstStyle/>
+          <a:p>
+            <a:pPr algn="ctr"/>
+            <a:r>
+              <a:rPr lang="en-US" altLang="ko-KR" sz="1000" dirty="0" smtClean="0">
+                <a:solidFill>
+                  <a:schemeClr val="tx1"/>
+                </a:solidFill>
+              </a:rPr>
+              <a:t> </a:t>
+            </a:r>
+            <a:r>
+              <a:rPr lang="en-US" altLang="ko-KR" sz="1000" dirty="0" err="1" smtClean="0">
+                <a:solidFill>
+                  <a:schemeClr val="tx1"/>
+                </a:solidFill>
+              </a:rPr>
+              <a:t>Pen.Color</a:t>
+            </a:r>
+            <a:r>
+              <a:rPr lang="en-US" altLang="ko-KR" sz="1000" dirty="0" smtClean="0">
+                <a:solidFill>
+                  <a:schemeClr val="tx1"/>
+                </a:solidFill>
+              </a:rPr>
+              <a:t> = </a:t>
+            </a:r>
+            <a:r>
+              <a:rPr lang="en-US" altLang="ko-KR" sz="1000" dirty="0" err="1" smtClean="0">
+                <a:solidFill>
+                  <a:schemeClr val="tx1"/>
+                </a:solidFill>
+              </a:rPr>
+              <a:t>aColorTemp</a:t>
+            </a:r>
+            <a:endParaRPr lang="ko-KR" altLang="en-US" sz="1000" dirty="0">
+              <a:solidFill>
+                <a:schemeClr val="tx1"/>
+              </a:solidFill>
+            </a:endParaRPr>
+          </a:p>
+        </p:txBody>
+      </p:sp>
+      <p:cxnSp>
+        <p:nvCxnSpPr>
+          <p:cNvPr id="181" name="직선 화살표 연결선 180"/>
+          <p:cNvCxnSpPr>
+            <a:stCxn id="169" idx="2"/>
+            <a:endCxn id="170" idx="0"/>
+          </p:cNvCxnSpPr>
+          <p:nvPr/>
+        </p:nvCxnSpPr>
+        <p:spPr>
+          <a:xfrm>
+            <a:off x="11962184" y="2151150"/>
+            <a:ext cx="0" cy="144017"/>
+          </a:xfrm>
+          <a:prstGeom prst="straightConnector1">
+            <a:avLst/>
+          </a:prstGeom>
+          <a:ln>
+            <a:tailEnd type="arrow"/>
+          </a:ln>
+        </p:spPr>
+        <p:style>
+          <a:lnRef idx="1">
+            <a:schemeClr val="accent1"/>
+          </a:lnRef>
+          <a:fillRef idx="0">
+            <a:schemeClr val="accent1"/>
+          </a:fillRef>
+          <a:effectRef idx="0">
+            <a:schemeClr val="accent1"/>
+          </a:effectRef>
+          <a:fontRef idx="minor">
+            <a:schemeClr val="tx1"/>
+          </a:fontRef>
+        </p:style>
+      </p:cxnSp>
+      <p:cxnSp>
+        <p:nvCxnSpPr>
+          <p:cNvPr id="183" name="직선 화살표 연결선 182"/>
+          <p:cNvCxnSpPr>
+            <a:stCxn id="170" idx="2"/>
+            <a:endCxn id="113" idx="0"/>
+          </p:cNvCxnSpPr>
+          <p:nvPr/>
+        </p:nvCxnSpPr>
+        <p:spPr>
+          <a:xfrm flipH="1">
+            <a:off x="11962000" y="2529485"/>
+            <a:ext cx="184" cy="107428"/>
+          </a:xfrm>
+          <a:prstGeom prst="straightConnector1">
+            <a:avLst/>
+          </a:prstGeom>
+          <a:ln>
+            <a:tailEnd type="arrow"/>
+          </a:ln>
+        </p:spPr>
+        <p:style>
+          <a:lnRef idx="1">
+            <a:schemeClr val="accent1"/>
+          </a:lnRef>
+          <a:fillRef idx="0">
+            <a:schemeClr val="accent1"/>
+          </a:fillRef>
+          <a:effectRef idx="0">
+            <a:schemeClr val="accent1"/>
+          </a:effectRef>
+          <a:fontRef idx="minor">
+            <a:schemeClr val="tx1"/>
+          </a:fontRef>
+        </p:style>
+      </p:cxnSp>
+      <p:cxnSp>
+        <p:nvCxnSpPr>
+          <p:cNvPr id="185" name="직선 화살표 연결선 184"/>
+          <p:cNvCxnSpPr>
+            <a:stCxn id="135" idx="2"/>
+            <a:endCxn id="177" idx="0"/>
+          </p:cNvCxnSpPr>
+          <p:nvPr/>
+        </p:nvCxnSpPr>
+        <p:spPr>
+          <a:xfrm flipH="1">
+            <a:off x="11943712" y="5291794"/>
+            <a:ext cx="14380" cy="153430"/>
+          </a:xfrm>
+          <a:prstGeom prst="straightConnector1">
+            <a:avLst/>
+          </a:prstGeom>
+          <a:ln>
+            <a:tailEnd type="arrow"/>
+          </a:ln>
+        </p:spPr>
+        <p:style>
+          <a:lnRef idx="1">
+            <a:schemeClr val="accent1"/>
+          </a:lnRef>
+          <a:fillRef idx="0">
+            <a:schemeClr val="accent1"/>
+          </a:fillRef>
+          <a:effectRef idx="0">
+            <a:schemeClr val="accent1"/>
+          </a:effectRef>
+          <a:fontRef idx="minor">
+            <a:schemeClr val="tx1"/>
+          </a:fontRef>
+        </p:style>
+      </p:cxnSp>
+      <p:cxnSp>
+        <p:nvCxnSpPr>
+          <p:cNvPr id="187" name="직선 화살표 연결선 186"/>
+          <p:cNvCxnSpPr>
+            <a:stCxn id="177" idx="2"/>
+            <a:endCxn id="79" idx="0"/>
+          </p:cNvCxnSpPr>
+          <p:nvPr/>
+        </p:nvCxnSpPr>
+        <p:spPr>
+          <a:xfrm flipH="1">
+            <a:off x="11934384" y="5679542"/>
+            <a:ext cx="9328" cy="125722"/>
+          </a:xfrm>
+          <a:prstGeom prst="straightConnector1">
+            <a:avLst/>
+          </a:prstGeom>
+          <a:ln>
+            <a:tailEnd type="arrow"/>
+          </a:ln>
+        </p:spPr>
+        <p:style>
+          <a:lnRef idx="1">
+            <a:schemeClr val="accent1"/>
+          </a:lnRef>
+          <a:fillRef idx="0">
+            <a:schemeClr val="accent1"/>
+          </a:fillRef>
+          <a:effectRef idx="0">
+            <a:schemeClr val="accent1"/>
+          </a:effectRef>
+          <a:fontRef idx="minor">
+            <a:schemeClr val="tx1"/>
+          </a:fontRef>
+        </p:style>
+      </p:cxnSp>
+      <p:sp>
+        <p:nvSpPr>
+          <p:cNvPr id="193" name="직사각형 192"/>
+          <p:cNvSpPr/>
+          <p:nvPr/>
+        </p:nvSpPr>
+        <p:spPr>
+          <a:xfrm rot="10800000" flipV="1">
+            <a:off x="5335932" y="1954559"/>
+            <a:ext cx="3568776" cy="234318"/>
+          </a:xfrm>
+          <a:prstGeom prst="rect">
+            <a:avLst/>
+          </a:prstGeom>
+          <a:noFill/>
+        </p:spPr>
+        <p:style>
+          <a:lnRef idx="2">
+            <a:schemeClr val="accent1">
+              <a:shade val="50000"/>
+            </a:schemeClr>
+          </a:lnRef>
+          <a:fillRef idx="1">
+            <a:schemeClr val="accent1"/>
+          </a:fillRef>
+          <a:effectRef idx="0">
+            <a:schemeClr val="accent1"/>
+          </a:effectRef>
+          <a:fontRef idx="minor">
+            <a:schemeClr val="lt1"/>
+          </a:fontRef>
+        </p:style>
+        <p:txBody>
+          <a:bodyPr lIns="0" tIns="0" rIns="0" bIns="0" rtlCol="0" anchor="ctr"/>
+          <a:lstStyle/>
+          <a:p>
+            <a:pPr algn="ctr"/>
+            <a:r>
+              <a:rPr lang="en-US" altLang="ko-KR" sz="1000" dirty="0" smtClean="0">
+                <a:solidFill>
+                  <a:schemeClr val="tx1"/>
+                </a:solidFill>
+              </a:rPr>
+              <a:t>Ellipse(</a:t>
+            </a:r>
+            <a:r>
+              <a:rPr lang="en-US" altLang="ko-KR" sz="1000" dirty="0" smtClean="0">
+                <a:solidFill>
+                  <a:schemeClr val="tx1"/>
+                </a:solidFill>
+              </a:rPr>
+              <a:t>(X-Interval, Y-Interval, </a:t>
+            </a:r>
+            <a:r>
+              <a:rPr lang="en-US" altLang="ko-KR" sz="1000" dirty="0" err="1" smtClean="0">
+                <a:solidFill>
+                  <a:schemeClr val="tx1"/>
+                </a:solidFill>
+              </a:rPr>
+              <a:t>X+Interval</a:t>
+            </a:r>
+            <a:r>
+              <a:rPr lang="en-US" altLang="ko-KR" sz="1000" dirty="0" smtClean="0">
+                <a:solidFill>
+                  <a:schemeClr val="tx1"/>
+                </a:solidFill>
+              </a:rPr>
+              <a:t>, </a:t>
+            </a:r>
+            <a:r>
+              <a:rPr lang="en-US" altLang="ko-KR" sz="1000" dirty="0" err="1" smtClean="0">
+                <a:solidFill>
+                  <a:schemeClr val="tx1"/>
+                </a:solidFill>
+              </a:rPr>
+              <a:t>Y+IntervaL</a:t>
+            </a:r>
+            <a:r>
+              <a:rPr lang="en-US" altLang="ko-KR" sz="1000" dirty="0" smtClean="0">
+                <a:solidFill>
+                  <a:schemeClr val="tx1"/>
+                </a:solidFill>
+              </a:rPr>
+              <a:t>) </a:t>
+            </a:r>
+            <a:endParaRPr lang="ko-KR" altLang="en-US" sz="1000" dirty="0">
+              <a:solidFill>
+                <a:schemeClr val="tx1"/>
+              </a:solidFill>
+            </a:endParaRPr>
+          </a:p>
+        </p:txBody>
+      </p:sp>
+      <p:cxnSp>
+        <p:nvCxnSpPr>
+          <p:cNvPr id="196" name="직선 화살표 연결선 195"/>
+          <p:cNvCxnSpPr>
+            <a:stCxn id="128" idx="2"/>
+            <a:endCxn id="193" idx="0"/>
+          </p:cNvCxnSpPr>
+          <p:nvPr/>
+        </p:nvCxnSpPr>
+        <p:spPr>
+          <a:xfrm>
+            <a:off x="7120320" y="1863119"/>
+            <a:ext cx="0" cy="91440"/>
+          </a:xfrm>
+          <a:prstGeom prst="straightConnector1">
+            <a:avLst/>
+          </a:prstGeom>
+          <a:ln>
+            <a:tailEnd type="arrow"/>
+          </a:ln>
+        </p:spPr>
+        <p:style>
+          <a:lnRef idx="1">
+            <a:schemeClr val="accent1"/>
+          </a:lnRef>
+          <a:fillRef idx="0">
+            <a:schemeClr val="accent1"/>
+          </a:fillRef>
+          <a:effectRef idx="0">
+            <a:schemeClr val="accent1"/>
+          </a:effectRef>
+          <a:fontRef idx="minor">
+            <a:schemeClr val="tx1"/>
+          </a:fontRef>
+        </p:style>
+      </p:cxnSp>
+      <p:cxnSp>
+        <p:nvCxnSpPr>
+          <p:cNvPr id="198" name="직선 화살표 연결선 197"/>
+          <p:cNvCxnSpPr>
+            <a:stCxn id="78" idx="2"/>
+            <a:endCxn id="169" idx="0"/>
+          </p:cNvCxnSpPr>
+          <p:nvPr/>
+        </p:nvCxnSpPr>
+        <p:spPr>
+          <a:xfrm>
+            <a:off x="11962000" y="1700808"/>
+            <a:ext cx="184" cy="216024"/>
           </a:xfrm>
           <a:prstGeom prst="straightConnector1">
             <a:avLst/>
@@ -7354,6 +7826,13 @@
   <p:clrMapOvr>
     <a:masterClrMapping/>
   </p:clrMapOvr>
+  <p:timing>
+    <p:tnLst>
+      <p:par>
+        <p:cTn id="1" dur="indefinite" restart="never" nodeType="tmRoot"/>
+      </p:par>
+    </p:tnLst>
+  </p:timing>
 </p:sld>
 </file>
 
@@ -8517,6 +8996,13 @@
   <p:clrMapOvr>
     <a:masterClrMapping/>
   </p:clrMapOvr>
+  <p:timing>
+    <p:tnLst>
+      <p:par>
+        <p:cTn id="1" dur="indefinite" restart="never" nodeType="tmRoot"/>
+      </p:par>
+    </p:tnLst>
+  </p:timing>
 </p:sld>
 </file>
 
